--- a/_posts/talks/courage-over-comfort.pptx
+++ b/_posts/talks/courage-over-comfort.pptx
@@ -8,7 +8,9 @@
     <p:sldId id="256" r:id="rId2"/>
     <p:sldId id="258" r:id="rId3"/>
     <p:sldId id="257" r:id="rId4"/>
-    <p:sldId id="259" r:id="rId5"/>
+    <p:sldId id="260" r:id="rId5"/>
+    <p:sldId id="261" r:id="rId6"/>
+    <p:sldId id="259" r:id="rId7"/>
   </p:sldIdLst>
   <p:sldSz cx="12192000" cy="6858000"/>
   <p:notesSz cx="6858000" cy="9144000"/>
@@ -113,6 +115,6934 @@
     </p:ext>
   </p:extLst>
 </p:presentation>
+</file>
+
+<file path=ppt/diagrams/colors1.xml><?xml version="1.0" encoding="utf-8"?>
+<dgm:colorsDef xmlns:dgm="http://schemas.openxmlformats.org/drawingml/2006/diagram" xmlns:a="http://schemas.openxmlformats.org/drawingml/2006/main" uniqueId="urn:microsoft.com/office/officeart/2005/8/colors/accent0_3">
+  <dgm:title val=""/>
+  <dgm:desc val=""/>
+  <dgm:catLst>
+    <dgm:cat type="mainScheme" pri="10300"/>
+  </dgm:catLst>
+  <dgm:styleLbl name="node0">
+    <dgm:fillClrLst meth="repeat">
+      <a:schemeClr val="dk2"/>
+    </dgm:fillClrLst>
+    <dgm:linClrLst meth="repeat">
+      <a:schemeClr val="lt2"/>
+    </dgm:linClrLst>
+    <dgm:effectClrLst/>
+    <dgm:txLinClrLst/>
+    <dgm:txFillClrLst/>
+    <dgm:txEffectClrLst/>
+  </dgm:styleLbl>
+  <dgm:styleLbl name="alignNode1">
+    <dgm:fillClrLst meth="repeat">
+      <a:schemeClr val="dk2"/>
+    </dgm:fillClrLst>
+    <dgm:linClrLst meth="repeat">
+      <a:schemeClr val="dk2"/>
+    </dgm:linClrLst>
+    <dgm:effectClrLst/>
+    <dgm:txLinClrLst/>
+    <dgm:txFillClrLst/>
+    <dgm:txEffectClrLst/>
+  </dgm:styleLbl>
+  <dgm:styleLbl name="node1">
+    <dgm:fillClrLst meth="repeat">
+      <a:schemeClr val="dk2"/>
+    </dgm:fillClrLst>
+    <dgm:linClrLst meth="repeat">
+      <a:schemeClr val="lt2"/>
+    </dgm:linClrLst>
+    <dgm:effectClrLst/>
+    <dgm:txLinClrLst/>
+    <dgm:txFillClrLst/>
+    <dgm:txEffectClrLst/>
+  </dgm:styleLbl>
+  <dgm:styleLbl name="lnNode1">
+    <dgm:fillClrLst meth="repeat">
+      <a:schemeClr val="dk2"/>
+    </dgm:fillClrLst>
+    <dgm:linClrLst meth="repeat">
+      <a:schemeClr val="lt2"/>
+    </dgm:linClrLst>
+    <dgm:effectClrLst/>
+    <dgm:txLinClrLst/>
+    <dgm:txFillClrLst/>
+    <dgm:txEffectClrLst/>
+  </dgm:styleLbl>
+  <dgm:styleLbl name="vennNode1">
+    <dgm:fillClrLst meth="repeat">
+      <a:schemeClr val="dk2">
+        <a:alpha val="50000"/>
+      </a:schemeClr>
+    </dgm:fillClrLst>
+    <dgm:linClrLst meth="repeat">
+      <a:schemeClr val="lt2"/>
+    </dgm:linClrLst>
+    <dgm:effectClrLst/>
+    <dgm:txLinClrLst/>
+    <dgm:txFillClrLst/>
+    <dgm:txEffectClrLst/>
+  </dgm:styleLbl>
+  <dgm:styleLbl name="node2">
+    <dgm:fillClrLst meth="repeat">
+      <a:schemeClr val="dk2"/>
+    </dgm:fillClrLst>
+    <dgm:linClrLst meth="repeat">
+      <a:schemeClr val="lt2"/>
+    </dgm:linClrLst>
+    <dgm:effectClrLst/>
+    <dgm:txLinClrLst/>
+    <dgm:txFillClrLst/>
+    <dgm:txEffectClrLst/>
+  </dgm:styleLbl>
+  <dgm:styleLbl name="node3">
+    <dgm:fillClrLst meth="repeat">
+      <a:schemeClr val="dk2"/>
+    </dgm:fillClrLst>
+    <dgm:linClrLst meth="repeat">
+      <a:schemeClr val="lt2"/>
+    </dgm:linClrLst>
+    <dgm:effectClrLst/>
+    <dgm:txLinClrLst/>
+    <dgm:txFillClrLst/>
+    <dgm:txEffectClrLst/>
+  </dgm:styleLbl>
+  <dgm:styleLbl name="node4">
+    <dgm:fillClrLst meth="repeat">
+      <a:schemeClr val="dk2"/>
+    </dgm:fillClrLst>
+    <dgm:linClrLst meth="repeat">
+      <a:schemeClr val="lt2"/>
+    </dgm:linClrLst>
+    <dgm:effectClrLst/>
+    <dgm:txLinClrLst/>
+    <dgm:txFillClrLst/>
+    <dgm:txEffectClrLst/>
+  </dgm:styleLbl>
+  <dgm:styleLbl name="fgImgPlace1">
+    <dgm:fillClrLst meth="repeat">
+      <a:schemeClr val="dk2">
+        <a:tint val="50000"/>
+      </a:schemeClr>
+    </dgm:fillClrLst>
+    <dgm:linClrLst meth="repeat">
+      <a:schemeClr val="lt2"/>
+    </dgm:linClrLst>
+    <dgm:effectClrLst/>
+    <dgm:txLinClrLst/>
+    <dgm:txFillClrLst meth="repeat">
+      <a:schemeClr val="lt2"/>
+    </dgm:txFillClrLst>
+    <dgm:txEffectClrLst/>
+  </dgm:styleLbl>
+  <dgm:styleLbl name="alignImgPlace1">
+    <dgm:fillClrLst meth="repeat">
+      <a:schemeClr val="dk2">
+        <a:tint val="50000"/>
+      </a:schemeClr>
+    </dgm:fillClrLst>
+    <dgm:linClrLst meth="repeat">
+      <a:schemeClr val="dk2">
+        <a:shade val="80000"/>
+      </a:schemeClr>
+    </dgm:linClrLst>
+    <dgm:effectClrLst/>
+    <dgm:txLinClrLst/>
+    <dgm:txFillClrLst meth="repeat">
+      <a:schemeClr val="lt2"/>
+    </dgm:txFillClrLst>
+    <dgm:txEffectClrLst/>
+  </dgm:styleLbl>
+  <dgm:styleLbl name="bgImgPlace1">
+    <dgm:fillClrLst meth="repeat">
+      <a:schemeClr val="dk2">
+        <a:tint val="50000"/>
+      </a:schemeClr>
+    </dgm:fillClrLst>
+    <dgm:linClrLst meth="repeat">
+      <a:schemeClr val="dk2">
+        <a:shade val="80000"/>
+      </a:schemeClr>
+    </dgm:linClrLst>
+    <dgm:effectClrLst/>
+    <dgm:txLinClrLst/>
+    <dgm:txFillClrLst meth="repeat">
+      <a:schemeClr val="lt2"/>
+    </dgm:txFillClrLst>
+    <dgm:txEffectClrLst/>
+  </dgm:styleLbl>
+  <dgm:styleLbl name="sibTrans2D1">
+    <dgm:fillClrLst meth="repeat">
+      <a:schemeClr val="dk2">
+        <a:tint val="60000"/>
+      </a:schemeClr>
+    </dgm:fillClrLst>
+    <dgm:linClrLst meth="repeat">
+      <a:schemeClr val="dk2">
+        <a:tint val="60000"/>
+      </a:schemeClr>
+    </dgm:linClrLst>
+    <dgm:effectClrLst/>
+    <dgm:txLinClrLst/>
+    <dgm:txFillClrLst/>
+    <dgm:txEffectClrLst/>
+  </dgm:styleLbl>
+  <dgm:styleLbl name="fgSibTrans2D1">
+    <dgm:fillClrLst meth="repeat">
+      <a:schemeClr val="dk2">
+        <a:tint val="60000"/>
+      </a:schemeClr>
+    </dgm:fillClrLst>
+    <dgm:linClrLst meth="repeat">
+      <a:schemeClr val="dk2">
+        <a:tint val="60000"/>
+      </a:schemeClr>
+    </dgm:linClrLst>
+    <dgm:effectClrLst/>
+    <dgm:txLinClrLst/>
+    <dgm:txFillClrLst/>
+    <dgm:txEffectClrLst/>
+  </dgm:styleLbl>
+  <dgm:styleLbl name="bgSibTrans2D1">
+    <dgm:fillClrLst meth="repeat">
+      <a:schemeClr val="dk2">
+        <a:tint val="60000"/>
+      </a:schemeClr>
+    </dgm:fillClrLst>
+    <dgm:linClrLst meth="repeat">
+      <a:schemeClr val="dk2">
+        <a:tint val="60000"/>
+      </a:schemeClr>
+    </dgm:linClrLst>
+    <dgm:effectClrLst/>
+    <dgm:txLinClrLst/>
+    <dgm:txFillClrLst/>
+    <dgm:txEffectClrLst/>
+  </dgm:styleLbl>
+  <dgm:styleLbl name="sibTrans1D1">
+    <dgm:fillClrLst meth="repeat">
+      <a:schemeClr val="dk2"/>
+    </dgm:fillClrLst>
+    <dgm:linClrLst meth="repeat">
+      <a:schemeClr val="dk2"/>
+    </dgm:linClrLst>
+    <dgm:effectClrLst/>
+    <dgm:txLinClrLst/>
+    <dgm:txFillClrLst meth="repeat">
+      <a:schemeClr val="lt2"/>
+    </dgm:txFillClrLst>
+    <dgm:txEffectClrLst/>
+  </dgm:styleLbl>
+  <dgm:styleLbl name="callout">
+    <dgm:fillClrLst meth="repeat">
+      <a:schemeClr val="dk2"/>
+    </dgm:fillClrLst>
+    <dgm:linClrLst meth="repeat">
+      <a:schemeClr val="dk2">
+        <a:tint val="50000"/>
+      </a:schemeClr>
+    </dgm:linClrLst>
+    <dgm:effectClrLst/>
+    <dgm:txLinClrLst/>
+    <dgm:txFillClrLst meth="repeat">
+      <a:schemeClr val="lt2"/>
+    </dgm:txFillClrLst>
+    <dgm:txEffectClrLst/>
+  </dgm:styleLbl>
+  <dgm:styleLbl name="asst0">
+    <dgm:fillClrLst meth="repeat">
+      <a:schemeClr val="dk2"/>
+    </dgm:fillClrLst>
+    <dgm:linClrLst meth="repeat">
+      <a:schemeClr val="lt2"/>
+    </dgm:linClrLst>
+    <dgm:effectClrLst/>
+    <dgm:txLinClrLst/>
+    <dgm:txFillClrLst/>
+    <dgm:txEffectClrLst/>
+  </dgm:styleLbl>
+  <dgm:styleLbl name="asst1">
+    <dgm:fillClrLst meth="repeat">
+      <a:schemeClr val="dk2"/>
+    </dgm:fillClrLst>
+    <dgm:linClrLst meth="repeat">
+      <a:schemeClr val="lt2"/>
+    </dgm:linClrLst>
+    <dgm:effectClrLst/>
+    <dgm:txLinClrLst/>
+    <dgm:txFillClrLst/>
+    <dgm:txEffectClrLst/>
+  </dgm:styleLbl>
+  <dgm:styleLbl name="asst2">
+    <dgm:fillClrLst meth="repeat">
+      <a:schemeClr val="dk2"/>
+    </dgm:fillClrLst>
+    <dgm:linClrLst meth="repeat">
+      <a:schemeClr val="lt2"/>
+    </dgm:linClrLst>
+    <dgm:effectClrLst/>
+    <dgm:txLinClrLst/>
+    <dgm:txFillClrLst/>
+    <dgm:txEffectClrLst/>
+  </dgm:styleLbl>
+  <dgm:styleLbl name="asst3">
+    <dgm:fillClrLst meth="repeat">
+      <a:schemeClr val="dk2"/>
+    </dgm:fillClrLst>
+    <dgm:linClrLst meth="repeat">
+      <a:schemeClr val="lt2"/>
+    </dgm:linClrLst>
+    <dgm:effectClrLst/>
+    <dgm:txLinClrLst/>
+    <dgm:txFillClrLst/>
+    <dgm:txEffectClrLst/>
+  </dgm:styleLbl>
+  <dgm:styleLbl name="asst4">
+    <dgm:fillClrLst meth="repeat">
+      <a:schemeClr val="dk2"/>
+    </dgm:fillClrLst>
+    <dgm:linClrLst meth="repeat">
+      <a:schemeClr val="lt2"/>
+    </dgm:linClrLst>
+    <dgm:effectClrLst/>
+    <dgm:txLinClrLst/>
+    <dgm:txFillClrLst/>
+    <dgm:txEffectClrLst/>
+  </dgm:styleLbl>
+  <dgm:styleLbl name="parChTrans2D1">
+    <dgm:fillClrLst meth="repeat">
+      <a:schemeClr val="dk2">
+        <a:tint val="60000"/>
+      </a:schemeClr>
+    </dgm:fillClrLst>
+    <dgm:linClrLst meth="repeat">
+      <a:schemeClr val="dk2">
+        <a:tint val="60000"/>
+      </a:schemeClr>
+    </dgm:linClrLst>
+    <dgm:effectClrLst/>
+    <dgm:txLinClrLst/>
+    <dgm:txFillClrLst meth="repeat">
+      <a:schemeClr val="lt2"/>
+    </dgm:txFillClrLst>
+    <dgm:txEffectClrLst/>
+  </dgm:styleLbl>
+  <dgm:styleLbl name="parChTrans2D2">
+    <dgm:fillClrLst meth="repeat">
+      <a:schemeClr val="dk2"/>
+    </dgm:fillClrLst>
+    <dgm:linClrLst meth="repeat">
+      <a:schemeClr val="dk2"/>
+    </dgm:linClrLst>
+    <dgm:effectClrLst/>
+    <dgm:txLinClrLst/>
+    <dgm:txFillClrLst meth="repeat">
+      <a:schemeClr val="lt2"/>
+    </dgm:txFillClrLst>
+    <dgm:txEffectClrLst/>
+  </dgm:styleLbl>
+  <dgm:styleLbl name="parChTrans2D3">
+    <dgm:fillClrLst meth="repeat">
+      <a:schemeClr val="dk2"/>
+    </dgm:fillClrLst>
+    <dgm:linClrLst meth="repeat">
+      <a:schemeClr val="dk2"/>
+    </dgm:linClrLst>
+    <dgm:effectClrLst/>
+    <dgm:txLinClrLst/>
+    <dgm:txFillClrLst meth="repeat">
+      <a:schemeClr val="lt2"/>
+    </dgm:txFillClrLst>
+    <dgm:txEffectClrLst/>
+  </dgm:styleLbl>
+  <dgm:styleLbl name="parChTrans2D4">
+    <dgm:fillClrLst meth="repeat">
+      <a:schemeClr val="dk2"/>
+    </dgm:fillClrLst>
+    <dgm:linClrLst meth="repeat">
+      <a:schemeClr val="dk2"/>
+    </dgm:linClrLst>
+    <dgm:effectClrLst/>
+    <dgm:txLinClrLst/>
+    <dgm:txFillClrLst meth="repeat">
+      <a:schemeClr val="lt2"/>
+    </dgm:txFillClrLst>
+    <dgm:txEffectClrLst/>
+  </dgm:styleLbl>
+  <dgm:styleLbl name="parChTrans1D1">
+    <dgm:fillClrLst meth="repeat">
+      <a:schemeClr val="dk2"/>
+    </dgm:fillClrLst>
+    <dgm:linClrLst meth="repeat">
+      <a:schemeClr val="dk2">
+        <a:shade val="60000"/>
+      </a:schemeClr>
+    </dgm:linClrLst>
+    <dgm:effectClrLst/>
+    <dgm:txLinClrLst/>
+    <dgm:txFillClrLst meth="repeat">
+      <a:schemeClr val="tx1"/>
+    </dgm:txFillClrLst>
+    <dgm:txEffectClrLst/>
+  </dgm:styleLbl>
+  <dgm:styleLbl name="parChTrans1D2">
+    <dgm:fillClrLst meth="repeat">
+      <a:schemeClr val="dk2"/>
+    </dgm:fillClrLst>
+    <dgm:linClrLst meth="repeat">
+      <a:schemeClr val="dk2">
+        <a:shade val="60000"/>
+      </a:schemeClr>
+    </dgm:linClrLst>
+    <dgm:effectClrLst/>
+    <dgm:txLinClrLst/>
+    <dgm:txFillClrLst meth="repeat">
+      <a:schemeClr val="tx1"/>
+    </dgm:txFillClrLst>
+    <dgm:txEffectClrLst/>
+  </dgm:styleLbl>
+  <dgm:styleLbl name="parChTrans1D3">
+    <dgm:fillClrLst meth="repeat">
+      <a:schemeClr val="dk2"/>
+    </dgm:fillClrLst>
+    <dgm:linClrLst meth="repeat">
+      <a:schemeClr val="dk2">
+        <a:shade val="80000"/>
+      </a:schemeClr>
+    </dgm:linClrLst>
+    <dgm:effectClrLst/>
+    <dgm:txLinClrLst/>
+    <dgm:txFillClrLst meth="repeat">
+      <a:schemeClr val="tx1"/>
+    </dgm:txFillClrLst>
+    <dgm:txEffectClrLst/>
+  </dgm:styleLbl>
+  <dgm:styleLbl name="parChTrans1D4">
+    <dgm:fillClrLst meth="repeat">
+      <a:schemeClr val="dk2"/>
+    </dgm:fillClrLst>
+    <dgm:linClrLst meth="repeat">
+      <a:schemeClr val="dk2">
+        <a:shade val="80000"/>
+      </a:schemeClr>
+    </dgm:linClrLst>
+    <dgm:effectClrLst/>
+    <dgm:txLinClrLst/>
+    <dgm:txFillClrLst meth="repeat">
+      <a:schemeClr val="tx1"/>
+    </dgm:txFillClrLst>
+    <dgm:txEffectClrLst/>
+  </dgm:styleLbl>
+  <dgm:styleLbl name="fgAcc1">
+    <dgm:fillClrLst meth="repeat">
+      <a:schemeClr val="lt2">
+        <a:alpha val="90000"/>
+      </a:schemeClr>
+    </dgm:fillClrLst>
+    <dgm:linClrLst meth="repeat">
+      <a:schemeClr val="dk2"/>
+    </dgm:linClrLst>
+    <dgm:effectClrLst/>
+    <dgm:txLinClrLst/>
+    <dgm:txFillClrLst meth="repeat">
+      <a:schemeClr val="dk1"/>
+    </dgm:txFillClrLst>
+    <dgm:txEffectClrLst/>
+  </dgm:styleLbl>
+  <dgm:styleLbl name="conFgAcc1">
+    <dgm:fillClrLst meth="repeat">
+      <a:schemeClr val="lt2">
+        <a:alpha val="90000"/>
+      </a:schemeClr>
+    </dgm:fillClrLst>
+    <dgm:linClrLst meth="repeat">
+      <a:schemeClr val="dk2"/>
+    </dgm:linClrLst>
+    <dgm:effectClrLst/>
+    <dgm:txLinClrLst/>
+    <dgm:txFillClrLst meth="repeat">
+      <a:schemeClr val="dk1"/>
+    </dgm:txFillClrLst>
+    <dgm:txEffectClrLst/>
+  </dgm:styleLbl>
+  <dgm:styleLbl name="alignAcc1">
+    <dgm:fillClrLst meth="repeat">
+      <a:schemeClr val="lt2">
+        <a:alpha val="90000"/>
+      </a:schemeClr>
+    </dgm:fillClrLst>
+    <dgm:linClrLst meth="repeat">
+      <a:schemeClr val="dk2"/>
+    </dgm:linClrLst>
+    <dgm:effectClrLst/>
+    <dgm:txLinClrLst/>
+    <dgm:txFillClrLst meth="repeat">
+      <a:schemeClr val="dk1"/>
+    </dgm:txFillClrLst>
+    <dgm:txEffectClrLst/>
+  </dgm:styleLbl>
+  <dgm:styleLbl name="trAlignAcc1">
+    <dgm:fillClrLst meth="repeat">
+      <a:schemeClr val="lt2">
+        <a:alpha val="40000"/>
+      </a:schemeClr>
+    </dgm:fillClrLst>
+    <dgm:linClrLst meth="repeat">
+      <a:schemeClr val="dk2"/>
+    </dgm:linClrLst>
+    <dgm:effectClrLst/>
+    <dgm:txLinClrLst/>
+    <dgm:txFillClrLst meth="repeat">
+      <a:schemeClr val="dk1"/>
+    </dgm:txFillClrLst>
+    <dgm:txEffectClrLst/>
+  </dgm:styleLbl>
+  <dgm:styleLbl name="bgAcc1">
+    <dgm:fillClrLst meth="repeat">
+      <a:schemeClr val="lt2">
+        <a:alpha val="90000"/>
+      </a:schemeClr>
+    </dgm:fillClrLst>
+    <dgm:linClrLst meth="repeat">
+      <a:schemeClr val="dk2"/>
+    </dgm:linClrLst>
+    <dgm:effectClrLst/>
+    <dgm:txLinClrLst/>
+    <dgm:txFillClrLst meth="repeat">
+      <a:schemeClr val="dk1"/>
+    </dgm:txFillClrLst>
+    <dgm:txEffectClrLst/>
+  </dgm:styleLbl>
+  <dgm:styleLbl name="solidFgAcc1">
+    <dgm:fillClrLst meth="repeat">
+      <a:schemeClr val="lt2"/>
+    </dgm:fillClrLst>
+    <dgm:linClrLst meth="repeat">
+      <a:schemeClr val="dk2"/>
+    </dgm:linClrLst>
+    <dgm:effectClrLst/>
+    <dgm:txLinClrLst/>
+    <dgm:txFillClrLst meth="repeat">
+      <a:schemeClr val="dk1"/>
+    </dgm:txFillClrLst>
+    <dgm:txEffectClrLst/>
+  </dgm:styleLbl>
+  <dgm:styleLbl name="solidAlignAcc1">
+    <dgm:fillClrLst meth="repeat">
+      <a:schemeClr val="lt2"/>
+    </dgm:fillClrLst>
+    <dgm:linClrLst meth="repeat">
+      <a:schemeClr val="dk2"/>
+    </dgm:linClrLst>
+    <dgm:effectClrLst/>
+    <dgm:txLinClrLst/>
+    <dgm:txFillClrLst meth="repeat">
+      <a:schemeClr val="dk1"/>
+    </dgm:txFillClrLst>
+    <dgm:txEffectClrLst/>
+  </dgm:styleLbl>
+  <dgm:styleLbl name="solidBgAcc1">
+    <dgm:fillClrLst meth="repeat">
+      <a:schemeClr val="lt2"/>
+    </dgm:fillClrLst>
+    <dgm:linClrLst meth="repeat">
+      <a:schemeClr val="dk2"/>
+    </dgm:linClrLst>
+    <dgm:effectClrLst/>
+    <dgm:txLinClrLst/>
+    <dgm:txFillClrLst meth="repeat">
+      <a:schemeClr val="dk1"/>
+    </dgm:txFillClrLst>
+    <dgm:txEffectClrLst/>
+  </dgm:styleLbl>
+  <dgm:styleLbl name="fgAccFollowNode1">
+    <dgm:fillClrLst meth="repeat">
+      <a:schemeClr val="dk2">
+        <a:alpha val="90000"/>
+        <a:tint val="40000"/>
+      </a:schemeClr>
+    </dgm:fillClrLst>
+    <dgm:linClrLst meth="repeat">
+      <a:schemeClr val="dk2">
+        <a:alpha val="90000"/>
+        <a:tint val="40000"/>
+      </a:schemeClr>
+    </dgm:linClrLst>
+    <dgm:effectClrLst/>
+    <dgm:txLinClrLst/>
+    <dgm:txFillClrLst meth="repeat">
+      <a:schemeClr val="dk1"/>
+    </dgm:txFillClrLst>
+    <dgm:txEffectClrLst/>
+  </dgm:styleLbl>
+  <dgm:styleLbl name="alignAccFollowNode1">
+    <dgm:fillClrLst meth="repeat">
+      <a:schemeClr val="dk2">
+        <a:alpha val="90000"/>
+        <a:tint val="40000"/>
+      </a:schemeClr>
+    </dgm:fillClrLst>
+    <dgm:linClrLst meth="repeat">
+      <a:schemeClr val="dk2">
+        <a:alpha val="90000"/>
+        <a:tint val="40000"/>
+      </a:schemeClr>
+    </dgm:linClrLst>
+    <dgm:effectClrLst/>
+    <dgm:txLinClrLst/>
+    <dgm:txFillClrLst meth="repeat">
+      <a:schemeClr val="dk1"/>
+    </dgm:txFillClrLst>
+    <dgm:txEffectClrLst/>
+  </dgm:styleLbl>
+  <dgm:styleLbl name="bgAccFollowNode1">
+    <dgm:fillClrLst meth="repeat">
+      <a:schemeClr val="dk2">
+        <a:alpha val="90000"/>
+        <a:tint val="40000"/>
+      </a:schemeClr>
+    </dgm:fillClrLst>
+    <dgm:linClrLst meth="repeat">
+      <a:schemeClr val="dk2">
+        <a:alpha val="90000"/>
+        <a:tint val="40000"/>
+      </a:schemeClr>
+    </dgm:linClrLst>
+    <dgm:effectClrLst/>
+    <dgm:txLinClrLst/>
+    <dgm:txFillClrLst meth="repeat">
+      <a:schemeClr val="dk1"/>
+    </dgm:txFillClrLst>
+    <dgm:txEffectClrLst/>
+  </dgm:styleLbl>
+  <dgm:styleLbl name="fgAcc0">
+    <dgm:fillClrLst meth="repeat">
+      <a:schemeClr val="lt2">
+        <a:alpha val="90000"/>
+      </a:schemeClr>
+    </dgm:fillClrLst>
+    <dgm:linClrLst meth="repeat">
+      <a:schemeClr val="dk2"/>
+    </dgm:linClrLst>
+    <dgm:effectClrLst/>
+    <dgm:txLinClrLst/>
+    <dgm:txFillClrLst meth="repeat">
+      <a:schemeClr val="dk1"/>
+    </dgm:txFillClrLst>
+    <dgm:txEffectClrLst/>
+  </dgm:styleLbl>
+  <dgm:styleLbl name="fgAcc2">
+    <dgm:fillClrLst meth="repeat">
+      <a:schemeClr val="lt2">
+        <a:alpha val="90000"/>
+      </a:schemeClr>
+    </dgm:fillClrLst>
+    <dgm:linClrLst meth="repeat">
+      <a:schemeClr val="dk2"/>
+    </dgm:linClrLst>
+    <dgm:effectClrLst/>
+    <dgm:txLinClrLst/>
+    <dgm:txFillClrLst meth="repeat">
+      <a:schemeClr val="dk1"/>
+    </dgm:txFillClrLst>
+    <dgm:txEffectClrLst/>
+  </dgm:styleLbl>
+  <dgm:styleLbl name="fgAcc3">
+    <dgm:fillClrLst meth="repeat">
+      <a:schemeClr val="lt2">
+        <a:alpha val="90000"/>
+      </a:schemeClr>
+    </dgm:fillClrLst>
+    <dgm:linClrLst meth="repeat">
+      <a:schemeClr val="dk2"/>
+    </dgm:linClrLst>
+    <dgm:effectClrLst/>
+    <dgm:txLinClrLst/>
+    <dgm:txFillClrLst meth="repeat">
+      <a:schemeClr val="dk1"/>
+    </dgm:txFillClrLst>
+    <dgm:txEffectClrLst/>
+  </dgm:styleLbl>
+  <dgm:styleLbl name="fgAcc4">
+    <dgm:fillClrLst meth="repeat">
+      <a:schemeClr val="lt2">
+        <a:alpha val="90000"/>
+      </a:schemeClr>
+    </dgm:fillClrLst>
+    <dgm:linClrLst meth="repeat">
+      <a:schemeClr val="dk2"/>
+    </dgm:linClrLst>
+    <dgm:effectClrLst/>
+    <dgm:txLinClrLst/>
+    <dgm:txFillClrLst meth="repeat">
+      <a:schemeClr val="dk1"/>
+    </dgm:txFillClrLst>
+    <dgm:txEffectClrLst/>
+  </dgm:styleLbl>
+  <dgm:styleLbl name="bgShp">
+    <dgm:fillClrLst meth="repeat">
+      <a:schemeClr val="dk2">
+        <a:tint val="40000"/>
+      </a:schemeClr>
+    </dgm:fillClrLst>
+    <dgm:linClrLst meth="repeat">
+      <a:schemeClr val="dk2"/>
+    </dgm:linClrLst>
+    <dgm:effectClrLst/>
+    <dgm:txLinClrLst/>
+    <dgm:txFillClrLst meth="repeat">
+      <a:schemeClr val="dk1"/>
+    </dgm:txFillClrLst>
+    <dgm:txEffectClrLst/>
+  </dgm:styleLbl>
+  <dgm:styleLbl name="dkBgShp">
+    <dgm:fillClrLst meth="repeat">
+      <a:schemeClr val="dk2">
+        <a:shade val="80000"/>
+      </a:schemeClr>
+    </dgm:fillClrLst>
+    <dgm:linClrLst meth="repeat">
+      <a:schemeClr val="dk2"/>
+    </dgm:linClrLst>
+    <dgm:effectClrLst/>
+    <dgm:txLinClrLst/>
+    <dgm:txFillClrLst meth="repeat">
+      <a:schemeClr val="lt1"/>
+    </dgm:txFillClrLst>
+    <dgm:txEffectClrLst/>
+  </dgm:styleLbl>
+  <dgm:styleLbl name="trBgShp">
+    <dgm:fillClrLst meth="repeat">
+      <a:schemeClr val="dk2">
+        <a:tint val="50000"/>
+        <a:alpha val="40000"/>
+      </a:schemeClr>
+    </dgm:fillClrLst>
+    <dgm:linClrLst meth="repeat">
+      <a:schemeClr val="dk2"/>
+    </dgm:linClrLst>
+    <dgm:effectClrLst/>
+    <dgm:txLinClrLst/>
+    <dgm:txFillClrLst meth="repeat">
+      <a:schemeClr val="lt1"/>
+    </dgm:txFillClrLst>
+    <dgm:txEffectClrLst/>
+  </dgm:styleLbl>
+  <dgm:styleLbl name="fgShp">
+    <dgm:fillClrLst meth="repeat">
+      <a:schemeClr val="dk2">
+        <a:tint val="60000"/>
+      </a:schemeClr>
+    </dgm:fillClrLst>
+    <dgm:linClrLst meth="repeat">
+      <a:schemeClr val="lt2"/>
+    </dgm:linClrLst>
+    <dgm:effectClrLst/>
+    <dgm:txLinClrLst/>
+    <dgm:txFillClrLst meth="repeat">
+      <a:schemeClr val="dk1"/>
+    </dgm:txFillClrLst>
+    <dgm:txEffectClrLst/>
+  </dgm:styleLbl>
+  <dgm:styleLbl name="revTx">
+    <dgm:fillClrLst meth="repeat">
+      <a:schemeClr val="lt2">
+        <a:alpha val="0"/>
+      </a:schemeClr>
+    </dgm:fillClrLst>
+    <dgm:linClrLst meth="repeat">
+      <a:schemeClr val="dk1">
+        <a:alpha val="0"/>
+      </a:schemeClr>
+    </dgm:linClrLst>
+    <dgm:effectClrLst/>
+    <dgm:txLinClrLst/>
+    <dgm:txFillClrLst meth="repeat">
+      <a:schemeClr val="tx1"/>
+    </dgm:txFillClrLst>
+    <dgm:txEffectClrLst/>
+  </dgm:styleLbl>
+</dgm:colorsDef>
+</file>
+
+<file path=ppt/diagrams/data1.xml><?xml version="1.0" encoding="utf-8"?>
+<dgm:dataModel xmlns:dgm="http://schemas.openxmlformats.org/drawingml/2006/diagram" xmlns:a="http://schemas.openxmlformats.org/drawingml/2006/main">
+  <dgm:ptLst>
+    <dgm:pt modelId="{99183B7B-0DA2-4283-B201-6F697EA090B2}" type="doc">
+      <dgm:prSet loTypeId="urn:microsoft.com/office/officeart/2011/layout/CircleProcess" loCatId="process" qsTypeId="urn:microsoft.com/office/officeart/2005/8/quickstyle/simple1" qsCatId="simple" csTypeId="urn:microsoft.com/office/officeart/2005/8/colors/accent0_3" csCatId="mainScheme" phldr="1"/>
+      <dgm:spPr/>
+      <dgm:t>
+        <a:bodyPr/>
+        <a:lstStyle/>
+        <a:p>
+          <a:endParaRPr lang="en-IN"/>
+        </a:p>
+      </dgm:t>
+    </dgm:pt>
+    <dgm:pt modelId="{D6D3D731-2BCE-464C-9B17-2A2C711D9068}">
+      <dgm:prSet phldrT="[Text]"/>
+      <dgm:spPr/>
+      <dgm:t>
+        <a:bodyPr/>
+        <a:lstStyle/>
+        <a:p>
+          <a:r>
+            <a:rPr lang="en-IN" dirty="0"/>
+            <a:t>I am not good enough</a:t>
+          </a:r>
+        </a:p>
+      </dgm:t>
+    </dgm:pt>
+    <dgm:pt modelId="{068B5661-4A10-4A41-A841-D3E07DB72F0E}" type="parTrans" cxnId="{C753E8EA-7E74-467C-95CE-BC9C1B39B393}">
+      <dgm:prSet/>
+      <dgm:spPr/>
+      <dgm:t>
+        <a:bodyPr/>
+        <a:lstStyle/>
+        <a:p>
+          <a:endParaRPr lang="en-IN"/>
+        </a:p>
+      </dgm:t>
+    </dgm:pt>
+    <dgm:pt modelId="{A5C934BF-8792-4BCA-89FC-FA853044856C}" type="sibTrans" cxnId="{C753E8EA-7E74-467C-95CE-BC9C1B39B393}">
+      <dgm:prSet/>
+      <dgm:spPr/>
+      <dgm:t>
+        <a:bodyPr/>
+        <a:lstStyle/>
+        <a:p>
+          <a:endParaRPr lang="en-IN"/>
+        </a:p>
+      </dgm:t>
+    </dgm:pt>
+    <dgm:pt modelId="{15C4E4B2-931D-4B67-ADA5-17E9B9AE880E}">
+      <dgm:prSet phldrT="[Text]"/>
+      <dgm:spPr/>
+      <dgm:t>
+        <a:bodyPr/>
+        <a:lstStyle/>
+        <a:p>
+          <a:r>
+            <a:rPr lang="en-IN" dirty="0"/>
+            <a:t>I blame</a:t>
+          </a:r>
+        </a:p>
+      </dgm:t>
+    </dgm:pt>
+    <dgm:pt modelId="{1E24DB5E-C0AE-46CC-8535-8D24CBAB01EF}" type="parTrans" cxnId="{77AEAF9D-59FD-4DC9-B7CC-09E7FFA21102}">
+      <dgm:prSet/>
+      <dgm:spPr/>
+      <dgm:t>
+        <a:bodyPr/>
+        <a:lstStyle/>
+        <a:p>
+          <a:endParaRPr lang="en-IN"/>
+        </a:p>
+      </dgm:t>
+    </dgm:pt>
+    <dgm:pt modelId="{7650D5FF-1C0F-402E-95D5-269CBB3EB725}" type="sibTrans" cxnId="{77AEAF9D-59FD-4DC9-B7CC-09E7FFA21102}">
+      <dgm:prSet/>
+      <dgm:spPr/>
+      <dgm:t>
+        <a:bodyPr/>
+        <a:lstStyle/>
+        <a:p>
+          <a:endParaRPr lang="en-IN"/>
+        </a:p>
+      </dgm:t>
+    </dgm:pt>
+    <dgm:pt modelId="{C0CAA204-69D1-4A5A-851D-26BC1C76156D}">
+      <dgm:prSet phldrT="[Text]"/>
+      <dgm:spPr/>
+      <dgm:t>
+        <a:bodyPr/>
+        <a:lstStyle/>
+        <a:p>
+          <a:r>
+            <a:rPr lang="en-IN" dirty="0"/>
+            <a:t>I am better than them</a:t>
+          </a:r>
+        </a:p>
+      </dgm:t>
+    </dgm:pt>
+    <dgm:pt modelId="{FD6004CC-708E-41F5-A0A6-0B3BD51F619A}" type="parTrans" cxnId="{8C4022EF-CF81-4BEF-88AF-164333925DBA}">
+      <dgm:prSet/>
+      <dgm:spPr/>
+      <dgm:t>
+        <a:bodyPr/>
+        <a:lstStyle/>
+        <a:p>
+          <a:endParaRPr lang="en-IN"/>
+        </a:p>
+      </dgm:t>
+    </dgm:pt>
+    <dgm:pt modelId="{D379DF8A-3870-4B7F-84A3-DA2D87FE2EDA}" type="sibTrans" cxnId="{8C4022EF-CF81-4BEF-88AF-164333925DBA}">
+      <dgm:prSet/>
+      <dgm:spPr/>
+      <dgm:t>
+        <a:bodyPr/>
+        <a:lstStyle/>
+        <a:p>
+          <a:endParaRPr lang="en-IN"/>
+        </a:p>
+      </dgm:t>
+    </dgm:pt>
+    <dgm:pt modelId="{8402917D-4714-48EA-A1F4-D5030E50FF35}" type="pres">
+      <dgm:prSet presAssocID="{99183B7B-0DA2-4283-B201-6F697EA090B2}" presName="Name0" presStyleCnt="0">
+        <dgm:presLayoutVars>
+          <dgm:chMax val="11"/>
+          <dgm:chPref val="11"/>
+          <dgm:dir/>
+          <dgm:resizeHandles/>
+        </dgm:presLayoutVars>
+      </dgm:prSet>
+      <dgm:spPr/>
+    </dgm:pt>
+    <dgm:pt modelId="{06B8D1BD-CE00-41EE-A2C6-1E39BDF3CC19}" type="pres">
+      <dgm:prSet presAssocID="{C0CAA204-69D1-4A5A-851D-26BC1C76156D}" presName="Accent3" presStyleCnt="0"/>
+      <dgm:spPr/>
+    </dgm:pt>
+    <dgm:pt modelId="{C477DB17-C0AD-4602-A2CF-A438EE44055E}" type="pres">
+      <dgm:prSet presAssocID="{C0CAA204-69D1-4A5A-851D-26BC1C76156D}" presName="Accent" presStyleLbl="node1" presStyleIdx="0" presStyleCnt="3"/>
+      <dgm:spPr/>
+    </dgm:pt>
+    <dgm:pt modelId="{2F15D7EF-D738-4DFA-952E-09A94CA108DA}" type="pres">
+      <dgm:prSet presAssocID="{C0CAA204-69D1-4A5A-851D-26BC1C76156D}" presName="ParentBackground3" presStyleCnt="0"/>
+      <dgm:spPr/>
+    </dgm:pt>
+    <dgm:pt modelId="{148F33DD-53A0-4353-B7DC-DE868A5FC100}" type="pres">
+      <dgm:prSet presAssocID="{C0CAA204-69D1-4A5A-851D-26BC1C76156D}" presName="ParentBackground" presStyleLbl="fgAcc1" presStyleIdx="0" presStyleCnt="3"/>
+      <dgm:spPr/>
+    </dgm:pt>
+    <dgm:pt modelId="{618FAC6C-8796-4C36-81B0-ADCB61C975B8}" type="pres">
+      <dgm:prSet presAssocID="{C0CAA204-69D1-4A5A-851D-26BC1C76156D}" presName="Parent3" presStyleLbl="revTx" presStyleIdx="0" presStyleCnt="0">
+        <dgm:presLayoutVars>
+          <dgm:chMax val="1"/>
+          <dgm:chPref val="1"/>
+          <dgm:bulletEnabled val="1"/>
+        </dgm:presLayoutVars>
+      </dgm:prSet>
+      <dgm:spPr/>
+    </dgm:pt>
+    <dgm:pt modelId="{F6B2D213-05BA-45B7-BDFC-010953B04847}" type="pres">
+      <dgm:prSet presAssocID="{15C4E4B2-931D-4B67-ADA5-17E9B9AE880E}" presName="Accent2" presStyleCnt="0"/>
+      <dgm:spPr/>
+    </dgm:pt>
+    <dgm:pt modelId="{469A1BAA-536A-4F78-B9EE-3F85C9A6CD3F}" type="pres">
+      <dgm:prSet presAssocID="{15C4E4B2-931D-4B67-ADA5-17E9B9AE880E}" presName="Accent" presStyleLbl="node1" presStyleIdx="1" presStyleCnt="3"/>
+      <dgm:spPr/>
+    </dgm:pt>
+    <dgm:pt modelId="{705C09B4-B05A-4BE8-893F-168E33E0A423}" type="pres">
+      <dgm:prSet presAssocID="{15C4E4B2-931D-4B67-ADA5-17E9B9AE880E}" presName="ParentBackground2" presStyleCnt="0"/>
+      <dgm:spPr/>
+    </dgm:pt>
+    <dgm:pt modelId="{116B46D3-0BFA-4697-9647-3A0DC2C51673}" type="pres">
+      <dgm:prSet presAssocID="{15C4E4B2-931D-4B67-ADA5-17E9B9AE880E}" presName="ParentBackground" presStyleLbl="fgAcc1" presStyleIdx="1" presStyleCnt="3"/>
+      <dgm:spPr/>
+    </dgm:pt>
+    <dgm:pt modelId="{07507E8E-E0AB-4275-A836-62C8C224BB06}" type="pres">
+      <dgm:prSet presAssocID="{15C4E4B2-931D-4B67-ADA5-17E9B9AE880E}" presName="Parent2" presStyleLbl="revTx" presStyleIdx="0" presStyleCnt="0">
+        <dgm:presLayoutVars>
+          <dgm:chMax val="1"/>
+          <dgm:chPref val="1"/>
+          <dgm:bulletEnabled val="1"/>
+        </dgm:presLayoutVars>
+      </dgm:prSet>
+      <dgm:spPr/>
+    </dgm:pt>
+    <dgm:pt modelId="{6506C32B-F576-480A-B625-DCADE6EEB99C}" type="pres">
+      <dgm:prSet presAssocID="{D6D3D731-2BCE-464C-9B17-2A2C711D9068}" presName="Accent1" presStyleCnt="0"/>
+      <dgm:spPr/>
+    </dgm:pt>
+    <dgm:pt modelId="{3FEFD61A-1993-4AF6-8B46-4059EB42DB95}" type="pres">
+      <dgm:prSet presAssocID="{D6D3D731-2BCE-464C-9B17-2A2C711D9068}" presName="Accent" presStyleLbl="node1" presStyleIdx="2" presStyleCnt="3"/>
+      <dgm:spPr/>
+    </dgm:pt>
+    <dgm:pt modelId="{E9015D3D-F146-455B-94BC-41A852FC25A1}" type="pres">
+      <dgm:prSet presAssocID="{D6D3D731-2BCE-464C-9B17-2A2C711D9068}" presName="ParentBackground1" presStyleCnt="0"/>
+      <dgm:spPr/>
+    </dgm:pt>
+    <dgm:pt modelId="{35847E92-15CB-4114-AD45-C572C284B1D1}" type="pres">
+      <dgm:prSet presAssocID="{D6D3D731-2BCE-464C-9B17-2A2C711D9068}" presName="ParentBackground" presStyleLbl="fgAcc1" presStyleIdx="2" presStyleCnt="3"/>
+      <dgm:spPr/>
+    </dgm:pt>
+    <dgm:pt modelId="{DB3CE665-5D32-4725-A12A-F0077FF788D9}" type="pres">
+      <dgm:prSet presAssocID="{D6D3D731-2BCE-464C-9B17-2A2C711D9068}" presName="Parent1" presStyleLbl="revTx" presStyleIdx="0" presStyleCnt="0">
+        <dgm:presLayoutVars>
+          <dgm:chMax val="1"/>
+          <dgm:chPref val="1"/>
+          <dgm:bulletEnabled val="1"/>
+        </dgm:presLayoutVars>
+      </dgm:prSet>
+      <dgm:spPr/>
+    </dgm:pt>
+  </dgm:ptLst>
+  <dgm:cxnLst>
+    <dgm:cxn modelId="{E0C93605-2328-4323-8CD0-7BCD52B7B11C}" type="presOf" srcId="{D6D3D731-2BCE-464C-9B17-2A2C711D9068}" destId="{35847E92-15CB-4114-AD45-C572C284B1D1}" srcOrd="0" destOrd="0" presId="urn:microsoft.com/office/officeart/2011/layout/CircleProcess"/>
+    <dgm:cxn modelId="{EE6D8218-ADAE-411A-9820-599BF85A9EA1}" type="presOf" srcId="{D6D3D731-2BCE-464C-9B17-2A2C711D9068}" destId="{DB3CE665-5D32-4725-A12A-F0077FF788D9}" srcOrd="1" destOrd="0" presId="urn:microsoft.com/office/officeart/2011/layout/CircleProcess"/>
+    <dgm:cxn modelId="{A4EB9C22-DDFC-479D-B9BC-BB44A50B63A5}" type="presOf" srcId="{C0CAA204-69D1-4A5A-851D-26BC1C76156D}" destId="{618FAC6C-8796-4C36-81B0-ADCB61C975B8}" srcOrd="1" destOrd="0" presId="urn:microsoft.com/office/officeart/2011/layout/CircleProcess"/>
+    <dgm:cxn modelId="{DD8C133E-C96B-4E46-9D5C-F823FAA022D5}" type="presOf" srcId="{15C4E4B2-931D-4B67-ADA5-17E9B9AE880E}" destId="{116B46D3-0BFA-4697-9647-3A0DC2C51673}" srcOrd="0" destOrd="0" presId="urn:microsoft.com/office/officeart/2011/layout/CircleProcess"/>
+    <dgm:cxn modelId="{E0757E74-BC2F-4166-AAA8-ACB153795B6B}" type="presOf" srcId="{99183B7B-0DA2-4283-B201-6F697EA090B2}" destId="{8402917D-4714-48EA-A1F4-D5030E50FF35}" srcOrd="0" destOrd="0" presId="urn:microsoft.com/office/officeart/2011/layout/CircleProcess"/>
+    <dgm:cxn modelId="{BADCFC8D-4DC7-4538-9818-5DC3C7A31B84}" type="presOf" srcId="{15C4E4B2-931D-4B67-ADA5-17E9B9AE880E}" destId="{07507E8E-E0AB-4275-A836-62C8C224BB06}" srcOrd="1" destOrd="0" presId="urn:microsoft.com/office/officeart/2011/layout/CircleProcess"/>
+    <dgm:cxn modelId="{77AEAF9D-59FD-4DC9-B7CC-09E7FFA21102}" srcId="{99183B7B-0DA2-4283-B201-6F697EA090B2}" destId="{15C4E4B2-931D-4B67-ADA5-17E9B9AE880E}" srcOrd="1" destOrd="0" parTransId="{1E24DB5E-C0AE-46CC-8535-8D24CBAB01EF}" sibTransId="{7650D5FF-1C0F-402E-95D5-269CBB3EB725}"/>
+    <dgm:cxn modelId="{FEB944BC-3F5B-45F4-BC32-EB29C9A2E1A7}" type="presOf" srcId="{C0CAA204-69D1-4A5A-851D-26BC1C76156D}" destId="{148F33DD-53A0-4353-B7DC-DE868A5FC100}" srcOrd="0" destOrd="0" presId="urn:microsoft.com/office/officeart/2011/layout/CircleProcess"/>
+    <dgm:cxn modelId="{C753E8EA-7E74-467C-95CE-BC9C1B39B393}" srcId="{99183B7B-0DA2-4283-B201-6F697EA090B2}" destId="{D6D3D731-2BCE-464C-9B17-2A2C711D9068}" srcOrd="0" destOrd="0" parTransId="{068B5661-4A10-4A41-A841-D3E07DB72F0E}" sibTransId="{A5C934BF-8792-4BCA-89FC-FA853044856C}"/>
+    <dgm:cxn modelId="{8C4022EF-CF81-4BEF-88AF-164333925DBA}" srcId="{99183B7B-0DA2-4283-B201-6F697EA090B2}" destId="{C0CAA204-69D1-4A5A-851D-26BC1C76156D}" srcOrd="2" destOrd="0" parTransId="{FD6004CC-708E-41F5-A0A6-0B3BD51F619A}" sibTransId="{D379DF8A-3870-4B7F-84A3-DA2D87FE2EDA}"/>
+    <dgm:cxn modelId="{8D945366-7D62-4CB5-9AD3-52B35ECF5895}" type="presParOf" srcId="{8402917D-4714-48EA-A1F4-D5030E50FF35}" destId="{06B8D1BD-CE00-41EE-A2C6-1E39BDF3CC19}" srcOrd="0" destOrd="0" presId="urn:microsoft.com/office/officeart/2011/layout/CircleProcess"/>
+    <dgm:cxn modelId="{F9BB58E6-BABE-45E6-8474-D50DA38919A6}" type="presParOf" srcId="{06B8D1BD-CE00-41EE-A2C6-1E39BDF3CC19}" destId="{C477DB17-C0AD-4602-A2CF-A438EE44055E}" srcOrd="0" destOrd="0" presId="urn:microsoft.com/office/officeart/2011/layout/CircleProcess"/>
+    <dgm:cxn modelId="{FC27E6C2-3329-4787-86AD-24C259FA9BDE}" type="presParOf" srcId="{8402917D-4714-48EA-A1F4-D5030E50FF35}" destId="{2F15D7EF-D738-4DFA-952E-09A94CA108DA}" srcOrd="1" destOrd="0" presId="urn:microsoft.com/office/officeart/2011/layout/CircleProcess"/>
+    <dgm:cxn modelId="{69FBD4FD-79E3-4D8D-999A-5760C90F4AD1}" type="presParOf" srcId="{2F15D7EF-D738-4DFA-952E-09A94CA108DA}" destId="{148F33DD-53A0-4353-B7DC-DE868A5FC100}" srcOrd="0" destOrd="0" presId="urn:microsoft.com/office/officeart/2011/layout/CircleProcess"/>
+    <dgm:cxn modelId="{5E4BC955-A6D5-4A3C-B6B0-93044DA15ECD}" type="presParOf" srcId="{8402917D-4714-48EA-A1F4-D5030E50FF35}" destId="{618FAC6C-8796-4C36-81B0-ADCB61C975B8}" srcOrd="2" destOrd="0" presId="urn:microsoft.com/office/officeart/2011/layout/CircleProcess"/>
+    <dgm:cxn modelId="{AA19107D-61F9-4D45-AF30-6726726A604A}" type="presParOf" srcId="{8402917D-4714-48EA-A1F4-D5030E50FF35}" destId="{F6B2D213-05BA-45B7-BDFC-010953B04847}" srcOrd="3" destOrd="0" presId="urn:microsoft.com/office/officeart/2011/layout/CircleProcess"/>
+    <dgm:cxn modelId="{D3F6BEB9-BD8B-48EC-B807-224DBF6E6873}" type="presParOf" srcId="{F6B2D213-05BA-45B7-BDFC-010953B04847}" destId="{469A1BAA-536A-4F78-B9EE-3F85C9A6CD3F}" srcOrd="0" destOrd="0" presId="urn:microsoft.com/office/officeart/2011/layout/CircleProcess"/>
+    <dgm:cxn modelId="{49E95C62-CE03-448B-8C27-803B7F8DD930}" type="presParOf" srcId="{8402917D-4714-48EA-A1F4-D5030E50FF35}" destId="{705C09B4-B05A-4BE8-893F-168E33E0A423}" srcOrd="4" destOrd="0" presId="urn:microsoft.com/office/officeart/2011/layout/CircleProcess"/>
+    <dgm:cxn modelId="{AE50E836-0DF9-4E6F-8B7F-3352B5DF9BD3}" type="presParOf" srcId="{705C09B4-B05A-4BE8-893F-168E33E0A423}" destId="{116B46D3-0BFA-4697-9647-3A0DC2C51673}" srcOrd="0" destOrd="0" presId="urn:microsoft.com/office/officeart/2011/layout/CircleProcess"/>
+    <dgm:cxn modelId="{A6B1D091-3338-4A7A-85F3-62B3A9A19DFB}" type="presParOf" srcId="{8402917D-4714-48EA-A1F4-D5030E50FF35}" destId="{07507E8E-E0AB-4275-A836-62C8C224BB06}" srcOrd="5" destOrd="0" presId="urn:microsoft.com/office/officeart/2011/layout/CircleProcess"/>
+    <dgm:cxn modelId="{037EDBCC-A8DA-4D4A-851E-E8D0A5E9B250}" type="presParOf" srcId="{8402917D-4714-48EA-A1F4-D5030E50FF35}" destId="{6506C32B-F576-480A-B625-DCADE6EEB99C}" srcOrd="6" destOrd="0" presId="urn:microsoft.com/office/officeart/2011/layout/CircleProcess"/>
+    <dgm:cxn modelId="{0628018D-AA86-4978-966E-BFB9F87F15B4}" type="presParOf" srcId="{6506C32B-F576-480A-B625-DCADE6EEB99C}" destId="{3FEFD61A-1993-4AF6-8B46-4059EB42DB95}" srcOrd="0" destOrd="0" presId="urn:microsoft.com/office/officeart/2011/layout/CircleProcess"/>
+    <dgm:cxn modelId="{D1AE2D82-2CB5-443E-ACCA-292A0510547D}" type="presParOf" srcId="{8402917D-4714-48EA-A1F4-D5030E50FF35}" destId="{E9015D3D-F146-455B-94BC-41A852FC25A1}" srcOrd="7" destOrd="0" presId="urn:microsoft.com/office/officeart/2011/layout/CircleProcess"/>
+    <dgm:cxn modelId="{A9B3D4A1-18E3-4F8B-BAED-865EEA069628}" type="presParOf" srcId="{E9015D3D-F146-455B-94BC-41A852FC25A1}" destId="{35847E92-15CB-4114-AD45-C572C284B1D1}" srcOrd="0" destOrd="0" presId="urn:microsoft.com/office/officeart/2011/layout/CircleProcess"/>
+    <dgm:cxn modelId="{695B8E58-9D32-4CF6-8592-BA25E73D4ACA}" type="presParOf" srcId="{8402917D-4714-48EA-A1F4-D5030E50FF35}" destId="{DB3CE665-5D32-4725-A12A-F0077FF788D9}" srcOrd="8" destOrd="0" presId="urn:microsoft.com/office/officeart/2011/layout/CircleProcess"/>
+  </dgm:cxnLst>
+  <dgm:bg/>
+  <dgm:whole/>
+  <dgm:extLst>
+    <a:ext uri="http://schemas.microsoft.com/office/drawing/2008/diagram">
+      <dsp:dataModelExt xmlns:dsp="http://schemas.microsoft.com/office/drawing/2008/diagram" relId="rId7" minVer="http://schemas.openxmlformats.org/drawingml/2006/diagram"/>
+    </a:ext>
+  </dgm:extLst>
+</dgm:dataModel>
+</file>
+
+<file path=ppt/diagrams/drawing1.xml><?xml version="1.0" encoding="utf-8"?>
+<dsp:drawing xmlns:dgm="http://schemas.openxmlformats.org/drawingml/2006/diagram" xmlns:dsp="http://schemas.microsoft.com/office/drawing/2008/diagram" xmlns:a="http://schemas.openxmlformats.org/drawingml/2006/main">
+  <dsp:spTree>
+    <dsp:nvGrpSpPr>
+      <dsp:cNvPr id="0" name=""/>
+      <dsp:cNvGrpSpPr/>
+    </dsp:nvGrpSpPr>
+    <dsp:grpSpPr/>
+    <dsp:sp modelId="{C477DB17-C0AD-4602-A2CF-A438EE44055E}">
+      <dsp:nvSpPr>
+        <dsp:cNvPr id="0" name=""/>
+        <dsp:cNvSpPr/>
+      </dsp:nvSpPr>
+      <dsp:spPr>
+        <a:xfrm>
+          <a:off x="2850128" y="382447"/>
+          <a:ext cx="1013094" cy="1013282"/>
+        </a:xfrm>
+        <a:prstGeom prst="ellipse">
+          <a:avLst/>
+        </a:prstGeom>
+        <a:solidFill>
+          <a:schemeClr val="dk2">
+            <a:hueOff val="0"/>
+            <a:satOff val="0"/>
+            <a:lumOff val="0"/>
+            <a:alphaOff val="0"/>
+          </a:schemeClr>
+        </a:solidFill>
+        <a:ln w="12700" cap="flat" cmpd="sng" algn="ctr">
+          <a:solidFill>
+            <a:schemeClr val="lt2">
+              <a:hueOff val="0"/>
+              <a:satOff val="0"/>
+              <a:lumOff val="0"/>
+              <a:alphaOff val="0"/>
+            </a:schemeClr>
+          </a:solidFill>
+          <a:prstDash val="solid"/>
+          <a:miter lim="800000"/>
+        </a:ln>
+        <a:effectLst/>
+      </dsp:spPr>
+      <dsp:style>
+        <a:lnRef idx="2">
+          <a:scrgbClr r="0" g="0" b="0"/>
+        </a:lnRef>
+        <a:fillRef idx="1">
+          <a:scrgbClr r="0" g="0" b="0"/>
+        </a:fillRef>
+        <a:effectRef idx="0">
+          <a:scrgbClr r="0" g="0" b="0"/>
+        </a:effectRef>
+        <a:fontRef idx="minor">
+          <a:schemeClr val="lt1"/>
+        </a:fontRef>
+      </dsp:style>
+    </dsp:sp>
+    <dsp:sp modelId="{148F33DD-53A0-4353-B7DC-DE868A5FC100}">
+      <dsp:nvSpPr>
+        <dsp:cNvPr id="0" name=""/>
+        <dsp:cNvSpPr/>
+      </dsp:nvSpPr>
+      <dsp:spPr>
+        <a:xfrm>
+          <a:off x="2883766" y="416229"/>
+          <a:ext cx="945818" cy="945718"/>
+        </a:xfrm>
+        <a:prstGeom prst="ellipse">
+          <a:avLst/>
+        </a:prstGeom>
+        <a:solidFill>
+          <a:schemeClr val="lt2">
+            <a:alpha val="90000"/>
+            <a:hueOff val="0"/>
+            <a:satOff val="0"/>
+            <a:lumOff val="0"/>
+            <a:alphaOff val="0"/>
+          </a:schemeClr>
+        </a:solidFill>
+        <a:ln w="12700" cap="flat" cmpd="sng" algn="ctr">
+          <a:solidFill>
+            <a:schemeClr val="dk2">
+              <a:hueOff val="0"/>
+              <a:satOff val="0"/>
+              <a:lumOff val="0"/>
+              <a:alphaOff val="0"/>
+            </a:schemeClr>
+          </a:solidFill>
+          <a:prstDash val="solid"/>
+          <a:miter lim="800000"/>
+        </a:ln>
+        <a:effectLst/>
+      </dsp:spPr>
+      <dsp:style>
+        <a:lnRef idx="2">
+          <a:scrgbClr r="0" g="0" b="0"/>
+        </a:lnRef>
+        <a:fillRef idx="1">
+          <a:scrgbClr r="0" g="0" b="0"/>
+        </a:fillRef>
+        <a:effectRef idx="0">
+          <a:scrgbClr r="0" g="0" b="0"/>
+        </a:effectRef>
+        <a:fontRef idx="minor"/>
+      </dsp:style>
+      <dsp:txBody>
+        <a:bodyPr spcFirstLastPara="0" vert="horz" wrap="square" lIns="13970" tIns="13970" rIns="13970" bIns="13970" numCol="1" spcCol="1270" anchor="ctr" anchorCtr="0">
+          <a:noAutofit/>
+        </a:bodyPr>
+        <a:lstStyle/>
+        <a:p>
+          <a:pPr marL="0" lvl="0" indent="0" algn="ctr" defTabSz="488950">
+            <a:lnSpc>
+              <a:spcPct val="90000"/>
+            </a:lnSpc>
+            <a:spcBef>
+              <a:spcPct val="0"/>
+            </a:spcBef>
+            <a:spcAft>
+              <a:spcPct val="35000"/>
+            </a:spcAft>
+            <a:buNone/>
+          </a:pPr>
+          <a:r>
+            <a:rPr lang="en-IN" sz="1100" kern="1200" dirty="0"/>
+            <a:t>I am better than them</a:t>
+          </a:r>
+        </a:p>
+      </dsp:txBody>
+      <dsp:txXfrm>
+        <a:off x="3018977" y="551357"/>
+        <a:ext cx="675396" cy="675462"/>
+      </dsp:txXfrm>
+    </dsp:sp>
+    <dsp:sp modelId="{469A1BAA-536A-4F78-B9EE-3F85C9A6CD3F}">
+      <dsp:nvSpPr>
+        <dsp:cNvPr id="0" name=""/>
+        <dsp:cNvSpPr/>
+      </dsp:nvSpPr>
+      <dsp:spPr>
+        <a:xfrm rot="2700000">
+          <a:off x="1804285" y="383672"/>
+          <a:ext cx="1010654" cy="1010654"/>
+        </a:xfrm>
+        <a:prstGeom prst="teardrop">
+          <a:avLst>
+            <a:gd name="adj" fmla="val 100000"/>
+          </a:avLst>
+        </a:prstGeom>
+        <a:solidFill>
+          <a:schemeClr val="dk2">
+            <a:hueOff val="0"/>
+            <a:satOff val="0"/>
+            <a:lumOff val="0"/>
+            <a:alphaOff val="0"/>
+          </a:schemeClr>
+        </a:solidFill>
+        <a:ln w="12700" cap="flat" cmpd="sng" algn="ctr">
+          <a:solidFill>
+            <a:schemeClr val="lt2">
+              <a:hueOff val="0"/>
+              <a:satOff val="0"/>
+              <a:lumOff val="0"/>
+              <a:alphaOff val="0"/>
+            </a:schemeClr>
+          </a:solidFill>
+          <a:prstDash val="solid"/>
+          <a:miter lim="800000"/>
+        </a:ln>
+        <a:effectLst/>
+      </dsp:spPr>
+      <dsp:style>
+        <a:lnRef idx="2">
+          <a:scrgbClr r="0" g="0" b="0"/>
+        </a:lnRef>
+        <a:fillRef idx="1">
+          <a:scrgbClr r="0" g="0" b="0"/>
+        </a:fillRef>
+        <a:effectRef idx="0">
+          <a:scrgbClr r="0" g="0" b="0"/>
+        </a:effectRef>
+        <a:fontRef idx="minor">
+          <a:schemeClr val="lt1"/>
+        </a:fontRef>
+      </dsp:style>
+    </dsp:sp>
+    <dsp:sp modelId="{116B46D3-0BFA-4697-9647-3A0DC2C51673}">
+      <dsp:nvSpPr>
+        <dsp:cNvPr id="0" name=""/>
+        <dsp:cNvSpPr/>
+      </dsp:nvSpPr>
+      <dsp:spPr>
+        <a:xfrm>
+          <a:off x="1836703" y="416229"/>
+          <a:ext cx="945818" cy="945718"/>
+        </a:xfrm>
+        <a:prstGeom prst="ellipse">
+          <a:avLst/>
+        </a:prstGeom>
+        <a:solidFill>
+          <a:schemeClr val="lt2">
+            <a:alpha val="90000"/>
+            <a:hueOff val="0"/>
+            <a:satOff val="0"/>
+            <a:lumOff val="0"/>
+            <a:alphaOff val="0"/>
+          </a:schemeClr>
+        </a:solidFill>
+        <a:ln w="12700" cap="flat" cmpd="sng" algn="ctr">
+          <a:solidFill>
+            <a:schemeClr val="dk2">
+              <a:hueOff val="0"/>
+              <a:satOff val="0"/>
+              <a:lumOff val="0"/>
+              <a:alphaOff val="0"/>
+            </a:schemeClr>
+          </a:solidFill>
+          <a:prstDash val="solid"/>
+          <a:miter lim="800000"/>
+        </a:ln>
+        <a:effectLst/>
+      </dsp:spPr>
+      <dsp:style>
+        <a:lnRef idx="2">
+          <a:scrgbClr r="0" g="0" b="0"/>
+        </a:lnRef>
+        <a:fillRef idx="1">
+          <a:scrgbClr r="0" g="0" b="0"/>
+        </a:fillRef>
+        <a:effectRef idx="0">
+          <a:scrgbClr r="0" g="0" b="0"/>
+        </a:effectRef>
+        <a:fontRef idx="minor"/>
+      </dsp:style>
+      <dsp:txBody>
+        <a:bodyPr spcFirstLastPara="0" vert="horz" wrap="square" lIns="13970" tIns="13970" rIns="13970" bIns="13970" numCol="1" spcCol="1270" anchor="ctr" anchorCtr="0">
+          <a:noAutofit/>
+        </a:bodyPr>
+        <a:lstStyle/>
+        <a:p>
+          <a:pPr marL="0" lvl="0" indent="0" algn="ctr" defTabSz="488950">
+            <a:lnSpc>
+              <a:spcPct val="90000"/>
+            </a:lnSpc>
+            <a:spcBef>
+              <a:spcPct val="0"/>
+            </a:spcBef>
+            <a:spcAft>
+              <a:spcPct val="35000"/>
+            </a:spcAft>
+            <a:buNone/>
+          </a:pPr>
+          <a:r>
+            <a:rPr lang="en-IN" sz="1100" kern="1200" dirty="0"/>
+            <a:t>I blame</a:t>
+          </a:r>
+        </a:p>
+      </dsp:txBody>
+      <dsp:txXfrm>
+        <a:off x="1971914" y="551357"/>
+        <a:ext cx="675396" cy="675462"/>
+      </dsp:txXfrm>
+    </dsp:sp>
+    <dsp:sp modelId="{3FEFD61A-1993-4AF6-8B46-4059EB42DB95}">
+      <dsp:nvSpPr>
+        <dsp:cNvPr id="0" name=""/>
+        <dsp:cNvSpPr/>
+      </dsp:nvSpPr>
+      <dsp:spPr>
+        <a:xfrm rot="2700000">
+          <a:off x="757223" y="383672"/>
+          <a:ext cx="1010654" cy="1010654"/>
+        </a:xfrm>
+        <a:prstGeom prst="teardrop">
+          <a:avLst>
+            <a:gd name="adj" fmla="val 100000"/>
+          </a:avLst>
+        </a:prstGeom>
+        <a:solidFill>
+          <a:schemeClr val="dk2">
+            <a:hueOff val="0"/>
+            <a:satOff val="0"/>
+            <a:lumOff val="0"/>
+            <a:alphaOff val="0"/>
+          </a:schemeClr>
+        </a:solidFill>
+        <a:ln w="12700" cap="flat" cmpd="sng" algn="ctr">
+          <a:solidFill>
+            <a:schemeClr val="lt2">
+              <a:hueOff val="0"/>
+              <a:satOff val="0"/>
+              <a:lumOff val="0"/>
+              <a:alphaOff val="0"/>
+            </a:schemeClr>
+          </a:solidFill>
+          <a:prstDash val="solid"/>
+          <a:miter lim="800000"/>
+        </a:ln>
+        <a:effectLst/>
+      </dsp:spPr>
+      <dsp:style>
+        <a:lnRef idx="2">
+          <a:scrgbClr r="0" g="0" b="0"/>
+        </a:lnRef>
+        <a:fillRef idx="1">
+          <a:scrgbClr r="0" g="0" b="0"/>
+        </a:fillRef>
+        <a:effectRef idx="0">
+          <a:scrgbClr r="0" g="0" b="0"/>
+        </a:effectRef>
+        <a:fontRef idx="minor">
+          <a:schemeClr val="lt1"/>
+        </a:fontRef>
+      </dsp:style>
+    </dsp:sp>
+    <dsp:sp modelId="{35847E92-15CB-4114-AD45-C572C284B1D1}">
+      <dsp:nvSpPr>
+        <dsp:cNvPr id="0" name=""/>
+        <dsp:cNvSpPr/>
+      </dsp:nvSpPr>
+      <dsp:spPr>
+        <a:xfrm>
+          <a:off x="789641" y="416229"/>
+          <a:ext cx="945818" cy="945718"/>
+        </a:xfrm>
+        <a:prstGeom prst="ellipse">
+          <a:avLst/>
+        </a:prstGeom>
+        <a:solidFill>
+          <a:schemeClr val="lt2">
+            <a:alpha val="90000"/>
+            <a:hueOff val="0"/>
+            <a:satOff val="0"/>
+            <a:lumOff val="0"/>
+            <a:alphaOff val="0"/>
+          </a:schemeClr>
+        </a:solidFill>
+        <a:ln w="12700" cap="flat" cmpd="sng" algn="ctr">
+          <a:solidFill>
+            <a:schemeClr val="dk2">
+              <a:hueOff val="0"/>
+              <a:satOff val="0"/>
+              <a:lumOff val="0"/>
+              <a:alphaOff val="0"/>
+            </a:schemeClr>
+          </a:solidFill>
+          <a:prstDash val="solid"/>
+          <a:miter lim="800000"/>
+        </a:ln>
+        <a:effectLst/>
+      </dsp:spPr>
+      <dsp:style>
+        <a:lnRef idx="2">
+          <a:scrgbClr r="0" g="0" b="0"/>
+        </a:lnRef>
+        <a:fillRef idx="1">
+          <a:scrgbClr r="0" g="0" b="0"/>
+        </a:fillRef>
+        <a:effectRef idx="0">
+          <a:scrgbClr r="0" g="0" b="0"/>
+        </a:effectRef>
+        <a:fontRef idx="minor"/>
+      </dsp:style>
+      <dsp:txBody>
+        <a:bodyPr spcFirstLastPara="0" vert="horz" wrap="square" lIns="13970" tIns="13970" rIns="13970" bIns="13970" numCol="1" spcCol="1270" anchor="ctr" anchorCtr="0">
+          <a:noAutofit/>
+        </a:bodyPr>
+        <a:lstStyle/>
+        <a:p>
+          <a:pPr marL="0" lvl="0" indent="0" algn="ctr" defTabSz="488950">
+            <a:lnSpc>
+              <a:spcPct val="90000"/>
+            </a:lnSpc>
+            <a:spcBef>
+              <a:spcPct val="0"/>
+            </a:spcBef>
+            <a:spcAft>
+              <a:spcPct val="35000"/>
+            </a:spcAft>
+            <a:buNone/>
+          </a:pPr>
+          <a:r>
+            <a:rPr lang="en-IN" sz="1100" kern="1200" dirty="0"/>
+            <a:t>I am not good enough</a:t>
+          </a:r>
+        </a:p>
+      </dsp:txBody>
+      <dsp:txXfrm>
+        <a:off x="924852" y="551357"/>
+        <a:ext cx="675396" cy="675462"/>
+      </dsp:txXfrm>
+    </dsp:sp>
+  </dsp:spTree>
+</dsp:drawing>
+</file>
+
+<file path=ppt/diagrams/layout1.xml><?xml version="1.0" encoding="utf-8"?>
+<dgm:layoutDef xmlns:dgm="http://schemas.openxmlformats.org/drawingml/2006/diagram" xmlns:a="http://schemas.openxmlformats.org/drawingml/2006/main" uniqueId="urn:microsoft.com/office/officeart/2011/layout/CircleProcess">
+  <dgm:title val="Circle Process"/>
+  <dgm:desc val="Use to show sequential steps in a process. Limited to eleven Level 1 shapes with an unlimited number of Level 2 shapes. Works best with small amounts of text. Unused text does not appear, but remains available if you switch layouts."/>
+  <dgm:catLst>
+    <dgm:cat type="process" pri="8500"/>
+    <dgm:cat type="officeonline" pri="8500"/>
+  </dgm:catLst>
+  <dgm:sampData>
+    <dgm:dataModel>
+      <dgm:ptLst>
+        <dgm:pt modelId="0" type="doc"/>
+        <dgm:pt modelId="10">
+          <dgm:prSet phldr="1"/>
+        </dgm:pt>
+        <dgm:pt modelId="20">
+          <dgm:prSet phldr="1"/>
+        </dgm:pt>
+        <dgm:pt modelId="30">
+          <dgm:prSet phldr="1"/>
+        </dgm:pt>
+      </dgm:ptLst>
+      <dgm:cxnLst>
+        <dgm:cxn modelId="40" srcId="0" destId="10" srcOrd="0" destOrd="0"/>
+        <dgm:cxn modelId="50" srcId="0" destId="20" srcOrd="1" destOrd="0"/>
+        <dgm:cxn modelId="60" srcId="0" destId="30" srcOrd="2" destOrd="0"/>
+      </dgm:cxnLst>
+      <dgm:bg/>
+      <dgm:whole/>
+    </dgm:dataModel>
+  </dgm:sampData>
+  <dgm:styleData>
+    <dgm:dataModel>
+      <dgm:ptLst>
+        <dgm:pt modelId="0" type="doc"/>
+        <dgm:pt modelId="10">
+          <dgm:prSet phldr="1"/>
+        </dgm:pt>
+        <dgm:pt modelId="20">
+          <dgm:prSet phldr="1"/>
+        </dgm:pt>
+      </dgm:ptLst>
+      <dgm:cxnLst>
+        <dgm:cxn modelId="30" srcId="0" destId="10" srcOrd="0" destOrd="0"/>
+        <dgm:cxn modelId="40" srcId="0" destId="20" srcOrd="1" destOrd="0"/>
+      </dgm:cxnLst>
+      <dgm:bg/>
+      <dgm:whole/>
+    </dgm:dataModel>
+  </dgm:styleData>
+  <dgm:clrData>
+    <dgm:dataModel>
+      <dgm:ptLst>
+        <dgm:pt modelId="0" type="doc"/>
+        <dgm:pt modelId="10">
+          <dgm:prSet phldr="1"/>
+        </dgm:pt>
+        <dgm:pt modelId="20">
+          <dgm:prSet phldr="1"/>
+        </dgm:pt>
+        <dgm:pt modelId="30">
+          <dgm:prSet phldr="1"/>
+        </dgm:pt>
+        <dgm:pt modelId="40">
+          <dgm:prSet phldr="1"/>
+        </dgm:pt>
+      </dgm:ptLst>
+      <dgm:cxnLst>
+        <dgm:cxn modelId="50" srcId="0" destId="10" srcOrd="0" destOrd="0"/>
+        <dgm:cxn modelId="60" srcId="0" destId="20" srcOrd="1" destOrd="0"/>
+        <dgm:cxn modelId="70" srcId="0" destId="30" srcOrd="2" destOrd="0"/>
+        <dgm:cxn modelId="80" srcId="0" destId="40" srcOrd="3" destOrd="0"/>
+      </dgm:cxnLst>
+      <dgm:bg/>
+      <dgm:whole/>
+    </dgm:dataModel>
+  </dgm:clrData>
+  <dgm:layoutNode name="Name0">
+    <dgm:varLst>
+      <dgm:chMax val="11"/>
+      <dgm:chPref val="11"/>
+      <dgm:dir/>
+      <dgm:resizeHandles/>
+    </dgm:varLst>
+    <dgm:shape xmlns:r="http://schemas.openxmlformats.org/officeDocument/2006/relationships" r:blip="">
+      <dgm:adjLst/>
+    </dgm:shape>
+    <dgm:choose name="Name1">
+      <dgm:if name="Name2" func="var" arg="dir" op="equ" val="norm">
+        <dgm:choose name="Name3">
+          <dgm:if name="Name4" axis="ch" ptType="node" func="cnt" op="equ" val="1">
+            <dgm:alg type="composite">
+              <dgm:param type="ar" val="0.6383"/>
+            </dgm:alg>
+            <dgm:constrLst>
+              <dgm:constr type="primFontSz" for="des" forName="Child1" val="65"/>
+              <dgm:constr type="primFontSz" for="des" forName="Parent1" val="65"/>
+              <dgm:constr type="primFontSz" for="des" forName="Child1" refType="primFontSz" refFor="des" refForName="Parent1" op="lte"/>
+              <dgm:constr type="l" for="ch" forName="Parent1" refType="w" fact="0.1667"/>
+              <dgm:constr type="t" for="ch" forName="Parent1" refType="h" fact="0.1064"/>
+              <dgm:constr type="w" for="ch" forName="Parent1" refType="w" fact="0.6667"/>
+              <dgm:constr type="h" for="ch" forName="Parent1" refType="h" fact="0.4255"/>
+              <dgm:constr type="l" for="ch" forName="Accent1" refType="w" fact="0"/>
+              <dgm:constr type="t" for="ch" forName="Accent1" refType="h" fact="0"/>
+              <dgm:constr type="w" for="ch" forName="Accent1" refType="w"/>
+              <dgm:constr type="h" for="ch" forName="Accent1" refType="h" fact="0.6383"/>
+              <dgm:constr type="l" for="ch" forName="ParentBackground1" refType="w" fact="0.0333"/>
+              <dgm:constr type="t" for="ch" forName="ParentBackground1" refType="h" fact="0.0213"/>
+              <dgm:constr type="w" for="ch" forName="ParentBackground1" refType="w" fact="0.9333"/>
+              <dgm:constr type="h" for="ch" forName="ParentBackground1" refType="h" fact="0.5957"/>
+              <dgm:constr type="l" for="ch" forName="Child1" refType="w" fact="0.0333"/>
+              <dgm:constr type="t" for="ch" forName="Child1" refType="h" fact="0.6574"/>
+              <dgm:constr type="w" for="ch" forName="Child1" refType="w" fact="0.9333"/>
+              <dgm:constr type="h" for="ch" forName="Child1" refType="h" fact="0.3426"/>
+            </dgm:constrLst>
+          </dgm:if>
+          <dgm:if name="Name5" axis="ch" ptType="node" func="cnt" op="equ" val="2">
+            <dgm:alg type="composite">
+              <dgm:param type="ar" val="1.2659"/>
+            </dgm:alg>
+            <dgm:constrLst>
+              <dgm:constr type="primFontSz" for="des" forName="Child1" val="65"/>
+              <dgm:constr type="primFontSz" for="des" forName="Parent1" val="65"/>
+              <dgm:constr type="primFontSz" for="des" forName="Child1" refType="primFontSz" refFor="des" refForName="Parent1" op="lte"/>
+              <dgm:constr type="primFontSz" for="des" forName="Child2" refType="primFontSz" refFor="des" refForName="Parent1" op="lte"/>
+              <dgm:constr type="primFontSz" for="des" forName="Child1" refType="primFontSz" refFor="des" refForName="Parent2" op="lte"/>
+              <dgm:constr type="primFontSz" for="des" forName="Child2" refType="primFontSz" refFor="des" refForName="Parent2" op="lte"/>
+              <dgm:constr type="primFontSz" for="des" forName="Parent2" refType="primFontSz" refFor="des" refForName="Parent1" op="equ"/>
+              <dgm:constr type="primFontSz" for="des" forName="Child2" refType="primFontSz" refFor="des" refForName="Child1" op="equ"/>
+              <dgm:constr type="l" for="ch" forName="Parent2" refType="w" fact="0.6249"/>
+              <dgm:constr type="t" for="ch" forName="Parent2" refType="h" fact="0.2022"/>
+              <dgm:constr type="w" for="ch" forName="Parent2" refType="w" fact="0.3001"/>
+              <dgm:constr type="h" for="ch" forName="Parent2" refType="h" fact="0.3799"/>
+              <dgm:constr type="l" for="ch" forName="Parent1" refType="w" fact="0.1597"/>
+              <dgm:constr type="t" for="ch" forName="Parent1" refType="h" fact="0.2022"/>
+              <dgm:constr type="w" for="ch" forName="Parent1" refType="w" fact="0.3001"/>
+              <dgm:constr type="h" for="ch" forName="Parent1" refType="h" fact="0.3799"/>
+              <dgm:constr type="l" for="ch" forName="Accent2" refType="w" fact="0.5498"/>
+              <dgm:constr type="t" for="ch" forName="Accent2" refType="h" fact="0.1072"/>
+              <dgm:constr type="w" for="ch" forName="Accent2" refType="w" fact="0.4502"/>
+              <dgm:constr type="h" for="ch" forName="Accent2" refType="h" fact="0.5699"/>
+              <dgm:constr type="l" for="ch" forName="ParentBackground2" refType="w" fact="0.5648"/>
+              <dgm:constr type="t" for="ch" forName="ParentBackground2" refType="h" fact="0.1262"/>
+              <dgm:constr type="w" for="ch" forName="ParentBackground2" refType="w" fact="0.4201"/>
+              <dgm:constr type="h" for="ch" forName="ParentBackground2" refType="h" fact="0.5319"/>
+              <dgm:constr type="l" for="ch" forName="Child2" refType="w" fact="0.5648"/>
+              <dgm:constr type="t" for="ch" forName="Child2" refType="h" fact="0.6876"/>
+              <dgm:constr type="w" for="ch" forName="Child2" refType="w" fact="0.4201"/>
+              <dgm:constr type="h" for="ch" forName="Child2" refType="h" fact="0.3124"/>
+              <dgm:constr type="l" for="ch" forName="Accent1" refType="w" fact="-0.0086"/>
+              <dgm:constr type="t" for="ch" forName="Accent1" refType="h" fact="-0.0109"/>
+              <dgm:constr type="w" for="ch" forName="Accent1" refType="w" fact="0.6367"/>
+              <dgm:constr type="h" for="ch" forName="Accent1" refType="h" fact="0.806"/>
+              <dgm:constr type="l" for="ch" forName="ParentBackground1" refType="w" fact="0.0997"/>
+              <dgm:constr type="t" for="ch" forName="ParentBackground1" refType="h" fact="0.1262"/>
+              <dgm:constr type="w" for="ch" forName="ParentBackground1" refType="w" fact="0.4201"/>
+              <dgm:constr type="h" for="ch" forName="ParentBackground1" refType="h" fact="0.5319"/>
+              <dgm:constr type="l" for="ch" forName="Child1" refType="w" fact="0.0997"/>
+              <dgm:constr type="t" for="ch" forName="Child1" refType="h" fact="0.6876"/>
+              <dgm:constr type="w" for="ch" forName="Child1" refType="w" fact="0.4201"/>
+              <dgm:constr type="h" for="ch" forName="Child1" refType="h" fact="0.3124"/>
+            </dgm:constrLst>
+          </dgm:if>
+          <dgm:if name="Name6" axis="ch" ptType="node" func="cnt" op="equ" val="3">
+            <dgm:alg type="composite">
+              <dgm:param type="ar" val="1.8548"/>
+            </dgm:alg>
+            <dgm:constrLst>
+              <dgm:constr type="primFontSz" for="des" forName="Child1" val="65"/>
+              <dgm:constr type="primFontSz" for="des" forName="Parent1" val="65"/>
+              <dgm:constr type="primFontSz" for="des" forName="Child1" refType="primFontSz" refFor="des" refForName="Parent1" op="lte"/>
+              <dgm:constr type="primFontSz" for="des" forName="Child2" refType="primFontSz" refFor="des" refForName="Parent1" op="lte"/>
+              <dgm:constr type="primFontSz" for="des" forName="Child3" refType="primFontSz" refFor="des" refForName="Parent1" op="lte"/>
+              <dgm:constr type="primFontSz" for="des" forName="Child1" refType="primFontSz" refFor="des" refForName="Parent2" op="lte"/>
+              <dgm:constr type="primFontSz" for="des" forName="Child2" refType="primFontSz" refFor="des" refForName="Parent2" op="lte"/>
+              <dgm:constr type="primFontSz" for="des" forName="Child3" refType="primFontSz" refFor="des" refForName="Parent2" op="lte"/>
+              <dgm:constr type="primFontSz" for="des" forName="Child1" refType="primFontSz" refFor="des" refForName="Parent3" op="lte"/>
+              <dgm:constr type="primFontSz" for="des" forName="Child2" refType="primFontSz" refFor="des" refForName="Parent3" op="lte"/>
+              <dgm:constr type="primFontSz" for="des" forName="Child3" refType="primFontSz" refFor="des" refForName="Parent3" op="lte"/>
+              <dgm:constr type="primFontSz" for="des" forName="Parent2" refType="primFontSz" refFor="des" refForName="Parent1" op="equ"/>
+              <dgm:constr type="primFontSz" for="des" forName="Parent3" refType="primFontSz" refFor="des" refForName="Parent1" op="equ"/>
+              <dgm:constr type="primFontSz" for="des" forName="Child2" refType="primFontSz" refFor="des" refForName="Child1" op="equ"/>
+              <dgm:constr type="primFontSz" for="des" forName="Child3" refType="primFontSz" refFor="des" refForName="Child1" op="equ"/>
+              <dgm:constr type="l" for="ch" forName="Parent3" refType="w" fact="0.744"/>
+              <dgm:constr type="t" for="ch" forName="Parent3" refType="h" fact="0.2022"/>
+              <dgm:constr type="w" for="ch" forName="Parent3" refType="w" fact="0.2048"/>
+              <dgm:constr type="h" for="ch" forName="Parent3" refType="h" fact="0.3799"/>
+              <dgm:constr type="l" for="ch" forName="Parent2" refType="w" fact="0.4265"/>
+              <dgm:constr type="t" for="ch" forName="Parent2" refType="h" fact="0.2022"/>
+              <dgm:constr type="w" for="ch" forName="Parent2" refType="w" fact="0.2048"/>
+              <dgm:constr type="h" for="ch" forName="Parent2" refType="h" fact="0.3799"/>
+              <dgm:constr type="l" for="ch" forName="Parent1" refType="w" fact="0.109"/>
+              <dgm:constr type="t" for="ch" forName="Parent1" refType="h" fact="0.2022"/>
+              <dgm:constr type="w" for="ch" forName="Parent1" refType="w" fact="0.2048"/>
+              <dgm:constr type="h" for="ch" forName="Parent1" refType="h" fact="0.3799"/>
+              <dgm:constr type="l" for="ch" forName="Accent3" refType="w" fact="0.6928"/>
+              <dgm:constr type="t" for="ch" forName="Accent3" refType="h" fact="0.1072"/>
+              <dgm:constr type="w" for="ch" forName="Accent3" refType="w" fact="0.3072"/>
+              <dgm:constr type="h" for="ch" forName="Accent3" refType="h" fact="0.5699"/>
+              <dgm:constr type="l" for="ch" forName="ParentBackground3" refType="w" fact="0.703"/>
+              <dgm:constr type="t" for="ch" forName="ParentBackground3" refType="h" fact="0.1262"/>
+              <dgm:constr type="w" for="ch" forName="ParentBackground3" refType="w" fact="0.2868"/>
+              <dgm:constr type="h" for="ch" forName="ParentBackground3" refType="h" fact="0.5319"/>
+              <dgm:constr type="l" for="ch" forName="Child3" refType="w" fact="0.703"/>
+              <dgm:constr type="t" for="ch" forName="Child3" refType="h" fact="0.6876"/>
+              <dgm:constr type="w" for="ch" forName="Child3" refType="w" fact="0.2868"/>
+              <dgm:constr type="h" for="ch" forName="Child3" refType="h" fact="0.3124"/>
+              <dgm:constr type="l" for="ch" forName="Accent2" refType="w" fact="0.3122"/>
+              <dgm:constr type="t" for="ch" forName="Accent2" refType="h" fact="-0.0109"/>
+              <dgm:constr type="w" for="ch" forName="Accent2" refType="w" fact="0.4334"/>
+              <dgm:constr type="h" for="ch" forName="Accent2" refType="h" fact="0.806"/>
+              <dgm:constr type="l" for="ch" forName="ParentBackground2" refType="w" fact="0.3855"/>
+              <dgm:constr type="t" for="ch" forName="ParentBackground2" refType="h" fact="0.1262"/>
+              <dgm:constr type="w" for="ch" forName="ParentBackground2" refType="w" fact="0.2868"/>
+              <dgm:constr type="h" for="ch" forName="ParentBackground2" refType="h" fact="0.5319"/>
+              <dgm:constr type="l" for="ch" forName="Child2" refType="w" fact="0.3855"/>
+              <dgm:constr type="t" for="ch" forName="Child2" refType="h" fact="0.6876"/>
+              <dgm:constr type="w" for="ch" forName="Child2" refType="w" fact="0.2868"/>
+              <dgm:constr type="h" for="ch" forName="Child2" refType="h" fact="0.3124"/>
+              <dgm:constr type="l" for="ch" forName="Accent1" refType="w" fact="-0.0053"/>
+              <dgm:constr type="t" for="ch" forName="Accent1" refType="h" fact="-0.0109"/>
+              <dgm:constr type="w" for="ch" forName="Accent1" refType="w" fact="0.4334"/>
+              <dgm:constr type="h" for="ch" forName="Accent1" refType="h" fact="0.806"/>
+              <dgm:constr type="l" for="ch" forName="ParentBackground1" refType="w" fact="0.068"/>
+              <dgm:constr type="t" for="ch" forName="ParentBackground1" refType="h" fact="0.1262"/>
+              <dgm:constr type="w" for="ch" forName="ParentBackground1" refType="w" fact="0.2868"/>
+              <dgm:constr type="h" for="ch" forName="ParentBackground1" refType="h" fact="0.5319"/>
+              <dgm:constr type="l" for="ch" forName="Child1" refType="w" fact="0.068"/>
+              <dgm:constr type="t" for="ch" forName="Child1" refType="h" fact="0.6876"/>
+              <dgm:constr type="w" for="ch" forName="Child1" refType="w" fact="0.2868"/>
+              <dgm:constr type="h" for="ch" forName="Child1" refType="h" fact="0.3124"/>
+            </dgm:constrLst>
+          </dgm:if>
+          <dgm:if name="Name7" axis="ch" ptType="node" func="cnt" op="equ" val="4">
+            <dgm:alg type="composite">
+              <dgm:param type="ar" val="2.4437"/>
+            </dgm:alg>
+            <dgm:constrLst>
+              <dgm:constr type="primFontSz" for="des" forName="Child1" val="65"/>
+              <dgm:constr type="primFontSz" for="des" forName="Parent1" val="65"/>
+              <dgm:constr type="primFontSz" for="des" forName="Child1" refType="primFontSz" refFor="des" refForName="Parent1" op="lte"/>
+              <dgm:constr type="primFontSz" for="des" forName="Child2" refType="primFontSz" refFor="des" refForName="Parent1" op="lte"/>
+              <dgm:constr type="primFontSz" for="des" forName="Child3" refType="primFontSz" refFor="des" refForName="Parent1" op="lte"/>
+              <dgm:constr type="primFontSz" for="des" forName="Child4" refType="primFontSz" refFor="des" refForName="Parent1" op="lte"/>
+              <dgm:constr type="primFontSz" for="des" forName="Child1" refType="primFontSz" refFor="des" refForName="Parent2" op="lte"/>
+              <dgm:constr type="primFontSz" for="des" forName="Child2" refType="primFontSz" refFor="des" refForName="Parent2" op="lte"/>
+              <dgm:constr type="primFontSz" for="des" forName="Child3" refType="primFontSz" refFor="des" refForName="Parent2" op="lte"/>
+              <dgm:constr type="primFontSz" for="des" forName="Child4" refType="primFontSz" refFor="des" refForName="Parent2" op="lte"/>
+              <dgm:constr type="primFontSz" for="des" forName="Child1" refType="primFontSz" refFor="des" refForName="Parent3" op="lte"/>
+              <dgm:constr type="primFontSz" for="des" forName="Child2" refType="primFontSz" refFor="des" refForName="Parent3" op="lte"/>
+              <dgm:constr type="primFontSz" for="des" forName="Child3" refType="primFontSz" refFor="des" refForName="Parent3" op="lte"/>
+              <dgm:constr type="primFontSz" for="des" forName="Child4" refType="primFontSz" refFor="des" refForName="Parent3" op="lte"/>
+              <dgm:constr type="primFontSz" for="des" forName="Child1" refType="primFontSz" refFor="des" refForName="Parent4" op="lte"/>
+              <dgm:constr type="primFontSz" for="des" forName="Child2" refType="primFontSz" refFor="des" refForName="Parent4" op="lte"/>
+              <dgm:constr type="primFontSz" for="des" forName="Child3" refType="primFontSz" refFor="des" refForName="Parent4" op="lte"/>
+              <dgm:constr type="primFontSz" for="des" forName="Child4" refType="primFontSz" refFor="des" refForName="Parent4" op="lte"/>
+              <dgm:constr type="primFontSz" for="des" forName="Parent2" refType="primFontSz" refFor="des" refForName="Parent1" op="equ"/>
+              <dgm:constr type="primFontSz" for="des" forName="Parent3" refType="primFontSz" refFor="des" refForName="Parent1" op="equ"/>
+              <dgm:constr type="primFontSz" for="des" forName="Parent4" refType="primFontSz" refFor="des" refForName="Parent1" op="equ"/>
+              <dgm:constr type="primFontSz" for="des" forName="Child2" refType="primFontSz" refFor="des" refForName="Child1" op="equ"/>
+              <dgm:constr type="primFontSz" for="des" forName="Child3" refType="primFontSz" refFor="des" refForName="Child1" op="equ"/>
+              <dgm:constr type="primFontSz" for="des" forName="Child4" refType="primFontSz" refFor="des" refForName="Child1" op="equ"/>
+              <dgm:constr type="l" for="ch" forName="Parent4" refType="w" fact="0.8057"/>
+              <dgm:constr type="t" for="ch" forName="Parent4" refType="h" fact="0.2022"/>
+              <dgm:constr type="w" for="ch" forName="Parent4" refType="w" fact="0.1555"/>
+              <dgm:constr type="h" for="ch" forName="Parent4" refType="h" fact="0.3799"/>
+              <dgm:constr type="l" for="ch" forName="Parent3" refType="w" fact="0.5647"/>
+              <dgm:constr type="t" for="ch" forName="Parent3" refType="h" fact="0.2022"/>
+              <dgm:constr type="w" for="ch" forName="Parent3" refType="w" fact="0.1555"/>
+              <dgm:constr type="h" for="ch" forName="Parent3" refType="h" fact="0.3799"/>
+              <dgm:constr type="l" for="ch" forName="Parent2" refType="w" fact="0.3237"/>
+              <dgm:constr type="t" for="ch" forName="Parent2" refType="h" fact="0.2022"/>
+              <dgm:constr type="w" for="ch" forName="Parent2" refType="w" fact="0.1555"/>
+              <dgm:constr type="h" for="ch" forName="Parent2" refType="h" fact="0.3799"/>
+              <dgm:constr type="l" for="ch" forName="Parent1" refType="w" fact="0.0827"/>
+              <dgm:constr type="t" for="ch" forName="Parent1" refType="h" fact="0.2022"/>
+              <dgm:constr type="w" for="ch" forName="Parent1" refType="w" fact="0.1555"/>
+              <dgm:constr type="h" for="ch" forName="Parent1" refType="h" fact="0.3799"/>
+              <dgm:constr type="l" for="ch" forName="Accent4" refType="w" fact="0.7668"/>
+              <dgm:constr type="t" for="ch" forName="Accent4" refType="h" fact="0.1072"/>
+              <dgm:constr type="w" for="ch" forName="Accent4" refType="w" fact="0.2332"/>
+              <dgm:constr type="h" for="ch" forName="Accent4" refType="h" fact="0.5699"/>
+              <dgm:constr type="l" for="ch" forName="ParentBackground4" refType="w" fact="0.7746"/>
+              <dgm:constr type="t" for="ch" forName="ParentBackground4" refType="h" fact="0.1262"/>
+              <dgm:constr type="w" for="ch" forName="ParentBackground4" refType="w" fact="0.2177"/>
+              <dgm:constr type="h" for="ch" forName="ParentBackground4" refType="h" fact="0.5319"/>
+              <dgm:constr type="l" for="ch" forName="Child4" refType="w" fact="0.7746"/>
+              <dgm:constr type="t" for="ch" forName="Child4" refType="h" fact="0.6876"/>
+              <dgm:constr type="w" for="ch" forName="Child4" refType="w" fact="0.2177"/>
+              <dgm:constr type="h" for="ch" forName="Child4" refType="h" fact="0.3124"/>
+              <dgm:constr type="l" for="ch" forName="Accent3" refType="w" fact="0.4765"/>
+              <dgm:constr type="t" for="ch" forName="Accent3" refType="h" fact="-0.0109"/>
+              <dgm:constr type="w" for="ch" forName="Accent3" refType="w" fact="0.3298"/>
+              <dgm:constr type="h" for="ch" forName="Accent3" refType="h" fact="0.806"/>
+              <dgm:constr type="l" for="ch" forName="ParentBackground3" refType="w" fact="0.5336"/>
+              <dgm:constr type="t" for="ch" forName="ParentBackground3" refType="h" fact="0.1262"/>
+              <dgm:constr type="w" for="ch" forName="ParentBackground3" refType="w" fact="0.2177"/>
+              <dgm:constr type="h" for="ch" forName="ParentBackground3" refType="h" fact="0.5319"/>
+              <dgm:constr type="l" for="ch" forName="Child3" refType="w" fact="0.5336"/>
+              <dgm:constr type="t" for="ch" forName="Child3" refType="h" fact="0.6876"/>
+              <dgm:constr type="w" for="ch" forName="Child3" refType="w" fact="0.2177"/>
+              <dgm:constr type="h" for="ch" forName="Child3" refType="h" fact="0.3124"/>
+              <dgm:constr type="l" for="ch" forName="Accent2" refType="w" fact="0.2365"/>
+              <dgm:constr type="t" for="ch" forName="Accent2" refType="h" fact="-0.0109"/>
+              <dgm:constr type="w" for="ch" forName="Accent2" refType="w" fact="0.3298"/>
+              <dgm:constr type="h" for="ch" forName="Accent2" refType="h" fact="0.806"/>
+              <dgm:constr type="l" for="ch" forName="ParentBackground2" refType="w" fact="0.2926"/>
+              <dgm:constr type="t" for="ch" forName="ParentBackground2" refType="h" fact="0.1262"/>
+              <dgm:constr type="w" for="ch" forName="ParentBackground2" refType="w" fact="0.2177"/>
+              <dgm:constr type="h" for="ch" forName="ParentBackground2" refType="h" fact="0.5319"/>
+              <dgm:constr type="l" for="ch" forName="Child2" refType="w" fact="0.2926"/>
+              <dgm:constr type="t" for="ch" forName="Child2" refType="h" fact="0.6876"/>
+              <dgm:constr type="w" for="ch" forName="Child2" refType="w" fact="0.2177"/>
+              <dgm:constr type="h" for="ch" forName="Child2" refType="h" fact="0.3124"/>
+              <dgm:constr type="l" for="ch" forName="Accent1" refType="w" fact="-0.0045"/>
+              <dgm:constr type="t" for="ch" forName="Accent1" refType="h" fact="-0.0109"/>
+              <dgm:constr type="w" for="ch" forName="Accent1" refType="w" fact="0.3298"/>
+              <dgm:constr type="h" for="ch" forName="Accent1" refType="h" fact="0.806"/>
+              <dgm:constr type="l" for="ch" forName="ParentBackground1" refType="w" fact="0.0516"/>
+              <dgm:constr type="t" for="ch" forName="ParentBackground1" refType="h" fact="0.1262"/>
+              <dgm:constr type="w" for="ch" forName="ParentBackground1" refType="w" fact="0.2177"/>
+              <dgm:constr type="h" for="ch" forName="ParentBackground1" refType="h" fact="0.5319"/>
+              <dgm:constr type="l" for="ch" forName="Child1" refType="w" fact="0.0516"/>
+              <dgm:constr type="t" for="ch" forName="Child1" refType="h" fact="0.6876"/>
+              <dgm:constr type="w" for="ch" forName="Child1" refType="w" fact="0.2177"/>
+              <dgm:constr type="h" for="ch" forName="Child1" refType="h" fact="0.3124"/>
+            </dgm:constrLst>
+          </dgm:if>
+          <dgm:if name="Name8" axis="ch" ptType="node" func="cnt" op="equ" val="5">
+            <dgm:alg type="composite">
+              <dgm:param type="ar" val="3.0325"/>
+            </dgm:alg>
+            <dgm:constrLst>
+              <dgm:constr type="primFontSz" for="des" forName="Child1" val="65"/>
+              <dgm:constr type="primFontSz" for="des" forName="Parent1" val="65"/>
+              <dgm:constr type="primFontSz" for="des" forName="Child1" refType="primFontSz" refFor="des" refForName="Parent1" op="lte"/>
+              <dgm:constr type="primFontSz" for="des" forName="Child2" refType="primFontSz" refFor="des" refForName="Parent1" op="lte"/>
+              <dgm:constr type="primFontSz" for="des" forName="Child3" refType="primFontSz" refFor="des" refForName="Parent1" op="lte"/>
+              <dgm:constr type="primFontSz" for="des" forName="Child4" refType="primFontSz" refFor="des" refForName="Parent1" op="lte"/>
+              <dgm:constr type="primFontSz" for="des" forName="Child5" refType="primFontSz" refFor="des" refForName="Parent1" op="lte"/>
+              <dgm:constr type="primFontSz" for="des" forName="Child1" refType="primFontSz" refFor="des" refForName="Parent2" op="lte"/>
+              <dgm:constr type="primFontSz" for="des" forName="Child2" refType="primFontSz" refFor="des" refForName="Parent2" op="lte"/>
+              <dgm:constr type="primFontSz" for="des" forName="Child3" refType="primFontSz" refFor="des" refForName="Parent2" op="lte"/>
+              <dgm:constr type="primFontSz" for="des" forName="Child4" refType="primFontSz" refFor="des" refForName="Parent2" op="lte"/>
+              <dgm:constr type="primFontSz" for="des" forName="Child5" refType="primFontSz" refFor="des" refForName="Parent2" op="lte"/>
+              <dgm:constr type="primFontSz" for="des" forName="Child1" refType="primFontSz" refFor="des" refForName="Parent3" op="lte"/>
+              <dgm:constr type="primFontSz" for="des" forName="Child2" refType="primFontSz" refFor="des" refForName="Parent3" op="lte"/>
+              <dgm:constr type="primFontSz" for="des" forName="Child3" refType="primFontSz" refFor="des" refForName="Parent3" op="lte"/>
+              <dgm:constr type="primFontSz" for="des" forName="Child4" refType="primFontSz" refFor="des" refForName="Parent3" op="lte"/>
+              <dgm:constr type="primFontSz" for="des" forName="Child5" refType="primFontSz" refFor="des" refForName="Parent3" op="lte"/>
+              <dgm:constr type="primFontSz" for="des" forName="Child1" refType="primFontSz" refFor="des" refForName="Parent4" op="lte"/>
+              <dgm:constr type="primFontSz" for="des" forName="Child2" refType="primFontSz" refFor="des" refForName="Parent4" op="lte"/>
+              <dgm:constr type="primFontSz" for="des" forName="Child3" refType="primFontSz" refFor="des" refForName="Parent4" op="lte"/>
+              <dgm:constr type="primFontSz" for="des" forName="Child4" refType="primFontSz" refFor="des" refForName="Parent4" op="lte"/>
+              <dgm:constr type="primFontSz" for="des" forName="Child5" refType="primFontSz" refFor="des" refForName="Parent4" op="lte"/>
+              <dgm:constr type="primFontSz" for="des" forName="Child1" refType="primFontSz" refFor="des" refForName="Parent5" op="lte"/>
+              <dgm:constr type="primFontSz" for="des" forName="Child2" refType="primFontSz" refFor="des" refForName="Parent5" op="lte"/>
+              <dgm:constr type="primFontSz" for="des" forName="Child3" refType="primFontSz" refFor="des" refForName="Parent5" op="lte"/>
+              <dgm:constr type="primFontSz" for="des" forName="Child4" refType="primFontSz" refFor="des" refForName="Parent5" op="lte"/>
+              <dgm:constr type="primFontSz" for="des" forName="Child5" refType="primFontSz" refFor="des" refForName="Parent5" op="lte"/>
+              <dgm:constr type="primFontSz" for="des" forName="Parent2" refType="primFontSz" refFor="des" refForName="Parent1" op="equ"/>
+              <dgm:constr type="primFontSz" for="des" forName="Parent3" refType="primFontSz" refFor="des" refForName="Parent1" op="equ"/>
+              <dgm:constr type="primFontSz" for="des" forName="Parent4" refType="primFontSz" refFor="des" refForName="Parent1" op="equ"/>
+              <dgm:constr type="primFontSz" for="des" forName="Parent5" refType="primFontSz" refFor="des" refForName="Parent1" op="equ"/>
+              <dgm:constr type="primFontSz" for="des" forName="Child2" refType="primFontSz" refFor="des" refForName="Child1" op="equ"/>
+              <dgm:constr type="primFontSz" for="des" forName="Child3" refType="primFontSz" refFor="des" refForName="Child1" op="equ"/>
+              <dgm:constr type="primFontSz" for="des" forName="Child4" refType="primFontSz" refFor="des" refForName="Child1" op="equ"/>
+              <dgm:constr type="primFontSz" for="des" forName="Child5" refType="primFontSz" refFor="des" refForName="Child1" op="equ"/>
+              <dgm:constr type="l" for="ch" forName="Parent5" refType="w" fact="0.8434"/>
+              <dgm:constr type="t" for="ch" forName="Parent5" refType="h" fact="0.2022"/>
+              <dgm:constr type="w" for="ch" forName="Parent5" refType="w" fact="0.1253"/>
+              <dgm:constr type="h" for="ch" forName="Parent5" refType="h" fact="0.3799"/>
+              <dgm:constr type="l" for="ch" forName="Parent4" refType="w" fact="0.6492"/>
+              <dgm:constr type="t" for="ch" forName="Parent4" refType="h" fact="0.2022"/>
+              <dgm:constr type="w" for="ch" forName="Parent4" refType="w" fact="0.1253"/>
+              <dgm:constr type="h" for="ch" forName="Parent4" refType="h" fact="0.3799"/>
+              <dgm:constr type="l" for="ch" forName="Parent3" refType="w" fact="0.455"/>
+              <dgm:constr type="t" for="ch" forName="Parent3" refType="h" fact="0.2022"/>
+              <dgm:constr type="w" for="ch" forName="Parent3" refType="w" fact="0.1253"/>
+              <dgm:constr type="h" for="ch" forName="Parent3" refType="h" fact="0.3799"/>
+              <dgm:constr type="l" for="ch" forName="Parent2" refType="w" fact="0.2609"/>
+              <dgm:constr type="t" for="ch" forName="Parent2" refType="h" fact="0.2022"/>
+              <dgm:constr type="w" for="ch" forName="Parent2" refType="w" fact="0.1253"/>
+              <dgm:constr type="h" for="ch" forName="Parent2" refType="h" fact="0.3799"/>
+              <dgm:constr type="l" for="ch" forName="Parent1" refType="w" fact="0.0667"/>
+              <dgm:constr type="t" for="ch" forName="Parent1" refType="h" fact="0.2022"/>
+              <dgm:constr type="w" for="ch" forName="Parent1" refType="w" fact="0.1253"/>
+              <dgm:constr type="h" for="ch" forName="Parent1" refType="h" fact="0.3799"/>
+              <dgm:constr type="l" for="ch" forName="Accent5" refType="w" fact="0.8121"/>
+              <dgm:constr type="t" for="ch" forName="Accent5" refType="h" fact="0.1072"/>
+              <dgm:constr type="w" for="ch" forName="Accent5" refType="w" fact="0.1879"/>
+              <dgm:constr type="h" for="ch" forName="Accent5" refType="h" fact="0.5699"/>
+              <dgm:constr type="l" for="ch" forName="ParentBackground5" refType="w" fact="0.8183"/>
+              <dgm:constr type="t" for="ch" forName="ParentBackground5" refType="h" fact="0.1262"/>
+              <dgm:constr type="w" for="ch" forName="ParentBackground5" refType="w" fact="0.1754"/>
+              <dgm:constr type="h" for="ch" forName="ParentBackground5" refType="h" fact="0.5319"/>
+              <dgm:constr type="l" for="ch" forName="Child5" refType="w" fact="0.8183"/>
+              <dgm:constr type="t" for="ch" forName="Child5" refType="h" fact="0.6876"/>
+              <dgm:constr type="w" for="ch" forName="Child5" refType="w" fact="0.1754"/>
+              <dgm:constr type="h" for="ch" forName="Child5" refType="h" fact="0.3124"/>
+              <dgm:constr type="l" for="ch" forName="Accent4" refType="w" fact="0.5789"/>
+              <dgm:constr type="t" for="ch" forName="Accent4" refType="h" fact="-0.0109"/>
+              <dgm:constr type="w" for="ch" forName="Accent4" refType="w" fact="0.2657"/>
+              <dgm:constr type="h" for="ch" forName="Accent4" refType="h" fact="0.806"/>
+              <dgm:constr type="l" for="ch" forName="ParentBackground4" refType="w" fact="0.6242"/>
+              <dgm:constr type="t" for="ch" forName="ParentBackground4" refType="h" fact="0.1262"/>
+              <dgm:constr type="w" for="ch" forName="ParentBackground4" refType="w" fact="0.1754"/>
+              <dgm:constr type="h" for="ch" forName="ParentBackground4" refType="h" fact="0.5319"/>
+              <dgm:constr type="l" for="ch" forName="Child4" refType="w" fact="0.6242"/>
+              <dgm:constr type="t" for="ch" forName="Child4" refType="h" fact="0.6876"/>
+              <dgm:constr type="w" for="ch" forName="Child4" refType="w" fact="0.1754"/>
+              <dgm:constr type="h" for="ch" forName="Child4" refType="h" fact="0.3124"/>
+              <dgm:constr type="l" for="ch" forName="Accent3" refType="w" fact="0.3848"/>
+              <dgm:constr type="t" for="ch" forName="Accent3" refType="h" fact="-0.0109"/>
+              <dgm:constr type="w" for="ch" forName="Accent3" refType="w" fact="0.2657"/>
+              <dgm:constr type="h" for="ch" forName="Accent3" refType="h" fact="0.806"/>
+              <dgm:constr type="l" for="ch" forName="ParentBackground3" refType="w" fact="0.43"/>
+              <dgm:constr type="t" for="ch" forName="ParentBackground3" refType="h" fact="0.1262"/>
+              <dgm:constr type="w" for="ch" forName="ParentBackground3" refType="w" fact="0.1754"/>
+              <dgm:constr type="h" for="ch" forName="ParentBackground3" refType="h" fact="0.5319"/>
+              <dgm:constr type="l" for="ch" forName="Child3" refType="w" fact="0.43"/>
+              <dgm:constr type="t" for="ch" forName="Child3" refType="h" fact="0.6876"/>
+              <dgm:constr type="w" for="ch" forName="Child3" refType="w" fact="0.1754"/>
+              <dgm:constr type="h" for="ch" forName="Child3" refType="h" fact="0.3124"/>
+              <dgm:constr type="l" for="ch" forName="Accent2" refType="w" fact="0.1906"/>
+              <dgm:constr type="t" for="ch" forName="Accent2" refType="h" fact="-0.0109"/>
+              <dgm:constr type="w" for="ch" forName="Accent2" refType="w" fact="0.2657"/>
+              <dgm:constr type="h" for="ch" forName="Accent2" refType="h" fact="0.806"/>
+              <dgm:constr type="l" for="ch" forName="ParentBackground2" refType="w" fact="0.2358"/>
+              <dgm:constr type="t" for="ch" forName="ParentBackground2" refType="h" fact="0.1262"/>
+              <dgm:constr type="w" for="ch" forName="ParentBackground2" refType="w" fact="0.1754"/>
+              <dgm:constr type="h" for="ch" forName="ParentBackground2" refType="h" fact="0.5319"/>
+              <dgm:constr type="l" for="ch" forName="Child2" refType="w" fact="0.2358"/>
+              <dgm:constr type="t" for="ch" forName="Child2" refType="h" fact="0.6876"/>
+              <dgm:constr type="w" for="ch" forName="Child2" refType="w" fact="0.1754"/>
+              <dgm:constr type="h" for="ch" forName="Child2" refType="h" fact="0.3124"/>
+              <dgm:constr type="l" for="ch" forName="Accent1" refType="w" fact="-0.0036"/>
+              <dgm:constr type="t" for="ch" forName="Accent1" refType="h" fact="-0.0109"/>
+              <dgm:constr type="w" for="ch" forName="Accent1" refType="w" fact="0.2657"/>
+              <dgm:constr type="h" for="ch" forName="Accent1" refType="h" fact="0.806"/>
+              <dgm:constr type="l" for="ch" forName="ParentBackground1" refType="w" fact="0.0416"/>
+              <dgm:constr type="t" for="ch" forName="ParentBackground1" refType="h" fact="0.1262"/>
+              <dgm:constr type="w" for="ch" forName="ParentBackground1" refType="w" fact="0.1754"/>
+              <dgm:constr type="h" for="ch" forName="ParentBackground1" refType="h" fact="0.5319"/>
+              <dgm:constr type="l" for="ch" forName="Child1" refType="w" fact="0.0416"/>
+              <dgm:constr type="t" for="ch" forName="Child1" refType="h" fact="0.6876"/>
+              <dgm:constr type="w" for="ch" forName="Child1" refType="w" fact="0.1754"/>
+              <dgm:constr type="h" for="ch" forName="Child1" refType="h" fact="0.3124"/>
+            </dgm:constrLst>
+          </dgm:if>
+          <dgm:if name="Name9" axis="ch" ptType="node" func="cnt" op="equ" val="6">
+            <dgm:alg type="composite">
+              <dgm:param type="ar" val="3.6214"/>
+            </dgm:alg>
+            <dgm:constrLst>
+              <dgm:constr type="primFontSz" for="des" forName="Child1" val="65"/>
+              <dgm:constr type="primFontSz" for="des" forName="Parent1" val="65"/>
+              <dgm:constr type="primFontSz" for="des" forName="Child1" refType="primFontSz" refFor="des" refForName="Parent1" op="lte"/>
+              <dgm:constr type="primFontSz" for="des" forName="Child2" refType="primFontSz" refFor="des" refForName="Parent1" op="lte"/>
+              <dgm:constr type="primFontSz" for="des" forName="Child3" refType="primFontSz" refFor="des" refForName="Parent1" op="lte"/>
+              <dgm:constr type="primFontSz" for="des" forName="Child4" refType="primFontSz" refFor="des" refForName="Parent1" op="lte"/>
+              <dgm:constr type="primFontSz" for="des" forName="Child5" refType="primFontSz" refFor="des" refForName="Parent1" op="lte"/>
+              <dgm:constr type="primFontSz" for="des" forName="Child6" refType="primFontSz" refFor="des" refForName="Parent1" op="lte"/>
+              <dgm:constr type="primFontSz" for="des" forName="Child1" refType="primFontSz" refFor="des" refForName="Parent2" op="lte"/>
+              <dgm:constr type="primFontSz" for="des" forName="Child2" refType="primFontSz" refFor="des" refForName="Parent2" op="lte"/>
+              <dgm:constr type="primFontSz" for="des" forName="Child3" refType="primFontSz" refFor="des" refForName="Parent2" op="lte"/>
+              <dgm:constr type="primFontSz" for="des" forName="Child4" refType="primFontSz" refFor="des" refForName="Parent2" op="lte"/>
+              <dgm:constr type="primFontSz" for="des" forName="Child5" refType="primFontSz" refFor="des" refForName="Parent2" op="lte"/>
+              <dgm:constr type="primFontSz" for="des" forName="Child6" refType="primFontSz" refFor="des" refForName="Parent2" op="lte"/>
+              <dgm:constr type="primFontSz" for="des" forName="Child1" refType="primFontSz" refFor="des" refForName="Parent3" op="lte"/>
+              <dgm:constr type="primFontSz" for="des" forName="Child2" refType="primFontSz" refFor="des" refForName="Parent3" op="lte"/>
+              <dgm:constr type="primFontSz" for="des" forName="Child3" refType="primFontSz" refFor="des" refForName="Parent3" op="lte"/>
+              <dgm:constr type="primFontSz" for="des" forName="Child4" refType="primFontSz" refFor="des" refForName="Parent3" op="lte"/>
+              <dgm:constr type="primFontSz" for="des" forName="Child5" refType="primFontSz" refFor="des" refForName="Parent3" op="lte"/>
+              <dgm:constr type="primFontSz" for="des" forName="Child6" refType="primFontSz" refFor="des" refForName="Parent3" op="lte"/>
+              <dgm:constr type="primFontSz" for="des" forName="Child1" refType="primFontSz" refFor="des" refForName="Parent4" op="lte"/>
+              <dgm:constr type="primFontSz" for="des" forName="Child2" refType="primFontSz" refFor="des" refForName="Parent4" op="lte"/>
+              <dgm:constr type="primFontSz" for="des" forName="Child3" refType="primFontSz" refFor="des" refForName="Parent4" op="lte"/>
+              <dgm:constr type="primFontSz" for="des" forName="Child4" refType="primFontSz" refFor="des" refForName="Parent4" op="lte"/>
+              <dgm:constr type="primFontSz" for="des" forName="Child5" refType="primFontSz" refFor="des" refForName="Parent4" op="lte"/>
+              <dgm:constr type="primFontSz" for="des" forName="Child6" refType="primFontSz" refFor="des" refForName="Parent4" op="lte"/>
+              <dgm:constr type="primFontSz" for="des" forName="Child1" refType="primFontSz" refFor="des" refForName="Parent5" op="lte"/>
+              <dgm:constr type="primFontSz" for="des" forName="Child2" refType="primFontSz" refFor="des" refForName="Parent5" op="lte"/>
+              <dgm:constr type="primFontSz" for="des" forName="Child3" refType="primFontSz" refFor="des" refForName="Parent5" op="lte"/>
+              <dgm:constr type="primFontSz" for="des" forName="Child4" refType="primFontSz" refFor="des" refForName="Parent5" op="lte"/>
+              <dgm:constr type="primFontSz" for="des" forName="Child5" refType="primFontSz" refFor="des" refForName="Parent5" op="lte"/>
+              <dgm:constr type="primFontSz" for="des" forName="Child6" refType="primFontSz" refFor="des" refForName="Parent5" op="lte"/>
+              <dgm:constr type="primFontSz" for="des" forName="Child1" refType="primFontSz" refFor="des" refForName="Parent6" op="lte"/>
+              <dgm:constr type="primFontSz" for="des" forName="Child2" refType="primFontSz" refFor="des" refForName="Parent6" op="lte"/>
+              <dgm:constr type="primFontSz" for="des" forName="Child3" refType="primFontSz" refFor="des" refForName="Parent6" op="lte"/>
+              <dgm:constr type="primFontSz" for="des" forName="Child4" refType="primFontSz" refFor="des" refForName="Parent6" op="lte"/>
+              <dgm:constr type="primFontSz" for="des" forName="Child5" refType="primFontSz" refFor="des" refForName="Parent6" op="lte"/>
+              <dgm:constr type="primFontSz" for="des" forName="Child6" refType="primFontSz" refFor="des" refForName="Parent6" op="lte"/>
+              <dgm:constr type="primFontSz" for="des" forName="Parent2" refType="primFontSz" refFor="des" refForName="Parent1" op="equ"/>
+              <dgm:constr type="primFontSz" for="des" forName="Parent3" refType="primFontSz" refFor="des" refForName="Parent1" op="equ"/>
+              <dgm:constr type="primFontSz" for="des" forName="Parent4" refType="primFontSz" refFor="des" refForName="Parent1" op="equ"/>
+              <dgm:constr type="primFontSz" for="des" forName="Parent5" refType="primFontSz" refFor="des" refForName="Parent1" op="equ"/>
+              <dgm:constr type="primFontSz" for="des" forName="Parent6" refType="primFontSz" refFor="des" refForName="Parent1" op="equ"/>
+              <dgm:constr type="primFontSz" for="des" forName="Child2" refType="primFontSz" refFor="des" refForName="Child1" op="equ"/>
+              <dgm:constr type="primFontSz" for="des" forName="Child3" refType="primFontSz" refFor="des" refForName="Child1" op="equ"/>
+              <dgm:constr type="primFontSz" for="des" forName="Child4" refType="primFontSz" refFor="des" refForName="Child1" op="equ"/>
+              <dgm:constr type="primFontSz" for="des" forName="Child5" refType="primFontSz" refFor="des" refForName="Child1" op="equ"/>
+              <dgm:constr type="primFontSz" for="des" forName="Child6" refType="primFontSz" refFor="des" refForName="Child1" op="equ"/>
+              <dgm:constr type="l" for="ch" forName="Parent6" refType="w" fact="0.8689"/>
+              <dgm:constr type="t" for="ch" forName="Parent6" refType="h" fact="0.2022"/>
+              <dgm:constr type="w" for="ch" forName="Parent6" refType="w" fact="0.1049"/>
+              <dgm:constr type="h" for="ch" forName="Parent6" refType="h" fact="0.3799"/>
+              <dgm:constr type="l" for="ch" forName="Parent5" refType="w" fact="0.7063"/>
+              <dgm:constr type="t" for="ch" forName="Parent5" refType="h" fact="0.2022"/>
+              <dgm:constr type="w" for="ch" forName="Parent5" refType="w" fact="0.1049"/>
+              <dgm:constr type="h" for="ch" forName="Parent5" refType="h" fact="0.3799"/>
+              <dgm:constr type="l" for="ch" forName="Parent4" refType="w" fact="0.5437"/>
+              <dgm:constr type="t" for="ch" forName="Parent4" refType="h" fact="0.2022"/>
+              <dgm:constr type="w" for="ch" forName="Parent4" refType="w" fact="0.1049"/>
+              <dgm:constr type="h" for="ch" forName="Parent4" refType="h" fact="0.3799"/>
+              <dgm:constr type="l" for="ch" forName="Parent3" refType="w" fact="0.381"/>
+              <dgm:constr type="t" for="ch" forName="Parent3" refType="h" fact="0.2022"/>
+              <dgm:constr type="w" for="ch" forName="Parent3" refType="w" fact="0.1049"/>
+              <dgm:constr type="h" for="ch" forName="Parent3" refType="h" fact="0.3799"/>
+              <dgm:constr type="l" for="ch" forName="Parent2" refType="w" fact="0.2184"/>
+              <dgm:constr type="t" for="ch" forName="Parent2" refType="h" fact="0.2022"/>
+              <dgm:constr type="w" for="ch" forName="Parent2" refType="w" fact="0.1049"/>
+              <dgm:constr type="h" for="ch" forName="Parent2" refType="h" fact="0.3799"/>
+              <dgm:constr type="l" for="ch" forName="Parent1" refType="w" fact="0.0558"/>
+              <dgm:constr type="t" for="ch" forName="Parent1" refType="h" fact="0.2022"/>
+              <dgm:constr type="w" for="ch" forName="Parent1" refType="w" fact="0.1049"/>
+              <dgm:constr type="h" for="ch" forName="Parent1" refType="h" fact="0.3799"/>
+              <dgm:constr type="l" for="ch" forName="Accent6" refType="w" fact="0.8426"/>
+              <dgm:constr type="t" for="ch" forName="Accent6" refType="h" fact="0.1072"/>
+              <dgm:constr type="w" for="ch" forName="Accent6" refType="w" fact="0.1574"/>
+              <dgm:constr type="h" for="ch" forName="Accent6" refType="h" fact="0.5699"/>
+              <dgm:constr type="l" for="ch" forName="ParentBackground6" refType="w" fact="0.8479"/>
+              <dgm:constr type="t" for="ch" forName="ParentBackground6" refType="h" fact="0.1262"/>
+              <dgm:constr type="w" for="ch" forName="ParentBackground6" refType="w" fact="0.1469"/>
+              <dgm:constr type="h" for="ch" forName="ParentBackground6" refType="h" fact="0.5319"/>
+              <dgm:constr type="l" for="ch" forName="Child6" refType="w" fact="0.8479"/>
+              <dgm:constr type="t" for="ch" forName="Child6" refType="h" fact="0.6876"/>
+              <dgm:constr type="w" for="ch" forName="Child6" refType="w" fact="0.1469"/>
+              <dgm:constr type="h" for="ch" forName="Child6" refType="h" fact="0.3124"/>
+              <dgm:constr type="l" for="ch" forName="Accent5" refType="w" fact="0.6474"/>
+              <dgm:constr type="t" for="ch" forName="Accent5" refType="h" fact="-0.0109"/>
+              <dgm:constr type="w" for="ch" forName="Accent5" refType="w" fact="0.2226"/>
+              <dgm:constr type="h" for="ch" forName="Accent5" refType="h" fact="0.806"/>
+              <dgm:constr type="l" for="ch" forName="ParentBackground5" refType="w" fact="0.6853"/>
+              <dgm:constr type="t" for="ch" forName="ParentBackground5" refType="h" fact="0.1262"/>
+              <dgm:constr type="w" for="ch" forName="ParentBackground5" refType="w" fact="0.1469"/>
+              <dgm:constr type="h" for="ch" forName="ParentBackground5" refType="h" fact="0.5319"/>
+              <dgm:constr type="l" for="ch" forName="Child5" refType="w" fact="0.6853"/>
+              <dgm:constr type="t" for="ch" forName="Child5" refType="h" fact="0.6876"/>
+              <dgm:constr type="w" for="ch" forName="Child5" refType="w" fact="0.1469"/>
+              <dgm:constr type="h" for="ch" forName="Child5" refType="h" fact="0.3124"/>
+              <dgm:constr type="l" for="ch" forName="Accent4" refType="w" fact="0.4848"/>
+              <dgm:constr type="t" for="ch" forName="Accent4" refType="h" fact="-0.0109"/>
+              <dgm:constr type="w" for="ch" forName="Accent4" refType="w" fact="0.2226"/>
+              <dgm:constr type="h" for="ch" forName="Accent4" refType="h" fact="0.806"/>
+              <dgm:constr type="l" for="ch" forName="ParentBackground4" refType="w" fact="0.5227"/>
+              <dgm:constr type="t" for="ch" forName="ParentBackground4" refType="h" fact="0.1262"/>
+              <dgm:constr type="w" for="ch" forName="ParentBackground4" refType="w" fact="0.1469"/>
+              <dgm:constr type="h" for="ch" forName="ParentBackground4" refType="h" fact="0.5319"/>
+              <dgm:constr type="l" for="ch" forName="Child4" refType="w" fact="0.5227"/>
+              <dgm:constr type="t" for="ch" forName="Child4" refType="h" fact="0.6876"/>
+              <dgm:constr type="w" for="ch" forName="Child4" refType="w" fact="0.1469"/>
+              <dgm:constr type="h" for="ch" forName="Child4" refType="h" fact="0.3124"/>
+              <dgm:constr type="l" for="ch" forName="Accent3" refType="w" fact="0.3222"/>
+              <dgm:constr type="t" for="ch" forName="Accent3" refType="h" fact="-0.0109"/>
+              <dgm:constr type="w" for="ch" forName="Accent3" refType="w" fact="0.2226"/>
+              <dgm:constr type="h" for="ch" forName="Accent3" refType="h" fact="0.806"/>
+              <dgm:constr type="l" for="ch" forName="ParentBackground3" refType="w" fact="0.3601"/>
+              <dgm:constr type="t" for="ch" forName="ParentBackground3" refType="h" fact="0.1262"/>
+              <dgm:constr type="w" for="ch" forName="ParentBackground3" refType="w" fact="0.1469"/>
+              <dgm:constr type="h" for="ch" forName="ParentBackground3" refType="h" fact="0.5319"/>
+              <dgm:constr type="l" for="ch" forName="Child3" refType="w" fact="0.3601"/>
+              <dgm:constr type="t" for="ch" forName="Child3" refType="h" fact="0.6876"/>
+              <dgm:constr type="w" for="ch" forName="Child3" refType="w" fact="0.1469"/>
+              <dgm:constr type="h" for="ch" forName="Child3" refType="h" fact="0.3124"/>
+              <dgm:constr type="l" for="ch" forName="Accent2" refType="w" fact="0.1596"/>
+              <dgm:constr type="t" for="ch" forName="Accent2" refType="h" fact="-0.0109"/>
+              <dgm:constr type="w" for="ch" forName="Accent2" refType="w" fact="0.2226"/>
+              <dgm:constr type="h" for="ch" forName="Accent2" refType="h" fact="0.806"/>
+              <dgm:constr type="l" for="ch" forName="ParentBackground2" refType="w" fact="0.1975"/>
+              <dgm:constr type="t" for="ch" forName="ParentBackground2" refType="h" fact="0.1262"/>
+              <dgm:constr type="w" for="ch" forName="ParentBackground2" refType="w" fact="0.1469"/>
+              <dgm:constr type="h" for="ch" forName="ParentBackground2" refType="h" fact="0.5319"/>
+              <dgm:constr type="l" for="ch" forName="Child2" refType="w" fact="0.1975"/>
+              <dgm:constr type="t" for="ch" forName="Child2" refType="h" fact="0.6876"/>
+              <dgm:constr type="w" for="ch" forName="Child2" refType="w" fact="0.1469"/>
+              <dgm:constr type="h" for="ch" forName="Child2" refType="h" fact="0.3124"/>
+              <dgm:constr type="l" for="ch" forName="Accent1" refType="w" fact="-0.003"/>
+              <dgm:constr type="t" for="ch" forName="Accent1" refType="h" fact="-0.0109"/>
+              <dgm:constr type="w" for="ch" forName="Accent1" refType="w" fact="0.2226"/>
+              <dgm:constr type="h" for="ch" forName="Accent1" refType="h" fact="0.806"/>
+              <dgm:constr type="l" for="ch" forName="ParentBackground1" refType="w" fact="0.0348"/>
+              <dgm:constr type="t" for="ch" forName="ParentBackground1" refType="h" fact="0.1262"/>
+              <dgm:constr type="w" for="ch" forName="ParentBackground1" refType="w" fact="0.1469"/>
+              <dgm:constr type="h" for="ch" forName="ParentBackground1" refType="h" fact="0.5319"/>
+              <dgm:constr type="l" for="ch" forName="Child1" refType="w" fact="0.0348"/>
+              <dgm:constr type="t" for="ch" forName="Child1" refType="h" fact="0.6876"/>
+              <dgm:constr type="w" for="ch" forName="Child1" refType="w" fact="0.1469"/>
+              <dgm:constr type="h" for="ch" forName="Child1" refType="h" fact="0.3124"/>
+            </dgm:constrLst>
+          </dgm:if>
+          <dgm:if name="Name10" axis="ch" ptType="node" func="cnt" op="equ" val="7">
+            <dgm:alg type="composite">
+              <dgm:param type="ar" val="4.2103"/>
+            </dgm:alg>
+            <dgm:constrLst>
+              <dgm:constr type="primFontSz" for="des" forName="Child1" val="65"/>
+              <dgm:constr type="primFontSz" for="des" forName="Parent1" val="65"/>
+              <dgm:constr type="primFontSz" for="des" forName="Child1" refType="primFontSz" refFor="des" refForName="Parent1" op="lte"/>
+              <dgm:constr type="primFontSz" for="des" forName="Child2" refType="primFontSz" refFor="des" refForName="Parent1" op="lte"/>
+              <dgm:constr type="primFontSz" for="des" forName="Child3" refType="primFontSz" refFor="des" refForName="Parent1" op="lte"/>
+              <dgm:constr type="primFontSz" for="des" forName="Child4" refType="primFontSz" refFor="des" refForName="Parent1" op="lte"/>
+              <dgm:constr type="primFontSz" for="des" forName="Child5" refType="primFontSz" refFor="des" refForName="Parent1" op="lte"/>
+              <dgm:constr type="primFontSz" for="des" forName="Child6" refType="primFontSz" refFor="des" refForName="Parent1" op="lte"/>
+              <dgm:constr type="primFontSz" for="des" forName="Child7" refType="primFontSz" refFor="des" refForName="Parent1" op="lte"/>
+              <dgm:constr type="primFontSz" for="des" forName="Child1" refType="primFontSz" refFor="des" refForName="Parent2" op="lte"/>
+              <dgm:constr type="primFontSz" for="des" forName="Child2" refType="primFontSz" refFor="des" refForName="Parent2" op="lte"/>
+              <dgm:constr type="primFontSz" for="des" forName="Child3" refType="primFontSz" refFor="des" refForName="Parent2" op="lte"/>
+              <dgm:constr type="primFontSz" for="des" forName="Child4" refType="primFontSz" refFor="des" refForName="Parent2" op="lte"/>
+              <dgm:constr type="primFontSz" for="des" forName="Child5" refType="primFontSz" refFor="des" refForName="Parent2" op="lte"/>
+              <dgm:constr type="primFontSz" for="des" forName="Child6" refType="primFontSz" refFor="des" refForName="Parent2" op="lte"/>
+              <dgm:constr type="primFontSz" for="des" forName="Child7" refType="primFontSz" refFor="des" refForName="Parent2" op="lte"/>
+              <dgm:constr type="primFontSz" for="des" forName="Child1" refType="primFontSz" refFor="des" refForName="Parent3" op="lte"/>
+              <dgm:constr type="primFontSz" for="des" forName="Child2" refType="primFontSz" refFor="des" refForName="Parent3" op="lte"/>
+              <dgm:constr type="primFontSz" for="des" forName="Child3" refType="primFontSz" refFor="des" refForName="Parent3" op="lte"/>
+              <dgm:constr type="primFontSz" for="des" forName="Child4" refType="primFontSz" refFor="des" refForName="Parent3" op="lte"/>
+              <dgm:constr type="primFontSz" for="des" forName="Child5" refType="primFontSz" refFor="des" refForName="Parent3" op="lte"/>
+              <dgm:constr type="primFontSz" for="des" forName="Child6" refType="primFontSz" refFor="des" refForName="Parent3" op="lte"/>
+              <dgm:constr type="primFontSz" for="des" forName="Child7" refType="primFontSz" refFor="des" refForName="Parent3" op="lte"/>
+              <dgm:constr type="primFontSz" for="des" forName="Child1" refType="primFontSz" refFor="des" refForName="Parent4" op="lte"/>
+              <dgm:constr type="primFontSz" for="des" forName="Child2" refType="primFontSz" refFor="des" refForName="Parent4" op="lte"/>
+              <dgm:constr type="primFontSz" for="des" forName="Child3" refType="primFontSz" refFor="des" refForName="Parent4" op="lte"/>
+              <dgm:constr type="primFontSz" for="des" forName="Child4" refType="primFontSz" refFor="des" refForName="Parent4" op="lte"/>
+              <dgm:constr type="primFontSz" for="des" forName="Child5" refType="primFontSz" refFor="des" refForName="Parent4" op="lte"/>
+              <dgm:constr type="primFontSz" for="des" forName="Child6" refType="primFontSz" refFor="des" refForName="Parent4" op="lte"/>
+              <dgm:constr type="primFontSz" for="des" forName="Child7" refType="primFontSz" refFor="des" refForName="Parent4" op="lte"/>
+              <dgm:constr type="primFontSz" for="des" forName="Child1" refType="primFontSz" refFor="des" refForName="Parent5" op="lte"/>
+              <dgm:constr type="primFontSz" for="des" forName="Child2" refType="primFontSz" refFor="des" refForName="Parent5" op="lte"/>
+              <dgm:constr type="primFontSz" for="des" forName="Child3" refType="primFontSz" refFor="des" refForName="Parent5" op="lte"/>
+              <dgm:constr type="primFontSz" for="des" forName="Child4" refType="primFontSz" refFor="des" refForName="Parent5" op="lte"/>
+              <dgm:constr type="primFontSz" for="des" forName="Child5" refType="primFontSz" refFor="des" refForName="Parent5" op="lte"/>
+              <dgm:constr type="primFontSz" for="des" forName="Child6" refType="primFontSz" refFor="des" refForName="Parent5" op="lte"/>
+              <dgm:constr type="primFontSz" for="des" forName="Child7" refType="primFontSz" refFor="des" refForName="Parent5" op="lte"/>
+              <dgm:constr type="primFontSz" for="des" forName="Child1" refType="primFontSz" refFor="des" refForName="Parent6" op="lte"/>
+              <dgm:constr type="primFontSz" for="des" forName="Child2" refType="primFontSz" refFor="des" refForName="Parent6" op="lte"/>
+              <dgm:constr type="primFontSz" for="des" forName="Child3" refType="primFontSz" refFor="des" refForName="Parent6" op="lte"/>
+              <dgm:constr type="primFontSz" for="des" forName="Child4" refType="primFontSz" refFor="des" refForName="Parent6" op="lte"/>
+              <dgm:constr type="primFontSz" for="des" forName="Child5" refType="primFontSz" refFor="des" refForName="Parent6" op="lte"/>
+              <dgm:constr type="primFontSz" for="des" forName="Child6" refType="primFontSz" refFor="des" refForName="Parent6" op="lte"/>
+              <dgm:constr type="primFontSz" for="des" forName="Child7" refType="primFontSz" refFor="des" refForName="Parent6" op="lte"/>
+              <dgm:constr type="primFontSz" for="des" forName="Child1" refType="primFontSz" refFor="des" refForName="Parent7" op="lte"/>
+              <dgm:constr type="primFontSz" for="des" forName="Child2" refType="primFontSz" refFor="des" refForName="Parent7" op="lte"/>
+              <dgm:constr type="primFontSz" for="des" forName="Child3" refType="primFontSz" refFor="des" refForName="Parent7" op="lte"/>
+              <dgm:constr type="primFontSz" for="des" forName="Child4" refType="primFontSz" refFor="des" refForName="Parent7" op="lte"/>
+              <dgm:constr type="primFontSz" for="des" forName="Child5" refType="primFontSz" refFor="des" refForName="Parent7" op="lte"/>
+              <dgm:constr type="primFontSz" for="des" forName="Child6" refType="primFontSz" refFor="des" refForName="Parent7" op="lte"/>
+              <dgm:constr type="primFontSz" for="des" forName="Child7" refType="primFontSz" refFor="des" refForName="Parent7" op="lte"/>
+              <dgm:constr type="primFontSz" for="des" forName="Parent2" refType="primFontSz" refFor="des" refForName="Parent1" op="equ"/>
+              <dgm:constr type="primFontSz" for="des" forName="Parent3" refType="primFontSz" refFor="des" refForName="Parent1" op="equ"/>
+              <dgm:constr type="primFontSz" for="des" forName="Parent4" refType="primFontSz" refFor="des" refForName="Parent1" op="equ"/>
+              <dgm:constr type="primFontSz" for="des" forName="Parent5" refType="primFontSz" refFor="des" refForName="Parent1" op="equ"/>
+              <dgm:constr type="primFontSz" for="des" forName="Parent6" refType="primFontSz" refFor="des" refForName="Parent1" op="equ"/>
+              <dgm:constr type="primFontSz" for="des" forName="Parent7" refType="primFontSz" refFor="des" refForName="Parent1" op="equ"/>
+              <dgm:constr type="primFontSz" for="des" forName="Child2" refType="primFontSz" refFor="des" refForName="Child1" op="equ"/>
+              <dgm:constr type="primFontSz" for="des" forName="Child3" refType="primFontSz" refFor="des" refForName="Child1" op="equ"/>
+              <dgm:constr type="primFontSz" for="des" forName="Child4" refType="primFontSz" refFor="des" refForName="Child1" op="equ"/>
+              <dgm:constr type="primFontSz" for="des" forName="Child5" refType="primFontSz" refFor="des" refForName="Child1" op="equ"/>
+              <dgm:constr type="primFontSz" for="des" forName="Child6" refType="primFontSz" refFor="des" refForName="Child1" op="equ"/>
+              <dgm:constr type="primFontSz" for="des" forName="Child7" refType="primFontSz" refFor="des" refForName="Child1" op="equ"/>
+              <dgm:constr type="l" for="ch" forName="Parent7" refType="w" fact="0.8872"/>
+              <dgm:constr type="t" for="ch" forName="Parent7" refType="h" fact="0.2022"/>
+              <dgm:constr type="w" for="ch" forName="Parent7" refType="w" fact="0.0902"/>
+              <dgm:constr type="h" for="ch" forName="Parent7" refType="h" fact="0.3799"/>
+              <dgm:constr type="l" for="ch" forName="Parent6" refType="w" fact="0.7473"/>
+              <dgm:constr type="t" for="ch" forName="Parent6" refType="h" fact="0.2022"/>
+              <dgm:constr type="w" for="ch" forName="Parent6" refType="w" fact="0.0902"/>
+              <dgm:constr type="h" for="ch" forName="Parent6" refType="h" fact="0.3799"/>
+              <dgm:constr type="l" for="ch" forName="Parent5" refType="w" fact="0.6075"/>
+              <dgm:constr type="t" for="ch" forName="Parent5" refType="h" fact="0.2022"/>
+              <dgm:constr type="w" for="ch" forName="Parent5" refType="w" fact="0.0902"/>
+              <dgm:constr type="h" for="ch" forName="Parent5" refType="h" fact="0.3799"/>
+              <dgm:constr type="l" for="ch" forName="Parent4" refType="w" fact="0.4676"/>
+              <dgm:constr type="t" for="ch" forName="Parent4" refType="h" fact="0.2022"/>
+              <dgm:constr type="w" for="ch" forName="Parent4" refType="w" fact="0.0902"/>
+              <dgm:constr type="h" for="ch" forName="Parent4" refType="h" fact="0.3799"/>
+              <dgm:constr type="l" for="ch" forName="Parent3" refType="w" fact="0.3277"/>
+              <dgm:constr type="t" for="ch" forName="Parent3" refType="h" fact="0.2022"/>
+              <dgm:constr type="w" for="ch" forName="Parent3" refType="w" fact="0.0902"/>
+              <dgm:constr type="h" for="ch" forName="Parent3" refType="h" fact="0.3799"/>
+              <dgm:constr type="l" for="ch" forName="Parent2" refType="w" fact="0.1879"/>
+              <dgm:constr type="t" for="ch" forName="Parent2" refType="h" fact="0.2022"/>
+              <dgm:constr type="w" for="ch" forName="Parent2" refType="w" fact="0.0902"/>
+              <dgm:constr type="h" for="ch" forName="Parent2" refType="h" fact="0.3799"/>
+              <dgm:constr type="l" for="ch" forName="Parent1" refType="w" fact="0.048"/>
+              <dgm:constr type="t" for="ch" forName="Parent1" refType="h" fact="0.2022"/>
+              <dgm:constr type="w" for="ch" forName="Parent1" refType="w" fact="0.0902"/>
+              <dgm:constr type="h" for="ch" forName="Parent1" refType="h" fact="0.3799"/>
+              <dgm:constr type="l" for="ch" forName="Accent7" refType="w" fact="0.8646"/>
+              <dgm:constr type="t" for="ch" forName="Accent7" refType="h" fact="0.1072"/>
+              <dgm:constr type="w" for="ch" forName="Accent7" refType="w" fact="0.1354"/>
+              <dgm:constr type="h" for="ch" forName="Accent7" refType="h" fact="0.5699"/>
+              <dgm:constr type="l" for="ch" forName="ParentBackground7" refType="w" fact="0.8692"/>
+              <dgm:constr type="t" for="ch" forName="ParentBackground7" refType="h" fact="0.1262"/>
+              <dgm:constr type="w" for="ch" forName="ParentBackground7" refType="w" fact="0.1263"/>
+              <dgm:constr type="h" for="ch" forName="ParentBackground7" refType="h" fact="0.5319"/>
+              <dgm:constr type="l" for="ch" forName="Child7" refType="w" fact="0.8692"/>
+              <dgm:constr type="t" for="ch" forName="Child7" refType="h" fact="0.6876"/>
+              <dgm:constr type="w" for="ch" forName="Child7" refType="w" fact="0.1263"/>
+              <dgm:constr type="h" for="ch" forName="Child7" refType="h" fact="0.3124"/>
+              <dgm:constr type="l" for="ch" forName="Accent6" refType="w" fact="0.6967"/>
+              <dgm:constr type="t" for="ch" forName="Accent6" refType="h" fact="-0.0109"/>
+              <dgm:constr type="w" for="ch" forName="Accent6" refType="w" fact="0.1915"/>
+              <dgm:constr type="h" for="ch" forName="Accent6" refType="h" fact="0.806"/>
+              <dgm:constr type="l" for="ch" forName="ParentBackground6" refType="w" fact="0.7293"/>
+              <dgm:constr type="t" for="ch" forName="ParentBackground6" refType="h" fact="0.1262"/>
+              <dgm:constr type="w" for="ch" forName="ParentBackground6" refType="w" fact="0.1263"/>
+              <dgm:constr type="h" for="ch" forName="ParentBackground6" refType="h" fact="0.5319"/>
+              <dgm:constr type="l" for="ch" forName="Child6" refType="w" fact="0.7293"/>
+              <dgm:constr type="t" for="ch" forName="Child6" refType="h" fact="0.6876"/>
+              <dgm:constr type="w" for="ch" forName="Child6" refType="w" fact="0.1263"/>
+              <dgm:constr type="h" for="ch" forName="Child6" refType="h" fact="0.3124"/>
+              <dgm:constr type="l" for="ch" forName="Accent5" refType="w" fact="0.5569"/>
+              <dgm:constr type="t" for="ch" forName="Accent5" refType="h" fact="-0.0109"/>
+              <dgm:constr type="w" for="ch" forName="Accent5" refType="w" fact="0.1915"/>
+              <dgm:constr type="h" for="ch" forName="Accent5" refType="h" fact="0.806"/>
+              <dgm:constr type="l" for="ch" forName="ParentBackground5" refType="w" fact="0.5894"/>
+              <dgm:constr type="t" for="ch" forName="ParentBackground5" refType="h" fact="0.1262"/>
+              <dgm:constr type="w" for="ch" forName="ParentBackground5" refType="w" fact="0.1263"/>
+              <dgm:constr type="h" for="ch" forName="ParentBackground5" refType="h" fact="0.5319"/>
+              <dgm:constr type="l" for="ch" forName="Child5" refType="w" fact="0.5894"/>
+              <dgm:constr type="t" for="ch" forName="Child5" refType="h" fact="0.6876"/>
+              <dgm:constr type="w" for="ch" forName="Child5" refType="w" fact="0.1263"/>
+              <dgm:constr type="h" for="ch" forName="Child5" refType="h" fact="0.3124"/>
+              <dgm:constr type="l" for="ch" forName="Accent4" refType="w" fact="0.417"/>
+              <dgm:constr type="t" for="ch" forName="Accent4" refType="h" fact="-0.0109"/>
+              <dgm:constr type="w" for="ch" forName="Accent4" refType="w" fact="0.1915"/>
+              <dgm:constr type="h" for="ch" forName="Accent4" refType="h" fact="0.806"/>
+              <dgm:constr type="l" for="ch" forName="ParentBackground4" refType="w" fact="0.4496"/>
+              <dgm:constr type="t" for="ch" forName="ParentBackground4" refType="h" fact="0.1262"/>
+              <dgm:constr type="w" for="ch" forName="ParentBackground4" refType="w" fact="0.1263"/>
+              <dgm:constr type="h" for="ch" forName="ParentBackground4" refType="h" fact="0.5319"/>
+              <dgm:constr type="l" for="ch" forName="Child4" refType="w" fact="0.4496"/>
+              <dgm:constr type="t" for="ch" forName="Child4" refType="h" fact="0.6876"/>
+              <dgm:constr type="w" for="ch" forName="Child4" refType="w" fact="0.1263"/>
+              <dgm:constr type="h" for="ch" forName="Child4" refType="h" fact="0.3124"/>
+              <dgm:constr type="l" for="ch" forName="Accent3" refType="w" fact="0.2771"/>
+              <dgm:constr type="t" for="ch" forName="Accent3" refType="h" fact="-0.0109"/>
+              <dgm:constr type="w" for="ch" forName="Accent3" refType="w" fact="0.1915"/>
+              <dgm:constr type="h" for="ch" forName="Accent3" refType="h" fact="0.806"/>
+              <dgm:constr type="l" for="ch" forName="ParentBackground3" refType="w" fact="0.3097"/>
+              <dgm:constr type="t" for="ch" forName="ParentBackground3" refType="h" fact="0.1262"/>
+              <dgm:constr type="w" for="ch" forName="ParentBackground3" refType="w" fact="0.1263"/>
+              <dgm:constr type="h" for="ch" forName="ParentBackground3" refType="h" fact="0.5319"/>
+              <dgm:constr type="l" for="ch" forName="Child3" refType="w" fact="0.3097"/>
+              <dgm:constr type="t" for="ch" forName="Child3" refType="h" fact="0.6876"/>
+              <dgm:constr type="w" for="ch" forName="Child3" refType="w" fact="0.1263"/>
+              <dgm:constr type="h" for="ch" forName="Child3" refType="h" fact="0.3124"/>
+              <dgm:constr type="l" for="ch" forName="Accent2" refType="w" fact="0.1373"/>
+              <dgm:constr type="t" for="ch" forName="Accent2" refType="h" fact="-0.0109"/>
+              <dgm:constr type="w" for="ch" forName="Accent2" refType="w" fact="0.1915"/>
+              <dgm:constr type="h" for="ch" forName="Accent2" refType="h" fact="0.806"/>
+              <dgm:constr type="l" for="ch" forName="ParentBackground2" refType="w" fact="0.1698"/>
+              <dgm:constr type="t" for="ch" forName="ParentBackground2" refType="h" fact="0.1262"/>
+              <dgm:constr type="w" for="ch" forName="ParentBackground2" refType="w" fact="0.1263"/>
+              <dgm:constr type="h" for="ch" forName="ParentBackground2" refType="h" fact="0.5319"/>
+              <dgm:constr type="l" for="ch" forName="Child2" refType="w" fact="0.1698"/>
+              <dgm:constr type="t" for="ch" forName="Child2" refType="h" fact="0.6876"/>
+              <dgm:constr type="w" for="ch" forName="Child2" refType="w" fact="0.1263"/>
+              <dgm:constr type="h" for="ch" forName="Child2" refType="h" fact="0.3124"/>
+              <dgm:constr type="l" for="ch" forName="Accent1" refType="w" fact="-0.0026"/>
+              <dgm:constr type="t" for="ch" forName="Accent1" refType="h" fact="-0.0109"/>
+              <dgm:constr type="w" for="ch" forName="Accent1" refType="w" fact="0.1915"/>
+              <dgm:constr type="h" for="ch" forName="Accent1" refType="h" fact="0.806"/>
+              <dgm:constr type="l" for="ch" forName="ParentBackground1" refType="w" fact="0.03"/>
+              <dgm:constr type="t" for="ch" forName="ParentBackground1" refType="h" fact="0.1262"/>
+              <dgm:constr type="w" for="ch" forName="ParentBackground1" refType="w" fact="0.1263"/>
+              <dgm:constr type="h" for="ch" forName="ParentBackground1" refType="h" fact="0.5319"/>
+              <dgm:constr type="l" for="ch" forName="Child1" refType="w" fact="0.03"/>
+              <dgm:constr type="t" for="ch" forName="Child1" refType="h" fact="0.6876"/>
+              <dgm:constr type="w" for="ch" forName="Child1" refType="w" fact="0.1263"/>
+              <dgm:constr type="h" for="ch" forName="Child1" refType="h" fact="0.3124"/>
+            </dgm:constrLst>
+          </dgm:if>
+          <dgm:if name="Name11" axis="ch" ptType="node" func="cnt" op="equ" val="8">
+            <dgm:alg type="composite">
+              <dgm:param type="ar" val="4.7991"/>
+            </dgm:alg>
+            <dgm:constrLst>
+              <dgm:constr type="primFontSz" for="des" forName="Child1" val="65"/>
+              <dgm:constr type="primFontSz" for="des" forName="Parent1" val="65"/>
+              <dgm:constr type="primFontSz" for="des" forName="Child1" refType="primFontSz" refFor="des" refForName="Parent1" op="lte"/>
+              <dgm:constr type="primFontSz" for="des" forName="Child2" refType="primFontSz" refFor="des" refForName="Parent1" op="lte"/>
+              <dgm:constr type="primFontSz" for="des" forName="Child3" refType="primFontSz" refFor="des" refForName="Parent1" op="lte"/>
+              <dgm:constr type="primFontSz" for="des" forName="Child4" refType="primFontSz" refFor="des" refForName="Parent1" op="lte"/>
+              <dgm:constr type="primFontSz" for="des" forName="Child5" refType="primFontSz" refFor="des" refForName="Parent1" op="lte"/>
+              <dgm:constr type="primFontSz" for="des" forName="Child6" refType="primFontSz" refFor="des" refForName="Parent1" op="lte"/>
+              <dgm:constr type="primFontSz" for="des" forName="Child7" refType="primFontSz" refFor="des" refForName="Parent1" op="lte"/>
+              <dgm:constr type="primFontSz" for="des" forName="Child8" refType="primFontSz" refFor="des" refForName="Parent1" op="lte"/>
+              <dgm:constr type="primFontSz" for="des" forName="Child1" refType="primFontSz" refFor="des" refForName="Parent2" op="lte"/>
+              <dgm:constr type="primFontSz" for="des" forName="Child2" refType="primFontSz" refFor="des" refForName="Parent2" op="lte"/>
+              <dgm:constr type="primFontSz" for="des" forName="Child3" refType="primFontSz" refFor="des" refForName="Parent2" op="lte"/>
+              <dgm:constr type="primFontSz" for="des" forName="Child4" refType="primFontSz" refFor="des" refForName="Parent2" op="lte"/>
+              <dgm:constr type="primFontSz" for="des" forName="Child5" refType="primFontSz" refFor="des" refForName="Parent2" op="lte"/>
+              <dgm:constr type="primFontSz" for="des" forName="Child6" refType="primFontSz" refFor="des" refForName="Parent2" op="lte"/>
+              <dgm:constr type="primFontSz" for="des" forName="Child7" refType="primFontSz" refFor="des" refForName="Parent2" op="lte"/>
+              <dgm:constr type="primFontSz" for="des" forName="Child8" refType="primFontSz" refFor="des" refForName="Parent2" op="lte"/>
+              <dgm:constr type="primFontSz" for="des" forName="Child1" refType="primFontSz" refFor="des" refForName="Parent3" op="lte"/>
+              <dgm:constr type="primFontSz" for="des" forName="Child2" refType="primFontSz" refFor="des" refForName="Parent3" op="lte"/>
+              <dgm:constr type="primFontSz" for="des" forName="Child3" refType="primFontSz" refFor="des" refForName="Parent3" op="lte"/>
+              <dgm:constr type="primFontSz" for="des" forName="Child4" refType="primFontSz" refFor="des" refForName="Parent3" op="lte"/>
+              <dgm:constr type="primFontSz" for="des" forName="Child5" refType="primFontSz" refFor="des" refForName="Parent3" op="lte"/>
+              <dgm:constr type="primFontSz" for="des" forName="Child6" refType="primFontSz" refFor="des" refForName="Parent3" op="lte"/>
+              <dgm:constr type="primFontSz" for="des" forName="Child7" refType="primFontSz" refFor="des" refForName="Parent3" op="lte"/>
+              <dgm:constr type="primFontSz" for="des" forName="Child8" refType="primFontSz" refFor="des" refForName="Parent3" op="lte"/>
+              <dgm:constr type="primFontSz" for="des" forName="Child1" refType="primFontSz" refFor="des" refForName="Parent4" op="lte"/>
+              <dgm:constr type="primFontSz" for="des" forName="Child2" refType="primFontSz" refFor="des" refForName="Parent4" op="lte"/>
+              <dgm:constr type="primFontSz" for="des" forName="Child3" refType="primFontSz" refFor="des" refForName="Parent4" op="lte"/>
+              <dgm:constr type="primFontSz" for="des" forName="Child4" refType="primFontSz" refFor="des" refForName="Parent4" op="lte"/>
+              <dgm:constr type="primFontSz" for="des" forName="Child5" refType="primFontSz" refFor="des" refForName="Parent4" op="lte"/>
+              <dgm:constr type="primFontSz" for="des" forName="Child6" refType="primFontSz" refFor="des" refForName="Parent4" op="lte"/>
+              <dgm:constr type="primFontSz" for="des" forName="Child7" refType="primFontSz" refFor="des" refForName="Parent4" op="lte"/>
+              <dgm:constr type="primFontSz" for="des" forName="Child8" refType="primFontSz" refFor="des" refForName="Parent4" op="lte"/>
+              <dgm:constr type="primFontSz" for="des" forName="Child1" refType="primFontSz" refFor="des" refForName="Parent5" op="lte"/>
+              <dgm:constr type="primFontSz" for="des" forName="Child2" refType="primFontSz" refFor="des" refForName="Parent5" op="lte"/>
+              <dgm:constr type="primFontSz" for="des" forName="Child3" refType="primFontSz" refFor="des" refForName="Parent5" op="lte"/>
+              <dgm:constr type="primFontSz" for="des" forName="Child4" refType="primFontSz" refFor="des" refForName="Parent5" op="lte"/>
+              <dgm:constr type="primFontSz" for="des" forName="Child5" refType="primFontSz" refFor="des" refForName="Parent5" op="lte"/>
+              <dgm:constr type="primFontSz" for="des" forName="Child6" refType="primFontSz" refFor="des" refForName="Parent5" op="lte"/>
+              <dgm:constr type="primFontSz" for="des" forName="Child7" refType="primFontSz" refFor="des" refForName="Parent5" op="lte"/>
+              <dgm:constr type="primFontSz" for="des" forName="Child8" refType="primFontSz" refFor="des" refForName="Parent5" op="lte"/>
+              <dgm:constr type="primFontSz" for="des" forName="Child1" refType="primFontSz" refFor="des" refForName="Parent6" op="lte"/>
+              <dgm:constr type="primFontSz" for="des" forName="Child2" refType="primFontSz" refFor="des" refForName="Parent6" op="lte"/>
+              <dgm:constr type="primFontSz" for="des" forName="Child3" refType="primFontSz" refFor="des" refForName="Parent6" op="lte"/>
+              <dgm:constr type="primFontSz" for="des" forName="Child4" refType="primFontSz" refFor="des" refForName="Parent6" op="lte"/>
+              <dgm:constr type="primFontSz" for="des" forName="Child5" refType="primFontSz" refFor="des" refForName="Parent6" op="lte"/>
+              <dgm:constr type="primFontSz" for="des" forName="Child6" refType="primFontSz" refFor="des" refForName="Parent6" op="lte"/>
+              <dgm:constr type="primFontSz" for="des" forName="Child7" refType="primFontSz" refFor="des" refForName="Parent6" op="lte"/>
+              <dgm:constr type="primFontSz" for="des" forName="Child8" refType="primFontSz" refFor="des" refForName="Parent6" op="lte"/>
+              <dgm:constr type="primFontSz" for="des" forName="Child1" refType="primFontSz" refFor="des" refForName="Parent7" op="lte"/>
+              <dgm:constr type="primFontSz" for="des" forName="Child2" refType="primFontSz" refFor="des" refForName="Parent7" op="lte"/>
+              <dgm:constr type="primFontSz" for="des" forName="Child3" refType="primFontSz" refFor="des" refForName="Parent7" op="lte"/>
+              <dgm:constr type="primFontSz" for="des" forName="Child4" refType="primFontSz" refFor="des" refForName="Parent7" op="lte"/>
+              <dgm:constr type="primFontSz" for="des" forName="Child5" refType="primFontSz" refFor="des" refForName="Parent7" op="lte"/>
+              <dgm:constr type="primFontSz" for="des" forName="Child6" refType="primFontSz" refFor="des" refForName="Parent7" op="lte"/>
+              <dgm:constr type="primFontSz" for="des" forName="Child7" refType="primFontSz" refFor="des" refForName="Parent7" op="lte"/>
+              <dgm:constr type="primFontSz" for="des" forName="Child8" refType="primFontSz" refFor="des" refForName="Parent7" op="lte"/>
+              <dgm:constr type="primFontSz" for="des" forName="Child1" refType="primFontSz" refFor="des" refForName="Parent8" op="lte"/>
+              <dgm:constr type="primFontSz" for="des" forName="Child2" refType="primFontSz" refFor="des" refForName="Parent8" op="lte"/>
+              <dgm:constr type="primFontSz" for="des" forName="Child3" refType="primFontSz" refFor="des" refForName="Parent8" op="lte"/>
+              <dgm:constr type="primFontSz" for="des" forName="Child4" refType="primFontSz" refFor="des" refForName="Parent8" op="lte"/>
+              <dgm:constr type="primFontSz" for="des" forName="Child5" refType="primFontSz" refFor="des" refForName="Parent8" op="lte"/>
+              <dgm:constr type="primFontSz" for="des" forName="Child6" refType="primFontSz" refFor="des" refForName="Parent8" op="lte"/>
+              <dgm:constr type="primFontSz" for="des" forName="Child7" refType="primFontSz" refFor="des" refForName="Parent8" op="lte"/>
+              <dgm:constr type="primFontSz" for="des" forName="Child8" refType="primFontSz" refFor="des" refForName="Parent8" op="lte"/>
+              <dgm:constr type="primFontSz" for="des" forName="Parent2" refType="primFontSz" refFor="des" refForName="Parent1" op="equ"/>
+              <dgm:constr type="primFontSz" for="des" forName="Parent3" refType="primFontSz" refFor="des" refForName="Parent1" op="equ"/>
+              <dgm:constr type="primFontSz" for="des" forName="Parent4" refType="primFontSz" refFor="des" refForName="Parent1" op="equ"/>
+              <dgm:constr type="primFontSz" for="des" forName="Parent5" refType="primFontSz" refFor="des" refForName="Parent1" op="equ"/>
+              <dgm:constr type="primFontSz" for="des" forName="Parent6" refType="primFontSz" refFor="des" refForName="Parent1" op="equ"/>
+              <dgm:constr type="primFontSz" for="des" forName="Parent7" refType="primFontSz" refFor="des" refForName="Parent1" op="equ"/>
+              <dgm:constr type="primFontSz" for="des" forName="Parent8" refType="primFontSz" refFor="des" refForName="Parent1" op="equ"/>
+              <dgm:constr type="primFontSz" for="des" forName="Child2" refType="primFontSz" refFor="des" refForName="Child1" op="equ"/>
+              <dgm:constr type="primFontSz" for="des" forName="Child3" refType="primFontSz" refFor="des" refForName="Child1" op="equ"/>
+              <dgm:constr type="primFontSz" for="des" forName="Child4" refType="primFontSz" refFor="des" refForName="Child1" op="equ"/>
+              <dgm:constr type="primFontSz" for="des" forName="Child5" refType="primFontSz" refFor="des" refForName="Child1" op="equ"/>
+              <dgm:constr type="primFontSz" for="des" forName="Child6" refType="primFontSz" refFor="des" refForName="Child1" op="equ"/>
+              <dgm:constr type="primFontSz" for="des" forName="Child7" refType="primFontSz" refFor="des" refForName="Child1" op="equ"/>
+              <dgm:constr type="primFontSz" for="des" forName="Child8" refType="primFontSz" refFor="des" refForName="Child1" op="equ"/>
+              <dgm:constr type="l" for="ch" forName="Parent8" refType="w" fact="0.901"/>
+              <dgm:constr type="t" for="ch" forName="Parent8" refType="h" fact="0.2022"/>
+              <dgm:constr type="w" for="ch" forName="Parent8" refType="w" fact="0.0792"/>
+              <dgm:constr type="h" for="ch" forName="Parent8" refType="h" fact="0.3799"/>
+              <dgm:constr type="l" for="ch" forName="Parent7" refType="w" fact="0.7783"/>
+              <dgm:constr type="t" for="ch" forName="Parent7" refType="h" fact="0.2022"/>
+              <dgm:constr type="w" for="ch" forName="Parent7" refType="w" fact="0.0792"/>
+              <dgm:constr type="h" for="ch" forName="Parent7" refType="h" fact="0.3799"/>
+              <dgm:constr type="l" for="ch" forName="Parent6" refType="w" fact="0.6556"/>
+              <dgm:constr type="t" for="ch" forName="Parent6" refType="h" fact="0.2022"/>
+              <dgm:constr type="w" for="ch" forName="Parent6" refType="w" fact="0.0792"/>
+              <dgm:constr type="h" for="ch" forName="Parent6" refType="h" fact="0.3799"/>
+              <dgm:constr type="l" for="ch" forName="Parent5" refType="w" fact="0.5329"/>
+              <dgm:constr type="t" for="ch" forName="Parent5" refType="h" fact="0.2022"/>
+              <dgm:constr type="w" for="ch" forName="Parent5" refType="w" fact="0.0792"/>
+              <dgm:constr type="h" for="ch" forName="Parent5" refType="h" fact="0.3799"/>
+              <dgm:constr type="l" for="ch" forName="Parent4" refType="w" fact="0.4102"/>
+              <dgm:constr type="t" for="ch" forName="Parent4" refType="h" fact="0.2022"/>
+              <dgm:constr type="w" for="ch" forName="Parent4" refType="w" fact="0.0792"/>
+              <dgm:constr type="h" for="ch" forName="Parent4" refType="h" fact="0.3799"/>
+              <dgm:constr type="l" for="ch" forName="Parent3" refType="w" fact="0.2875"/>
+              <dgm:constr type="t" for="ch" forName="Parent3" refType="h" fact="0.2022"/>
+              <dgm:constr type="w" for="ch" forName="Parent3" refType="w" fact="0.0792"/>
+              <dgm:constr type="h" for="ch" forName="Parent3" refType="h" fact="0.3799"/>
+              <dgm:constr type="l" for="ch" forName="Parent2" refType="w" fact="0.1648"/>
+              <dgm:constr type="t" for="ch" forName="Parent2" refType="h" fact="0.2022"/>
+              <dgm:constr type="w" for="ch" forName="Parent2" refType="w" fact="0.0792"/>
+              <dgm:constr type="h" for="ch" forName="Parent2" refType="h" fact="0.3799"/>
+              <dgm:constr type="l" for="ch" forName="Parent1" refType="w" fact="0.0421"/>
+              <dgm:constr type="t" for="ch" forName="Parent1" refType="h" fact="0.2022"/>
+              <dgm:constr type="w" for="ch" forName="Parent1" refType="w" fact="0.0792"/>
+              <dgm:constr type="h" for="ch" forName="Parent1" refType="h" fact="0.3799"/>
+              <dgm:constr type="l" for="ch" forName="Accent8" refType="w" fact="0.8813"/>
+              <dgm:constr type="t" for="ch" forName="Accent8" refType="h" fact="0.1072"/>
+              <dgm:constr type="w" for="ch" forName="Accent8" refType="w" fact="0.1187"/>
+              <dgm:constr type="h" for="ch" forName="Accent8" refType="h" fact="0.5699"/>
+              <dgm:constr type="l" for="ch" forName="ParentBackground8" refType="w" fact="0.8852"/>
+              <dgm:constr type="t" for="ch" forName="ParentBackground8" refType="h" fact="0.1262"/>
+              <dgm:constr type="w" for="ch" forName="ParentBackground8" refType="w" fact="0.1108"/>
+              <dgm:constr type="h" for="ch" forName="ParentBackground8" refType="h" fact="0.5319"/>
+              <dgm:constr type="l" for="ch" forName="Child8" refType="w" fact="0.8852"/>
+              <dgm:constr type="t" for="ch" forName="Child8" refType="h" fact="0.6876"/>
+              <dgm:constr type="w" for="ch" forName="Child8" refType="w" fact="0.1108"/>
+              <dgm:constr type="h" for="ch" forName="Child8" refType="h" fact="0.3124"/>
+              <dgm:constr type="l" for="ch" forName="Accent7" refType="w" fact="0.7339"/>
+              <dgm:constr type="t" for="ch" forName="Accent7" refType="h" fact="-0.0109"/>
+              <dgm:constr type="w" for="ch" forName="Accent7" refType="w" fact="0.1679"/>
+              <dgm:constr type="h" for="ch" forName="Accent7" refType="h" fact="0.806"/>
+              <dgm:constr type="l" for="ch" forName="ParentBackground7" refType="w" fact="0.7625"/>
+              <dgm:constr type="t" for="ch" forName="ParentBackground7" refType="h" fact="0.1262"/>
+              <dgm:constr type="w" for="ch" forName="ParentBackground7" refType="w" fact="0.1108"/>
+              <dgm:constr type="h" for="ch" forName="ParentBackground7" refType="h" fact="0.5319"/>
+              <dgm:constr type="l" for="ch" forName="Child7" refType="w" fact="0.7625"/>
+              <dgm:constr type="t" for="ch" forName="Child7" refType="h" fact="0.6876"/>
+              <dgm:constr type="w" for="ch" forName="Child7" refType="w" fact="0.1108"/>
+              <dgm:constr type="h" for="ch" forName="Child7" refType="h" fact="0.3124"/>
+              <dgm:constr type="l" for="ch" forName="Accent6" refType="w" fact="0.6112"/>
+              <dgm:constr type="t" for="ch" forName="Accent6" refType="h" fact="-0.0109"/>
+              <dgm:constr type="w" for="ch" forName="Accent6" refType="w" fact="0.1679"/>
+              <dgm:constr type="h" for="ch" forName="Accent6" refType="h" fact="0.806"/>
+              <dgm:constr type="l" for="ch" forName="ParentBackground6" refType="w" fact="0.6398"/>
+              <dgm:constr type="t" for="ch" forName="ParentBackground6" refType="h" fact="0.1262"/>
+              <dgm:constr type="w" for="ch" forName="ParentBackground6" refType="w" fact="0.1108"/>
+              <dgm:constr type="h" for="ch" forName="ParentBackground6" refType="h" fact="0.5319"/>
+              <dgm:constr type="l" for="ch" forName="Child6" refType="w" fact="0.6398"/>
+              <dgm:constr type="t" for="ch" forName="Child6" refType="h" fact="0.6876"/>
+              <dgm:constr type="w" for="ch" forName="Child6" refType="w" fact="0.1108"/>
+              <dgm:constr type="h" for="ch" forName="Child6" refType="h" fact="0.3124"/>
+              <dgm:constr type="l" for="ch" forName="Accent5" refType="w" fact="0.4885"/>
+              <dgm:constr type="t" for="ch" forName="Accent5" refType="h" fact="-0.0109"/>
+              <dgm:constr type="w" for="ch" forName="Accent5" refType="w" fact="0.1679"/>
+              <dgm:constr type="h" for="ch" forName="Accent5" refType="h" fact="0.806"/>
+              <dgm:constr type="l" for="ch" forName="ParentBackground5" refType="w" fact="0.5171"/>
+              <dgm:constr type="t" for="ch" forName="ParentBackground5" refType="h" fact="0.1262"/>
+              <dgm:constr type="w" for="ch" forName="ParentBackground5" refType="w" fact="0.1108"/>
+              <dgm:constr type="h" for="ch" forName="ParentBackground5" refType="h" fact="0.5319"/>
+              <dgm:constr type="l" for="ch" forName="Child5" refType="w" fact="0.5171"/>
+              <dgm:constr type="t" for="ch" forName="Child5" refType="h" fact="0.6876"/>
+              <dgm:constr type="w" for="ch" forName="Child5" refType="w" fact="0.1108"/>
+              <dgm:constr type="h" for="ch" forName="Child5" refType="h" fact="0.3124"/>
+              <dgm:constr type="l" for="ch" forName="Accent4" refType="w" fact="0.3658"/>
+              <dgm:constr type="t" for="ch" forName="Accent4" refType="h" fact="-0.0109"/>
+              <dgm:constr type="w" for="ch" forName="Accent4" refType="w" fact="0.1679"/>
+              <dgm:constr type="h" for="ch" forName="Accent4" refType="h" fact="0.806"/>
+              <dgm:constr type="l" for="ch" forName="ParentBackground4" refType="w" fact="0.3944"/>
+              <dgm:constr type="t" for="ch" forName="ParentBackground4" refType="h" fact="0.1262"/>
+              <dgm:constr type="w" for="ch" forName="ParentBackground4" refType="w" fact="0.1108"/>
+              <dgm:constr type="h" for="ch" forName="ParentBackground4" refType="h" fact="0.5319"/>
+              <dgm:constr type="l" for="ch" forName="Child4" refType="w" fact="0.3944"/>
+              <dgm:constr type="t" for="ch" forName="Child4" refType="h" fact="0.6876"/>
+              <dgm:constr type="w" for="ch" forName="Child4" refType="w" fact="0.1108"/>
+              <dgm:constr type="h" for="ch" forName="Child4" refType="h" fact="0.3124"/>
+              <dgm:constr type="l" for="ch" forName="Accent3" refType="w" fact="0.2431"/>
+              <dgm:constr type="t" for="ch" forName="Accent3" refType="h" fact="-0.0109"/>
+              <dgm:constr type="w" for="ch" forName="Accent3" refType="w" fact="0.1679"/>
+              <dgm:constr type="h" for="ch" forName="Accent3" refType="h" fact="0.806"/>
+              <dgm:constr type="l" for="ch" forName="ParentBackground3" refType="w" fact="0.2717"/>
+              <dgm:constr type="t" for="ch" forName="ParentBackground3" refType="h" fact="0.1262"/>
+              <dgm:constr type="w" for="ch" forName="ParentBackground3" refType="w" fact="0.1108"/>
+              <dgm:constr type="h" for="ch" forName="ParentBackground3" refType="h" fact="0.5319"/>
+              <dgm:constr type="l" for="ch" forName="Child3" refType="w" fact="0.2717"/>
+              <dgm:constr type="t" for="ch" forName="Child3" refType="h" fact="0.6876"/>
+              <dgm:constr type="w" for="ch" forName="Child3" refType="w" fact="0.1108"/>
+              <dgm:constr type="h" for="ch" forName="Child3" refType="h" fact="0.3124"/>
+              <dgm:constr type="l" for="ch" forName="Accent2" refType="w" fact="0.1204"/>
+              <dgm:constr type="t" for="ch" forName="Accent2" refType="h" fact="-0.0109"/>
+              <dgm:constr type="w" for="ch" forName="Accent2" refType="w" fact="0.1679"/>
+              <dgm:constr type="h" for="ch" forName="Accent2" refType="h" fact="0.806"/>
+              <dgm:constr type="l" for="ch" forName="ParentBackground2" refType="w" fact="0.149"/>
+              <dgm:constr type="t" for="ch" forName="ParentBackground2" refType="h" fact="0.1262"/>
+              <dgm:constr type="w" for="ch" forName="ParentBackground2" refType="w" fact="0.1108"/>
+              <dgm:constr type="h" for="ch" forName="ParentBackground2" refType="h" fact="0.5319"/>
+              <dgm:constr type="l" for="ch" forName="Child2" refType="w" fact="0.149"/>
+              <dgm:constr type="t" for="ch" forName="Child2" refType="h" fact="0.6876"/>
+              <dgm:constr type="w" for="ch" forName="Child2" refType="w" fact="0.1108"/>
+              <dgm:constr type="h" for="ch" forName="Child2" refType="h" fact="0.3124"/>
+              <dgm:constr type="l" for="ch" forName="Accent1" refType="w" fact="-0.0023"/>
+              <dgm:constr type="t" for="ch" forName="Accent1" refType="h" fact="-0.0109"/>
+              <dgm:constr type="w" for="ch" forName="Accent1" refType="w" fact="0.1679"/>
+              <dgm:constr type="h" for="ch" forName="Accent1" refType="h" fact="0.806"/>
+              <dgm:constr type="l" for="ch" forName="ParentBackground1" refType="w" fact="0.0263"/>
+              <dgm:constr type="t" for="ch" forName="ParentBackground1" refType="h" fact="0.1262"/>
+              <dgm:constr type="w" for="ch" forName="ParentBackground1" refType="w" fact="0.1108"/>
+              <dgm:constr type="h" for="ch" forName="ParentBackground1" refType="h" fact="0.5319"/>
+              <dgm:constr type="l" for="ch" forName="Child1" refType="w" fact="0.0263"/>
+              <dgm:constr type="t" for="ch" forName="Child1" refType="h" fact="0.6876"/>
+              <dgm:constr type="w" for="ch" forName="Child1" refType="w" fact="0.1108"/>
+              <dgm:constr type="h" for="ch" forName="Child1" refType="h" fact="0.3124"/>
+            </dgm:constrLst>
+          </dgm:if>
+          <dgm:if name="Name12" axis="ch" ptType="node" func="cnt" op="equ" val="9">
+            <dgm:alg type="composite">
+              <dgm:param type="ar" val="5.388"/>
+            </dgm:alg>
+            <dgm:constrLst>
+              <dgm:constr type="primFontSz" for="des" forName="Child1" val="65"/>
+              <dgm:constr type="primFontSz" for="des" forName="Parent1" val="65"/>
+              <dgm:constr type="primFontSz" for="des" forName="Child1" refType="primFontSz" refFor="des" refForName="Parent1" op="lte"/>
+              <dgm:constr type="primFontSz" for="des" forName="Child2" refType="primFontSz" refFor="des" refForName="Parent1" op="lte"/>
+              <dgm:constr type="primFontSz" for="des" forName="Child3" refType="primFontSz" refFor="des" refForName="Parent1" op="lte"/>
+              <dgm:constr type="primFontSz" for="des" forName="Child4" refType="primFontSz" refFor="des" refForName="Parent1" op="lte"/>
+              <dgm:constr type="primFontSz" for="des" forName="Child5" refType="primFontSz" refFor="des" refForName="Parent1" op="lte"/>
+              <dgm:constr type="primFontSz" for="des" forName="Child6" refType="primFontSz" refFor="des" refForName="Parent1" op="lte"/>
+              <dgm:constr type="primFontSz" for="des" forName="Child7" refType="primFontSz" refFor="des" refForName="Parent1" op="lte"/>
+              <dgm:constr type="primFontSz" for="des" forName="Child8" refType="primFontSz" refFor="des" refForName="Parent1" op="lte"/>
+              <dgm:constr type="primFontSz" for="des" forName="Child9" refType="primFontSz" refFor="des" refForName="Parent1" op="lte"/>
+              <dgm:constr type="primFontSz" for="des" forName="Child1" refType="primFontSz" refFor="des" refForName="Parent2" op="lte"/>
+              <dgm:constr type="primFontSz" for="des" forName="Child2" refType="primFontSz" refFor="des" refForName="Parent2" op="lte"/>
+              <dgm:constr type="primFontSz" for="des" forName="Child3" refType="primFontSz" refFor="des" refForName="Parent2" op="lte"/>
+              <dgm:constr type="primFontSz" for="des" forName="Child4" refType="primFontSz" refFor="des" refForName="Parent2" op="lte"/>
+              <dgm:constr type="primFontSz" for="des" forName="Child5" refType="primFontSz" refFor="des" refForName="Parent2" op="lte"/>
+              <dgm:constr type="primFontSz" for="des" forName="Child6" refType="primFontSz" refFor="des" refForName="Parent2" op="lte"/>
+              <dgm:constr type="primFontSz" for="des" forName="Child7" refType="primFontSz" refFor="des" refForName="Parent2" op="lte"/>
+              <dgm:constr type="primFontSz" for="des" forName="Child8" refType="primFontSz" refFor="des" refForName="Parent2" op="lte"/>
+              <dgm:constr type="primFontSz" for="des" forName="Child9" refType="primFontSz" refFor="des" refForName="Parent2" op="lte"/>
+              <dgm:constr type="primFontSz" for="des" forName="Child1" refType="primFontSz" refFor="des" refForName="Parent3" op="lte"/>
+              <dgm:constr type="primFontSz" for="des" forName="Child2" refType="primFontSz" refFor="des" refForName="Parent3" op="lte"/>
+              <dgm:constr type="primFontSz" for="des" forName="Child3" refType="primFontSz" refFor="des" refForName="Parent3" op="lte"/>
+              <dgm:constr type="primFontSz" for="des" forName="Child4" refType="primFontSz" refFor="des" refForName="Parent3" op="lte"/>
+              <dgm:constr type="primFontSz" for="des" forName="Child5" refType="primFontSz" refFor="des" refForName="Parent3" op="lte"/>
+              <dgm:constr type="primFontSz" for="des" forName="Child6" refType="primFontSz" refFor="des" refForName="Parent3" op="lte"/>
+              <dgm:constr type="primFontSz" for="des" forName="Child7" refType="primFontSz" refFor="des" refForName="Parent3" op="lte"/>
+              <dgm:constr type="primFontSz" for="des" forName="Child8" refType="primFontSz" refFor="des" refForName="Parent3" op="lte"/>
+              <dgm:constr type="primFontSz" for="des" forName="Child9" refType="primFontSz" refFor="des" refForName="Parent3" op="lte"/>
+              <dgm:constr type="primFontSz" for="des" forName="Child1" refType="primFontSz" refFor="des" refForName="Parent4" op="lte"/>
+              <dgm:constr type="primFontSz" for="des" forName="Child2" refType="primFontSz" refFor="des" refForName="Parent4" op="lte"/>
+              <dgm:constr type="primFontSz" for="des" forName="Child3" refType="primFontSz" refFor="des" refForName="Parent4" op="lte"/>
+              <dgm:constr type="primFontSz" for="des" forName="Child4" refType="primFontSz" refFor="des" refForName="Parent4" op="lte"/>
+              <dgm:constr type="primFontSz" for="des" forName="Child5" refType="primFontSz" refFor="des" refForName="Parent4" op="lte"/>
+              <dgm:constr type="primFontSz" for="des" forName="Child6" refType="primFontSz" refFor="des" refForName="Parent4" op="lte"/>
+              <dgm:constr type="primFontSz" for="des" forName="Child7" refType="primFontSz" refFor="des" refForName="Parent4" op="lte"/>
+              <dgm:constr type="primFontSz" for="des" forName="Child8" refType="primFontSz" refFor="des" refForName="Parent4" op="lte"/>
+              <dgm:constr type="primFontSz" for="des" forName="Child9" refType="primFontSz" refFor="des" refForName="Parent4" op="lte"/>
+              <dgm:constr type="primFontSz" for="des" forName="Child1" refType="primFontSz" refFor="des" refForName="Parent5" op="lte"/>
+              <dgm:constr type="primFontSz" for="des" forName="Child2" refType="primFontSz" refFor="des" refForName="Parent5" op="lte"/>
+              <dgm:constr type="primFontSz" for="des" forName="Child3" refType="primFontSz" refFor="des" refForName="Parent5" op="lte"/>
+              <dgm:constr type="primFontSz" for="des" forName="Child4" refType="primFontSz" refFor="des" refForName="Parent5" op="lte"/>
+              <dgm:constr type="primFontSz" for="des" forName="Child5" refType="primFontSz" refFor="des" refForName="Parent5" op="lte"/>
+              <dgm:constr type="primFontSz" for="des" forName="Child6" refType="primFontSz" refFor="des" refForName="Parent5" op="lte"/>
+              <dgm:constr type="primFontSz" for="des" forName="Child7" refType="primFontSz" refFor="des" refForName="Parent5" op="lte"/>
+              <dgm:constr type="primFontSz" for="des" forName="Child8" refType="primFontSz" refFor="des" refForName="Parent5" op="lte"/>
+              <dgm:constr type="primFontSz" for="des" forName="Child9" refType="primFontSz" refFor="des" refForName="Parent5" op="lte"/>
+              <dgm:constr type="primFontSz" for="des" forName="Child1" refType="primFontSz" refFor="des" refForName="Parent6" op="lte"/>
+              <dgm:constr type="primFontSz" for="des" forName="Child2" refType="primFontSz" refFor="des" refForName="Parent6" op="lte"/>
+              <dgm:constr type="primFontSz" for="des" forName="Child3" refType="primFontSz" refFor="des" refForName="Parent6" op="lte"/>
+              <dgm:constr type="primFontSz" for="des" forName="Child4" refType="primFontSz" refFor="des" refForName="Parent6" op="lte"/>
+              <dgm:constr type="primFontSz" for="des" forName="Child5" refType="primFontSz" refFor="des" refForName="Parent6" op="lte"/>
+              <dgm:constr type="primFontSz" for="des" forName="Child6" refType="primFontSz" refFor="des" refForName="Parent6" op="lte"/>
+              <dgm:constr type="primFontSz" for="des" forName="Child7" refType="primFontSz" refFor="des" refForName="Parent6" op="lte"/>
+              <dgm:constr type="primFontSz" for="des" forName="Child8" refType="primFontSz" refFor="des" refForName="Parent6" op="lte"/>
+              <dgm:constr type="primFontSz" for="des" forName="Child9" refType="primFontSz" refFor="des" refForName="Parent6" op="lte"/>
+              <dgm:constr type="primFontSz" for="des" forName="Child1" refType="primFontSz" refFor="des" refForName="Parent7" op="lte"/>
+              <dgm:constr type="primFontSz" for="des" forName="Child2" refType="primFontSz" refFor="des" refForName="Parent7" op="lte"/>
+              <dgm:constr type="primFontSz" for="des" forName="Child3" refType="primFontSz" refFor="des" refForName="Parent7" op="lte"/>
+              <dgm:constr type="primFontSz" for="des" forName="Child4" refType="primFontSz" refFor="des" refForName="Parent7" op="lte"/>
+              <dgm:constr type="primFontSz" for="des" forName="Child5" refType="primFontSz" refFor="des" refForName="Parent7" op="lte"/>
+              <dgm:constr type="primFontSz" for="des" forName="Child6" refType="primFontSz" refFor="des" refForName="Parent7" op="lte"/>
+              <dgm:constr type="primFontSz" for="des" forName="Child7" refType="primFontSz" refFor="des" refForName="Parent7" op="lte"/>
+              <dgm:constr type="primFontSz" for="des" forName="Child8" refType="primFontSz" refFor="des" refForName="Parent7" op="lte"/>
+              <dgm:constr type="primFontSz" for="des" forName="Child9" refType="primFontSz" refFor="des" refForName="Parent7" op="lte"/>
+              <dgm:constr type="primFontSz" for="des" forName="Child1" refType="primFontSz" refFor="des" refForName="Parent8" op="lte"/>
+              <dgm:constr type="primFontSz" for="des" forName="Child2" refType="primFontSz" refFor="des" refForName="Parent8" op="lte"/>
+              <dgm:constr type="primFontSz" for="des" forName="Child3" refType="primFontSz" refFor="des" refForName="Parent8" op="lte"/>
+              <dgm:constr type="primFontSz" for="des" forName="Child4" refType="primFontSz" refFor="des" refForName="Parent8" op="lte"/>
+              <dgm:constr type="primFontSz" for="des" forName="Child5" refType="primFontSz" refFor="des" refForName="Parent8" op="lte"/>
+              <dgm:constr type="primFontSz" for="des" forName="Child6" refType="primFontSz" refFor="des" refForName="Parent8" op="lte"/>
+              <dgm:constr type="primFontSz" for="des" forName="Child7" refType="primFontSz" refFor="des" refForName="Parent8" op="lte"/>
+              <dgm:constr type="primFontSz" for="des" forName="Child8" refType="primFontSz" refFor="des" refForName="Parent8" op="lte"/>
+              <dgm:constr type="primFontSz" for="des" forName="Child9" refType="primFontSz" refFor="des" refForName="Parent8" op="lte"/>
+              <dgm:constr type="primFontSz" for="des" forName="Child1" refType="primFontSz" refFor="des" refForName="Parent9" op="lte"/>
+              <dgm:constr type="primFontSz" for="des" forName="Child2" refType="primFontSz" refFor="des" refForName="Parent9" op="lte"/>
+              <dgm:constr type="primFontSz" for="des" forName="Child3" refType="primFontSz" refFor="des" refForName="Parent9" op="lte"/>
+              <dgm:constr type="primFontSz" for="des" forName="Child4" refType="primFontSz" refFor="des" refForName="Parent9" op="lte"/>
+              <dgm:constr type="primFontSz" for="des" forName="Child5" refType="primFontSz" refFor="des" refForName="Parent9" op="lte"/>
+              <dgm:constr type="primFontSz" for="des" forName="Child6" refType="primFontSz" refFor="des" refForName="Parent9" op="lte"/>
+              <dgm:constr type="primFontSz" for="des" forName="Child7" refType="primFontSz" refFor="des" refForName="Parent9" op="lte"/>
+              <dgm:constr type="primFontSz" for="des" forName="Child8" refType="primFontSz" refFor="des" refForName="Parent9" op="lte"/>
+              <dgm:constr type="primFontSz" for="des" forName="Child9" refType="primFontSz" refFor="des" refForName="Parent9" op="lte"/>
+              <dgm:constr type="primFontSz" for="des" forName="Parent2" refType="primFontSz" refFor="des" refForName="Parent1" op="equ"/>
+              <dgm:constr type="primFontSz" for="des" forName="Parent3" refType="primFontSz" refFor="des" refForName="Parent1" op="equ"/>
+              <dgm:constr type="primFontSz" for="des" forName="Parent4" refType="primFontSz" refFor="des" refForName="Parent1" op="equ"/>
+              <dgm:constr type="primFontSz" for="des" forName="Parent5" refType="primFontSz" refFor="des" refForName="Parent1" op="equ"/>
+              <dgm:constr type="primFontSz" for="des" forName="Parent6" refType="primFontSz" refFor="des" refForName="Parent1" op="equ"/>
+              <dgm:constr type="primFontSz" for="des" forName="Parent7" refType="primFontSz" refFor="des" refForName="Parent1" op="equ"/>
+              <dgm:constr type="primFontSz" for="des" forName="Parent8" refType="primFontSz" refFor="des" refForName="Parent1" op="equ"/>
+              <dgm:constr type="primFontSz" for="des" forName="Parent9" refType="primFontSz" refFor="des" refForName="Parent1" op="equ"/>
+              <dgm:constr type="primFontSz" for="des" forName="Child2" refType="primFontSz" refFor="des" refForName="Child1" op="equ"/>
+              <dgm:constr type="primFontSz" for="des" forName="Child3" refType="primFontSz" refFor="des" refForName="Child1" op="equ"/>
+              <dgm:constr type="primFontSz" for="des" forName="Child4" refType="primFontSz" refFor="des" refForName="Child1" op="equ"/>
+              <dgm:constr type="primFontSz" for="des" forName="Child5" refType="primFontSz" refFor="des" refForName="Child1" op="equ"/>
+              <dgm:constr type="primFontSz" for="des" forName="Child6" refType="primFontSz" refFor="des" refForName="Child1" op="equ"/>
+              <dgm:constr type="primFontSz" for="des" forName="Child7" refType="primFontSz" refFor="des" refForName="Child1" op="equ"/>
+              <dgm:constr type="primFontSz" for="des" forName="Child8" refType="primFontSz" refFor="des" refForName="Child1" op="equ"/>
+              <dgm:constr type="primFontSz" for="des" forName="Child9" refType="primFontSz" refFor="des" refForName="Child1" op="equ"/>
+              <dgm:constr type="l" for="ch" forName="Parent9" refType="w" fact="0.9119"/>
+              <dgm:constr type="t" for="ch" forName="Parent9" refType="h" fact="0.2022"/>
+              <dgm:constr type="w" for="ch" forName="Parent9" refType="w" fact="0.0705"/>
+              <dgm:constr type="h" for="ch" forName="Parent9" refType="h" fact="0.3799"/>
+              <dgm:constr type="l" for="ch" forName="Parent8" refType="w" fact="0.8026"/>
+              <dgm:constr type="t" for="ch" forName="Parent8" refType="h" fact="0.2022"/>
+              <dgm:constr type="w" for="ch" forName="Parent8" refType="w" fact="0.0705"/>
+              <dgm:constr type="h" for="ch" forName="Parent8" refType="h" fact="0.3799"/>
+              <dgm:constr type="l" for="ch" forName="Parent7" refType="w" fact="0.6933"/>
+              <dgm:constr type="t" for="ch" forName="Parent7" refType="h" fact="0.2022"/>
+              <dgm:constr type="w" for="ch" forName="Parent7" refType="w" fact="0.0705"/>
+              <dgm:constr type="h" for="ch" forName="Parent7" refType="h" fact="0.3799"/>
+              <dgm:constr type="l" for="ch" forName="Parent6" refType="w" fact="0.584"/>
+              <dgm:constr type="t" for="ch" forName="Parent6" refType="h" fact="0.2022"/>
+              <dgm:constr type="w" for="ch" forName="Parent6" refType="w" fact="0.0705"/>
+              <dgm:constr type="h" for="ch" forName="Parent6" refType="h" fact="0.3799"/>
+              <dgm:constr type="l" for="ch" forName="Parent5" refType="w" fact="0.4747"/>
+              <dgm:constr type="t" for="ch" forName="Parent5" refType="h" fact="0.2022"/>
+              <dgm:constr type="w" for="ch" forName="Parent5" refType="w" fact="0.0705"/>
+              <dgm:constr type="h" for="ch" forName="Parent5" refType="h" fact="0.3799"/>
+              <dgm:constr type="l" for="ch" forName="Parent4" refType="w" fact="0.3654"/>
+              <dgm:constr type="t" for="ch" forName="Parent4" refType="h" fact="0.2022"/>
+              <dgm:constr type="w" for="ch" forName="Parent4" refType="w" fact="0.0705"/>
+              <dgm:constr type="h" for="ch" forName="Parent4" refType="h" fact="0.3799"/>
+              <dgm:constr type="l" for="ch" forName="Parent3" refType="w" fact="0.2561"/>
+              <dgm:constr type="t" for="ch" forName="Parent3" refType="h" fact="0.2022"/>
+              <dgm:constr type="w" for="ch" forName="Parent3" refType="w" fact="0.0705"/>
+              <dgm:constr type="h" for="ch" forName="Parent3" refType="h" fact="0.3799"/>
+              <dgm:constr type="l" for="ch" forName="Parent2" refType="w" fact="0.1468"/>
+              <dgm:constr type="t" for="ch" forName="Parent2" refType="h" fact="0.2022"/>
+              <dgm:constr type="w" for="ch" forName="Parent2" refType="w" fact="0.0705"/>
+              <dgm:constr type="h" for="ch" forName="Parent2" refType="h" fact="0.3799"/>
+              <dgm:constr type="l" for="ch" forName="Parent1" refType="w" fact="0.0375"/>
+              <dgm:constr type="t" for="ch" forName="Parent1" refType="h" fact="0.2022"/>
+              <dgm:constr type="w" for="ch" forName="Parent1" refType="w" fact="0.0705"/>
+              <dgm:constr type="h" for="ch" forName="Parent1" refType="h" fact="0.3799"/>
+              <dgm:constr type="l" for="ch" forName="Accent9" refType="w" fact="0.8942"/>
+              <dgm:constr type="t" for="ch" forName="Accent9" refType="h" fact="0.1072"/>
+              <dgm:constr type="w" for="ch" forName="Accent9" refType="w" fact="0.1058"/>
+              <dgm:constr type="h" for="ch" forName="Accent9" refType="h" fact="0.5699"/>
+              <dgm:constr type="l" for="ch" forName="ParentBackground9" refType="w" fact="0.8978"/>
+              <dgm:constr type="t" for="ch" forName="ParentBackground9" refType="h" fact="0.1262"/>
+              <dgm:constr type="w" for="ch" forName="ParentBackground9" refType="w" fact="0.0987"/>
+              <dgm:constr type="h" for="ch" forName="ParentBackground9" refType="h" fact="0.5319"/>
+              <dgm:constr type="l" for="ch" forName="Child9" refType="w" fact="0.8978"/>
+              <dgm:constr type="t" for="ch" forName="Child9" refType="h" fact="0.6876"/>
+              <dgm:constr type="w" for="ch" forName="Child9" refType="w" fact="0.0987"/>
+              <dgm:constr type="h" for="ch" forName="Child9" refType="h" fact="0.3124"/>
+              <dgm:constr type="l" for="ch" forName="Accent8" refType="w" fact="0.763"/>
+              <dgm:constr type="t" for="ch" forName="Accent8" refType="h" fact="-0.0109"/>
+              <dgm:constr type="w" for="ch" forName="Accent8" refType="w" fact="0.1496"/>
+              <dgm:constr type="h" for="ch" forName="Accent8" refType="h" fact="0.806"/>
+              <dgm:constr type="l" for="ch" forName="ParentBackground8" refType="w" fact="0.7885"/>
+              <dgm:constr type="t" for="ch" forName="ParentBackground8" refType="h" fact="0.1262"/>
+              <dgm:constr type="w" for="ch" forName="ParentBackground8" refType="w" fact="0.0987"/>
+              <dgm:constr type="h" for="ch" forName="ParentBackground8" refType="h" fact="0.5319"/>
+              <dgm:constr type="l" for="ch" forName="Child8" refType="w" fact="0.7885"/>
+              <dgm:constr type="t" for="ch" forName="Child8" refType="h" fact="0.6876"/>
+              <dgm:constr type="w" for="ch" forName="Child8" refType="w" fact="0.0987"/>
+              <dgm:constr type="h" for="ch" forName="Child8" refType="h" fact="0.3124"/>
+              <dgm:constr type="l" for="ch" forName="Accent7" refType="w" fact="0.6538"/>
+              <dgm:constr type="t" for="ch" forName="Accent7" refType="h" fact="-0.0109"/>
+              <dgm:constr type="w" for="ch" forName="Accent7" refType="w" fact="0.1496"/>
+              <dgm:constr type="h" for="ch" forName="Accent7" refType="h" fact="0.806"/>
+              <dgm:constr type="l" for="ch" forName="ParentBackground7" refType="w" fact="0.6792"/>
+              <dgm:constr type="t" for="ch" forName="ParentBackground7" refType="h" fact="0.1262"/>
+              <dgm:constr type="w" for="ch" forName="ParentBackground7" refType="w" fact="0.0987"/>
+              <dgm:constr type="h" for="ch" forName="ParentBackground7" refType="h" fact="0.5319"/>
+              <dgm:constr type="l" for="ch" forName="Child7" refType="w" fact="0.6792"/>
+              <dgm:constr type="t" for="ch" forName="Child7" refType="h" fact="0.6876"/>
+              <dgm:constr type="w" for="ch" forName="Child7" refType="w" fact="0.0987"/>
+              <dgm:constr type="h" for="ch" forName="Child7" refType="h" fact="0.3124"/>
+              <dgm:constr type="l" for="ch" forName="Accent6" refType="w" fact="0.5445"/>
+              <dgm:constr type="t" for="ch" forName="Accent6" refType="h" fact="-0.0109"/>
+              <dgm:constr type="w" for="ch" forName="Accent6" refType="w" fact="0.1496"/>
+              <dgm:constr type="h" for="ch" forName="Accent6" refType="h" fact="0.806"/>
+              <dgm:constr type="l" for="ch" forName="ParentBackground6" refType="w" fact="0.5699"/>
+              <dgm:constr type="t" for="ch" forName="ParentBackground6" refType="h" fact="0.1262"/>
+              <dgm:constr type="w" for="ch" forName="ParentBackground6" refType="w" fact="0.0987"/>
+              <dgm:constr type="h" for="ch" forName="ParentBackground6" refType="h" fact="0.5319"/>
+              <dgm:constr type="l" for="ch" forName="Child6" refType="w" fact="0.5699"/>
+              <dgm:constr type="t" for="ch" forName="Child6" refType="h" fact="0.6876"/>
+              <dgm:constr type="w" for="ch" forName="Child6" refType="w" fact="0.0987"/>
+              <dgm:constr type="h" for="ch" forName="Child6" refType="h" fact="0.3124"/>
+              <dgm:constr type="l" for="ch" forName="Accent5" refType="w" fact="0.4352"/>
+              <dgm:constr type="t" for="ch" forName="Accent5" refType="h" fact="-0.0109"/>
+              <dgm:constr type="w" for="ch" forName="Accent5" refType="w" fact="0.1496"/>
+              <dgm:constr type="h" for="ch" forName="Accent5" refType="h" fact="0.806"/>
+              <dgm:constr type="l" for="ch" forName="ParentBackground5" refType="w" fact="0.4606"/>
+              <dgm:constr type="t" for="ch" forName="ParentBackground5" refType="h" fact="0.1262"/>
+              <dgm:constr type="w" for="ch" forName="ParentBackground5" refType="w" fact="0.0987"/>
+              <dgm:constr type="h" for="ch" forName="ParentBackground5" refType="h" fact="0.5319"/>
+              <dgm:constr type="l" for="ch" forName="Child5" refType="w" fact="0.4606"/>
+              <dgm:constr type="t" for="ch" forName="Child5" refType="h" fact="0.6876"/>
+              <dgm:constr type="w" for="ch" forName="Child5" refType="w" fact="0.0987"/>
+              <dgm:constr type="h" for="ch" forName="Child5" refType="h" fact="0.3124"/>
+              <dgm:constr type="l" for="ch" forName="Accent4" refType="w" fact="0.3259"/>
+              <dgm:constr type="t" for="ch" forName="Accent4" refType="h" fact="-0.0109"/>
+              <dgm:constr type="w" for="ch" forName="Accent4" refType="w" fact="0.1496"/>
+              <dgm:constr type="h" for="ch" forName="Accent4" refType="h" fact="0.806"/>
+              <dgm:constr type="l" for="ch" forName="ParentBackground4" refType="w" fact="0.3513"/>
+              <dgm:constr type="t" for="ch" forName="ParentBackground4" refType="h" fact="0.1262"/>
+              <dgm:constr type="w" for="ch" forName="ParentBackground4" refType="w" fact="0.0987"/>
+              <dgm:constr type="h" for="ch" forName="ParentBackground4" refType="h" fact="0.5319"/>
+              <dgm:constr type="l" for="ch" forName="Child4" refType="w" fact="0.3513"/>
+              <dgm:constr type="t" for="ch" forName="Child4" refType="h" fact="0.6876"/>
+              <dgm:constr type="w" for="ch" forName="Child4" refType="w" fact="0.0987"/>
+              <dgm:constr type="h" for="ch" forName="Child4" refType="h" fact="0.3124"/>
+              <dgm:constr type="l" for="ch" forName="Accent3" refType="w" fact="0.2166"/>
+              <dgm:constr type="t" for="ch" forName="Accent3" refType="h" fact="-0.0109"/>
+              <dgm:constr type="w" for="ch" forName="Accent3" refType="w" fact="0.1496"/>
+              <dgm:constr type="h" for="ch" forName="Accent3" refType="h" fact="0.806"/>
+              <dgm:constr type="l" for="ch" forName="ParentBackground3" refType="w" fact="0.242"/>
+              <dgm:constr type="t" for="ch" forName="ParentBackground3" refType="h" fact="0.1262"/>
+              <dgm:constr type="w" for="ch" forName="ParentBackground3" refType="w" fact="0.0987"/>
+              <dgm:constr type="h" for="ch" forName="ParentBackground3" refType="h" fact="0.5319"/>
+              <dgm:constr type="l" for="ch" forName="Child3" refType="w" fact="0.242"/>
+              <dgm:constr type="t" for="ch" forName="Child3" refType="h" fact="0.6876"/>
+              <dgm:constr type="w" for="ch" forName="Child3" refType="w" fact="0.0987"/>
+              <dgm:constr type="h" for="ch" forName="Child3" refType="h" fact="0.3124"/>
+              <dgm:constr type="l" for="ch" forName="Accent2" refType="w" fact="0.1073"/>
+              <dgm:constr type="t" for="ch" forName="Accent2" refType="h" fact="-0.0109"/>
+              <dgm:constr type="w" for="ch" forName="Accent2" refType="w" fact="0.1496"/>
+              <dgm:constr type="h" for="ch" forName="Accent2" refType="h" fact="0.806"/>
+              <dgm:constr type="l" for="ch" forName="ParentBackground2" refType="w" fact="0.1327"/>
+              <dgm:constr type="t" for="ch" forName="ParentBackground2" refType="h" fact="0.1262"/>
+              <dgm:constr type="w" for="ch" forName="ParentBackground2" refType="w" fact="0.0987"/>
+              <dgm:constr type="h" for="ch" forName="ParentBackground2" refType="h" fact="0.5319"/>
+              <dgm:constr type="l" for="ch" forName="Child2" refType="w" fact="0.1327"/>
+              <dgm:constr type="t" for="ch" forName="Child2" refType="h" fact="0.6876"/>
+              <dgm:constr type="w" for="ch" forName="Child2" refType="w" fact="0.0987"/>
+              <dgm:constr type="h" for="ch" forName="Child2" refType="h" fact="0.3124"/>
+              <dgm:constr type="l" for="ch" forName="Accent1" refType="w" fact="-0.002"/>
+              <dgm:constr type="t" for="ch" forName="Accent1" refType="h" fact="-0.0109"/>
+              <dgm:constr type="w" for="ch" forName="Accent1" refType="w" fact="0.1496"/>
+              <dgm:constr type="h" for="ch" forName="Accent1" refType="h" fact="0.806"/>
+              <dgm:constr type="l" for="ch" forName="ParentBackground1" refType="w" fact="0.0234"/>
+              <dgm:constr type="t" for="ch" forName="ParentBackground1" refType="h" fact="0.1262"/>
+              <dgm:constr type="w" for="ch" forName="ParentBackground1" refType="w" fact="0.0987"/>
+              <dgm:constr type="h" for="ch" forName="ParentBackground1" refType="h" fact="0.5319"/>
+              <dgm:constr type="l" for="ch" forName="Child1" refType="w" fact="0.0234"/>
+              <dgm:constr type="t" for="ch" forName="Child1" refType="h" fact="0.6876"/>
+              <dgm:constr type="w" for="ch" forName="Child1" refType="w" fact="0.0987"/>
+              <dgm:constr type="h" for="ch" forName="Child1" refType="h" fact="0.3124"/>
+            </dgm:constrLst>
+          </dgm:if>
+          <dgm:if name="Name13" axis="ch" ptType="node" func="cnt" op="equ" val="10">
+            <dgm:alg type="composite">
+              <dgm:param type="ar" val="5.9769"/>
+            </dgm:alg>
+            <dgm:constrLst>
+              <dgm:constr type="primFontSz" for="des" forName="Child1" val="65"/>
+              <dgm:constr type="primFontSz" for="des" forName="Parent1" val="65"/>
+              <dgm:constr type="primFontSz" for="des" forName="Child1" refType="primFontSz" refFor="des" refForName="Parent1" op="lte"/>
+              <dgm:constr type="primFontSz" for="des" forName="Child2" refType="primFontSz" refFor="des" refForName="Parent1" op="lte"/>
+              <dgm:constr type="primFontSz" for="des" forName="Child3" refType="primFontSz" refFor="des" refForName="Parent1" op="lte"/>
+              <dgm:constr type="primFontSz" for="des" forName="Child4" refType="primFontSz" refFor="des" refForName="Parent1" op="lte"/>
+              <dgm:constr type="primFontSz" for="des" forName="Child5" refType="primFontSz" refFor="des" refForName="Parent1" op="lte"/>
+              <dgm:constr type="primFontSz" for="des" forName="Child6" refType="primFontSz" refFor="des" refForName="Parent1" op="lte"/>
+              <dgm:constr type="primFontSz" for="des" forName="Child7" refType="primFontSz" refFor="des" refForName="Parent1" op="lte"/>
+              <dgm:constr type="primFontSz" for="des" forName="Child8" refType="primFontSz" refFor="des" refForName="Parent1" op="lte"/>
+              <dgm:constr type="primFontSz" for="des" forName="Child9" refType="primFontSz" refFor="des" refForName="Parent1" op="lte"/>
+              <dgm:constr type="primFontSz" for="des" forName="Child10" refType="primFontSz" refFor="des" refForName="Parent1" op="lte"/>
+              <dgm:constr type="primFontSz" for="des" forName="Child1" refType="primFontSz" refFor="des" refForName="Parent2" op="lte"/>
+              <dgm:constr type="primFontSz" for="des" forName="Child2" refType="primFontSz" refFor="des" refForName="Parent2" op="lte"/>
+              <dgm:constr type="primFontSz" for="des" forName="Child3" refType="primFontSz" refFor="des" refForName="Parent2" op="lte"/>
+              <dgm:constr type="primFontSz" for="des" forName="Child4" refType="primFontSz" refFor="des" refForName="Parent2" op="lte"/>
+              <dgm:constr type="primFontSz" for="des" forName="Child5" refType="primFontSz" refFor="des" refForName="Parent2" op="lte"/>
+              <dgm:constr type="primFontSz" for="des" forName="Child6" refType="primFontSz" refFor="des" refForName="Parent2" op="lte"/>
+              <dgm:constr type="primFontSz" for="des" forName="Child7" refType="primFontSz" refFor="des" refForName="Parent2" op="lte"/>
+              <dgm:constr type="primFontSz" for="des" forName="Child8" refType="primFontSz" refFor="des" refForName="Parent2" op="lte"/>
+              <dgm:constr type="primFontSz" for="des" forName="Child9" refType="primFontSz" refFor="des" refForName="Parent2" op="lte"/>
+              <dgm:constr type="primFontSz" for="des" forName="Child10" refType="primFontSz" refFor="des" refForName="Parent2" op="lte"/>
+              <dgm:constr type="primFontSz" for="des" forName="Child1" refType="primFontSz" refFor="des" refForName="Parent3" op="lte"/>
+              <dgm:constr type="primFontSz" for="des" forName="Child2" refType="primFontSz" refFor="des" refForName="Parent3" op="lte"/>
+              <dgm:constr type="primFontSz" for="des" forName="Child3" refType="primFontSz" refFor="des" refForName="Parent3" op="lte"/>
+              <dgm:constr type="primFontSz" for="des" forName="Child4" refType="primFontSz" refFor="des" refForName="Parent3" op="lte"/>
+              <dgm:constr type="primFontSz" for="des" forName="Child5" refType="primFontSz" refFor="des" refForName="Parent3" op="lte"/>
+              <dgm:constr type="primFontSz" for="des" forName="Child6" refType="primFontSz" refFor="des" refForName="Parent3" op="lte"/>
+              <dgm:constr type="primFontSz" for="des" forName="Child7" refType="primFontSz" refFor="des" refForName="Parent3" op="lte"/>
+              <dgm:constr type="primFontSz" for="des" forName="Child8" refType="primFontSz" refFor="des" refForName="Parent3" op="lte"/>
+              <dgm:constr type="primFontSz" for="des" forName="Child9" refType="primFontSz" refFor="des" refForName="Parent3" op="lte"/>
+              <dgm:constr type="primFontSz" for="des" forName="Child10" refType="primFontSz" refFor="des" refForName="Parent3" op="lte"/>
+              <dgm:constr type="primFontSz" for="des" forName="Child1" refType="primFontSz" refFor="des" refForName="Parent4" op="lte"/>
+              <dgm:constr type="primFontSz" for="des" forName="Child2" refType="primFontSz" refFor="des" refForName="Parent4" op="lte"/>
+              <dgm:constr type="primFontSz" for="des" forName="Child3" refType="primFontSz" refFor="des" refForName="Parent4" op="lte"/>
+              <dgm:constr type="primFontSz" for="des" forName="Child4" refType="primFontSz" refFor="des" refForName="Parent4" op="lte"/>
+              <dgm:constr type="primFontSz" for="des" forName="Child5" refType="primFontSz" refFor="des" refForName="Parent4" op="lte"/>
+              <dgm:constr type="primFontSz" for="des" forName="Child6" refType="primFontSz" refFor="des" refForName="Parent4" op="lte"/>
+              <dgm:constr type="primFontSz" for="des" forName="Child7" refType="primFontSz" refFor="des" refForName="Parent4" op="lte"/>
+              <dgm:constr type="primFontSz" for="des" forName="Child8" refType="primFontSz" refFor="des" refForName="Parent4" op="lte"/>
+              <dgm:constr type="primFontSz" for="des" forName="Child9" refType="primFontSz" refFor="des" refForName="Parent4" op="lte"/>
+              <dgm:constr type="primFontSz" for="des" forName="Child10" refType="primFontSz" refFor="des" refForName="Parent4" op="lte"/>
+              <dgm:constr type="primFontSz" for="des" forName="Child1" refType="primFontSz" refFor="des" refForName="Parent5" op="lte"/>
+              <dgm:constr type="primFontSz" for="des" forName="Child2" refType="primFontSz" refFor="des" refForName="Parent5" op="lte"/>
+              <dgm:constr type="primFontSz" for="des" forName="Child3" refType="primFontSz" refFor="des" refForName="Parent5" op="lte"/>
+              <dgm:constr type="primFontSz" for="des" forName="Child4" refType="primFontSz" refFor="des" refForName="Parent5" op="lte"/>
+              <dgm:constr type="primFontSz" for="des" forName="Child5" refType="primFontSz" refFor="des" refForName="Parent5" op="lte"/>
+              <dgm:constr type="primFontSz" for="des" forName="Child6" refType="primFontSz" refFor="des" refForName="Parent5" op="lte"/>
+              <dgm:constr type="primFontSz" for="des" forName="Child7" refType="primFontSz" refFor="des" refForName="Parent5" op="lte"/>
+              <dgm:constr type="primFontSz" for="des" forName="Child8" refType="primFontSz" refFor="des" refForName="Parent5" op="lte"/>
+              <dgm:constr type="primFontSz" for="des" forName="Child9" refType="primFontSz" refFor="des" refForName="Parent5" op="lte"/>
+              <dgm:constr type="primFontSz" for="des" forName="Child10" refType="primFontSz" refFor="des" refForName="Parent5" op="lte"/>
+              <dgm:constr type="primFontSz" for="des" forName="Child1" refType="primFontSz" refFor="des" refForName="Parent6" op="lte"/>
+              <dgm:constr type="primFontSz" for="des" forName="Child2" refType="primFontSz" refFor="des" refForName="Parent6" op="lte"/>
+              <dgm:constr type="primFontSz" for="des" forName="Child3" refType="primFontSz" refFor="des" refForName="Parent6" op="lte"/>
+              <dgm:constr type="primFontSz" for="des" forName="Child4" refType="primFontSz" refFor="des" refForName="Parent6" op="lte"/>
+              <dgm:constr type="primFontSz" for="des" forName="Child5" refType="primFontSz" refFor="des" refForName="Parent6" op="lte"/>
+              <dgm:constr type="primFontSz" for="des" forName="Child6" refType="primFontSz" refFor="des" refForName="Parent6" op="lte"/>
+              <dgm:constr type="primFontSz" for="des" forName="Child7" refType="primFontSz" refFor="des" refForName="Parent6" op="lte"/>
+              <dgm:constr type="primFontSz" for="des" forName="Child8" refType="primFontSz" refFor="des" refForName="Parent6" op="lte"/>
+              <dgm:constr type="primFontSz" for="des" forName="Child9" refType="primFontSz" refFor="des" refForName="Parent6" op="lte"/>
+              <dgm:constr type="primFontSz" for="des" forName="Child10" refType="primFontSz" refFor="des" refForName="Parent7" op="lte"/>
+              <dgm:constr type="primFontSz" for="des" forName="Child1" refType="primFontSz" refFor="des" refForName="Parent7" op="lte"/>
+              <dgm:constr type="primFontSz" for="des" forName="Child2" refType="primFontSz" refFor="des" refForName="Parent7" op="lte"/>
+              <dgm:constr type="primFontSz" for="des" forName="Child3" refType="primFontSz" refFor="des" refForName="Parent7" op="lte"/>
+              <dgm:constr type="primFontSz" for="des" forName="Child4" refType="primFontSz" refFor="des" refForName="Parent7" op="lte"/>
+              <dgm:constr type="primFontSz" for="des" forName="Child5" refType="primFontSz" refFor="des" refForName="Parent7" op="lte"/>
+              <dgm:constr type="primFontSz" for="des" forName="Child6" refType="primFontSz" refFor="des" refForName="Parent7" op="lte"/>
+              <dgm:constr type="primFontSz" for="des" forName="Child7" refType="primFontSz" refFor="des" refForName="Parent7" op="lte"/>
+              <dgm:constr type="primFontSz" for="des" forName="Child8" refType="primFontSz" refFor="des" refForName="Parent7" op="lte"/>
+              <dgm:constr type="primFontSz" for="des" forName="Child9" refType="primFontSz" refFor="des" refForName="Parent7" op="lte"/>
+              <dgm:constr type="primFontSz" for="des" forName="Child10" refType="primFontSz" refFor="des" refForName="Parent7" op="lte"/>
+              <dgm:constr type="primFontSz" for="des" forName="Child1" refType="primFontSz" refFor="des" refForName="Parent8" op="lte"/>
+              <dgm:constr type="primFontSz" for="des" forName="Child2" refType="primFontSz" refFor="des" refForName="Parent8" op="lte"/>
+              <dgm:constr type="primFontSz" for="des" forName="Child3" refType="primFontSz" refFor="des" refForName="Parent8" op="lte"/>
+              <dgm:constr type="primFontSz" for="des" forName="Child4" refType="primFontSz" refFor="des" refForName="Parent8" op="lte"/>
+              <dgm:constr type="primFontSz" for="des" forName="Child5" refType="primFontSz" refFor="des" refForName="Parent8" op="lte"/>
+              <dgm:constr type="primFontSz" for="des" forName="Child6" refType="primFontSz" refFor="des" refForName="Parent8" op="lte"/>
+              <dgm:constr type="primFontSz" for="des" forName="Child7" refType="primFontSz" refFor="des" refForName="Parent8" op="lte"/>
+              <dgm:constr type="primFontSz" for="des" forName="Child8" refType="primFontSz" refFor="des" refForName="Parent8" op="lte"/>
+              <dgm:constr type="primFontSz" for="des" forName="Child9" refType="primFontSz" refFor="des" refForName="Parent8" op="lte"/>
+              <dgm:constr type="primFontSz" for="des" forName="Child10" refType="primFontSz" refFor="des" refForName="Parent8" op="lte"/>
+              <dgm:constr type="primFontSz" for="des" forName="Child1" refType="primFontSz" refFor="des" refForName="Parent9" op="lte"/>
+              <dgm:constr type="primFontSz" for="des" forName="Child2" refType="primFontSz" refFor="des" refForName="Parent9" op="lte"/>
+              <dgm:constr type="primFontSz" for="des" forName="Child3" refType="primFontSz" refFor="des" refForName="Parent9" op="lte"/>
+              <dgm:constr type="primFontSz" for="des" forName="Child4" refType="primFontSz" refFor="des" refForName="Parent9" op="lte"/>
+              <dgm:constr type="primFontSz" for="des" forName="Child5" refType="primFontSz" refFor="des" refForName="Parent9" op="lte"/>
+              <dgm:constr type="primFontSz" for="des" forName="Child6" refType="primFontSz" refFor="des" refForName="Parent9" op="lte"/>
+              <dgm:constr type="primFontSz" for="des" forName="Child7" refType="primFontSz" refFor="des" refForName="Parent9" op="lte"/>
+              <dgm:constr type="primFontSz" for="des" forName="Child8" refType="primFontSz" refFor="des" refForName="Parent9" op="lte"/>
+              <dgm:constr type="primFontSz" for="des" forName="Child9" refType="primFontSz" refFor="des" refForName="Parent9" op="lte"/>
+              <dgm:constr type="primFontSz" for="des" forName="Child10" refType="primFontSz" refFor="des" refForName="Parent9" op="lte"/>
+              <dgm:constr type="primFontSz" for="des" forName="Child1" refType="primFontSz" refFor="des" refForName="Parent10" op="lte"/>
+              <dgm:constr type="primFontSz" for="des" forName="Child2" refType="primFontSz" refFor="des" refForName="Parent10" op="lte"/>
+              <dgm:constr type="primFontSz" for="des" forName="Child3" refType="primFontSz" refFor="des" refForName="Parent10" op="lte"/>
+              <dgm:constr type="primFontSz" for="des" forName="Child4" refType="primFontSz" refFor="des" refForName="Parent10" op="lte"/>
+              <dgm:constr type="primFontSz" for="des" forName="Child5" refType="primFontSz" refFor="des" refForName="Parent10" op="lte"/>
+              <dgm:constr type="primFontSz" for="des" forName="Child6" refType="primFontSz" refFor="des" refForName="Parent10" op="lte"/>
+              <dgm:constr type="primFontSz" for="des" forName="Child7" refType="primFontSz" refFor="des" refForName="Parent10" op="lte"/>
+              <dgm:constr type="primFontSz" for="des" forName="Child8" refType="primFontSz" refFor="des" refForName="Parent10" op="lte"/>
+              <dgm:constr type="primFontSz" for="des" forName="Child9" refType="primFontSz" refFor="des" refForName="Parent10" op="lte"/>
+              <dgm:constr type="primFontSz" for="des" forName="Child10" refType="primFontSz" refFor="des" refForName="Parent10" op="lte"/>
+              <dgm:constr type="primFontSz" for="des" forName="Parent2" refType="primFontSz" refFor="des" refForName="Parent1" op="equ"/>
+              <dgm:constr type="primFontSz" for="des" forName="Parent3" refType="primFontSz" refFor="des" refForName="Parent1" op="equ"/>
+              <dgm:constr type="primFontSz" for="des" forName="Parent4" refType="primFontSz" refFor="des" refForName="Parent1" op="equ"/>
+              <dgm:constr type="primFontSz" for="des" forName="Parent5" refType="primFontSz" refFor="des" refForName="Parent1" op="equ"/>
+              <dgm:constr type="primFontSz" for="des" forName="Parent6" refType="primFontSz" refFor="des" refForName="Parent1" op="equ"/>
+              <dgm:constr type="primFontSz" for="des" forName="Parent7" refType="primFontSz" refFor="des" refForName="Parent1" op="equ"/>
+              <dgm:constr type="primFontSz" for="des" forName="Parent8" refType="primFontSz" refFor="des" refForName="Parent1" op="equ"/>
+              <dgm:constr type="primFontSz" for="des" forName="Parent9" refType="primFontSz" refFor="des" refForName="Parent1" op="equ"/>
+              <dgm:constr type="primFontSz" for="des" forName="Parent10" refType="primFontSz" refFor="des" refForName="Parent1" op="equ"/>
+              <dgm:constr type="primFontSz" for="des" forName="Child2" refType="primFontSz" refFor="des" refForName="Child1" op="equ"/>
+              <dgm:constr type="primFontSz" for="des" forName="Child3" refType="primFontSz" refFor="des" refForName="Child1" op="equ"/>
+              <dgm:constr type="primFontSz" for="des" forName="Child4" refType="primFontSz" refFor="des" refForName="Child1" op="equ"/>
+              <dgm:constr type="primFontSz" for="des" forName="Child5" refType="primFontSz" refFor="des" refForName="Child1" op="equ"/>
+              <dgm:constr type="primFontSz" for="des" forName="Child6" refType="primFontSz" refFor="des" refForName="Child1" op="equ"/>
+              <dgm:constr type="primFontSz" for="des" forName="Child7" refType="primFontSz" refFor="des" refForName="Child1" op="equ"/>
+              <dgm:constr type="primFontSz" for="des" forName="Child8" refType="primFontSz" refFor="des" refForName="Child1" op="equ"/>
+              <dgm:constr type="primFontSz" for="des" forName="Child9" refType="primFontSz" refFor="des" refForName="Child1" op="equ"/>
+              <dgm:constr type="primFontSz" for="des" forName="Child10" refType="primFontSz" refFor="des" refForName="Child1" op="equ"/>
+              <dgm:constr type="l" for="ch" forName="Parent10" refType="w" fact="0.9205"/>
+              <dgm:constr type="t" for="ch" forName="Parent10" refType="h" fact="0.2022"/>
+              <dgm:constr type="w" for="ch" forName="Parent10" refType="w" fact="0.0636"/>
+              <dgm:constr type="h" for="ch" forName="Parent10" refType="h" fact="0.3799"/>
+              <dgm:constr type="l" for="ch" forName="Parent9" refType="w" fact="0.822"/>
+              <dgm:constr type="t" for="ch" forName="Parent9" refType="h" fact="0.2022"/>
+              <dgm:constr type="w" for="ch" forName="Parent9" refType="w" fact="0.0636"/>
+              <dgm:constr type="h" for="ch" forName="Parent9" refType="h" fact="0.3799"/>
+              <dgm:constr type="l" for="ch" forName="Parent8" refType="w" fact="0.7235"/>
+              <dgm:constr type="t" for="ch" forName="Parent8" refType="h" fact="0.2022"/>
+              <dgm:constr type="w" for="ch" forName="Parent8" refType="w" fact="0.0636"/>
+              <dgm:constr type="h" for="ch" forName="Parent8" refType="h" fact="0.3799"/>
+              <dgm:constr type="l" for="ch" forName="Parent7" refType="w" fact="0.625"/>
+              <dgm:constr type="t" for="ch" forName="Parent7" refType="h" fact="0.2022"/>
+              <dgm:constr type="w" for="ch" forName="Parent7" refType="w" fact="0.0636"/>
+              <dgm:constr type="h" for="ch" forName="Parent7" refType="h" fact="0.3799"/>
+              <dgm:constr type="l" for="ch" forName="Parent6" refType="w" fact="0.5264"/>
+              <dgm:constr type="t" for="ch" forName="Parent6" refType="h" fact="0.2022"/>
+              <dgm:constr type="w" for="ch" forName="Parent6" refType="w" fact="0.0636"/>
+              <dgm:constr type="h" for="ch" forName="Parent6" refType="h" fact="0.3799"/>
+              <dgm:constr type="l" for="ch" forName="Parent5" refType="w" fact="0.4279"/>
+              <dgm:constr type="t" for="ch" forName="Parent5" refType="h" fact="0.2022"/>
+              <dgm:constr type="w" for="ch" forName="Parent5" refType="w" fact="0.0636"/>
+              <dgm:constr type="h" for="ch" forName="Parent5" refType="h" fact="0.3799"/>
+              <dgm:constr type="l" for="ch" forName="Parent4" refType="w" fact="0.3294"/>
+              <dgm:constr type="t" for="ch" forName="Parent4" refType="h" fact="0.2022"/>
+              <dgm:constr type="w" for="ch" forName="Parent4" refType="w" fact="0.0636"/>
+              <dgm:constr type="h" for="ch" forName="Parent4" refType="h" fact="0.3799"/>
+              <dgm:constr type="l" for="ch" forName="Parent3" refType="w" fact="0.2309"/>
+              <dgm:constr type="t" for="ch" forName="Parent3" refType="h" fact="0.2022"/>
+              <dgm:constr type="w" for="ch" forName="Parent3" refType="w" fact="0.0636"/>
+              <dgm:constr type="h" for="ch" forName="Parent3" refType="h" fact="0.3799"/>
+              <dgm:constr type="l" for="ch" forName="Parent2" refType="w" fact="0.1324"/>
+              <dgm:constr type="t" for="ch" forName="Parent2" refType="h" fact="0.2022"/>
+              <dgm:constr type="w" for="ch" forName="Parent2" refType="w" fact="0.0636"/>
+              <dgm:constr type="h" for="ch" forName="Parent2" refType="h" fact="0.3799"/>
+              <dgm:constr type="l" for="ch" forName="Parent1" refType="w" fact="0.0338"/>
+              <dgm:constr type="t" for="ch" forName="Parent1" refType="h" fact="0.2022"/>
+              <dgm:constr type="w" for="ch" forName="Parent1" refType="w" fact="0.0636"/>
+              <dgm:constr type="h" for="ch" forName="Parent1" refType="h" fact="0.3799"/>
+              <dgm:constr type="l" for="ch" forName="Accent10" refType="w" fact="0.9047"/>
+              <dgm:constr type="t" for="ch" forName="Accent10" refType="h" fact="0.1072"/>
+              <dgm:constr type="w" for="ch" forName="Accent10" refType="w" fact="0.0953"/>
+              <dgm:constr type="h" for="ch" forName="Accent10" refType="h" fact="0.5699"/>
+              <dgm:constr type="l" for="ch" forName="ParentBackground10" refType="w" fact="0.9078"/>
+              <dgm:constr type="t" for="ch" forName="ParentBackground10" refType="h" fact="0.1262"/>
+              <dgm:constr type="w" for="ch" forName="ParentBackground10" refType="w" fact="0.089"/>
+              <dgm:constr type="h" for="ch" forName="ParentBackground10" refType="h" fact="0.5319"/>
+              <dgm:constr type="l" for="ch" forName="Child10" refType="w" fact="0.9078"/>
+              <dgm:constr type="t" for="ch" forName="Child10" refType="h" fact="0.6876"/>
+              <dgm:constr type="w" for="ch" forName="Child10" refType="w" fact="0.089"/>
+              <dgm:constr type="h" for="ch" forName="Child10" refType="h" fact="0.3124"/>
+              <dgm:constr type="l" for="ch" forName="Accent9" refType="w" fact="0.7864"/>
+              <dgm:constr type="t" for="ch" forName="Accent9" refType="h" fact="-0.0109"/>
+              <dgm:constr type="w" for="ch" forName="Accent9" refType="w" fact="0.1348"/>
+              <dgm:constr type="h" for="ch" forName="Accent9" refType="h" fact="0.806"/>
+              <dgm:constr type="l" for="ch" forName="ParentBackground9" refType="w" fact="0.8093"/>
+              <dgm:constr type="t" for="ch" forName="ParentBackground9" refType="h" fact="0.1262"/>
+              <dgm:constr type="w" for="ch" forName="ParentBackground9" refType="w" fact="0.089"/>
+              <dgm:constr type="h" for="ch" forName="ParentBackground9" refType="h" fact="0.5319"/>
+              <dgm:constr type="l" for="ch" forName="Child9" refType="w" fact="0.8093"/>
+              <dgm:constr type="t" for="ch" forName="Child9" refType="h" fact="0.6876"/>
+              <dgm:constr type="w" for="ch" forName="Child9" refType="w" fact="0.089"/>
+              <dgm:constr type="h" for="ch" forName="Child9" refType="h" fact="0.3124"/>
+              <dgm:constr type="l" for="ch" forName="Accent8" refType="w" fact="0.6879"/>
+              <dgm:constr type="t" for="ch" forName="Accent8" refType="h" fact="-0.0109"/>
+              <dgm:constr type="w" for="ch" forName="Accent8" refType="w" fact="0.1348"/>
+              <dgm:constr type="h" for="ch" forName="Accent8" refType="h" fact="0.806"/>
+              <dgm:constr type="l" for="ch" forName="ParentBackground8" refType="w" fact="0.7108"/>
+              <dgm:constr type="t" for="ch" forName="ParentBackground8" refType="h" fact="0.1262"/>
+              <dgm:constr type="w" for="ch" forName="ParentBackground8" refType="w" fact="0.089"/>
+              <dgm:constr type="h" for="ch" forName="ParentBackground8" refType="h" fact="0.5319"/>
+              <dgm:constr type="l" for="ch" forName="Child8" refType="w" fact="0.7108"/>
+              <dgm:constr type="t" for="ch" forName="Child8" refType="h" fact="0.6876"/>
+              <dgm:constr type="w" for="ch" forName="Child8" refType="w" fact="0.089"/>
+              <dgm:constr type="h" for="ch" forName="Child8" refType="h" fact="0.3124"/>
+              <dgm:constr type="l" for="ch" forName="Accent7" refType="w" fact="0.5893"/>
+              <dgm:constr type="t" for="ch" forName="Accent7" refType="h" fact="-0.0109"/>
+              <dgm:constr type="w" for="ch" forName="Accent7" refType="w" fact="0.1348"/>
+              <dgm:constr type="h" for="ch" forName="Accent7" refType="h" fact="0.806"/>
+              <dgm:constr type="l" for="ch" forName="ParentBackground7" refType="w" fact="0.6123"/>
+              <dgm:constr type="t" for="ch" forName="ParentBackground7" refType="h" fact="0.1262"/>
+              <dgm:constr type="w" for="ch" forName="ParentBackground7" refType="w" fact="0.089"/>
+              <dgm:constr type="h" for="ch" forName="ParentBackground7" refType="h" fact="0.5319"/>
+              <dgm:constr type="l" for="ch" forName="Child7" refType="w" fact="0.6123"/>
+              <dgm:constr type="t" for="ch" forName="Child7" refType="h" fact="0.6876"/>
+              <dgm:constr type="w" for="ch" forName="Child7" refType="w" fact="0.089"/>
+              <dgm:constr type="h" for="ch" forName="Child7" refType="h" fact="0.3124"/>
+              <dgm:constr type="l" for="ch" forName="Accent6" refType="w" fact="0.4908"/>
+              <dgm:constr type="t" for="ch" forName="Accent6" refType="h" fact="-0.0109"/>
+              <dgm:constr type="w" for="ch" forName="Accent6" refType="w" fact="0.1348"/>
+              <dgm:constr type="h" for="ch" forName="Accent6" refType="h" fact="0.806"/>
+              <dgm:constr type="l" for="ch" forName="ParentBackground6" refType="w" fact="0.5137"/>
+              <dgm:constr type="t" for="ch" forName="ParentBackground6" refType="h" fact="0.1262"/>
+              <dgm:constr type="w" for="ch" forName="ParentBackground6" refType="w" fact="0.089"/>
+              <dgm:constr type="h" for="ch" forName="ParentBackground6" refType="h" fact="0.5319"/>
+              <dgm:constr type="l" for="ch" forName="Child6" refType="w" fact="0.5137"/>
+              <dgm:constr type="t" for="ch" forName="Child6" refType="h" fact="0.6876"/>
+              <dgm:constr type="w" for="ch" forName="Child6" refType="w" fact="0.089"/>
+              <dgm:constr type="h" for="ch" forName="Child6" refType="h" fact="0.3124"/>
+              <dgm:constr type="l" for="ch" forName="Accent5" refType="w" fact="0.3923"/>
+              <dgm:constr type="t" for="ch" forName="Accent5" refType="h" fact="-0.0109"/>
+              <dgm:constr type="w" for="ch" forName="Accent5" refType="w" fact="0.1348"/>
+              <dgm:constr type="h" for="ch" forName="Accent5" refType="h" fact="0.806"/>
+              <dgm:constr type="l" for="ch" forName="ParentBackground5" refType="w" fact="0.4152"/>
+              <dgm:constr type="t" for="ch" forName="ParentBackground5" refType="h" fact="0.1262"/>
+              <dgm:constr type="w" for="ch" forName="ParentBackground5" refType="w" fact="0.089"/>
+              <dgm:constr type="h" for="ch" forName="ParentBackground5" refType="h" fact="0.5319"/>
+              <dgm:constr type="l" for="ch" forName="Child5" refType="w" fact="0.4152"/>
+              <dgm:constr type="t" for="ch" forName="Child5" refType="h" fact="0.6876"/>
+              <dgm:constr type="w" for="ch" forName="Child5" refType="w" fact="0.089"/>
+              <dgm:constr type="h" for="ch" forName="Child5" refType="h" fact="0.3124"/>
+              <dgm:constr type="l" for="ch" forName="Accent4" refType="w" fact="0.2938"/>
+              <dgm:constr type="t" for="ch" forName="Accent4" refType="h" fact="-0.0109"/>
+              <dgm:constr type="w" for="ch" forName="Accent4" refType="w" fact="0.1348"/>
+              <dgm:constr type="h" for="ch" forName="Accent4" refType="h" fact="0.806"/>
+              <dgm:constr type="l" for="ch" forName="ParentBackground4" refType="w" fact="0.3167"/>
+              <dgm:constr type="t" for="ch" forName="ParentBackground4" refType="h" fact="0.1262"/>
+              <dgm:constr type="w" for="ch" forName="ParentBackground4" refType="w" fact="0.089"/>
+              <dgm:constr type="h" for="ch" forName="ParentBackground4" refType="h" fact="0.5319"/>
+              <dgm:constr type="l" for="ch" forName="Child4" refType="w" fact="0.3167"/>
+              <dgm:constr type="t" for="ch" forName="Child4" refType="h" fact="0.6876"/>
+              <dgm:constr type="w" for="ch" forName="Child4" refType="w" fact="0.089"/>
+              <dgm:constr type="h" for="ch" forName="Child4" refType="h" fact="0.3124"/>
+              <dgm:constr type="l" for="ch" forName="Accent3" refType="w" fact="0.1952"/>
+              <dgm:constr type="t" for="ch" forName="Accent3" refType="h" fact="-0.0109"/>
+              <dgm:constr type="w" for="ch" forName="Accent3" refType="w" fact="0.1348"/>
+              <dgm:constr type="h" for="ch" forName="Accent3" refType="h" fact="0.806"/>
+              <dgm:constr type="l" for="ch" forName="ParentBackground3" refType="w" fact="0.2182"/>
+              <dgm:constr type="t" for="ch" forName="ParentBackground3" refType="h" fact="0.1262"/>
+              <dgm:constr type="w" for="ch" forName="ParentBackground3" refType="w" fact="0.089"/>
+              <dgm:constr type="h" for="ch" forName="ParentBackground3" refType="h" fact="0.5319"/>
+              <dgm:constr type="l" for="ch" forName="Child3" refType="w" fact="0.2182"/>
+              <dgm:constr type="t" for="ch" forName="Child3" refType="h" fact="0.6876"/>
+              <dgm:constr type="w" for="ch" forName="Child3" refType="w" fact="0.089"/>
+              <dgm:constr type="h" for="ch" forName="Child3" refType="h" fact="0.3124"/>
+              <dgm:constr type="l" for="ch" forName="Accent2" refType="w" fact="0.0967"/>
+              <dgm:constr type="t" for="ch" forName="Accent2" refType="h" fact="-0.0109"/>
+              <dgm:constr type="w" for="ch" forName="Accent2" refType="w" fact="0.1348"/>
+              <dgm:constr type="h" for="ch" forName="Accent2" refType="h" fact="0.806"/>
+              <dgm:constr type="l" for="ch" forName="ParentBackground2" refType="w" fact="0.1196"/>
+              <dgm:constr type="t" for="ch" forName="ParentBackground2" refType="h" fact="0.1262"/>
+              <dgm:constr type="w" for="ch" forName="ParentBackground2" refType="w" fact="0.089"/>
+              <dgm:constr type="h" for="ch" forName="ParentBackground2" refType="h" fact="0.5319"/>
+              <dgm:constr type="l" for="ch" forName="Child2" refType="w" fact="0.1196"/>
+              <dgm:constr type="t" for="ch" forName="Child2" refType="h" fact="0.6876"/>
+              <dgm:constr type="w" for="ch" forName="Child2" refType="w" fact="0.089"/>
+              <dgm:constr type="h" for="ch" forName="Child2" refType="h" fact="0.3124"/>
+              <dgm:constr type="l" for="ch" forName="Accent1" refType="w" fact="-0.0018"/>
+              <dgm:constr type="t" for="ch" forName="Accent1" refType="h" fact="-0.0109"/>
+              <dgm:constr type="w" for="ch" forName="Accent1" refType="w" fact="0.1348"/>
+              <dgm:constr type="h" for="ch" forName="Accent1" refType="h" fact="0.806"/>
+              <dgm:constr type="l" for="ch" forName="ParentBackground1" refType="w" fact="0.0211"/>
+              <dgm:constr type="t" for="ch" forName="ParentBackground1" refType="h" fact="0.1262"/>
+              <dgm:constr type="w" for="ch" forName="ParentBackground1" refType="w" fact="0.089"/>
+              <dgm:constr type="h" for="ch" forName="ParentBackground1" refType="h" fact="0.5319"/>
+              <dgm:constr type="l" for="ch" forName="Child1" refType="w" fact="0.0211"/>
+              <dgm:constr type="t" for="ch" forName="Child1" refType="h" fact="0.6876"/>
+              <dgm:constr type="w" for="ch" forName="Child1" refType="w" fact="0.089"/>
+              <dgm:constr type="h" for="ch" forName="Child1" refType="h" fact="0.3124"/>
+            </dgm:constrLst>
+          </dgm:if>
+          <dgm:else name="Name14">
+            <dgm:alg type="composite">
+              <dgm:param type="ar" val="6.5658"/>
+            </dgm:alg>
+            <dgm:constrLst>
+              <dgm:constr type="primFontSz" for="des" forName="Child1" val="65"/>
+              <dgm:constr type="primFontSz" for="des" forName="Parent1" val="65"/>
+              <dgm:constr type="primFontSz" for="des" forName="Child1" refType="primFontSz" refFor="des" refForName="Parent1" op="lte"/>
+              <dgm:constr type="primFontSz" for="des" forName="Child2" refType="primFontSz" refFor="des" refForName="Parent1" op="lte"/>
+              <dgm:constr type="primFontSz" for="des" forName="Child3" refType="primFontSz" refFor="des" refForName="Parent1" op="lte"/>
+              <dgm:constr type="primFontSz" for="des" forName="Child4" refType="primFontSz" refFor="des" refForName="Parent1" op="lte"/>
+              <dgm:constr type="primFontSz" for="des" forName="Child5" refType="primFontSz" refFor="des" refForName="Parent1" op="lte"/>
+              <dgm:constr type="primFontSz" for="des" forName="Child6" refType="primFontSz" refFor="des" refForName="Parent1" op="lte"/>
+              <dgm:constr type="primFontSz" for="des" forName="Child7" refType="primFontSz" refFor="des" refForName="Parent1" op="lte"/>
+              <dgm:constr type="primFontSz" for="des" forName="Child8" refType="primFontSz" refFor="des" refForName="Parent1" op="lte"/>
+              <dgm:constr type="primFontSz" for="des" forName="Child9" refType="primFontSz" refFor="des" refForName="Parent1" op="lte"/>
+              <dgm:constr type="primFontSz" for="des" forName="Child10" refType="primFontSz" refFor="des" refForName="Parent1" op="lte"/>
+              <dgm:constr type="primFontSz" for="des" forName="Child11" refType="primFontSz" refFor="des" refForName="Parent1" op="lte"/>
+              <dgm:constr type="primFontSz" for="des" forName="Child1" refType="primFontSz" refFor="des" refForName="Parent2" op="lte"/>
+              <dgm:constr type="primFontSz" for="des" forName="Child2" refType="primFontSz" refFor="des" refForName="Parent2" op="lte"/>
+              <dgm:constr type="primFontSz" for="des" forName="Child3" refType="primFontSz" refFor="des" refForName="Parent2" op="lte"/>
+              <dgm:constr type="primFontSz" for="des" forName="Child4" refType="primFontSz" refFor="des" refForName="Parent2" op="lte"/>
+              <dgm:constr type="primFontSz" for="des" forName="Child5" refType="primFontSz" refFor="des" refForName="Parent2" op="lte"/>
+              <dgm:constr type="primFontSz" for="des" forName="Child6" refType="primFontSz" refFor="des" refForName="Parent2" op="lte"/>
+              <dgm:constr type="primFontSz" for="des" forName="Child7" refType="primFontSz" refFor="des" refForName="Parent2" op="lte"/>
+              <dgm:constr type="primFontSz" for="des" forName="Child8" refType="primFontSz" refFor="des" refForName="Parent2" op="lte"/>
+              <dgm:constr type="primFontSz" for="des" forName="Child9" refType="primFontSz" refFor="des" refForName="Parent2" op="lte"/>
+              <dgm:constr type="primFontSz" for="des" forName="Child10" refType="primFontSz" refFor="des" refForName="Parent2" op="lte"/>
+              <dgm:constr type="primFontSz" for="des" forName="Child11" refType="primFontSz" refFor="des" refForName="Parent2" op="lte"/>
+              <dgm:constr type="primFontSz" for="des" forName="Child1" refType="primFontSz" refFor="des" refForName="Parent3" op="lte"/>
+              <dgm:constr type="primFontSz" for="des" forName="Child2" refType="primFontSz" refFor="des" refForName="Parent3" op="lte"/>
+              <dgm:constr type="primFontSz" for="des" forName="Child3" refType="primFontSz" refFor="des" refForName="Parent3" op="lte"/>
+              <dgm:constr type="primFontSz" for="des" forName="Child4" refType="primFontSz" refFor="des" refForName="Parent3" op="lte"/>
+              <dgm:constr type="primFontSz" for="des" forName="Child5" refType="primFontSz" refFor="des" refForName="Parent3" op="lte"/>
+              <dgm:constr type="primFontSz" for="des" forName="Child6" refType="primFontSz" refFor="des" refForName="Parent3" op="lte"/>
+              <dgm:constr type="primFontSz" for="des" forName="Child7" refType="primFontSz" refFor="des" refForName="Parent3" op="lte"/>
+              <dgm:constr type="primFontSz" for="des" forName="Child8" refType="primFontSz" refFor="des" refForName="Parent3" op="lte"/>
+              <dgm:constr type="primFontSz" for="des" forName="Child9" refType="primFontSz" refFor="des" refForName="Parent3" op="lte"/>
+              <dgm:constr type="primFontSz" for="des" forName="Child10" refType="primFontSz" refFor="des" refForName="Parent3" op="lte"/>
+              <dgm:constr type="primFontSz" for="des" forName="Child11" refType="primFontSz" refFor="des" refForName="Parent3" op="lte"/>
+              <dgm:constr type="primFontSz" for="des" forName="Child1" refType="primFontSz" refFor="des" refForName="Parent4" op="lte"/>
+              <dgm:constr type="primFontSz" for="des" forName="Child2" refType="primFontSz" refFor="des" refForName="Parent4" op="lte"/>
+              <dgm:constr type="primFontSz" for="des" forName="Child3" refType="primFontSz" refFor="des" refForName="Parent4" op="lte"/>
+              <dgm:constr type="primFontSz" for="des" forName="Child4" refType="primFontSz" refFor="des" refForName="Parent4" op="lte"/>
+              <dgm:constr type="primFontSz" for="des" forName="Child5" refType="primFontSz" refFor="des" refForName="Parent4" op="lte"/>
+              <dgm:constr type="primFontSz" for="des" forName="Child6" refType="primFontSz" refFor="des" refForName="Parent4" op="lte"/>
+              <dgm:constr type="primFontSz" for="des" forName="Child7" refType="primFontSz" refFor="des" refForName="Parent4" op="lte"/>
+              <dgm:constr type="primFontSz" for="des" forName="Child8" refType="primFontSz" refFor="des" refForName="Parent4" op="lte"/>
+              <dgm:constr type="primFontSz" for="des" forName="Child9" refType="primFontSz" refFor="des" refForName="Parent4" op="lte"/>
+              <dgm:constr type="primFontSz" for="des" forName="Child10" refType="primFontSz" refFor="des" refForName="Parent4" op="lte"/>
+              <dgm:constr type="primFontSz" for="des" forName="Child11" refType="primFontSz" refFor="des" refForName="Parent4" op="lte"/>
+              <dgm:constr type="primFontSz" for="des" forName="Child1" refType="primFontSz" refFor="des" refForName="Parent5" op="lte"/>
+              <dgm:constr type="primFontSz" for="des" forName="Child2" refType="primFontSz" refFor="des" refForName="Parent5" op="lte"/>
+              <dgm:constr type="primFontSz" for="des" forName="Child3" refType="primFontSz" refFor="des" refForName="Parent5" op="lte"/>
+              <dgm:constr type="primFontSz" for="des" forName="Child4" refType="primFontSz" refFor="des" refForName="Parent5" op="lte"/>
+              <dgm:constr type="primFontSz" for="des" forName="Child5" refType="primFontSz" refFor="des" refForName="Parent5" op="lte"/>
+              <dgm:constr type="primFontSz" for="des" forName="Child6" refType="primFontSz" refFor="des" refForName="Parent5" op="lte"/>
+              <dgm:constr type="primFontSz" for="des" forName="Child7" refType="primFontSz" refFor="des" refForName="Parent5" op="lte"/>
+              <dgm:constr type="primFontSz" for="des" forName="Child8" refType="primFontSz" refFor="des" refForName="Parent5" op="lte"/>
+              <dgm:constr type="primFontSz" for="des" forName="Child9" refType="primFontSz" refFor="des" refForName="Parent5" op="lte"/>
+              <dgm:constr type="primFontSz" for="des" forName="Child10" refType="primFontSz" refFor="des" refForName="Parent5" op="lte"/>
+              <dgm:constr type="primFontSz" for="des" forName="Child11" refType="primFontSz" refFor="des" refForName="Parent5" op="lte"/>
+              <dgm:constr type="primFontSz" for="des" forName="Child1" refType="primFontSz" refFor="des" refForName="Parent6" op="lte"/>
+              <dgm:constr type="primFontSz" for="des" forName="Child2" refType="primFontSz" refFor="des" refForName="Parent6" op="lte"/>
+              <dgm:constr type="primFontSz" for="des" forName="Child3" refType="primFontSz" refFor="des" refForName="Parent6" op="lte"/>
+              <dgm:constr type="primFontSz" for="des" forName="Child4" refType="primFontSz" refFor="des" refForName="Parent6" op="lte"/>
+              <dgm:constr type="primFontSz" for="des" forName="Child5" refType="primFontSz" refFor="des" refForName="Parent6" op="lte"/>
+              <dgm:constr type="primFontSz" for="des" forName="Child6" refType="primFontSz" refFor="des" refForName="Parent6" op="lte"/>
+              <dgm:constr type="primFontSz" for="des" forName="Child7" refType="primFontSz" refFor="des" refForName="Parent6" op="lte"/>
+              <dgm:constr type="primFontSz" for="des" forName="Child8" refType="primFontSz" refFor="des" refForName="Parent6" op="lte"/>
+              <dgm:constr type="primFontSz" for="des" forName="Child9" refType="primFontSz" refFor="des" refForName="Parent6" op="lte"/>
+              <dgm:constr type="primFontSz" for="des" forName="Child10" refType="primFontSz" refFor="des" refForName="Parent6" op="lte"/>
+              <dgm:constr type="primFontSz" for="des" forName="Child11" refType="primFontSz" refFor="des" refForName="Parent6" op="lte"/>
+              <dgm:constr type="primFontSz" for="des" forName="Child1" refType="primFontSz" refFor="des" refForName="Parent7" op="lte"/>
+              <dgm:constr type="primFontSz" for="des" forName="Child2" refType="primFontSz" refFor="des" refForName="Parent7" op="lte"/>
+              <dgm:constr type="primFontSz" for="des" forName="Child3" refType="primFontSz" refFor="des" refForName="Parent7" op="lte"/>
+              <dgm:constr type="primFontSz" for="des" forName="Child4" refType="primFontSz" refFor="des" refForName="Parent7" op="lte"/>
+              <dgm:constr type="primFontSz" for="des" forName="Child5" refType="primFontSz" refFor="des" refForName="Parent7" op="lte"/>
+              <dgm:constr type="primFontSz" for="des" forName="Child6" refType="primFontSz" refFor="des" refForName="Parent7" op="lte"/>
+              <dgm:constr type="primFontSz" for="des" forName="Child7" refType="primFontSz" refFor="des" refForName="Parent7" op="lte"/>
+              <dgm:constr type="primFontSz" for="des" forName="Child8" refType="primFontSz" refFor="des" refForName="Parent7" op="lte"/>
+              <dgm:constr type="primFontSz" for="des" forName="Child9" refType="primFontSz" refFor="des" refForName="Parent7" op="lte"/>
+              <dgm:constr type="primFontSz" for="des" forName="Child10" refType="primFontSz" refFor="des" refForName="Parent7" op="lte"/>
+              <dgm:constr type="primFontSz" for="des" forName="Child11" refType="primFontSz" refFor="des" refForName="Parent7" op="lte"/>
+              <dgm:constr type="primFontSz" for="des" forName="Child1" refType="primFontSz" refFor="des" refForName="Parent8" op="lte"/>
+              <dgm:constr type="primFontSz" for="des" forName="Child2" refType="primFontSz" refFor="des" refForName="Parent8" op="lte"/>
+              <dgm:constr type="primFontSz" for="des" forName="Child3" refType="primFontSz" refFor="des" refForName="Parent8" op="lte"/>
+              <dgm:constr type="primFontSz" for="des" forName="Child4" refType="primFontSz" refFor="des" refForName="Parent8" op="lte"/>
+              <dgm:constr type="primFontSz" for="des" forName="Child5" refType="primFontSz" refFor="des" refForName="Parent8" op="lte"/>
+              <dgm:constr type="primFontSz" for="des" forName="Child6" refType="primFontSz" refFor="des" refForName="Parent8" op="lte"/>
+              <dgm:constr type="primFontSz" for="des" forName="Child7" refType="primFontSz" refFor="des" refForName="Parent8" op="lte"/>
+              <dgm:constr type="primFontSz" for="des" forName="Child8" refType="primFontSz" refFor="des" refForName="Parent8" op="lte"/>
+              <dgm:constr type="primFontSz" for="des" forName="Child9" refType="primFontSz" refFor="des" refForName="Parent8" op="lte"/>
+              <dgm:constr type="primFontSz" for="des" forName="Child10" refType="primFontSz" refFor="des" refForName="Parent8" op="lte"/>
+              <dgm:constr type="primFontSz" for="des" forName="Child11" refType="primFontSz" refFor="des" refForName="Parent8" op="lte"/>
+              <dgm:constr type="primFontSz" for="des" forName="Child1" refType="primFontSz" refFor="des" refForName="Parent9" op="lte"/>
+              <dgm:constr type="primFontSz" for="des" forName="Child2" refType="primFontSz" refFor="des" refForName="Parent9" op="lte"/>
+              <dgm:constr type="primFontSz" for="des" forName="Child3" refType="primFontSz" refFor="des" refForName="Parent9" op="lte"/>
+              <dgm:constr type="primFontSz" for="des" forName="Child4" refType="primFontSz" refFor="des" refForName="Parent9" op="lte"/>
+              <dgm:constr type="primFontSz" for="des" forName="Child5" refType="primFontSz" refFor="des" refForName="Parent9" op="lte"/>
+              <dgm:constr type="primFontSz" for="des" forName="Child6" refType="primFontSz" refFor="des" refForName="Parent9" op="lte"/>
+              <dgm:constr type="primFontSz" for="des" forName="Child7" refType="primFontSz" refFor="des" refForName="Parent9" op="lte"/>
+              <dgm:constr type="primFontSz" for="des" forName="Child8" refType="primFontSz" refFor="des" refForName="Parent9" op="lte"/>
+              <dgm:constr type="primFontSz" for="des" forName="Child9" refType="primFontSz" refFor="des" refForName="Parent9" op="lte"/>
+              <dgm:constr type="primFontSz" for="des" forName="Child10" refType="primFontSz" refFor="des" refForName="Parent9" op="lte"/>
+              <dgm:constr type="primFontSz" for="des" forName="Child11" refType="primFontSz" refFor="des" refForName="Parent9" op="lte"/>
+              <dgm:constr type="primFontSz" for="des" forName="Child1" refType="primFontSz" refFor="des" refForName="Parent10" op="lte"/>
+              <dgm:constr type="primFontSz" for="des" forName="Child2" refType="primFontSz" refFor="des" refForName="Parent10" op="lte"/>
+              <dgm:constr type="primFontSz" for="des" forName="Child3" refType="primFontSz" refFor="des" refForName="Parent10" op="lte"/>
+              <dgm:constr type="primFontSz" for="des" forName="Child4" refType="primFontSz" refFor="des" refForName="Parent10" op="lte"/>
+              <dgm:constr type="primFontSz" for="des" forName="Child5" refType="primFontSz" refFor="des" refForName="Parent10" op="lte"/>
+              <dgm:constr type="primFontSz" for="des" forName="Child6" refType="primFontSz" refFor="des" refForName="Parent10" op="lte"/>
+              <dgm:constr type="primFontSz" for="des" forName="Child7" refType="primFontSz" refFor="des" refForName="Parent10" op="lte"/>
+              <dgm:constr type="primFontSz" for="des" forName="Child8" refType="primFontSz" refFor="des" refForName="Parent10" op="lte"/>
+              <dgm:constr type="primFontSz" for="des" forName="Child9" refType="primFontSz" refFor="des" refForName="Parent10" op="lte"/>
+              <dgm:constr type="primFontSz" for="des" forName="Child10" refType="primFontSz" refFor="des" refForName="Parent10" op="lte"/>
+              <dgm:constr type="primFontSz" for="des" forName="Child11" refType="primFontSz" refFor="des" refForName="Parent10" op="lte"/>
+              <dgm:constr type="primFontSz" for="des" forName="Child1" refType="primFontSz" refFor="des" refForName="Parent11" op="lte"/>
+              <dgm:constr type="primFontSz" for="des" forName="Child2" refType="primFontSz" refFor="des" refForName="Parent11" op="lte"/>
+              <dgm:constr type="primFontSz" for="des" forName="Child3" refType="primFontSz" refFor="des" refForName="Parent11" op="lte"/>
+              <dgm:constr type="primFontSz" for="des" forName="Child4" refType="primFontSz" refFor="des" refForName="Parent11" op="lte"/>
+              <dgm:constr type="primFontSz" for="des" forName="Child5" refType="primFontSz" refFor="des" refForName="Parent11" op="lte"/>
+              <dgm:constr type="primFontSz" for="des" forName="Child6" refType="primFontSz" refFor="des" refForName="Parent11" op="lte"/>
+              <dgm:constr type="primFontSz" for="des" forName="Child7" refType="primFontSz" refFor="des" refForName="Parent11" op="lte"/>
+              <dgm:constr type="primFontSz" for="des" forName="Child8" refType="primFontSz" refFor="des" refForName="Parent11" op="lte"/>
+              <dgm:constr type="primFontSz" for="des" forName="Child9" refType="primFontSz" refFor="des" refForName="Parent11" op="lte"/>
+              <dgm:constr type="primFontSz" for="des" forName="Child10" refType="primFontSz" refFor="des" refForName="Parent11" op="lte"/>
+              <dgm:constr type="primFontSz" for="des" forName="Child11" refType="primFontSz" refFor="des" refForName="Parent11" op="lte"/>
+              <dgm:constr type="primFontSz" for="des" forName="Parent2" refType="primFontSz" refFor="des" refForName="Parent1" op="equ"/>
+              <dgm:constr type="primFontSz" for="des" forName="Parent3" refType="primFontSz" refFor="des" refForName="Parent1" op="equ"/>
+              <dgm:constr type="primFontSz" for="des" forName="Parent4" refType="primFontSz" refFor="des" refForName="Parent1" op="equ"/>
+              <dgm:constr type="primFontSz" for="des" forName="Parent5" refType="primFontSz" refFor="des" refForName="Parent1" op="equ"/>
+              <dgm:constr type="primFontSz" for="des" forName="Parent6" refType="primFontSz" refFor="des" refForName="Parent1" op="equ"/>
+              <dgm:constr type="primFontSz" for="des" forName="Parent7" refType="primFontSz" refFor="des" refForName="Parent1" op="equ"/>
+              <dgm:constr type="primFontSz" for="des" forName="Parent8" refType="primFontSz" refFor="des" refForName="Parent1" op="equ"/>
+              <dgm:constr type="primFontSz" for="des" forName="Parent9" refType="primFontSz" refFor="des" refForName="Parent1" op="equ"/>
+              <dgm:constr type="primFontSz" for="des" forName="Parent10" refType="primFontSz" refFor="des" refForName="Parent1" op="equ"/>
+              <dgm:constr type="primFontSz" for="des" forName="Parent11" refType="primFontSz" refFor="des" refForName="Parent1" op="equ"/>
+              <dgm:constr type="primFontSz" for="des" forName="Child2" refType="primFontSz" refFor="des" refForName="Child1" op="equ"/>
+              <dgm:constr type="primFontSz" for="des" forName="Child3" refType="primFontSz" refFor="des" refForName="Child1" op="equ"/>
+              <dgm:constr type="primFontSz" for="des" forName="Child4" refType="primFontSz" refFor="des" refForName="Child1" op="equ"/>
+              <dgm:constr type="primFontSz" for="des" forName="Child5" refType="primFontSz" refFor="des" refForName="Child1" op="equ"/>
+              <dgm:constr type="primFontSz" for="des" forName="Child6" refType="primFontSz" refFor="des" refForName="Child1" op="equ"/>
+              <dgm:constr type="primFontSz" for="des" forName="Child7" refType="primFontSz" refFor="des" refForName="Child1" op="equ"/>
+              <dgm:constr type="primFontSz" for="des" forName="Child8" refType="primFontSz" refFor="des" refForName="Child1" op="equ"/>
+              <dgm:constr type="primFontSz" for="des" forName="Child9" refType="primFontSz" refFor="des" refForName="Child1" op="equ"/>
+              <dgm:constr type="primFontSz" for="des" forName="Child10" refType="primFontSz" refFor="des" refForName="Child1" op="equ"/>
+              <dgm:constr type="primFontSz" for="des" forName="Child11" refType="primFontSz" refFor="des" refForName="Child1" op="equ"/>
+              <dgm:constr type="l" for="ch" forName="Parent11" refType="w" fact="0.9277"/>
+              <dgm:constr type="t" for="ch" forName="Parent11" refType="h" fact="0.2022"/>
+              <dgm:constr type="w" for="ch" forName="Parent11" refType="w" fact="0.0579"/>
+              <dgm:constr type="h" for="ch" forName="Parent11" refType="h" fact="0.3799"/>
+              <dgm:constr type="l" for="ch" forName="Parent10" refType="w" fact="0.838"/>
+              <dgm:constr type="t" for="ch" forName="Parent10" refType="h" fact="0.2022"/>
+              <dgm:constr type="w" for="ch" forName="Parent10" refType="w" fact="0.0579"/>
+              <dgm:constr type="h" for="ch" forName="Parent10" refType="h" fact="0.3799"/>
+              <dgm:constr type="l" for="ch" forName="Parent9" refType="w" fact="0.7483"/>
+              <dgm:constr type="t" for="ch" forName="Parent9" refType="h" fact="0.2022"/>
+              <dgm:constr type="w" for="ch" forName="Parent9" refType="w" fact="0.0579"/>
+              <dgm:constr type="h" for="ch" forName="Parent9" refType="h" fact="0.3799"/>
+              <dgm:constr type="l" for="ch" forName="Parent8" refType="w" fact="0.6586"/>
+              <dgm:constr type="t" for="ch" forName="Parent8" refType="h" fact="0.2022"/>
+              <dgm:constr type="w" for="ch" forName="Parent8" refType="w" fact="0.0579"/>
+              <dgm:constr type="h" for="ch" forName="Parent8" refType="h" fact="0.3799"/>
+              <dgm:constr type="l" for="ch" forName="Parent7" refType="w" fact="0.5689"/>
+              <dgm:constr type="t" for="ch" forName="Parent7" refType="h" fact="0.2022"/>
+              <dgm:constr type="w" for="ch" forName="Parent7" refType="w" fact="0.0579"/>
+              <dgm:constr type="h" for="ch" forName="Parent7" refType="h" fact="0.3799"/>
+              <dgm:constr type="l" for="ch" forName="Parent6" refType="w" fact="0.4792"/>
+              <dgm:constr type="t" for="ch" forName="Parent6" refType="h" fact="0.2022"/>
+              <dgm:constr type="w" for="ch" forName="Parent6" refType="w" fact="0.0579"/>
+              <dgm:constr type="h" for="ch" forName="Parent6" refType="h" fact="0.3799"/>
+              <dgm:constr type="l" for="ch" forName="Parent5" refType="w" fact="0.3895"/>
+              <dgm:constr type="t" for="ch" forName="Parent5" refType="h" fact="0.2022"/>
+              <dgm:constr type="w" for="ch" forName="Parent5" refType="w" fact="0.0579"/>
+              <dgm:constr type="h" for="ch" forName="Parent5" refType="h" fact="0.3799"/>
+              <dgm:constr type="l" for="ch" forName="Parent4" refType="w" fact="0.2999"/>
+              <dgm:constr type="t" for="ch" forName="Parent4" refType="h" fact="0.2022"/>
+              <dgm:constr type="w" for="ch" forName="Parent4" refType="w" fact="0.0579"/>
+              <dgm:constr type="h" for="ch" forName="Parent4" refType="h" fact="0.3799"/>
+              <dgm:constr type="l" for="ch" forName="Parent3" refType="w" fact="0.2102"/>
+              <dgm:constr type="t" for="ch" forName="Parent3" refType="h" fact="0.2022"/>
+              <dgm:constr type="w" for="ch" forName="Parent3" refType="w" fact="0.0579"/>
+              <dgm:constr type="h" for="ch" forName="Parent3" refType="h" fact="0.3799"/>
+              <dgm:constr type="l" for="ch" forName="Parent2" refType="w" fact="0.1205"/>
+              <dgm:constr type="t" for="ch" forName="Parent2" refType="h" fact="0.2022"/>
+              <dgm:constr type="w" for="ch" forName="Parent2" refType="w" fact="0.0579"/>
+              <dgm:constr type="h" for="ch" forName="Parent2" refType="h" fact="0.3799"/>
+              <dgm:constr type="l" for="ch" forName="Parent1" refType="w" fact="0.0308"/>
+              <dgm:constr type="t" for="ch" forName="Parent1" refType="h" fact="0.2022"/>
+              <dgm:constr type="w" for="ch" forName="Parent1" refType="w" fact="0.0579"/>
+              <dgm:constr type="h" for="ch" forName="Parent1" refType="h" fact="0.3799"/>
+              <dgm:constr type="l" for="ch" forName="Accent11" refType="w" fact="0.9132"/>
+              <dgm:constr type="t" for="ch" forName="Accent11" refType="h" fact="0.1072"/>
+              <dgm:constr type="w" for="ch" forName="Accent11" refType="w" fact="0.0868"/>
+              <dgm:constr type="h" for="ch" forName="Accent11" refType="h" fact="0.5699"/>
+              <dgm:constr type="l" for="ch" forName="ParentBackground11" refType="w" fact="0.9161"/>
+              <dgm:constr type="t" for="ch" forName="ParentBackground11" refType="h" fact="0.1262"/>
+              <dgm:constr type="w" for="ch" forName="ParentBackground11" refType="w" fact="0.081"/>
+              <dgm:constr type="h" for="ch" forName="ParentBackground11" refType="h" fact="0.5319"/>
+              <dgm:constr type="l" for="ch" forName="Child11" refType="w" fact="0.9161"/>
+              <dgm:constr type="t" for="ch" forName="Child11" refType="h" fact="0.6876"/>
+              <dgm:constr type="w" for="ch" forName="Child11" refType="w" fact="0.081"/>
+              <dgm:constr type="h" for="ch" forName="Child11" refType="h" fact="0.3124"/>
+              <dgm:constr type="l" for="ch" forName="Accent10" refType="w" fact="0.8055"/>
+              <dgm:constr type="t" for="ch" forName="Accent10" refType="h" fact="-0.0109"/>
+              <dgm:constr type="w" for="ch" forName="Accent10" refType="w" fact="0.1228"/>
+              <dgm:constr type="h" for="ch" forName="Accent10" refType="h" fact="0.806"/>
+              <dgm:constr type="l" for="ch" forName="ParentBackground10" refType="w" fact="0.8264"/>
+              <dgm:constr type="t" for="ch" forName="ParentBackground10" refType="h" fact="0.1262"/>
+              <dgm:constr type="w" for="ch" forName="ParentBackground10" refType="w" fact="0.081"/>
+              <dgm:constr type="h" for="ch" forName="ParentBackground10" refType="h" fact="0.5319"/>
+              <dgm:constr type="l" for="ch" forName="Child10" refType="w" fact="0.8264"/>
+              <dgm:constr type="t" for="ch" forName="Child10" refType="h" fact="0.6876"/>
+              <dgm:constr type="w" for="ch" forName="Child10" refType="w" fact="0.081"/>
+              <dgm:constr type="h" for="ch" forName="Child10" refType="h" fact="0.3124"/>
+              <dgm:constr type="l" for="ch" forName="Accent9" refType="w" fact="0.7158"/>
+              <dgm:constr type="t" for="ch" forName="Accent9" refType="h" fact="-0.0109"/>
+              <dgm:constr type="w" for="ch" forName="Accent9" refType="w" fact="0.1228"/>
+              <dgm:constr type="h" for="ch" forName="Accent9" refType="h" fact="0.806"/>
+              <dgm:constr type="l" for="ch" forName="ParentBackground9" refType="w" fact="0.7367"/>
+              <dgm:constr type="t" for="ch" forName="ParentBackground9" refType="h" fact="0.1262"/>
+              <dgm:constr type="w" for="ch" forName="ParentBackground9" refType="w" fact="0.081"/>
+              <dgm:constr type="h" for="ch" forName="ParentBackground9" refType="h" fact="0.5319"/>
+              <dgm:constr type="l" for="ch" forName="Child9" refType="w" fact="0.7367"/>
+              <dgm:constr type="t" for="ch" forName="Child9" refType="h" fact="0.6876"/>
+              <dgm:constr type="w" for="ch" forName="Child9" refType="w" fact="0.081"/>
+              <dgm:constr type="h" for="ch" forName="Child9" refType="h" fact="0.3124"/>
+              <dgm:constr type="l" for="ch" forName="Accent8" refType="w" fact="0.6261"/>
+              <dgm:constr type="t" for="ch" forName="Accent8" refType="h" fact="-0.0109"/>
+              <dgm:constr type="w" for="ch" forName="Accent8" refType="w" fact="0.1228"/>
+              <dgm:constr type="h" for="ch" forName="Accent8" refType="h" fact="0.806"/>
+              <dgm:constr type="l" for="ch" forName="ParentBackground8" refType="w" fact="0.647"/>
+              <dgm:constr type="t" for="ch" forName="ParentBackground8" refType="h" fact="0.1262"/>
+              <dgm:constr type="w" for="ch" forName="ParentBackground8" refType="w" fact="0.081"/>
+              <dgm:constr type="h" for="ch" forName="ParentBackground8" refType="h" fact="0.5319"/>
+              <dgm:constr type="l" for="ch" forName="Child8" refType="w" fact="0.647"/>
+              <dgm:constr type="t" for="ch" forName="Child8" refType="h" fact="0.6876"/>
+              <dgm:constr type="w" for="ch" forName="Child8" refType="w" fact="0.081"/>
+              <dgm:constr type="h" for="ch" forName="Child8" refType="h" fact="0.3124"/>
+              <dgm:constr type="l" for="ch" forName="Accent7" refType="w" fact="0.5364"/>
+              <dgm:constr type="t" for="ch" forName="Accent7" refType="h" fact="-0.0109"/>
+              <dgm:constr type="w" for="ch" forName="Accent7" refType="w" fact="0.1228"/>
+              <dgm:constr type="h" for="ch" forName="Accent7" refType="h" fact="0.806"/>
+              <dgm:constr type="l" for="ch" forName="ParentBackground7" refType="w" fact="0.5573"/>
+              <dgm:constr type="t" for="ch" forName="ParentBackground7" refType="h" fact="0.1262"/>
+              <dgm:constr type="w" for="ch" forName="ParentBackground7" refType="w" fact="0.081"/>
+              <dgm:constr type="h" for="ch" forName="ParentBackground7" refType="h" fact="0.5319"/>
+              <dgm:constr type="l" for="ch" forName="Child7" refType="w" fact="0.5573"/>
+              <dgm:constr type="t" for="ch" forName="Child7" refType="h" fact="0.6876"/>
+              <dgm:constr type="w" for="ch" forName="Child7" refType="w" fact="0.081"/>
+              <dgm:constr type="h" for="ch" forName="Child7" refType="h" fact="0.3124"/>
+              <dgm:constr type="l" for="ch" forName="Accent6" refType="w" fact="0.4467"/>
+              <dgm:constr type="t" for="ch" forName="Accent6" refType="h" fact="-0.0109"/>
+              <dgm:constr type="w" for="ch" forName="Accent6" refType="w" fact="0.1228"/>
+              <dgm:constr type="h" for="ch" forName="Accent6" refType="h" fact="0.806"/>
+              <dgm:constr type="l" for="ch" forName="ParentBackground6" refType="w" fact="0.4677"/>
+              <dgm:constr type="t" for="ch" forName="ParentBackground6" refType="h" fact="0.1262"/>
+              <dgm:constr type="w" for="ch" forName="ParentBackground6" refType="w" fact="0.081"/>
+              <dgm:constr type="h" for="ch" forName="ParentBackground6" refType="h" fact="0.5319"/>
+              <dgm:constr type="l" for="ch" forName="Child6" refType="w" fact="0.4677"/>
+              <dgm:constr type="t" for="ch" forName="Child6" refType="h" fact="0.6876"/>
+              <dgm:constr type="w" for="ch" forName="Child6" refType="w" fact="0.081"/>
+              <dgm:constr type="h" for="ch" forName="Child6" refType="h" fact="0.3124"/>
+              <dgm:constr type="l" for="ch" forName="Accent5" refType="w" fact="0.3571"/>
+              <dgm:constr type="t" for="ch" forName="Accent5" refType="h" fact="-0.0109"/>
+              <dgm:constr type="w" for="ch" forName="Accent5" refType="w" fact="0.1228"/>
+              <dgm:constr type="h" for="ch" forName="Accent5" refType="h" fact="0.806"/>
+              <dgm:constr type="l" for="ch" forName="ParentBackground5" refType="w" fact="0.378"/>
+              <dgm:constr type="t" for="ch" forName="ParentBackground5" refType="h" fact="0.1262"/>
+              <dgm:constr type="w" for="ch" forName="ParentBackground5" refType="w" fact="0.081"/>
+              <dgm:constr type="h" for="ch" forName="ParentBackground5" refType="h" fact="0.5319"/>
+              <dgm:constr type="l" for="ch" forName="Child5" refType="w" fact="0.378"/>
+              <dgm:constr type="t" for="ch" forName="Child5" refType="h" fact="0.6876"/>
+              <dgm:constr type="w" for="ch" forName="Child5" refType="w" fact="0.081"/>
+              <dgm:constr type="h" for="ch" forName="Child5" refType="h" fact="0.3124"/>
+              <dgm:constr type="l" for="ch" forName="Accent4" refType="w" fact="0.2674"/>
+              <dgm:constr type="t" for="ch" forName="Accent4" refType="h" fact="-0.0109"/>
+              <dgm:constr type="w" for="ch" forName="Accent4" refType="w" fact="0.1228"/>
+              <dgm:constr type="h" for="ch" forName="Accent4" refType="h" fact="0.806"/>
+              <dgm:constr type="l" for="ch" forName="ParentBackground4" refType="w" fact="0.2883"/>
+              <dgm:constr type="t" for="ch" forName="ParentBackground4" refType="h" fact="0.1262"/>
+              <dgm:constr type="w" for="ch" forName="ParentBackground4" refType="w" fact="0.081"/>
+              <dgm:constr type="h" for="ch" forName="ParentBackground4" refType="h" fact="0.5319"/>
+              <dgm:constr type="l" for="ch" forName="Child4" refType="w" fact="0.2883"/>
+              <dgm:constr type="t" for="ch" forName="Child4" refType="h" fact="0.6876"/>
+              <dgm:constr type="w" for="ch" forName="Child4" refType="w" fact="0.081"/>
+              <dgm:constr type="h" for="ch" forName="Child4" refType="h" fact="0.3124"/>
+              <dgm:constr type="l" for="ch" forName="Accent3" refType="w" fact="0.1777"/>
+              <dgm:constr type="t" for="ch" forName="Accent3" refType="h" fact="-0.0109"/>
+              <dgm:constr type="w" for="ch" forName="Accent3" refType="w" fact="0.1228"/>
+              <dgm:constr type="h" for="ch" forName="Accent3" refType="h" fact="0.806"/>
+              <dgm:constr type="l" for="ch" forName="ParentBackground3" refType="w" fact="0.1986"/>
+              <dgm:constr type="t" for="ch" forName="ParentBackground3" refType="h" fact="0.1262"/>
+              <dgm:constr type="w" for="ch" forName="ParentBackground3" refType="w" fact="0.081"/>
+              <dgm:constr type="h" for="ch" forName="ParentBackground3" refType="h" fact="0.5319"/>
+              <dgm:constr type="l" for="ch" forName="Child3" refType="w" fact="0.1986"/>
+              <dgm:constr type="t" for="ch" forName="Child3" refType="h" fact="0.6876"/>
+              <dgm:constr type="w" for="ch" forName="Child3" refType="w" fact="0.081"/>
+              <dgm:constr type="h" for="ch" forName="Child3" refType="h" fact="0.3124"/>
+              <dgm:constr type="l" for="ch" forName="Accent2" refType="w" fact="0.088"/>
+              <dgm:constr type="t" for="ch" forName="Accent2" refType="h" fact="-0.0109"/>
+              <dgm:constr type="w" for="ch" forName="Accent2" refType="w" fact="0.1228"/>
+              <dgm:constr type="h" for="ch" forName="Accent2" refType="h" fact="0.806"/>
+              <dgm:constr type="l" for="ch" forName="ParentBackground2" refType="w" fact="0.1089"/>
+              <dgm:constr type="t" for="ch" forName="ParentBackground2" refType="h" fact="0.1262"/>
+              <dgm:constr type="w" for="ch" forName="ParentBackground2" refType="w" fact="0.081"/>
+              <dgm:constr type="h" for="ch" forName="ParentBackground2" refType="h" fact="0.5319"/>
+              <dgm:constr type="l" for="ch" forName="Child2" refType="w" fact="0.1089"/>
+              <dgm:constr type="t" for="ch" forName="Child2" refType="h" fact="0.6876"/>
+              <dgm:constr type="w" for="ch" forName="Child2" refType="w" fact="0.081"/>
+              <dgm:constr type="h" for="ch" forName="Child2" refType="h" fact="0.3124"/>
+              <dgm:constr type="l" for="ch" forName="Accent1" refType="w" fact="-0.0017"/>
+              <dgm:constr type="t" for="ch" forName="Accent1" refType="h" fact="-0.0109"/>
+              <dgm:constr type="w" for="ch" forName="Accent1" refType="w" fact="0.1228"/>
+              <dgm:constr type="h" for="ch" forName="Accent1" refType="h" fact="0.806"/>
+              <dgm:constr type="l" for="ch" forName="ParentBackground1" refType="w" fact="0.0192"/>
+              <dgm:constr type="t" for="ch" forName="ParentBackground1" refType="h" fact="0.1262"/>
+              <dgm:constr type="w" for="ch" forName="ParentBackground1" refType="w" fact="0.081"/>
+              <dgm:constr type="h" for="ch" forName="ParentBackground1" refType="h" fact="0.5319"/>
+              <dgm:constr type="l" for="ch" forName="Child1" refType="w" fact="0.0192"/>
+              <dgm:constr type="t" for="ch" forName="Child1" refType="h" fact="0.6876"/>
+              <dgm:constr type="w" for="ch" forName="Child1" refType="w" fact="0.081"/>
+              <dgm:constr type="h" for="ch" forName="Child1" refType="h" fact="0.3124"/>
+            </dgm:constrLst>
+          </dgm:else>
+        </dgm:choose>
+      </dgm:if>
+      <dgm:else name="Name15">
+        <dgm:choose name="Name16">
+          <dgm:if name="Name17" axis="ch" ptType="node" func="cnt" op="equ" val="1">
+            <dgm:alg type="composite">
+              <dgm:param type="ar" val="0.6383"/>
+            </dgm:alg>
+            <dgm:constrLst>
+              <dgm:constr type="primFontSz" for="des" forName="Child1" val="65"/>
+              <dgm:constr type="primFontSz" for="des" forName="Parent1" val="65"/>
+              <dgm:constr type="primFontSz" for="des" forName="Child1" refType="primFontSz" refFor="des" refForName="Parent1" op="lte"/>
+              <dgm:constr type="l" for="ch" forName="Parent1" refType="w" fact="0.1667"/>
+              <dgm:constr type="t" for="ch" forName="Parent1" refType="h" fact="0.1064"/>
+              <dgm:constr type="w" for="ch" forName="Parent1" refType="w" fact="0.6667"/>
+              <dgm:constr type="h" for="ch" forName="Parent1" refType="h" fact="0.4255"/>
+              <dgm:constr type="l" for="ch" forName="Accent1" refType="w" fact="0"/>
+              <dgm:constr type="t" for="ch" forName="Accent1" refType="h" fact="0"/>
+              <dgm:constr type="w" for="ch" forName="Accent1" refType="w"/>
+              <dgm:constr type="h" for="ch" forName="Accent1" refType="h" fact="0.6383"/>
+              <dgm:constr type="l" for="ch" forName="ParentBackground1" refType="w" fact="0.0333"/>
+              <dgm:constr type="t" for="ch" forName="ParentBackground1" refType="h" fact="0.0213"/>
+              <dgm:constr type="w" for="ch" forName="ParentBackground1" refType="w" fact="0.9333"/>
+              <dgm:constr type="h" for="ch" forName="ParentBackground1" refType="h" fact="0.5957"/>
+              <dgm:constr type="l" for="ch" forName="Child1" refType="w" fact="0.0333"/>
+              <dgm:constr type="t" for="ch" forName="Child1" refType="h" fact="0.6574"/>
+              <dgm:constr type="w" for="ch" forName="Child1" refType="w" fact="0.9333"/>
+              <dgm:constr type="h" for="ch" forName="Child1" refType="h" fact="0.3426"/>
+            </dgm:constrLst>
+          </dgm:if>
+          <dgm:if name="Name18" axis="ch" ptType="node" func="cnt" op="equ" val="2">
+            <dgm:alg type="composite">
+              <dgm:param type="ar" val="1.2659"/>
+            </dgm:alg>
+            <dgm:constrLst>
+              <dgm:constr type="primFontSz" for="des" forName="Child1" val="65"/>
+              <dgm:constr type="primFontSz" for="des" forName="Parent1" val="65"/>
+              <dgm:constr type="primFontSz" for="des" forName="Child1" refType="primFontSz" refFor="des" refForName="Parent1" op="lte"/>
+              <dgm:constr type="primFontSz" for="des" forName="Child2" refType="primFontSz" refFor="des" refForName="Parent1" op="lte"/>
+              <dgm:constr type="primFontSz" for="des" forName="Child1" refType="primFontSz" refFor="des" refForName="Parent2" op="lte"/>
+              <dgm:constr type="primFontSz" for="des" forName="Child2" refType="primFontSz" refFor="des" refForName="Parent2" op="lte"/>
+              <dgm:constr type="primFontSz" for="des" forName="Parent2" refType="primFontSz" refFor="des" refForName="Parent1" op="equ"/>
+              <dgm:constr type="primFontSz" for="des" forName="Child2" refType="primFontSz" refFor="des" refForName="Child1" op="equ"/>
+              <dgm:constr type="r" for="ch" forName="Parent2" refType="w" fact="0.3751"/>
+              <dgm:constr type="t" for="ch" forName="Parent2" refType="h" fact="0.2022"/>
+              <dgm:constr type="w" for="ch" forName="Parent2" refType="w" fact="0.3001"/>
+              <dgm:constr type="h" for="ch" forName="Parent2" refType="h" fact="0.3799"/>
+              <dgm:constr type="r" for="ch" forName="Parent1" refType="w" fact="0.8403"/>
+              <dgm:constr type="t" for="ch" forName="Parent1" refType="h" fact="0.2022"/>
+              <dgm:constr type="w" for="ch" forName="Parent1" refType="w" fact="0.3001"/>
+              <dgm:constr type="h" for="ch" forName="Parent1" refType="h" fact="0.3799"/>
+              <dgm:constr type="r" for="ch" forName="Accent2" refType="w" fact="0.4502"/>
+              <dgm:constr type="t" for="ch" forName="Accent2" refType="h" fact="0.1072"/>
+              <dgm:constr type="w" for="ch" forName="Accent2" refType="w" fact="0.4502"/>
+              <dgm:constr type="h" for="ch" forName="Accent2" refType="h" fact="0.5699"/>
+              <dgm:constr type="r" for="ch" forName="ParentBackground2" refType="w" fact="0.4352"/>
+              <dgm:constr type="t" for="ch" forName="ParentBackground2" refType="h" fact="0.1262"/>
+              <dgm:constr type="w" for="ch" forName="ParentBackground2" refType="w" fact="0.4201"/>
+              <dgm:constr type="h" for="ch" forName="ParentBackground2" refType="h" fact="0.5319"/>
+              <dgm:constr type="r" for="ch" forName="Child2" refType="w" fact="0.4352"/>
+              <dgm:constr type="t" for="ch" forName="Child2" refType="h" fact="0.6876"/>
+              <dgm:constr type="w" for="ch" forName="Child2" refType="w" fact="0.4201"/>
+              <dgm:constr type="h" for="ch" forName="Child2" refType="h" fact="0.3124"/>
+              <dgm:constr type="r" for="ch" forName="Accent1" refType="w" fact="1.0086"/>
+              <dgm:constr type="t" for="ch" forName="Accent1" refType="h" fact="-0.0109"/>
+              <dgm:constr type="w" for="ch" forName="Accent1" refType="w" fact="0.6367"/>
+              <dgm:constr type="h" for="ch" forName="Accent1" refType="h" fact="0.806"/>
+              <dgm:constr type="r" for="ch" forName="ParentBackground1" refType="w" fact="0.9003"/>
+              <dgm:constr type="t" for="ch" forName="ParentBackground1" refType="h" fact="0.1262"/>
+              <dgm:constr type="w" for="ch" forName="ParentBackground1" refType="w" fact="0.4201"/>
+              <dgm:constr type="h" for="ch" forName="ParentBackground1" refType="h" fact="0.5319"/>
+              <dgm:constr type="r" for="ch" forName="Child1" refType="w" fact="0.9003"/>
+              <dgm:constr type="t" for="ch" forName="Child1" refType="h" fact="0.6876"/>
+              <dgm:constr type="w" for="ch" forName="Child1" refType="w" fact="0.4201"/>
+              <dgm:constr type="h" for="ch" forName="Child1" refType="h" fact="0.3124"/>
+            </dgm:constrLst>
+          </dgm:if>
+          <dgm:if name="Name19" axis="ch" ptType="node" func="cnt" op="equ" val="3">
+            <dgm:alg type="composite">
+              <dgm:param type="ar" val="1.8548"/>
+            </dgm:alg>
+            <dgm:constrLst>
+              <dgm:constr type="primFontSz" for="des" forName="Child1" val="65"/>
+              <dgm:constr type="primFontSz" for="des" forName="Parent1" val="65"/>
+              <dgm:constr type="primFontSz" for="des" forName="Child1" refType="primFontSz" refFor="des" refForName="Parent1" op="lte"/>
+              <dgm:constr type="primFontSz" for="des" forName="Child2" refType="primFontSz" refFor="des" refForName="Parent1" op="lte"/>
+              <dgm:constr type="primFontSz" for="des" forName="Child3" refType="primFontSz" refFor="des" refForName="Parent1" op="lte"/>
+              <dgm:constr type="primFontSz" for="des" forName="Child1" refType="primFontSz" refFor="des" refForName="Parent2" op="lte"/>
+              <dgm:constr type="primFontSz" for="des" forName="Child2" refType="primFontSz" refFor="des" refForName="Parent2" op="lte"/>
+              <dgm:constr type="primFontSz" for="des" forName="Child3" refType="primFontSz" refFor="des" refForName="Parent2" op="lte"/>
+              <dgm:constr type="primFontSz" for="des" forName="Child1" refType="primFontSz" refFor="des" refForName="Parent3" op="lte"/>
+              <dgm:constr type="primFontSz" for="des" forName="Child2" refType="primFontSz" refFor="des" refForName="Parent3" op="lte"/>
+              <dgm:constr type="primFontSz" for="des" forName="Child3" refType="primFontSz" refFor="des" refForName="Parent3" op="lte"/>
+              <dgm:constr type="primFontSz" for="des" forName="Parent2" refType="primFontSz" refFor="des" refForName="Parent1" op="equ"/>
+              <dgm:constr type="primFontSz" for="des" forName="Parent3" refType="primFontSz" refFor="des" refForName="Parent1" op="equ"/>
+              <dgm:constr type="primFontSz" for="des" forName="Child2" refType="primFontSz" refFor="des" refForName="Child1" op="equ"/>
+              <dgm:constr type="primFontSz" for="des" forName="Child3" refType="primFontSz" refFor="des" refForName="Child1" op="equ"/>
+              <dgm:constr type="r" for="ch" forName="Parent3" refType="w" fact="0.256"/>
+              <dgm:constr type="t" for="ch" forName="Parent3" refType="h" fact="0.2022"/>
+              <dgm:constr type="w" for="ch" forName="Parent3" refType="w" fact="0.2048"/>
+              <dgm:constr type="h" for="ch" forName="Parent3" refType="h" fact="0.3799"/>
+              <dgm:constr type="r" for="ch" forName="Parent2" refType="w" fact="0.5735"/>
+              <dgm:constr type="t" for="ch" forName="Parent2" refType="h" fact="0.2022"/>
+              <dgm:constr type="w" for="ch" forName="Parent2" refType="w" fact="0.2048"/>
+              <dgm:constr type="h" for="ch" forName="Parent2" refType="h" fact="0.3799"/>
+              <dgm:constr type="r" for="ch" forName="Parent1" refType="w" fact="0.891"/>
+              <dgm:constr type="t" for="ch" forName="Parent1" refType="h" fact="0.2022"/>
+              <dgm:constr type="w" for="ch" forName="Parent1" refType="w" fact="0.2048"/>
+              <dgm:constr type="h" for="ch" forName="Parent1" refType="h" fact="0.3799"/>
+              <dgm:constr type="r" for="ch" forName="Accent3" refType="w" fact="0.3072"/>
+              <dgm:constr type="t" for="ch" forName="Accent3" refType="h" fact="0.1072"/>
+              <dgm:constr type="w" for="ch" forName="Accent3" refType="w" fact="0.3072"/>
+              <dgm:constr type="h" for="ch" forName="Accent3" refType="h" fact="0.5699"/>
+              <dgm:constr type="r" for="ch" forName="ParentBackground3" refType="w" fact="0.297"/>
+              <dgm:constr type="t" for="ch" forName="ParentBackground3" refType="h" fact="0.1262"/>
+              <dgm:constr type="w" for="ch" forName="ParentBackground3" refType="w" fact="0.2868"/>
+              <dgm:constr type="h" for="ch" forName="ParentBackground3" refType="h" fact="0.5319"/>
+              <dgm:constr type="r" for="ch" forName="Child3" refType="w" fact="0.297"/>
+              <dgm:constr type="t" for="ch" forName="Child3" refType="h" fact="0.6876"/>
+              <dgm:constr type="w" for="ch" forName="Child3" refType="w" fact="0.2868"/>
+              <dgm:constr type="h" for="ch" forName="Child3" refType="h" fact="0.3124"/>
+              <dgm:constr type="r" for="ch" forName="Accent2" refType="w" fact="0.6878"/>
+              <dgm:constr type="t" for="ch" forName="Accent2" refType="h" fact="-0.0109"/>
+              <dgm:constr type="w" for="ch" forName="Accent2" refType="w" fact="0.4334"/>
+              <dgm:constr type="h" for="ch" forName="Accent2" refType="h" fact="0.806"/>
+              <dgm:constr type="r" for="ch" forName="ParentBackground2" refType="w" fact="0.6145"/>
+              <dgm:constr type="t" for="ch" forName="ParentBackground2" refType="h" fact="0.1262"/>
+              <dgm:constr type="w" for="ch" forName="ParentBackground2" refType="w" fact="0.2868"/>
+              <dgm:constr type="h" for="ch" forName="ParentBackground2" refType="h" fact="0.5319"/>
+              <dgm:constr type="r" for="ch" forName="Child2" refType="w" fact="0.6145"/>
+              <dgm:constr type="t" for="ch" forName="Child2" refType="h" fact="0.6876"/>
+              <dgm:constr type="w" for="ch" forName="Child2" refType="w" fact="0.2868"/>
+              <dgm:constr type="h" for="ch" forName="Child2" refType="h" fact="0.3124"/>
+              <dgm:constr type="r" for="ch" forName="Accent1" refType="w" fact="1.0053"/>
+              <dgm:constr type="t" for="ch" forName="Accent1" refType="h" fact="-0.0109"/>
+              <dgm:constr type="w" for="ch" forName="Accent1" refType="w" fact="0.4334"/>
+              <dgm:constr type="h" for="ch" forName="Accent1" refType="h" fact="0.806"/>
+              <dgm:constr type="r" for="ch" forName="ParentBackground1" refType="w" fact="0.932"/>
+              <dgm:constr type="t" for="ch" forName="ParentBackground1" refType="h" fact="0.1262"/>
+              <dgm:constr type="w" for="ch" forName="ParentBackground1" refType="w" fact="0.2868"/>
+              <dgm:constr type="h" for="ch" forName="ParentBackground1" refType="h" fact="0.5319"/>
+              <dgm:constr type="r" for="ch" forName="Child1" refType="w" fact="0.932"/>
+              <dgm:constr type="t" for="ch" forName="Child1" refType="h" fact="0.6876"/>
+              <dgm:constr type="w" for="ch" forName="Child1" refType="w" fact="0.2868"/>
+              <dgm:constr type="h" for="ch" forName="Child1" refType="h" fact="0.3124"/>
+            </dgm:constrLst>
+          </dgm:if>
+          <dgm:if name="Name20" axis="ch" ptType="node" func="cnt" op="equ" val="4">
+            <dgm:alg type="composite">
+              <dgm:param type="ar" val="2.4437"/>
+            </dgm:alg>
+            <dgm:constrLst>
+              <dgm:constr type="primFontSz" for="des" forName="Child1" val="65"/>
+              <dgm:constr type="primFontSz" for="des" forName="Parent1" val="65"/>
+              <dgm:constr type="primFontSz" for="des" forName="Child1" refType="primFontSz" refFor="des" refForName="Parent1" op="lte"/>
+              <dgm:constr type="primFontSz" for="des" forName="Child2" refType="primFontSz" refFor="des" refForName="Parent1" op="lte"/>
+              <dgm:constr type="primFontSz" for="des" forName="Child3" refType="primFontSz" refFor="des" refForName="Parent1" op="lte"/>
+              <dgm:constr type="primFontSz" for="des" forName="Child4" refType="primFontSz" refFor="des" refForName="Parent1" op="lte"/>
+              <dgm:constr type="primFontSz" for="des" forName="Child1" refType="primFontSz" refFor="des" refForName="Parent2" op="lte"/>
+              <dgm:constr type="primFontSz" for="des" forName="Child2" refType="primFontSz" refFor="des" refForName="Parent2" op="lte"/>
+              <dgm:constr type="primFontSz" for="des" forName="Child3" refType="primFontSz" refFor="des" refForName="Parent2" op="lte"/>
+              <dgm:constr type="primFontSz" for="des" forName="Child4" refType="primFontSz" refFor="des" refForName="Parent2" op="lte"/>
+              <dgm:constr type="primFontSz" for="des" forName="Child1" refType="primFontSz" refFor="des" refForName="Parent3" op="lte"/>
+              <dgm:constr type="primFontSz" for="des" forName="Child2" refType="primFontSz" refFor="des" refForName="Parent3" op="lte"/>
+              <dgm:constr type="primFontSz" for="des" forName="Child3" refType="primFontSz" refFor="des" refForName="Parent3" op="lte"/>
+              <dgm:constr type="primFontSz" for="des" forName="Child4" refType="primFontSz" refFor="des" refForName="Parent3" op="lte"/>
+              <dgm:constr type="primFontSz" for="des" forName="Child1" refType="primFontSz" refFor="des" refForName="Parent4" op="lte"/>
+              <dgm:constr type="primFontSz" for="des" forName="Child2" refType="primFontSz" refFor="des" refForName="Parent4" op="lte"/>
+              <dgm:constr type="primFontSz" for="des" forName="Child3" refType="primFontSz" refFor="des" refForName="Parent4" op="lte"/>
+              <dgm:constr type="primFontSz" for="des" forName="Child4" refType="primFontSz" refFor="des" refForName="Parent4" op="lte"/>
+              <dgm:constr type="primFontSz" for="des" forName="Parent2" refType="primFontSz" refFor="des" refForName="Parent1" op="equ"/>
+              <dgm:constr type="primFontSz" for="des" forName="Parent3" refType="primFontSz" refFor="des" refForName="Parent1" op="equ"/>
+              <dgm:constr type="primFontSz" for="des" forName="Parent4" refType="primFontSz" refFor="des" refForName="Parent1" op="equ"/>
+              <dgm:constr type="primFontSz" for="des" forName="Child2" refType="primFontSz" refFor="des" refForName="Child1" op="equ"/>
+              <dgm:constr type="primFontSz" for="des" forName="Child3" refType="primFontSz" refFor="des" refForName="Child1" op="equ"/>
+              <dgm:constr type="primFontSz" for="des" forName="Child4" refType="primFontSz" refFor="des" refForName="Child1" op="equ"/>
+              <dgm:constr type="r" for="ch" forName="Parent4" refType="w" fact="0.1943"/>
+              <dgm:constr type="t" for="ch" forName="Parent4" refType="h" fact="0.2022"/>
+              <dgm:constr type="w" for="ch" forName="Parent4" refType="w" fact="0.1555"/>
+              <dgm:constr type="h" for="ch" forName="Parent4" refType="h" fact="0.3799"/>
+              <dgm:constr type="r" for="ch" forName="Parent3" refType="w" fact="0.4353"/>
+              <dgm:constr type="t" for="ch" forName="Parent3" refType="h" fact="0.2022"/>
+              <dgm:constr type="w" for="ch" forName="Parent3" refType="w" fact="0.1555"/>
+              <dgm:constr type="h" for="ch" forName="Parent3" refType="h" fact="0.3799"/>
+              <dgm:constr type="r" for="ch" forName="Parent2" refType="w" fact="0.6763"/>
+              <dgm:constr type="t" for="ch" forName="Parent2" refType="h" fact="0.2022"/>
+              <dgm:constr type="w" for="ch" forName="Parent2" refType="w" fact="0.1555"/>
+              <dgm:constr type="h" for="ch" forName="Parent2" refType="h" fact="0.3799"/>
+              <dgm:constr type="r" for="ch" forName="Parent1" refType="w" fact="0.9173"/>
+              <dgm:constr type="t" for="ch" forName="Parent1" refType="h" fact="0.2022"/>
+              <dgm:constr type="w" for="ch" forName="Parent1" refType="w" fact="0.1555"/>
+              <dgm:constr type="h" for="ch" forName="Parent1" refType="h" fact="0.3799"/>
+              <dgm:constr type="r" for="ch" forName="Accent4" refType="w" fact="0.2332"/>
+              <dgm:constr type="t" for="ch" forName="Accent4" refType="h" fact="0.1072"/>
+              <dgm:constr type="w" for="ch" forName="Accent4" refType="w" fact="0.2332"/>
+              <dgm:constr type="h" for="ch" forName="Accent4" refType="h" fact="0.5699"/>
+              <dgm:constr type="r" for="ch" forName="ParentBackground4" refType="w" fact="0.2254"/>
+              <dgm:constr type="t" for="ch" forName="ParentBackground4" refType="h" fact="0.1262"/>
+              <dgm:constr type="w" for="ch" forName="ParentBackground4" refType="w" fact="0.2177"/>
+              <dgm:constr type="h" for="ch" forName="ParentBackground4" refType="h" fact="0.5319"/>
+              <dgm:constr type="r" for="ch" forName="Child4" refType="w" fact="0.2254"/>
+              <dgm:constr type="t" for="ch" forName="Child4" refType="h" fact="0.6876"/>
+              <dgm:constr type="w" for="ch" forName="Child4" refType="w" fact="0.2177"/>
+              <dgm:constr type="h" for="ch" forName="Child4" refType="h" fact="0.3124"/>
+              <dgm:constr type="r" for="ch" forName="Accent3" refType="w" fact="0.5235"/>
+              <dgm:constr type="t" for="ch" forName="Accent3" refType="h" fact="-0.0109"/>
+              <dgm:constr type="w" for="ch" forName="Accent3" refType="w" fact="0.3298"/>
+              <dgm:constr type="h" for="ch" forName="Accent3" refType="h" fact="0.806"/>
+              <dgm:constr type="r" for="ch" forName="ParentBackground3" refType="w" fact="0.4664"/>
+              <dgm:constr type="t" for="ch" forName="ParentBackground3" refType="h" fact="0.1262"/>
+              <dgm:constr type="w" for="ch" forName="ParentBackground3" refType="w" fact="0.2177"/>
+              <dgm:constr type="h" for="ch" forName="ParentBackground3" refType="h" fact="0.5319"/>
+              <dgm:constr type="r" for="ch" forName="Child3" refType="w" fact="0.4664"/>
+              <dgm:constr type="t" for="ch" forName="Child3" refType="h" fact="0.6876"/>
+              <dgm:constr type="w" for="ch" forName="Child3" refType="w" fact="0.2177"/>
+              <dgm:constr type="h" for="ch" forName="Child3" refType="h" fact="0.3124"/>
+              <dgm:constr type="r" for="ch" forName="Accent2" refType="w" fact="0.7635"/>
+              <dgm:constr type="t" for="ch" forName="Accent2" refType="h" fact="-0.0109"/>
+              <dgm:constr type="w" for="ch" forName="Accent2" refType="w" fact="0.3298"/>
+              <dgm:constr type="h" for="ch" forName="Accent2" refType="h" fact="0.806"/>
+              <dgm:constr type="r" for="ch" forName="ParentBackground2" refType="w" fact="0.7074"/>
+              <dgm:constr type="t" for="ch" forName="ParentBackground2" refType="h" fact="0.1262"/>
+              <dgm:constr type="w" for="ch" forName="ParentBackground2" refType="w" fact="0.2177"/>
+              <dgm:constr type="h" for="ch" forName="ParentBackground2" refType="h" fact="0.5319"/>
+              <dgm:constr type="r" for="ch" forName="Child2" refType="w" fact="0.7074"/>
+              <dgm:constr type="t" for="ch" forName="Child2" refType="h" fact="0.6876"/>
+              <dgm:constr type="w" for="ch" forName="Child2" refType="w" fact="0.2177"/>
+              <dgm:constr type="h" for="ch" forName="Child2" refType="h" fact="0.3124"/>
+              <dgm:constr type="r" for="ch" forName="Accent1" refType="w" fact="1.0045"/>
+              <dgm:constr type="t" for="ch" forName="Accent1" refType="h" fact="-0.0109"/>
+              <dgm:constr type="w" for="ch" forName="Accent1" refType="w" fact="0.3298"/>
+              <dgm:constr type="h" for="ch" forName="Accent1" refType="h" fact="0.806"/>
+              <dgm:constr type="r" for="ch" forName="ParentBackground1" refType="w" fact="0.9484"/>
+              <dgm:constr type="t" for="ch" forName="ParentBackground1" refType="h" fact="0.1262"/>
+              <dgm:constr type="w" for="ch" forName="ParentBackground1" refType="w" fact="0.2177"/>
+              <dgm:constr type="h" for="ch" forName="ParentBackground1" refType="h" fact="0.5319"/>
+              <dgm:constr type="r" for="ch" forName="Child1" refType="w" fact="0.9484"/>
+              <dgm:constr type="t" for="ch" forName="Child1" refType="h" fact="0.6876"/>
+              <dgm:constr type="w" for="ch" forName="Child1" refType="w" fact="0.2177"/>
+              <dgm:constr type="h" for="ch" forName="Child1" refType="h" fact="0.3124"/>
+            </dgm:constrLst>
+          </dgm:if>
+          <dgm:if name="Name21" axis="ch" ptType="node" func="cnt" op="equ" val="5">
+            <dgm:alg type="composite">
+              <dgm:param type="ar" val="3.0325"/>
+            </dgm:alg>
+            <dgm:constrLst>
+              <dgm:constr type="primFontSz" for="des" forName="Child1" val="65"/>
+              <dgm:constr type="primFontSz" for="des" forName="Parent1" val="65"/>
+              <dgm:constr type="primFontSz" for="des" forName="Child1" refType="primFontSz" refFor="des" refForName="Parent1" op="lte"/>
+              <dgm:constr type="primFontSz" for="des" forName="Child2" refType="primFontSz" refFor="des" refForName="Parent1" op="lte"/>
+              <dgm:constr type="primFontSz" for="des" forName="Child3" refType="primFontSz" refFor="des" refForName="Parent1" op="lte"/>
+              <dgm:constr type="primFontSz" for="des" forName="Child4" refType="primFontSz" refFor="des" refForName="Parent1" op="lte"/>
+              <dgm:constr type="primFontSz" for="des" forName="Child5" refType="primFontSz" refFor="des" refForName="Parent1" op="lte"/>
+              <dgm:constr type="primFontSz" for="des" forName="Child1" refType="primFontSz" refFor="des" refForName="Parent2" op="lte"/>
+              <dgm:constr type="primFontSz" for="des" forName="Child2" refType="primFontSz" refFor="des" refForName="Parent2" op="lte"/>
+              <dgm:constr type="primFontSz" for="des" forName="Child3" refType="primFontSz" refFor="des" refForName="Parent2" op="lte"/>
+              <dgm:constr type="primFontSz" for="des" forName="Child4" refType="primFontSz" refFor="des" refForName="Parent2" op="lte"/>
+              <dgm:constr type="primFontSz" for="des" forName="Child5" refType="primFontSz" refFor="des" refForName="Parent2" op="lte"/>
+              <dgm:constr type="primFontSz" for="des" forName="Child1" refType="primFontSz" refFor="des" refForName="Parent3" op="lte"/>
+              <dgm:constr type="primFontSz" for="des" forName="Child2" refType="primFontSz" refFor="des" refForName="Parent3" op="lte"/>
+              <dgm:constr type="primFontSz" for="des" forName="Child3" refType="primFontSz" refFor="des" refForName="Parent3" op="lte"/>
+              <dgm:constr type="primFontSz" for="des" forName="Child4" refType="primFontSz" refFor="des" refForName="Parent3" op="lte"/>
+              <dgm:constr type="primFontSz" for="des" forName="Child5" refType="primFontSz" refFor="des" refForName="Parent3" op="lte"/>
+              <dgm:constr type="primFontSz" for="des" forName="Child1" refType="primFontSz" refFor="des" refForName="Parent4" op="lte"/>
+              <dgm:constr type="primFontSz" for="des" forName="Child2" refType="primFontSz" refFor="des" refForName="Parent4" op="lte"/>
+              <dgm:constr type="primFontSz" for="des" forName="Child3" refType="primFontSz" refFor="des" refForName="Parent4" op="lte"/>
+              <dgm:constr type="primFontSz" for="des" forName="Child4" refType="primFontSz" refFor="des" refForName="Parent4" op="lte"/>
+              <dgm:constr type="primFontSz" for="des" forName="Child5" refType="primFontSz" refFor="des" refForName="Parent4" op="lte"/>
+              <dgm:constr type="primFontSz" for="des" forName="Child1" refType="primFontSz" refFor="des" refForName="Parent5" op="lte"/>
+              <dgm:constr type="primFontSz" for="des" forName="Child2" refType="primFontSz" refFor="des" refForName="Parent5" op="lte"/>
+              <dgm:constr type="primFontSz" for="des" forName="Child3" refType="primFontSz" refFor="des" refForName="Parent5" op="lte"/>
+              <dgm:constr type="primFontSz" for="des" forName="Child4" refType="primFontSz" refFor="des" refForName="Parent5" op="lte"/>
+              <dgm:constr type="primFontSz" for="des" forName="Child5" refType="primFontSz" refFor="des" refForName="Parent5" op="lte"/>
+              <dgm:constr type="primFontSz" for="des" forName="Parent2" refType="primFontSz" refFor="des" refForName="Parent1" op="equ"/>
+              <dgm:constr type="primFontSz" for="des" forName="Parent3" refType="primFontSz" refFor="des" refForName="Parent1" op="equ"/>
+              <dgm:constr type="primFontSz" for="des" forName="Parent4" refType="primFontSz" refFor="des" refForName="Parent1" op="equ"/>
+              <dgm:constr type="primFontSz" for="des" forName="Parent5" refType="primFontSz" refFor="des" refForName="Parent1" op="equ"/>
+              <dgm:constr type="primFontSz" for="des" forName="Child2" refType="primFontSz" refFor="des" refForName="Child1" op="equ"/>
+              <dgm:constr type="primFontSz" for="des" forName="Child3" refType="primFontSz" refFor="des" refForName="Child1" op="equ"/>
+              <dgm:constr type="primFontSz" for="des" forName="Child4" refType="primFontSz" refFor="des" refForName="Child1" op="equ"/>
+              <dgm:constr type="primFontSz" for="des" forName="Child5" refType="primFontSz" refFor="des" refForName="Child1" op="equ"/>
+              <dgm:constr type="r" for="ch" forName="Parent5" refType="w" fact="0.1566"/>
+              <dgm:constr type="t" for="ch" forName="Parent5" refType="h" fact="0.2022"/>
+              <dgm:constr type="w" for="ch" forName="Parent5" refType="w" fact="0.1253"/>
+              <dgm:constr type="h" for="ch" forName="Parent5" refType="h" fact="0.3799"/>
+              <dgm:constr type="r" for="ch" forName="Parent4" refType="w" fact="0.3508"/>
+              <dgm:constr type="t" for="ch" forName="Parent4" refType="h" fact="0.2022"/>
+              <dgm:constr type="w" for="ch" forName="Parent4" refType="w" fact="0.1253"/>
+              <dgm:constr type="h" for="ch" forName="Parent4" refType="h" fact="0.3799"/>
+              <dgm:constr type="r" for="ch" forName="Parent3" refType="w" fact="0.545"/>
+              <dgm:constr type="t" for="ch" forName="Parent3" refType="h" fact="0.2022"/>
+              <dgm:constr type="w" for="ch" forName="Parent3" refType="w" fact="0.1253"/>
+              <dgm:constr type="h" for="ch" forName="Parent3" refType="h" fact="0.3799"/>
+              <dgm:constr type="r" for="ch" forName="Parent2" refType="w" fact="0.7391"/>
+              <dgm:constr type="t" for="ch" forName="Parent2" refType="h" fact="0.2022"/>
+              <dgm:constr type="w" for="ch" forName="Parent2" refType="w" fact="0.1253"/>
+              <dgm:constr type="h" for="ch" forName="Parent2" refType="h" fact="0.3799"/>
+              <dgm:constr type="r" for="ch" forName="Parent1" refType="w" fact="0.9333"/>
+              <dgm:constr type="t" for="ch" forName="Parent1" refType="h" fact="0.2022"/>
+              <dgm:constr type="w" for="ch" forName="Parent1" refType="w" fact="0.1253"/>
+              <dgm:constr type="h" for="ch" forName="Parent1" refType="h" fact="0.3799"/>
+              <dgm:constr type="r" for="ch" forName="Accent5" refType="w" fact="0.1879"/>
+              <dgm:constr type="t" for="ch" forName="Accent5" refType="h" fact="0.1072"/>
+              <dgm:constr type="w" for="ch" forName="Accent5" refType="w" fact="0.1879"/>
+              <dgm:constr type="h" for="ch" forName="Accent5" refType="h" fact="0.5699"/>
+              <dgm:constr type="r" for="ch" forName="ParentBackground5" refType="w" fact="0.1817"/>
+              <dgm:constr type="t" for="ch" forName="ParentBackground5" refType="h" fact="0.1262"/>
+              <dgm:constr type="w" for="ch" forName="ParentBackground5" refType="w" fact="0.1754"/>
+              <dgm:constr type="h" for="ch" forName="ParentBackground5" refType="h" fact="0.5319"/>
+              <dgm:constr type="r" for="ch" forName="Child5" refType="w" fact="0.1817"/>
+              <dgm:constr type="t" for="ch" forName="Child5" refType="h" fact="0.6876"/>
+              <dgm:constr type="w" for="ch" forName="Child5" refType="w" fact="0.1754"/>
+              <dgm:constr type="h" for="ch" forName="Child5" refType="h" fact="0.3124"/>
+              <dgm:constr type="r" for="ch" forName="Accent4" refType="w" fact="0.4211"/>
+              <dgm:constr type="t" for="ch" forName="Accent4" refType="h" fact="-0.0109"/>
+              <dgm:constr type="w" for="ch" forName="Accent4" refType="w" fact="0.2657"/>
+              <dgm:constr type="h" for="ch" forName="Accent4" refType="h" fact="0.806"/>
+              <dgm:constr type="r" for="ch" forName="ParentBackground4" refType="w" fact="0.3758"/>
+              <dgm:constr type="t" for="ch" forName="ParentBackground4" refType="h" fact="0.1262"/>
+              <dgm:constr type="w" for="ch" forName="ParentBackground4" refType="w" fact="0.1754"/>
+              <dgm:constr type="h" for="ch" forName="ParentBackground4" refType="h" fact="0.5319"/>
+              <dgm:constr type="r" for="ch" forName="Child4" refType="w" fact="0.3758"/>
+              <dgm:constr type="t" for="ch" forName="Child4" refType="h" fact="0.6876"/>
+              <dgm:constr type="w" for="ch" forName="Child4" refType="w" fact="0.1754"/>
+              <dgm:constr type="h" for="ch" forName="Child4" refType="h" fact="0.3124"/>
+              <dgm:constr type="r" for="ch" forName="Accent3" refType="w" fact="0.6152"/>
+              <dgm:constr type="t" for="ch" forName="Accent3" refType="h" fact="-0.0109"/>
+              <dgm:constr type="w" for="ch" forName="Accent3" refType="w" fact="0.2657"/>
+              <dgm:constr type="h" for="ch" forName="Accent3" refType="h" fact="0.806"/>
+              <dgm:constr type="r" for="ch" forName="ParentBackground3" refType="w" fact="0.57"/>
+              <dgm:constr type="t" for="ch" forName="ParentBackground3" refType="h" fact="0.1262"/>
+              <dgm:constr type="w" for="ch" forName="ParentBackground3" refType="w" fact="0.1754"/>
+              <dgm:constr type="h" for="ch" forName="ParentBackground3" refType="h" fact="0.5319"/>
+              <dgm:constr type="r" for="ch" forName="Child3" refType="w" fact="0.57"/>
+              <dgm:constr type="t" for="ch" forName="Child3" refType="h" fact="0.6876"/>
+              <dgm:constr type="w" for="ch" forName="Child3" refType="w" fact="0.1754"/>
+              <dgm:constr type="h" for="ch" forName="Child3" refType="h" fact="0.3124"/>
+              <dgm:constr type="r" for="ch" forName="Accent2" refType="w" fact="0.8094"/>
+              <dgm:constr type="t" for="ch" forName="Accent2" refType="h" fact="-0.0109"/>
+              <dgm:constr type="w" for="ch" forName="Accent2" refType="w" fact="0.2657"/>
+              <dgm:constr type="h" for="ch" forName="Accent2" refType="h" fact="0.806"/>
+              <dgm:constr type="r" for="ch" forName="ParentBackground2" refType="w" fact="0.7642"/>
+              <dgm:constr type="t" for="ch" forName="ParentBackground2" refType="h" fact="0.1262"/>
+              <dgm:constr type="w" for="ch" forName="ParentBackground2" refType="w" fact="0.1754"/>
+              <dgm:constr type="h" for="ch" forName="ParentBackground2" refType="h" fact="0.5319"/>
+              <dgm:constr type="r" for="ch" forName="Child2" refType="w" fact="0.7642"/>
+              <dgm:constr type="t" for="ch" forName="Child2" refType="h" fact="0.6876"/>
+              <dgm:constr type="w" for="ch" forName="Child2" refType="w" fact="0.1754"/>
+              <dgm:constr type="h" for="ch" forName="Child2" refType="h" fact="0.3124"/>
+              <dgm:constr type="r" for="ch" forName="Accent1" refType="w" fact="1.0036"/>
+              <dgm:constr type="t" for="ch" forName="Accent1" refType="h" fact="-0.0109"/>
+              <dgm:constr type="w" for="ch" forName="Accent1" refType="w" fact="0.2657"/>
+              <dgm:constr type="h" for="ch" forName="Accent1" refType="h" fact="0.806"/>
+              <dgm:constr type="r" for="ch" forName="ParentBackground1" refType="w" fact="0.9584"/>
+              <dgm:constr type="t" for="ch" forName="ParentBackground1" refType="h" fact="0.1262"/>
+              <dgm:constr type="w" for="ch" forName="ParentBackground1" refType="w" fact="0.1754"/>
+              <dgm:constr type="h" for="ch" forName="ParentBackground1" refType="h" fact="0.5319"/>
+              <dgm:constr type="r" for="ch" forName="Child1" refType="w" fact="0.9584"/>
+              <dgm:constr type="t" for="ch" forName="Child1" refType="h" fact="0.6876"/>
+              <dgm:constr type="w" for="ch" forName="Child1" refType="w" fact="0.1754"/>
+              <dgm:constr type="h" for="ch" forName="Child1" refType="h" fact="0.3124"/>
+            </dgm:constrLst>
+          </dgm:if>
+          <dgm:if name="Name22" axis="ch" ptType="node" func="cnt" op="equ" val="6">
+            <dgm:alg type="composite">
+              <dgm:param type="ar" val="3.6214"/>
+            </dgm:alg>
+            <dgm:constrLst>
+              <dgm:constr type="primFontSz" for="des" forName="Child1" val="65"/>
+              <dgm:constr type="primFontSz" for="des" forName="Parent1" val="65"/>
+              <dgm:constr type="primFontSz" for="des" forName="Child1" refType="primFontSz" refFor="des" refForName="Parent1" op="lte"/>
+              <dgm:constr type="primFontSz" for="des" forName="Child2" refType="primFontSz" refFor="des" refForName="Parent1" op="lte"/>
+              <dgm:constr type="primFontSz" for="des" forName="Child3" refType="primFontSz" refFor="des" refForName="Parent1" op="lte"/>
+              <dgm:constr type="primFontSz" for="des" forName="Child4" refType="primFontSz" refFor="des" refForName="Parent1" op="lte"/>
+              <dgm:constr type="primFontSz" for="des" forName="Child5" refType="primFontSz" refFor="des" refForName="Parent1" op="lte"/>
+              <dgm:constr type="primFontSz" for="des" forName="Child6" refType="primFontSz" refFor="des" refForName="Parent1" op="lte"/>
+              <dgm:constr type="primFontSz" for="des" forName="Child1" refType="primFontSz" refFor="des" refForName="Parent2" op="lte"/>
+              <dgm:constr type="primFontSz" for="des" forName="Child2" refType="primFontSz" refFor="des" refForName="Parent2" op="lte"/>
+              <dgm:constr type="primFontSz" for="des" forName="Child3" refType="primFontSz" refFor="des" refForName="Parent2" op="lte"/>
+              <dgm:constr type="primFontSz" for="des" forName="Child4" refType="primFontSz" refFor="des" refForName="Parent2" op="lte"/>
+              <dgm:constr type="primFontSz" for="des" forName="Child5" refType="primFontSz" refFor="des" refForName="Parent2" op="lte"/>
+              <dgm:constr type="primFontSz" for="des" forName="Child6" refType="primFontSz" refFor="des" refForName="Parent2" op="lte"/>
+              <dgm:constr type="primFontSz" for="des" forName="Child1" refType="primFontSz" refFor="des" refForName="Parent3" op="lte"/>
+              <dgm:constr type="primFontSz" for="des" forName="Child2" refType="primFontSz" refFor="des" refForName="Parent3" op="lte"/>
+              <dgm:constr type="primFontSz" for="des" forName="Child3" refType="primFontSz" refFor="des" refForName="Parent3" op="lte"/>
+              <dgm:constr type="primFontSz" for="des" forName="Child4" refType="primFontSz" refFor="des" refForName="Parent3" op="lte"/>
+              <dgm:constr type="primFontSz" for="des" forName="Child5" refType="primFontSz" refFor="des" refForName="Parent3" op="lte"/>
+              <dgm:constr type="primFontSz" for="des" forName="Child6" refType="primFontSz" refFor="des" refForName="Parent3" op="lte"/>
+              <dgm:constr type="primFontSz" for="des" forName="Child1" refType="primFontSz" refFor="des" refForName="Parent4" op="lte"/>
+              <dgm:constr type="primFontSz" for="des" forName="Child2" refType="primFontSz" refFor="des" refForName="Parent4" op="lte"/>
+              <dgm:constr type="primFontSz" for="des" forName="Child3" refType="primFontSz" refFor="des" refForName="Parent4" op="lte"/>
+              <dgm:constr type="primFontSz" for="des" forName="Child4" refType="primFontSz" refFor="des" refForName="Parent4" op="lte"/>
+              <dgm:constr type="primFontSz" for="des" forName="Child5" refType="primFontSz" refFor="des" refForName="Parent4" op="lte"/>
+              <dgm:constr type="primFontSz" for="des" forName="Child6" refType="primFontSz" refFor="des" refForName="Parent4" op="lte"/>
+              <dgm:constr type="primFontSz" for="des" forName="Child1" refType="primFontSz" refFor="des" refForName="Parent5" op="lte"/>
+              <dgm:constr type="primFontSz" for="des" forName="Child2" refType="primFontSz" refFor="des" refForName="Parent5" op="lte"/>
+              <dgm:constr type="primFontSz" for="des" forName="Child3" refType="primFontSz" refFor="des" refForName="Parent5" op="lte"/>
+              <dgm:constr type="primFontSz" for="des" forName="Child4" refType="primFontSz" refFor="des" refForName="Parent5" op="lte"/>
+              <dgm:constr type="primFontSz" for="des" forName="Child5" refType="primFontSz" refFor="des" refForName="Parent5" op="lte"/>
+              <dgm:constr type="primFontSz" for="des" forName="Child6" refType="primFontSz" refFor="des" refForName="Parent5" op="lte"/>
+              <dgm:constr type="primFontSz" for="des" forName="Child1" refType="primFontSz" refFor="des" refForName="Parent6" op="lte"/>
+              <dgm:constr type="primFontSz" for="des" forName="Child2" refType="primFontSz" refFor="des" refForName="Parent6" op="lte"/>
+              <dgm:constr type="primFontSz" for="des" forName="Child3" refType="primFontSz" refFor="des" refForName="Parent6" op="lte"/>
+              <dgm:constr type="primFontSz" for="des" forName="Child4" refType="primFontSz" refFor="des" refForName="Parent6" op="lte"/>
+              <dgm:constr type="primFontSz" for="des" forName="Child5" refType="primFontSz" refFor="des" refForName="Parent6" op="lte"/>
+              <dgm:constr type="primFontSz" for="des" forName="Child6" refType="primFontSz" refFor="des" refForName="Parent6" op="lte"/>
+              <dgm:constr type="primFontSz" for="des" forName="Parent2" refType="primFontSz" refFor="des" refForName="Parent1" op="equ"/>
+              <dgm:constr type="primFontSz" for="des" forName="Parent3" refType="primFontSz" refFor="des" refForName="Parent1" op="equ"/>
+              <dgm:constr type="primFontSz" for="des" forName="Parent4" refType="primFontSz" refFor="des" refForName="Parent1" op="equ"/>
+              <dgm:constr type="primFontSz" for="des" forName="Parent5" refType="primFontSz" refFor="des" refForName="Parent1" op="equ"/>
+              <dgm:constr type="primFontSz" for="des" forName="Parent6" refType="primFontSz" refFor="des" refForName="Parent1" op="equ"/>
+              <dgm:constr type="primFontSz" for="des" forName="Child2" refType="primFontSz" refFor="des" refForName="Child1" op="equ"/>
+              <dgm:constr type="primFontSz" for="des" forName="Child3" refType="primFontSz" refFor="des" refForName="Child1" op="equ"/>
+              <dgm:constr type="primFontSz" for="des" forName="Child4" refType="primFontSz" refFor="des" refForName="Child1" op="equ"/>
+              <dgm:constr type="primFontSz" for="des" forName="Child5" refType="primFontSz" refFor="des" refForName="Child1" op="equ"/>
+              <dgm:constr type="primFontSz" for="des" forName="Child6" refType="primFontSz" refFor="des" refForName="Child1" op="equ"/>
+              <dgm:constr type="r" for="ch" forName="Parent6" refType="w" fact="0.1311"/>
+              <dgm:constr type="t" for="ch" forName="Parent6" refType="h" fact="0.2022"/>
+              <dgm:constr type="w" for="ch" forName="Parent6" refType="w" fact="0.1049"/>
+              <dgm:constr type="h" for="ch" forName="Parent6" refType="h" fact="0.3799"/>
+              <dgm:constr type="r" for="ch" forName="Parent5" refType="w" fact="0.2937"/>
+              <dgm:constr type="t" for="ch" forName="Parent5" refType="h" fact="0.2022"/>
+              <dgm:constr type="w" for="ch" forName="Parent5" refType="w" fact="0.1049"/>
+              <dgm:constr type="h" for="ch" forName="Parent5" refType="h" fact="0.3799"/>
+              <dgm:constr type="r" for="ch" forName="Parent4" refType="w" fact="0.4563"/>
+              <dgm:constr type="t" for="ch" forName="Parent4" refType="h" fact="0.2022"/>
+              <dgm:constr type="w" for="ch" forName="Parent4" refType="w" fact="0.1049"/>
+              <dgm:constr type="h" for="ch" forName="Parent4" refType="h" fact="0.3799"/>
+              <dgm:constr type="r" for="ch" forName="Parent3" refType="w" fact="0.619"/>
+              <dgm:constr type="t" for="ch" forName="Parent3" refType="h" fact="0.2022"/>
+              <dgm:constr type="w" for="ch" forName="Parent3" refType="w" fact="0.1049"/>
+              <dgm:constr type="h" for="ch" forName="Parent3" refType="h" fact="0.3799"/>
+              <dgm:constr type="r" for="ch" forName="Parent2" refType="w" fact="0.7816"/>
+              <dgm:constr type="t" for="ch" forName="Parent2" refType="h" fact="0.2022"/>
+              <dgm:constr type="w" for="ch" forName="Parent2" refType="w" fact="0.1049"/>
+              <dgm:constr type="h" for="ch" forName="Parent2" refType="h" fact="0.3799"/>
+              <dgm:constr type="r" for="ch" forName="Parent1" refType="w" fact="0.9442"/>
+              <dgm:constr type="t" for="ch" forName="Parent1" refType="h" fact="0.2022"/>
+              <dgm:constr type="w" for="ch" forName="Parent1" refType="w" fact="0.1049"/>
+              <dgm:constr type="h" for="ch" forName="Parent1" refType="h" fact="0.3799"/>
+              <dgm:constr type="r" for="ch" forName="Accent6" refType="w" fact="0.1574"/>
+              <dgm:constr type="t" for="ch" forName="Accent6" refType="h" fact="0.1072"/>
+              <dgm:constr type="w" for="ch" forName="Accent6" refType="w" fact="0.1574"/>
+              <dgm:constr type="h" for="ch" forName="Accent6" refType="h" fact="0.5699"/>
+              <dgm:constr type="r" for="ch" forName="ParentBackground6" refType="w" fact="0.1521"/>
+              <dgm:constr type="t" for="ch" forName="ParentBackground6" refType="h" fact="0.1262"/>
+              <dgm:constr type="w" for="ch" forName="ParentBackground6" refType="w" fact="0.1469"/>
+              <dgm:constr type="h" for="ch" forName="ParentBackground6" refType="h" fact="0.5319"/>
+              <dgm:constr type="r" for="ch" forName="Child6" refType="w" fact="0.1521"/>
+              <dgm:constr type="t" for="ch" forName="Child6" refType="h" fact="0.6876"/>
+              <dgm:constr type="w" for="ch" forName="Child6" refType="w" fact="0.1469"/>
+              <dgm:constr type="h" for="ch" forName="Child6" refType="h" fact="0.3124"/>
+              <dgm:constr type="r" for="ch" forName="Accent5" refType="w" fact="0.3526"/>
+              <dgm:constr type="t" for="ch" forName="Accent5" refType="h" fact="-0.0109"/>
+              <dgm:constr type="w" for="ch" forName="Accent5" refType="w" fact="0.2226"/>
+              <dgm:constr type="h" for="ch" forName="Accent5" refType="h" fact="0.806"/>
+              <dgm:constr type="r" for="ch" forName="ParentBackground5" refType="w" fact="0.3147"/>
+              <dgm:constr type="t" for="ch" forName="ParentBackground5" refType="h" fact="0.1262"/>
+              <dgm:constr type="w" for="ch" forName="ParentBackground5" refType="w" fact="0.1469"/>
+              <dgm:constr type="h" for="ch" forName="ParentBackground5" refType="h" fact="0.5319"/>
+              <dgm:constr type="r" for="ch" forName="Child5" refType="w" fact="0.3147"/>
+              <dgm:constr type="t" for="ch" forName="Child5" refType="h" fact="0.6876"/>
+              <dgm:constr type="w" for="ch" forName="Child5" refType="w" fact="0.1469"/>
+              <dgm:constr type="h" for="ch" forName="Child5" refType="h" fact="0.3124"/>
+              <dgm:constr type="r" for="ch" forName="Accent4" refType="w" fact="0.5152"/>
+              <dgm:constr type="t" for="ch" forName="Accent4" refType="h" fact="-0.0109"/>
+              <dgm:constr type="w" for="ch" forName="Accent4" refType="w" fact="0.2226"/>
+              <dgm:constr type="h" for="ch" forName="Accent4" refType="h" fact="0.806"/>
+              <dgm:constr type="r" for="ch" forName="ParentBackground4" refType="w" fact="0.4773"/>
+              <dgm:constr type="t" for="ch" forName="ParentBackground4" refType="h" fact="0.1262"/>
+              <dgm:constr type="w" for="ch" forName="ParentBackground4" refType="w" fact="0.1469"/>
+              <dgm:constr type="h" for="ch" forName="ParentBackground4" refType="h" fact="0.5319"/>
+              <dgm:constr type="r" for="ch" forName="Child4" refType="w" fact="0.4773"/>
+              <dgm:constr type="t" for="ch" forName="Child4" refType="h" fact="0.6876"/>
+              <dgm:constr type="w" for="ch" forName="Child4" refType="w" fact="0.1469"/>
+              <dgm:constr type="h" for="ch" forName="Child4" refType="h" fact="0.3124"/>
+              <dgm:constr type="r" for="ch" forName="Accent3" refType="w" fact="0.6778"/>
+              <dgm:constr type="t" for="ch" forName="Accent3" refType="h" fact="-0.0109"/>
+              <dgm:constr type="w" for="ch" forName="Accent3" refType="w" fact="0.2226"/>
+              <dgm:constr type="h" for="ch" forName="Accent3" refType="h" fact="0.806"/>
+              <dgm:constr type="r" for="ch" forName="ParentBackground3" refType="w" fact="0.6399"/>
+              <dgm:constr type="t" for="ch" forName="ParentBackground3" refType="h" fact="0.1262"/>
+              <dgm:constr type="w" for="ch" forName="ParentBackground3" refType="w" fact="0.1469"/>
+              <dgm:constr type="h" for="ch" forName="ParentBackground3" refType="h" fact="0.5319"/>
+              <dgm:constr type="r" for="ch" forName="Child3" refType="w" fact="0.6399"/>
+              <dgm:constr type="t" for="ch" forName="Child3" refType="h" fact="0.6876"/>
+              <dgm:constr type="w" for="ch" forName="Child3" refType="w" fact="0.1469"/>
+              <dgm:constr type="h" for="ch" forName="Child3" refType="h" fact="0.3124"/>
+              <dgm:constr type="r" for="ch" forName="Accent2" refType="w" fact="0.8404"/>
+              <dgm:constr type="t" for="ch" forName="Accent2" refType="h" fact="-0.0109"/>
+              <dgm:constr type="w" for="ch" forName="Accent2" refType="w" fact="0.2226"/>
+              <dgm:constr type="h" for="ch" forName="Accent2" refType="h" fact="0.806"/>
+              <dgm:constr type="r" for="ch" forName="ParentBackground2" refType="w" fact="0.8025"/>
+              <dgm:constr type="t" for="ch" forName="ParentBackground2" refType="h" fact="0.1262"/>
+              <dgm:constr type="w" for="ch" forName="ParentBackground2" refType="w" fact="0.1469"/>
+              <dgm:constr type="h" for="ch" forName="ParentBackground2" refType="h" fact="0.5319"/>
+              <dgm:constr type="r" for="ch" forName="Child2" refType="w" fact="0.8025"/>
+              <dgm:constr type="t" for="ch" forName="Child2" refType="h" fact="0.6876"/>
+              <dgm:constr type="w" for="ch" forName="Child2" refType="w" fact="0.1469"/>
+              <dgm:constr type="h" for="ch" forName="Child2" refType="h" fact="0.3124"/>
+              <dgm:constr type="r" for="ch" forName="Accent1" refType="w" fact="1.003"/>
+              <dgm:constr type="t" for="ch" forName="Accent1" refType="h" fact="-0.0109"/>
+              <dgm:constr type="w" for="ch" forName="Accent1" refType="w" fact="0.2226"/>
+              <dgm:constr type="h" for="ch" forName="Accent1" refType="h" fact="0.806"/>
+              <dgm:constr type="r" for="ch" forName="ParentBackground1" refType="w" fact="0.9652"/>
+              <dgm:constr type="t" for="ch" forName="ParentBackground1" refType="h" fact="0.1262"/>
+              <dgm:constr type="w" for="ch" forName="ParentBackground1" refType="w" fact="0.1469"/>
+              <dgm:constr type="h" for="ch" forName="ParentBackground1" refType="h" fact="0.5319"/>
+              <dgm:constr type="r" for="ch" forName="Child1" refType="w" fact="0.9652"/>
+              <dgm:constr type="t" for="ch" forName="Child1" refType="h" fact="0.6876"/>
+              <dgm:constr type="w" for="ch" forName="Child1" refType="w" fact="0.1469"/>
+              <dgm:constr type="h" for="ch" forName="Child1" refType="h" fact="0.3124"/>
+            </dgm:constrLst>
+          </dgm:if>
+          <dgm:if name="Name23" axis="ch" ptType="node" func="cnt" op="equ" val="7">
+            <dgm:alg type="composite">
+              <dgm:param type="ar" val="4.2103"/>
+            </dgm:alg>
+            <dgm:constrLst>
+              <dgm:constr type="primFontSz" for="des" forName="Child1" val="65"/>
+              <dgm:constr type="primFontSz" for="des" forName="Parent1" val="65"/>
+              <dgm:constr type="primFontSz" for="des" forName="Child1" refType="primFontSz" refFor="des" refForName="Parent1" op="lte"/>
+              <dgm:constr type="primFontSz" for="des" forName="Child2" refType="primFontSz" refFor="des" refForName="Parent1" op="lte"/>
+              <dgm:constr type="primFontSz" for="des" forName="Child3" refType="primFontSz" refFor="des" refForName="Parent1" op="lte"/>
+              <dgm:constr type="primFontSz" for="des" forName="Child4" refType="primFontSz" refFor="des" refForName="Parent1" op="lte"/>
+              <dgm:constr type="primFontSz" for="des" forName="Child5" refType="primFontSz" refFor="des" refForName="Parent1" op="lte"/>
+              <dgm:constr type="primFontSz" for="des" forName="Child6" refType="primFontSz" refFor="des" refForName="Parent1" op="lte"/>
+              <dgm:constr type="primFontSz" for="des" forName="Child7" refType="primFontSz" refFor="des" refForName="Parent1" op="lte"/>
+              <dgm:constr type="primFontSz" for="des" forName="Child1" refType="primFontSz" refFor="des" refForName="Parent2" op="lte"/>
+              <dgm:constr type="primFontSz" for="des" forName="Child2" refType="primFontSz" refFor="des" refForName="Parent2" op="lte"/>
+              <dgm:constr type="primFontSz" for="des" forName="Child3" refType="primFontSz" refFor="des" refForName="Parent2" op="lte"/>
+              <dgm:constr type="primFontSz" for="des" forName="Child4" refType="primFontSz" refFor="des" refForName="Parent2" op="lte"/>
+              <dgm:constr type="primFontSz" for="des" forName="Child5" refType="primFontSz" refFor="des" refForName="Parent2" op="lte"/>
+              <dgm:constr type="primFontSz" for="des" forName="Child6" refType="primFontSz" refFor="des" refForName="Parent2" op="lte"/>
+              <dgm:constr type="primFontSz" for="des" forName="Child7" refType="primFontSz" refFor="des" refForName="Parent2" op="lte"/>
+              <dgm:constr type="primFontSz" for="des" forName="Child1" refType="primFontSz" refFor="des" refForName="Parent3" op="lte"/>
+              <dgm:constr type="primFontSz" for="des" forName="Child2" refType="primFontSz" refFor="des" refForName="Parent3" op="lte"/>
+              <dgm:constr type="primFontSz" for="des" forName="Child3" refType="primFontSz" refFor="des" refForName="Parent3" op="lte"/>
+              <dgm:constr type="primFontSz" for="des" forName="Child4" refType="primFontSz" refFor="des" refForName="Parent3" op="lte"/>
+              <dgm:constr type="primFontSz" for="des" forName="Child5" refType="primFontSz" refFor="des" refForName="Parent3" op="lte"/>
+              <dgm:constr type="primFontSz" for="des" forName="Child6" refType="primFontSz" refFor="des" refForName="Parent3" op="lte"/>
+              <dgm:constr type="primFontSz" for="des" forName="Child7" refType="primFontSz" refFor="des" refForName="Parent3" op="lte"/>
+              <dgm:constr type="primFontSz" for="des" forName="Child1" refType="primFontSz" refFor="des" refForName="Parent4" op="lte"/>
+              <dgm:constr type="primFontSz" for="des" forName="Child2" refType="primFontSz" refFor="des" refForName="Parent4" op="lte"/>
+              <dgm:constr type="primFontSz" for="des" forName="Child3" refType="primFontSz" refFor="des" refForName="Parent4" op="lte"/>
+              <dgm:constr type="primFontSz" for="des" forName="Child4" refType="primFontSz" refFor="des" refForName="Parent4" op="lte"/>
+              <dgm:constr type="primFontSz" for="des" forName="Child5" refType="primFontSz" refFor="des" refForName="Parent4" op="lte"/>
+              <dgm:constr type="primFontSz" for="des" forName="Child6" refType="primFontSz" refFor="des" refForName="Parent4" op="lte"/>
+              <dgm:constr type="primFontSz" for="des" forName="Child7" refType="primFontSz" refFor="des" refForName="Parent4" op="lte"/>
+              <dgm:constr type="primFontSz" for="des" forName="Child1" refType="primFontSz" refFor="des" refForName="Parent5" op="lte"/>
+              <dgm:constr type="primFontSz" for="des" forName="Child2" refType="primFontSz" refFor="des" refForName="Parent5" op="lte"/>
+              <dgm:constr type="primFontSz" for="des" forName="Child3" refType="primFontSz" refFor="des" refForName="Parent5" op="lte"/>
+              <dgm:constr type="primFontSz" for="des" forName="Child4" refType="primFontSz" refFor="des" refForName="Parent5" op="lte"/>
+              <dgm:constr type="primFontSz" for="des" forName="Child5" refType="primFontSz" refFor="des" refForName="Parent5" op="lte"/>
+              <dgm:constr type="primFontSz" for="des" forName="Child6" refType="primFontSz" refFor="des" refForName="Parent5" op="lte"/>
+              <dgm:constr type="primFontSz" for="des" forName="Child7" refType="primFontSz" refFor="des" refForName="Parent5" op="lte"/>
+              <dgm:constr type="primFontSz" for="des" forName="Child1" refType="primFontSz" refFor="des" refForName="Parent6" op="lte"/>
+              <dgm:constr type="primFontSz" for="des" forName="Child2" refType="primFontSz" refFor="des" refForName="Parent6" op="lte"/>
+              <dgm:constr type="primFontSz" for="des" forName="Child3" refType="primFontSz" refFor="des" refForName="Parent6" op="lte"/>
+              <dgm:constr type="primFontSz" for="des" forName="Child4" refType="primFontSz" refFor="des" refForName="Parent6" op="lte"/>
+              <dgm:constr type="primFontSz" for="des" forName="Child5" refType="primFontSz" refFor="des" refForName="Parent6" op="lte"/>
+              <dgm:constr type="primFontSz" for="des" forName="Child6" refType="primFontSz" refFor="des" refForName="Parent6" op="lte"/>
+              <dgm:constr type="primFontSz" for="des" forName="Child7" refType="primFontSz" refFor="des" refForName="Parent6" op="lte"/>
+              <dgm:constr type="primFontSz" for="des" forName="Child1" refType="primFontSz" refFor="des" refForName="Parent7" op="lte"/>
+              <dgm:constr type="primFontSz" for="des" forName="Child2" refType="primFontSz" refFor="des" refForName="Parent7" op="lte"/>
+              <dgm:constr type="primFontSz" for="des" forName="Child3" refType="primFontSz" refFor="des" refForName="Parent7" op="lte"/>
+              <dgm:constr type="primFontSz" for="des" forName="Child4" refType="primFontSz" refFor="des" refForName="Parent7" op="lte"/>
+              <dgm:constr type="primFontSz" for="des" forName="Child5" refType="primFontSz" refFor="des" refForName="Parent7" op="lte"/>
+              <dgm:constr type="primFontSz" for="des" forName="Child6" refType="primFontSz" refFor="des" refForName="Parent7" op="lte"/>
+              <dgm:constr type="primFontSz" for="des" forName="Child7" refType="primFontSz" refFor="des" refForName="Parent7" op="lte"/>
+              <dgm:constr type="primFontSz" for="des" forName="Parent2" refType="primFontSz" refFor="des" refForName="Parent1" op="equ"/>
+              <dgm:constr type="primFontSz" for="des" forName="Parent3" refType="primFontSz" refFor="des" refForName="Parent1" op="equ"/>
+              <dgm:constr type="primFontSz" for="des" forName="Parent4" refType="primFontSz" refFor="des" refForName="Parent1" op="equ"/>
+              <dgm:constr type="primFontSz" for="des" forName="Parent5" refType="primFontSz" refFor="des" refForName="Parent1" op="equ"/>
+              <dgm:constr type="primFontSz" for="des" forName="Parent6" refType="primFontSz" refFor="des" refForName="Parent1" op="equ"/>
+              <dgm:constr type="primFontSz" for="des" forName="Parent7" refType="primFontSz" refFor="des" refForName="Parent1" op="equ"/>
+              <dgm:constr type="primFontSz" for="des" forName="Child2" refType="primFontSz" refFor="des" refForName="Child1" op="equ"/>
+              <dgm:constr type="primFontSz" for="des" forName="Child3" refType="primFontSz" refFor="des" refForName="Child1" op="equ"/>
+              <dgm:constr type="primFontSz" for="des" forName="Child4" refType="primFontSz" refFor="des" refForName="Child1" op="equ"/>
+              <dgm:constr type="primFontSz" for="des" forName="Child5" refType="primFontSz" refFor="des" refForName="Child1" op="equ"/>
+              <dgm:constr type="primFontSz" for="des" forName="Child6" refType="primFontSz" refFor="des" refForName="Child1" op="equ"/>
+              <dgm:constr type="primFontSz" for="des" forName="Child7" refType="primFontSz" refFor="des" refForName="Child1" op="equ"/>
+              <dgm:constr type="r" for="ch" forName="Parent7" refType="w" fact="0.1128"/>
+              <dgm:constr type="t" for="ch" forName="Parent7" refType="h" fact="0.2022"/>
+              <dgm:constr type="w" for="ch" forName="Parent7" refType="w" fact="0.0902"/>
+              <dgm:constr type="h" for="ch" forName="Parent7" refType="h" fact="0.3799"/>
+              <dgm:constr type="r" for="ch" forName="Parent6" refType="w" fact="0.2527"/>
+              <dgm:constr type="t" for="ch" forName="Parent6" refType="h" fact="0.2022"/>
+              <dgm:constr type="w" for="ch" forName="Parent6" refType="w" fact="0.0902"/>
+              <dgm:constr type="h" for="ch" forName="Parent6" refType="h" fact="0.3799"/>
+              <dgm:constr type="r" for="ch" forName="Parent5" refType="w" fact="0.3925"/>
+              <dgm:constr type="t" for="ch" forName="Parent5" refType="h" fact="0.2022"/>
+              <dgm:constr type="w" for="ch" forName="Parent5" refType="w" fact="0.0902"/>
+              <dgm:constr type="h" for="ch" forName="Parent5" refType="h" fact="0.3799"/>
+              <dgm:constr type="r" for="ch" forName="Parent4" refType="w" fact="0.5324"/>
+              <dgm:constr type="t" for="ch" forName="Parent4" refType="h" fact="0.2022"/>
+              <dgm:constr type="w" for="ch" forName="Parent4" refType="w" fact="0.0902"/>
+              <dgm:constr type="h" for="ch" forName="Parent4" refType="h" fact="0.3799"/>
+              <dgm:constr type="r" for="ch" forName="Parent3" refType="w" fact="0.6723"/>
+              <dgm:constr type="t" for="ch" forName="Parent3" refType="h" fact="0.2022"/>
+              <dgm:constr type="w" for="ch" forName="Parent3" refType="w" fact="0.0902"/>
+              <dgm:constr type="h" for="ch" forName="Parent3" refType="h" fact="0.3799"/>
+              <dgm:constr type="r" for="ch" forName="Parent2" refType="w" fact="0.8121"/>
+              <dgm:constr type="t" for="ch" forName="Parent2" refType="h" fact="0.2022"/>
+              <dgm:constr type="w" for="ch" forName="Parent2" refType="w" fact="0.0902"/>
+              <dgm:constr type="h" for="ch" forName="Parent2" refType="h" fact="0.3799"/>
+              <dgm:constr type="r" for="ch" forName="Parent1" refType="w" fact="0.952"/>
+              <dgm:constr type="t" for="ch" forName="Parent1" refType="h" fact="0.2022"/>
+              <dgm:constr type="w" for="ch" forName="Parent1" refType="w" fact="0.0902"/>
+              <dgm:constr type="h" for="ch" forName="Parent1" refType="h" fact="0.3799"/>
+              <dgm:constr type="r" for="ch" forName="Accent7" refType="w" fact="0.1354"/>
+              <dgm:constr type="t" for="ch" forName="Accent7" refType="h" fact="0.1072"/>
+              <dgm:constr type="w" for="ch" forName="Accent7" refType="w" fact="0.1354"/>
+              <dgm:constr type="h" for="ch" forName="Accent7" refType="h" fact="0.5699"/>
+              <dgm:constr type="r" for="ch" forName="ParentBackground7" refType="w" fact="0.1308"/>
+              <dgm:constr type="t" for="ch" forName="ParentBackground7" refType="h" fact="0.1262"/>
+              <dgm:constr type="w" for="ch" forName="ParentBackground7" refType="w" fact="0.1263"/>
+              <dgm:constr type="h" for="ch" forName="ParentBackground7" refType="h" fact="0.5319"/>
+              <dgm:constr type="r" for="ch" forName="Child7" refType="w" fact="0.1308"/>
+              <dgm:constr type="t" for="ch" forName="Child7" refType="h" fact="0.6876"/>
+              <dgm:constr type="w" for="ch" forName="Child7" refType="w" fact="0.1263"/>
+              <dgm:constr type="h" for="ch" forName="Child7" refType="h" fact="0.3124"/>
+              <dgm:constr type="r" for="ch" forName="Accent6" refType="w" fact="0.3033"/>
+              <dgm:constr type="t" for="ch" forName="Accent6" refType="h" fact="-0.0109"/>
+              <dgm:constr type="w" for="ch" forName="Accent6" refType="w" fact="0.1915"/>
+              <dgm:constr type="h" for="ch" forName="Accent6" refType="h" fact="0.806"/>
+              <dgm:constr type="r" for="ch" forName="ParentBackground6" refType="w" fact="0.2707"/>
+              <dgm:constr type="t" for="ch" forName="ParentBackground6" refType="h" fact="0.1262"/>
+              <dgm:constr type="w" for="ch" forName="ParentBackground6" refType="w" fact="0.1263"/>
+              <dgm:constr type="h" for="ch" forName="ParentBackground6" refType="h" fact="0.5319"/>
+              <dgm:constr type="r" for="ch" forName="Child6" refType="w" fact="0.2707"/>
+              <dgm:constr type="t" for="ch" forName="Child6" refType="h" fact="0.6876"/>
+              <dgm:constr type="w" for="ch" forName="Child6" refType="w" fact="0.1263"/>
+              <dgm:constr type="h" for="ch" forName="Child6" refType="h" fact="0.3124"/>
+              <dgm:constr type="r" for="ch" forName="Accent5" refType="w" fact="0.4431"/>
+              <dgm:constr type="t" for="ch" forName="Accent5" refType="h" fact="-0.0109"/>
+              <dgm:constr type="w" for="ch" forName="Accent5" refType="w" fact="0.1915"/>
+              <dgm:constr type="h" for="ch" forName="Accent5" refType="h" fact="0.806"/>
+              <dgm:constr type="r" for="ch" forName="ParentBackground5" refType="w" fact="0.4106"/>
+              <dgm:constr type="t" for="ch" forName="ParentBackground5" refType="h" fact="0.1262"/>
+              <dgm:constr type="w" for="ch" forName="ParentBackground5" refType="w" fact="0.1263"/>
+              <dgm:constr type="h" for="ch" forName="ParentBackground5" refType="h" fact="0.5319"/>
+              <dgm:constr type="r" for="ch" forName="Child5" refType="w" fact="0.4106"/>
+              <dgm:constr type="t" for="ch" forName="Child5" refType="h" fact="0.6876"/>
+              <dgm:constr type="w" for="ch" forName="Child5" refType="w" fact="0.1263"/>
+              <dgm:constr type="h" for="ch" forName="Child5" refType="h" fact="0.3124"/>
+              <dgm:constr type="r" for="ch" forName="Accent4" refType="w" fact="0.583"/>
+              <dgm:constr type="t" for="ch" forName="Accent4" refType="h" fact="-0.0109"/>
+              <dgm:constr type="w" for="ch" forName="Accent4" refType="w" fact="0.1915"/>
+              <dgm:constr type="h" for="ch" forName="Accent4" refType="h" fact="0.806"/>
+              <dgm:constr type="r" for="ch" forName="ParentBackground4" refType="w" fact="0.5504"/>
+              <dgm:constr type="t" for="ch" forName="ParentBackground4" refType="h" fact="0.1262"/>
+              <dgm:constr type="w" for="ch" forName="ParentBackground4" refType="w" fact="0.1263"/>
+              <dgm:constr type="h" for="ch" forName="ParentBackground4" refType="h" fact="0.5319"/>
+              <dgm:constr type="r" for="ch" forName="Child4" refType="w" fact="0.5504"/>
+              <dgm:constr type="t" for="ch" forName="Child4" refType="h" fact="0.6876"/>
+              <dgm:constr type="w" for="ch" forName="Child4" refType="w" fact="0.1263"/>
+              <dgm:constr type="h" for="ch" forName="Child4" refType="h" fact="0.3124"/>
+              <dgm:constr type="r" for="ch" forName="Accent3" refType="w" fact="0.7229"/>
+              <dgm:constr type="t" for="ch" forName="Accent3" refType="h" fact="-0.0109"/>
+              <dgm:constr type="w" for="ch" forName="Accent3" refType="w" fact="0.1915"/>
+              <dgm:constr type="h" for="ch" forName="Accent3" refType="h" fact="0.806"/>
+              <dgm:constr type="r" for="ch" forName="ParentBackground3" refType="w" fact="0.6903"/>
+              <dgm:constr type="t" for="ch" forName="ParentBackground3" refType="h" fact="0.1262"/>
+              <dgm:constr type="w" for="ch" forName="ParentBackground3" refType="w" fact="0.1263"/>
+              <dgm:constr type="h" for="ch" forName="ParentBackground3" refType="h" fact="0.5319"/>
+              <dgm:constr type="r" for="ch" forName="Child3" refType="w" fact="0.6903"/>
+              <dgm:constr type="t" for="ch" forName="Child3" refType="h" fact="0.6876"/>
+              <dgm:constr type="w" for="ch" forName="Child3" refType="w" fact="0.1263"/>
+              <dgm:constr type="h" for="ch" forName="Child3" refType="h" fact="0.3124"/>
+              <dgm:constr type="r" for="ch" forName="Accent2" refType="w" fact="0.8627"/>
+              <dgm:constr type="t" for="ch" forName="Accent2" refType="h" fact="-0.0109"/>
+              <dgm:constr type="w" for="ch" forName="Accent2" refType="w" fact="0.1915"/>
+              <dgm:constr type="h" for="ch" forName="Accent2" refType="h" fact="0.806"/>
+              <dgm:constr type="r" for="ch" forName="ParentBackground2" refType="w" fact="0.8302"/>
+              <dgm:constr type="t" for="ch" forName="ParentBackground2" refType="h" fact="0.1262"/>
+              <dgm:constr type="w" for="ch" forName="ParentBackground2" refType="w" fact="0.1263"/>
+              <dgm:constr type="h" for="ch" forName="ParentBackground2" refType="h" fact="0.5319"/>
+              <dgm:constr type="r" for="ch" forName="Child2" refType="w" fact="0.8302"/>
+              <dgm:constr type="t" for="ch" forName="Child2" refType="h" fact="0.6876"/>
+              <dgm:constr type="w" for="ch" forName="Child2" refType="w" fact="0.1263"/>
+              <dgm:constr type="h" for="ch" forName="Child2" refType="h" fact="0.3124"/>
+              <dgm:constr type="r" for="ch" forName="Accent1" refType="w" fact="1.0026"/>
+              <dgm:constr type="t" for="ch" forName="Accent1" refType="h" fact="-0.0109"/>
+              <dgm:constr type="w" for="ch" forName="Accent1" refType="w" fact="0.1915"/>
+              <dgm:constr type="h" for="ch" forName="Accent1" refType="h" fact="0.806"/>
+              <dgm:constr type="r" for="ch" forName="ParentBackground1" refType="w" fact="0.97"/>
+              <dgm:constr type="t" for="ch" forName="ParentBackground1" refType="h" fact="0.1262"/>
+              <dgm:constr type="w" for="ch" forName="ParentBackground1" refType="w" fact="0.1263"/>
+              <dgm:constr type="h" for="ch" forName="ParentBackground1" refType="h" fact="0.5319"/>
+              <dgm:constr type="r" for="ch" forName="Child1" refType="w" fact="0.97"/>
+              <dgm:constr type="t" for="ch" forName="Child1" refType="h" fact="0.6876"/>
+              <dgm:constr type="w" for="ch" forName="Child1" refType="w" fact="0.1263"/>
+              <dgm:constr type="h" for="ch" forName="Child1" refType="h" fact="0.3124"/>
+            </dgm:constrLst>
+          </dgm:if>
+          <dgm:if name="Name24" axis="ch" ptType="node" func="cnt" op="equ" val="8">
+            <dgm:alg type="composite">
+              <dgm:param type="ar" val="4.7991"/>
+            </dgm:alg>
+            <dgm:constrLst>
+              <dgm:constr type="primFontSz" for="des" forName="Child1" val="65"/>
+              <dgm:constr type="primFontSz" for="des" forName="Parent1" val="65"/>
+              <dgm:constr type="primFontSz" for="des" forName="Child1" refType="primFontSz" refFor="des" refForName="Parent1" op="lte"/>
+              <dgm:constr type="primFontSz" for="des" forName="Child2" refType="primFontSz" refFor="des" refForName="Parent1" op="lte"/>
+              <dgm:constr type="primFontSz" for="des" forName="Child3" refType="primFontSz" refFor="des" refForName="Parent1" op="lte"/>
+              <dgm:constr type="primFontSz" for="des" forName="Child4" refType="primFontSz" refFor="des" refForName="Parent1" op="lte"/>
+              <dgm:constr type="primFontSz" for="des" forName="Child5" refType="primFontSz" refFor="des" refForName="Parent1" op="lte"/>
+              <dgm:constr type="primFontSz" for="des" forName="Child6" refType="primFontSz" refFor="des" refForName="Parent1" op="lte"/>
+              <dgm:constr type="primFontSz" for="des" forName="Child7" refType="primFontSz" refFor="des" refForName="Parent1" op="lte"/>
+              <dgm:constr type="primFontSz" for="des" forName="Child8" refType="primFontSz" refFor="des" refForName="Parent1" op="lte"/>
+              <dgm:constr type="primFontSz" for="des" forName="Child1" refType="primFontSz" refFor="des" refForName="Parent2" op="lte"/>
+              <dgm:constr type="primFontSz" for="des" forName="Child2" refType="primFontSz" refFor="des" refForName="Parent2" op="lte"/>
+              <dgm:constr type="primFontSz" for="des" forName="Child3" refType="primFontSz" refFor="des" refForName="Parent2" op="lte"/>
+              <dgm:constr type="primFontSz" for="des" forName="Child4" refType="primFontSz" refFor="des" refForName="Parent2" op="lte"/>
+              <dgm:constr type="primFontSz" for="des" forName="Child5" refType="primFontSz" refFor="des" refForName="Parent2" op="lte"/>
+              <dgm:constr type="primFontSz" for="des" forName="Child6" refType="primFontSz" refFor="des" refForName="Parent2" op="lte"/>
+              <dgm:constr type="primFontSz" for="des" forName="Child7" refType="primFontSz" refFor="des" refForName="Parent2" op="lte"/>
+              <dgm:constr type="primFontSz" for="des" forName="Child8" refType="primFontSz" refFor="des" refForName="Parent2" op="lte"/>
+              <dgm:constr type="primFontSz" for="des" forName="Child1" refType="primFontSz" refFor="des" refForName="Parent3" op="lte"/>
+              <dgm:constr type="primFontSz" for="des" forName="Child2" refType="primFontSz" refFor="des" refForName="Parent3" op="lte"/>
+              <dgm:constr type="primFontSz" for="des" forName="Child3" refType="primFontSz" refFor="des" refForName="Parent3" op="lte"/>
+              <dgm:constr type="primFontSz" for="des" forName="Child4" refType="primFontSz" refFor="des" refForName="Parent3" op="lte"/>
+              <dgm:constr type="primFontSz" for="des" forName="Child5" refType="primFontSz" refFor="des" refForName="Parent3" op="lte"/>
+              <dgm:constr type="primFontSz" for="des" forName="Child6" refType="primFontSz" refFor="des" refForName="Parent3" op="lte"/>
+              <dgm:constr type="primFontSz" for="des" forName="Child7" refType="primFontSz" refFor="des" refForName="Parent3" op="lte"/>
+              <dgm:constr type="primFontSz" for="des" forName="Child8" refType="primFontSz" refFor="des" refForName="Parent3" op="lte"/>
+              <dgm:constr type="primFontSz" for="des" forName="Child1" refType="primFontSz" refFor="des" refForName="Parent4" op="lte"/>
+              <dgm:constr type="primFontSz" for="des" forName="Child2" refType="primFontSz" refFor="des" refForName="Parent4" op="lte"/>
+              <dgm:constr type="primFontSz" for="des" forName="Child3" refType="primFontSz" refFor="des" refForName="Parent4" op="lte"/>
+              <dgm:constr type="primFontSz" for="des" forName="Child4" refType="primFontSz" refFor="des" refForName="Parent4" op="lte"/>
+              <dgm:constr type="primFontSz" for="des" forName="Child5" refType="primFontSz" refFor="des" refForName="Parent4" op="lte"/>
+              <dgm:constr type="primFontSz" for="des" forName="Child6" refType="primFontSz" refFor="des" refForName="Parent4" op="lte"/>
+              <dgm:constr type="primFontSz" for="des" forName="Child7" refType="primFontSz" refFor="des" refForName="Parent4" op="lte"/>
+              <dgm:constr type="primFontSz" for="des" forName="Child8" refType="primFontSz" refFor="des" refForName="Parent4" op="lte"/>
+              <dgm:constr type="primFontSz" for="des" forName="Child1" refType="primFontSz" refFor="des" refForName="Parent5" op="lte"/>
+              <dgm:constr type="primFontSz" for="des" forName="Child2" refType="primFontSz" refFor="des" refForName="Parent5" op="lte"/>
+              <dgm:constr type="primFontSz" for="des" forName="Child3" refType="primFontSz" refFor="des" refForName="Parent5" op="lte"/>
+              <dgm:constr type="primFontSz" for="des" forName="Child4" refType="primFontSz" refFor="des" refForName="Parent5" op="lte"/>
+              <dgm:constr type="primFontSz" for="des" forName="Child5" refType="primFontSz" refFor="des" refForName="Parent5" op="lte"/>
+              <dgm:constr type="primFontSz" for="des" forName="Child6" refType="primFontSz" refFor="des" refForName="Parent5" op="lte"/>
+              <dgm:constr type="primFontSz" for="des" forName="Child7" refType="primFontSz" refFor="des" refForName="Parent5" op="lte"/>
+              <dgm:constr type="primFontSz" for="des" forName="Child8" refType="primFontSz" refFor="des" refForName="Parent5" op="lte"/>
+              <dgm:constr type="primFontSz" for="des" forName="Child1" refType="primFontSz" refFor="des" refForName="Parent6" op="lte"/>
+              <dgm:constr type="primFontSz" for="des" forName="Child2" refType="primFontSz" refFor="des" refForName="Parent6" op="lte"/>
+              <dgm:constr type="primFontSz" for="des" forName="Child3" refType="primFontSz" refFor="des" refForName="Parent6" op="lte"/>
+              <dgm:constr type="primFontSz" for="des" forName="Child4" refType="primFontSz" refFor="des" refForName="Parent6" op="lte"/>
+              <dgm:constr type="primFontSz" for="des" forName="Child5" refType="primFontSz" refFor="des" refForName="Parent6" op="lte"/>
+              <dgm:constr type="primFontSz" for="des" forName="Child6" refType="primFontSz" refFor="des" refForName="Parent6" op="lte"/>
+              <dgm:constr type="primFontSz" for="des" forName="Child7" refType="primFontSz" refFor="des" refForName="Parent6" op="lte"/>
+              <dgm:constr type="primFontSz" for="des" forName="Child8" refType="primFontSz" refFor="des" refForName="Parent6" op="lte"/>
+              <dgm:constr type="primFontSz" for="des" forName="Child1" refType="primFontSz" refFor="des" refForName="Parent7" op="lte"/>
+              <dgm:constr type="primFontSz" for="des" forName="Child2" refType="primFontSz" refFor="des" refForName="Parent7" op="lte"/>
+              <dgm:constr type="primFontSz" for="des" forName="Child3" refType="primFontSz" refFor="des" refForName="Parent7" op="lte"/>
+              <dgm:constr type="primFontSz" for="des" forName="Child4" refType="primFontSz" refFor="des" refForName="Parent7" op="lte"/>
+              <dgm:constr type="primFontSz" for="des" forName="Child5" refType="primFontSz" refFor="des" refForName="Parent7" op="lte"/>
+              <dgm:constr type="primFontSz" for="des" forName="Child6" refType="primFontSz" refFor="des" refForName="Parent7" op="lte"/>
+              <dgm:constr type="primFontSz" for="des" forName="Child7" refType="primFontSz" refFor="des" refForName="Parent7" op="lte"/>
+              <dgm:constr type="primFontSz" for="des" forName="Child8" refType="primFontSz" refFor="des" refForName="Parent7" op="lte"/>
+              <dgm:constr type="primFontSz" for="des" forName="Child1" refType="primFontSz" refFor="des" refForName="Parent8" op="lte"/>
+              <dgm:constr type="primFontSz" for="des" forName="Child2" refType="primFontSz" refFor="des" refForName="Parent8" op="lte"/>
+              <dgm:constr type="primFontSz" for="des" forName="Child3" refType="primFontSz" refFor="des" refForName="Parent8" op="lte"/>
+              <dgm:constr type="primFontSz" for="des" forName="Child4" refType="primFontSz" refFor="des" refForName="Parent8" op="lte"/>
+              <dgm:constr type="primFontSz" for="des" forName="Child5" refType="primFontSz" refFor="des" refForName="Parent8" op="lte"/>
+              <dgm:constr type="primFontSz" for="des" forName="Child6" refType="primFontSz" refFor="des" refForName="Parent8" op="lte"/>
+              <dgm:constr type="primFontSz" for="des" forName="Child7" refType="primFontSz" refFor="des" refForName="Parent8" op="lte"/>
+              <dgm:constr type="primFontSz" for="des" forName="Child8" refType="primFontSz" refFor="des" refForName="Parent8" op="lte"/>
+              <dgm:constr type="primFontSz" for="des" forName="Parent2" refType="primFontSz" refFor="des" refForName="Parent1" op="equ"/>
+              <dgm:constr type="primFontSz" for="des" forName="Parent3" refType="primFontSz" refFor="des" refForName="Parent1" op="equ"/>
+              <dgm:constr type="primFontSz" for="des" forName="Parent4" refType="primFontSz" refFor="des" refForName="Parent1" op="equ"/>
+              <dgm:constr type="primFontSz" for="des" forName="Parent5" refType="primFontSz" refFor="des" refForName="Parent1" op="equ"/>
+              <dgm:constr type="primFontSz" for="des" forName="Parent6" refType="primFontSz" refFor="des" refForName="Parent1" op="equ"/>
+              <dgm:constr type="primFontSz" for="des" forName="Parent7" refType="primFontSz" refFor="des" refForName="Parent1" op="equ"/>
+              <dgm:constr type="primFontSz" for="des" forName="Parent8" refType="primFontSz" refFor="des" refForName="Parent1" op="equ"/>
+              <dgm:constr type="primFontSz" for="des" forName="Child2" refType="primFontSz" refFor="des" refForName="Child1" op="equ"/>
+              <dgm:constr type="primFontSz" for="des" forName="Child3" refType="primFontSz" refFor="des" refForName="Child1" op="equ"/>
+              <dgm:constr type="primFontSz" for="des" forName="Child4" refType="primFontSz" refFor="des" refForName="Child1" op="equ"/>
+              <dgm:constr type="primFontSz" for="des" forName="Child5" refType="primFontSz" refFor="des" refForName="Child1" op="equ"/>
+              <dgm:constr type="primFontSz" for="des" forName="Child6" refType="primFontSz" refFor="des" refForName="Child1" op="equ"/>
+              <dgm:constr type="primFontSz" for="des" forName="Child7" refType="primFontSz" refFor="des" refForName="Child1" op="equ"/>
+              <dgm:constr type="primFontSz" for="des" forName="Child8" refType="primFontSz" refFor="des" refForName="Child1" op="equ"/>
+              <dgm:constr type="r" for="ch" forName="Parent8" refType="w" fact="0.099"/>
+              <dgm:constr type="t" for="ch" forName="Parent8" refType="h" fact="0.2022"/>
+              <dgm:constr type="w" for="ch" forName="Parent8" refType="w" fact="0.0792"/>
+              <dgm:constr type="h" for="ch" forName="Parent8" refType="h" fact="0.3799"/>
+              <dgm:constr type="r" for="ch" forName="Parent7" refType="w" fact="0.2217"/>
+              <dgm:constr type="t" for="ch" forName="Parent7" refType="h" fact="0.2022"/>
+              <dgm:constr type="w" for="ch" forName="Parent7" refType="w" fact="0.0792"/>
+              <dgm:constr type="h" for="ch" forName="Parent7" refType="h" fact="0.3799"/>
+              <dgm:constr type="r" for="ch" forName="Parent6" refType="w" fact="0.3444"/>
+              <dgm:constr type="t" for="ch" forName="Parent6" refType="h" fact="0.2022"/>
+              <dgm:constr type="w" for="ch" forName="Parent6" refType="w" fact="0.0792"/>
+              <dgm:constr type="h" for="ch" forName="Parent6" refType="h" fact="0.3799"/>
+              <dgm:constr type="r" for="ch" forName="Parent5" refType="w" fact="0.4671"/>
+              <dgm:constr type="t" for="ch" forName="Parent5" refType="h" fact="0.2022"/>
+              <dgm:constr type="w" for="ch" forName="Parent5" refType="w" fact="0.0792"/>
+              <dgm:constr type="h" for="ch" forName="Parent5" refType="h" fact="0.3799"/>
+              <dgm:constr type="r" for="ch" forName="Parent4" refType="w" fact="0.5898"/>
+              <dgm:constr type="t" for="ch" forName="Parent4" refType="h" fact="0.2022"/>
+              <dgm:constr type="w" for="ch" forName="Parent4" refType="w" fact="0.0792"/>
+              <dgm:constr type="h" for="ch" forName="Parent4" refType="h" fact="0.3799"/>
+              <dgm:constr type="r" for="ch" forName="Parent3" refType="w" fact="0.7125"/>
+              <dgm:constr type="t" for="ch" forName="Parent3" refType="h" fact="0.2022"/>
+              <dgm:constr type="w" for="ch" forName="Parent3" refType="w" fact="0.0792"/>
+              <dgm:constr type="h" for="ch" forName="Parent3" refType="h" fact="0.3799"/>
+              <dgm:constr type="r" for="ch" forName="Parent2" refType="w" fact="0.8352"/>
+              <dgm:constr type="t" for="ch" forName="Parent2" refType="h" fact="0.2022"/>
+              <dgm:constr type="w" for="ch" forName="Parent2" refType="w" fact="0.0792"/>
+              <dgm:constr type="h" for="ch" forName="Parent2" refType="h" fact="0.3799"/>
+              <dgm:constr type="r" for="ch" forName="Parent1" refType="w" fact="0.9579"/>
+              <dgm:constr type="t" for="ch" forName="Parent1" refType="h" fact="0.2022"/>
+              <dgm:constr type="w" for="ch" forName="Parent1" refType="w" fact="0.0792"/>
+              <dgm:constr type="h" for="ch" forName="Parent1" refType="h" fact="0.3799"/>
+              <dgm:constr type="r" for="ch" forName="Accent8" refType="w" fact="0.1187"/>
+              <dgm:constr type="t" for="ch" forName="Accent8" refType="h" fact="0.1072"/>
+              <dgm:constr type="w" for="ch" forName="Accent8" refType="w" fact="0.1187"/>
+              <dgm:constr type="h" for="ch" forName="Accent8" refType="h" fact="0.5699"/>
+              <dgm:constr type="r" for="ch" forName="ParentBackground8" refType="w" fact="0.1148"/>
+              <dgm:constr type="t" for="ch" forName="ParentBackground8" refType="h" fact="0.1262"/>
+              <dgm:constr type="w" for="ch" forName="ParentBackground8" refType="w" fact="0.1108"/>
+              <dgm:constr type="h" for="ch" forName="ParentBackground8" refType="h" fact="0.5319"/>
+              <dgm:constr type="r" for="ch" forName="Child8" refType="w" fact="0.1148"/>
+              <dgm:constr type="t" for="ch" forName="Child8" refType="h" fact="0.6876"/>
+              <dgm:constr type="w" for="ch" forName="Child8" refType="w" fact="0.1108"/>
+              <dgm:constr type="h" for="ch" forName="Child8" refType="h" fact="0.3124"/>
+              <dgm:constr type="r" for="ch" forName="Accent7" refType="w" fact="0.2661"/>
+              <dgm:constr type="t" for="ch" forName="Accent7" refType="h" fact="-0.0109"/>
+              <dgm:constr type="w" for="ch" forName="Accent7" refType="w" fact="0.1679"/>
+              <dgm:constr type="h" for="ch" forName="Accent7" refType="h" fact="0.806"/>
+              <dgm:constr type="r" for="ch" forName="ParentBackground7" refType="w" fact="0.2375"/>
+              <dgm:constr type="t" for="ch" forName="ParentBackground7" refType="h" fact="0.1262"/>
+              <dgm:constr type="w" for="ch" forName="ParentBackground7" refType="w" fact="0.1108"/>
+              <dgm:constr type="h" for="ch" forName="ParentBackground7" refType="h" fact="0.5319"/>
+              <dgm:constr type="r" for="ch" forName="Child7" refType="w" fact="0.2375"/>
+              <dgm:constr type="t" for="ch" forName="Child7" refType="h" fact="0.6876"/>
+              <dgm:constr type="w" for="ch" forName="Child7" refType="w" fact="0.1108"/>
+              <dgm:constr type="h" for="ch" forName="Child7" refType="h" fact="0.3124"/>
+              <dgm:constr type="r" for="ch" forName="Accent6" refType="w" fact="0.3888"/>
+              <dgm:constr type="t" for="ch" forName="Accent6" refType="h" fact="-0.0109"/>
+              <dgm:constr type="w" for="ch" forName="Accent6" refType="w" fact="0.1679"/>
+              <dgm:constr type="h" for="ch" forName="Accent6" refType="h" fact="0.806"/>
+              <dgm:constr type="r" for="ch" forName="ParentBackground6" refType="w" fact="0.3602"/>
+              <dgm:constr type="t" for="ch" forName="ParentBackground6" refType="h" fact="0.1262"/>
+              <dgm:constr type="w" for="ch" forName="ParentBackground6" refType="w" fact="0.1108"/>
+              <dgm:constr type="h" for="ch" forName="ParentBackground6" refType="h" fact="0.5319"/>
+              <dgm:constr type="r" for="ch" forName="Child6" refType="w" fact="0.3602"/>
+              <dgm:constr type="t" for="ch" forName="Child6" refType="h" fact="0.6876"/>
+              <dgm:constr type="w" for="ch" forName="Child6" refType="w" fact="0.1108"/>
+              <dgm:constr type="h" for="ch" forName="Child6" refType="h" fact="0.3124"/>
+              <dgm:constr type="r" for="ch" forName="Accent5" refType="w" fact="0.5115"/>
+              <dgm:constr type="t" for="ch" forName="Accent5" refType="h" fact="-0.0109"/>
+              <dgm:constr type="w" for="ch" forName="Accent5" refType="w" fact="0.1679"/>
+              <dgm:constr type="h" for="ch" forName="Accent5" refType="h" fact="0.806"/>
+              <dgm:constr type="r" for="ch" forName="ParentBackground5" refType="w" fact="0.4829"/>
+              <dgm:constr type="t" for="ch" forName="ParentBackground5" refType="h" fact="0.1262"/>
+              <dgm:constr type="w" for="ch" forName="ParentBackground5" refType="w" fact="0.1108"/>
+              <dgm:constr type="h" for="ch" forName="ParentBackground5" refType="h" fact="0.5319"/>
+              <dgm:constr type="r" for="ch" forName="Child5" refType="w" fact="0.4829"/>
+              <dgm:constr type="t" for="ch" forName="Child5" refType="h" fact="0.6876"/>
+              <dgm:constr type="w" for="ch" forName="Child5" refType="w" fact="0.1108"/>
+              <dgm:constr type="h" for="ch" forName="Child5" refType="h" fact="0.3124"/>
+              <dgm:constr type="r" for="ch" forName="Accent4" refType="w" fact="0.6342"/>
+              <dgm:constr type="t" for="ch" forName="Accent4" refType="h" fact="-0.0109"/>
+              <dgm:constr type="w" for="ch" forName="Accent4" refType="w" fact="0.1679"/>
+              <dgm:constr type="h" for="ch" forName="Accent4" refType="h" fact="0.806"/>
+              <dgm:constr type="r" for="ch" forName="ParentBackground4" refType="w" fact="0.6056"/>
+              <dgm:constr type="t" for="ch" forName="ParentBackground4" refType="h" fact="0.1262"/>
+              <dgm:constr type="w" for="ch" forName="ParentBackground4" refType="w" fact="0.1108"/>
+              <dgm:constr type="h" for="ch" forName="ParentBackground4" refType="h" fact="0.5319"/>
+              <dgm:constr type="r" for="ch" forName="Child4" refType="w" fact="0.6056"/>
+              <dgm:constr type="t" for="ch" forName="Child4" refType="h" fact="0.6876"/>
+              <dgm:constr type="w" for="ch" forName="Child4" refType="w" fact="0.1108"/>
+              <dgm:constr type="h" for="ch" forName="Child4" refType="h" fact="0.3124"/>
+              <dgm:constr type="r" for="ch" forName="Accent3" refType="w" fact="0.7569"/>
+              <dgm:constr type="t" for="ch" forName="Accent3" refType="h" fact="-0.0109"/>
+              <dgm:constr type="w" for="ch" forName="Accent3" refType="w" fact="0.1679"/>
+              <dgm:constr type="h" for="ch" forName="Accent3" refType="h" fact="0.806"/>
+              <dgm:constr type="r" for="ch" forName="ParentBackground3" refType="w" fact="0.7283"/>
+              <dgm:constr type="t" for="ch" forName="ParentBackground3" refType="h" fact="0.1262"/>
+              <dgm:constr type="w" for="ch" forName="ParentBackground3" refType="w" fact="0.1108"/>
+              <dgm:constr type="h" for="ch" forName="ParentBackground3" refType="h" fact="0.5319"/>
+              <dgm:constr type="r" for="ch" forName="Child3" refType="w" fact="0.7283"/>
+              <dgm:constr type="t" for="ch" forName="Child3" refType="h" fact="0.6876"/>
+              <dgm:constr type="w" for="ch" forName="Child3" refType="w" fact="0.1108"/>
+              <dgm:constr type="h" for="ch" forName="Child3" refType="h" fact="0.3124"/>
+              <dgm:constr type="r" for="ch" forName="Accent2" refType="w" fact="0.8796"/>
+              <dgm:constr type="t" for="ch" forName="Accent2" refType="h" fact="-0.0109"/>
+              <dgm:constr type="w" for="ch" forName="Accent2" refType="w" fact="0.1679"/>
+              <dgm:constr type="h" for="ch" forName="Accent2" refType="h" fact="0.806"/>
+              <dgm:constr type="r" for="ch" forName="ParentBackground2" refType="w" fact="0.851"/>
+              <dgm:constr type="t" for="ch" forName="ParentBackground2" refType="h" fact="0.1262"/>
+              <dgm:constr type="w" for="ch" forName="ParentBackground2" refType="w" fact="0.1108"/>
+              <dgm:constr type="h" for="ch" forName="ParentBackground2" refType="h" fact="0.5319"/>
+              <dgm:constr type="r" for="ch" forName="Child2" refType="w" fact="0.851"/>
+              <dgm:constr type="t" for="ch" forName="Child2" refType="h" fact="0.6876"/>
+              <dgm:constr type="w" for="ch" forName="Child2" refType="w" fact="0.1108"/>
+              <dgm:constr type="h" for="ch" forName="Child2" refType="h" fact="0.3124"/>
+              <dgm:constr type="r" for="ch" forName="Accent1" refType="w" fact="1.0023"/>
+              <dgm:constr type="t" for="ch" forName="Accent1" refType="h" fact="-0.0109"/>
+              <dgm:constr type="w" for="ch" forName="Accent1" refType="w" fact="0.1679"/>
+              <dgm:constr type="h" for="ch" forName="Accent1" refType="h" fact="0.806"/>
+              <dgm:constr type="r" for="ch" forName="ParentBackground1" refType="w" fact="0.9737"/>
+              <dgm:constr type="t" for="ch" forName="ParentBackground1" refType="h" fact="0.1262"/>
+              <dgm:constr type="w" for="ch" forName="ParentBackground1" refType="w" fact="0.1108"/>
+              <dgm:constr type="h" for="ch" forName="ParentBackground1" refType="h" fact="0.5319"/>
+              <dgm:constr type="r" for="ch" forName="Child1" refType="w" fact="0.9737"/>
+              <dgm:constr type="t" for="ch" forName="Child1" refType="h" fact="0.6876"/>
+              <dgm:constr type="w" for="ch" forName="Child1" refType="w" fact="0.1108"/>
+              <dgm:constr type="h" for="ch" forName="Child1" refType="h" fact="0.3124"/>
+            </dgm:constrLst>
+          </dgm:if>
+          <dgm:if name="Name25" axis="ch" ptType="node" func="cnt" op="equ" val="9">
+            <dgm:alg type="composite">
+              <dgm:param type="ar" val="5.388"/>
+            </dgm:alg>
+            <dgm:constrLst>
+              <dgm:constr type="primFontSz" for="des" forName="Child1" val="65"/>
+              <dgm:constr type="primFontSz" for="des" forName="Parent1" val="65"/>
+              <dgm:constr type="primFontSz" for="des" forName="Child1" refType="primFontSz" refFor="des" refForName="Parent1" op="lte"/>
+              <dgm:constr type="primFontSz" for="des" forName="Child2" refType="primFontSz" refFor="des" refForName="Parent1" op="lte"/>
+              <dgm:constr type="primFontSz" for="des" forName="Child3" refType="primFontSz" refFor="des" refForName="Parent1" op="lte"/>
+              <dgm:constr type="primFontSz" for="des" forName="Child4" refType="primFontSz" refFor="des" refForName="Parent1" op="lte"/>
+              <dgm:constr type="primFontSz" for="des" forName="Child5" refType="primFontSz" refFor="des" refForName="Parent1" op="lte"/>
+              <dgm:constr type="primFontSz" for="des" forName="Child6" refType="primFontSz" refFor="des" refForName="Parent1" op="lte"/>
+              <dgm:constr type="primFontSz" for="des" forName="Child7" refType="primFontSz" refFor="des" refForName="Parent1" op="lte"/>
+              <dgm:constr type="primFontSz" for="des" forName="Child8" refType="primFontSz" refFor="des" refForName="Parent1" op="lte"/>
+              <dgm:constr type="primFontSz" for="des" forName="Child9" refType="primFontSz" refFor="des" refForName="Parent1" op="lte"/>
+              <dgm:constr type="primFontSz" for="des" forName="Child1" refType="primFontSz" refFor="des" refForName="Parent2" op="lte"/>
+              <dgm:constr type="primFontSz" for="des" forName="Child2" refType="primFontSz" refFor="des" refForName="Parent2" op="lte"/>
+              <dgm:constr type="primFontSz" for="des" forName="Child3" refType="primFontSz" refFor="des" refForName="Parent2" op="lte"/>
+              <dgm:constr type="primFontSz" for="des" forName="Child4" refType="primFontSz" refFor="des" refForName="Parent2" op="lte"/>
+              <dgm:constr type="primFontSz" for="des" forName="Child5" refType="primFontSz" refFor="des" refForName="Parent2" op="lte"/>
+              <dgm:constr type="primFontSz" for="des" forName="Child6" refType="primFontSz" refFor="des" refForName="Parent2" op="lte"/>
+              <dgm:constr type="primFontSz" for="des" forName="Child7" refType="primFontSz" refFor="des" refForName="Parent2" op="lte"/>
+              <dgm:constr type="primFontSz" for="des" forName="Child8" refType="primFontSz" refFor="des" refForName="Parent2" op="lte"/>
+              <dgm:constr type="primFontSz" for="des" forName="Child9" refType="primFontSz" refFor="des" refForName="Parent2" op="lte"/>
+              <dgm:constr type="primFontSz" for="des" forName="Child1" refType="primFontSz" refFor="des" refForName="Parent3" op="lte"/>
+              <dgm:constr type="primFontSz" for="des" forName="Child2" refType="primFontSz" refFor="des" refForName="Parent3" op="lte"/>
+              <dgm:constr type="primFontSz" for="des" forName="Child3" refType="primFontSz" refFor="des" refForName="Parent3" op="lte"/>
+              <dgm:constr type="primFontSz" for="des" forName="Child4" refType="primFontSz" refFor="des" refForName="Parent3" op="lte"/>
+              <dgm:constr type="primFontSz" for="des" forName="Child5" refType="primFontSz" refFor="des" refForName="Parent3" op="lte"/>
+              <dgm:constr type="primFontSz" for="des" forName="Child6" refType="primFontSz" refFor="des" refForName="Parent3" op="lte"/>
+              <dgm:constr type="primFontSz" for="des" forName="Child7" refType="primFontSz" refFor="des" refForName="Parent3" op="lte"/>
+              <dgm:constr type="primFontSz" for="des" forName="Child8" refType="primFontSz" refFor="des" refForName="Parent3" op="lte"/>
+              <dgm:constr type="primFontSz" for="des" forName="Child9" refType="primFontSz" refFor="des" refForName="Parent3" op="lte"/>
+              <dgm:constr type="primFontSz" for="des" forName="Child1" refType="primFontSz" refFor="des" refForName="Parent4" op="lte"/>
+              <dgm:constr type="primFontSz" for="des" forName="Child2" refType="primFontSz" refFor="des" refForName="Parent4" op="lte"/>
+              <dgm:constr type="primFontSz" for="des" forName="Child3" refType="primFontSz" refFor="des" refForName="Parent4" op="lte"/>
+              <dgm:constr type="primFontSz" for="des" forName="Child4" refType="primFontSz" refFor="des" refForName="Parent4" op="lte"/>
+              <dgm:constr type="primFontSz" for="des" forName="Child5" refType="primFontSz" refFor="des" refForName="Parent4" op="lte"/>
+              <dgm:constr type="primFontSz" for="des" forName="Child6" refType="primFontSz" refFor="des" refForName="Parent4" op="lte"/>
+              <dgm:constr type="primFontSz" for="des" forName="Child7" refType="primFontSz" refFor="des" refForName="Parent4" op="lte"/>
+              <dgm:constr type="primFontSz" for="des" forName="Child8" refType="primFontSz" refFor="des" refForName="Parent4" op="lte"/>
+              <dgm:constr type="primFontSz" for="des" forName="Child9" refType="primFontSz" refFor="des" refForName="Parent4" op="lte"/>
+              <dgm:constr type="primFontSz" for="des" forName="Child1" refType="primFontSz" refFor="des" refForName="Parent5" op="lte"/>
+              <dgm:constr type="primFontSz" for="des" forName="Child2" refType="primFontSz" refFor="des" refForName="Parent5" op="lte"/>
+              <dgm:constr type="primFontSz" for="des" forName="Child3" refType="primFontSz" refFor="des" refForName="Parent5" op="lte"/>
+              <dgm:constr type="primFontSz" for="des" forName="Child4" refType="primFontSz" refFor="des" refForName="Parent5" op="lte"/>
+              <dgm:constr type="primFontSz" for="des" forName="Child5" refType="primFontSz" refFor="des" refForName="Parent5" op="lte"/>
+              <dgm:constr type="primFontSz" for="des" forName="Child6" refType="primFontSz" refFor="des" refForName="Parent5" op="lte"/>
+              <dgm:constr type="primFontSz" for="des" forName="Child7" refType="primFontSz" refFor="des" refForName="Parent5" op="lte"/>
+              <dgm:constr type="primFontSz" for="des" forName="Child8" refType="primFontSz" refFor="des" refForName="Parent5" op="lte"/>
+              <dgm:constr type="primFontSz" for="des" forName="Child9" refType="primFontSz" refFor="des" refForName="Parent5" op="lte"/>
+              <dgm:constr type="primFontSz" for="des" forName="Child1" refType="primFontSz" refFor="des" refForName="Parent6" op="lte"/>
+              <dgm:constr type="primFontSz" for="des" forName="Child2" refType="primFontSz" refFor="des" refForName="Parent6" op="lte"/>
+              <dgm:constr type="primFontSz" for="des" forName="Child3" refType="primFontSz" refFor="des" refForName="Parent6" op="lte"/>
+              <dgm:constr type="primFontSz" for="des" forName="Child4" refType="primFontSz" refFor="des" refForName="Parent6" op="lte"/>
+              <dgm:constr type="primFontSz" for="des" forName="Child5" refType="primFontSz" refFor="des" refForName="Parent6" op="lte"/>
+              <dgm:constr type="primFontSz" for="des" forName="Child6" refType="primFontSz" refFor="des" refForName="Parent6" op="lte"/>
+              <dgm:constr type="primFontSz" for="des" forName="Child7" refType="primFontSz" refFor="des" refForName="Parent6" op="lte"/>
+              <dgm:constr type="primFontSz" for="des" forName="Child8" refType="primFontSz" refFor="des" refForName="Parent6" op="lte"/>
+              <dgm:constr type="primFontSz" for="des" forName="Child9" refType="primFontSz" refFor="des" refForName="Parent6" op="lte"/>
+              <dgm:constr type="primFontSz" for="des" forName="Child1" refType="primFontSz" refFor="des" refForName="Parent7" op="lte"/>
+              <dgm:constr type="primFontSz" for="des" forName="Child2" refType="primFontSz" refFor="des" refForName="Parent7" op="lte"/>
+              <dgm:constr type="primFontSz" for="des" forName="Child3" refType="primFontSz" refFor="des" refForName="Parent7" op="lte"/>
+              <dgm:constr type="primFontSz" for="des" forName="Child4" refType="primFontSz" refFor="des" refForName="Parent7" op="lte"/>
+              <dgm:constr type="primFontSz" for="des" forName="Child5" refType="primFontSz" refFor="des" refForName="Parent7" op="lte"/>
+              <dgm:constr type="primFontSz" for="des" forName="Child6" refType="primFontSz" refFor="des" refForName="Parent7" op="lte"/>
+              <dgm:constr type="primFontSz" for="des" forName="Child7" refType="primFontSz" refFor="des" refForName="Parent7" op="lte"/>
+              <dgm:constr type="primFontSz" for="des" forName="Child8" refType="primFontSz" refFor="des" refForName="Parent7" op="lte"/>
+              <dgm:constr type="primFontSz" for="des" forName="Child9" refType="primFontSz" refFor="des" refForName="Parent7" op="lte"/>
+              <dgm:constr type="primFontSz" for="des" forName="Child1" refType="primFontSz" refFor="des" refForName="Parent8" op="lte"/>
+              <dgm:constr type="primFontSz" for="des" forName="Child2" refType="primFontSz" refFor="des" refForName="Parent8" op="lte"/>
+              <dgm:constr type="primFontSz" for="des" forName="Child3" refType="primFontSz" refFor="des" refForName="Parent8" op="lte"/>
+              <dgm:constr type="primFontSz" for="des" forName="Child4" refType="primFontSz" refFor="des" refForName="Parent8" op="lte"/>
+              <dgm:constr type="primFontSz" for="des" forName="Child5" refType="primFontSz" refFor="des" refForName="Parent8" op="lte"/>
+              <dgm:constr type="primFontSz" for="des" forName="Child6" refType="primFontSz" refFor="des" refForName="Parent8" op="lte"/>
+              <dgm:constr type="primFontSz" for="des" forName="Child7" refType="primFontSz" refFor="des" refForName="Parent8" op="lte"/>
+              <dgm:constr type="primFontSz" for="des" forName="Child8" refType="primFontSz" refFor="des" refForName="Parent8" op="lte"/>
+              <dgm:constr type="primFontSz" for="des" forName="Child9" refType="primFontSz" refFor="des" refForName="Parent8" op="lte"/>
+              <dgm:constr type="primFontSz" for="des" forName="Child1" refType="primFontSz" refFor="des" refForName="Parent9" op="lte"/>
+              <dgm:constr type="primFontSz" for="des" forName="Child2" refType="primFontSz" refFor="des" refForName="Parent9" op="lte"/>
+              <dgm:constr type="primFontSz" for="des" forName="Child3" refType="primFontSz" refFor="des" refForName="Parent9" op="lte"/>
+              <dgm:constr type="primFontSz" for="des" forName="Child4" refType="primFontSz" refFor="des" refForName="Parent9" op="lte"/>
+              <dgm:constr type="primFontSz" for="des" forName="Child5" refType="primFontSz" refFor="des" refForName="Parent9" op="lte"/>
+              <dgm:constr type="primFontSz" for="des" forName="Child6" refType="primFontSz" refFor="des" refForName="Parent9" op="lte"/>
+              <dgm:constr type="primFontSz" for="des" forName="Child7" refType="primFontSz" refFor="des" refForName="Parent9" op="lte"/>
+              <dgm:constr type="primFontSz" for="des" forName="Child8" refType="primFontSz" refFor="des" refForName="Parent9" op="lte"/>
+              <dgm:constr type="primFontSz" for="des" forName="Child9" refType="primFontSz" refFor="des" refForName="Parent9" op="lte"/>
+              <dgm:constr type="primFontSz" for="des" forName="Parent2" refType="primFontSz" refFor="des" refForName="Parent1" op="equ"/>
+              <dgm:constr type="primFontSz" for="des" forName="Parent3" refType="primFontSz" refFor="des" refForName="Parent1" op="equ"/>
+              <dgm:constr type="primFontSz" for="des" forName="Parent4" refType="primFontSz" refFor="des" refForName="Parent1" op="equ"/>
+              <dgm:constr type="primFontSz" for="des" forName="Parent5" refType="primFontSz" refFor="des" refForName="Parent1" op="equ"/>
+              <dgm:constr type="primFontSz" for="des" forName="Parent6" refType="primFontSz" refFor="des" refForName="Parent1" op="equ"/>
+              <dgm:constr type="primFontSz" for="des" forName="Parent7" refType="primFontSz" refFor="des" refForName="Parent1" op="equ"/>
+              <dgm:constr type="primFontSz" for="des" forName="Parent8" refType="primFontSz" refFor="des" refForName="Parent1" op="equ"/>
+              <dgm:constr type="primFontSz" for="des" forName="Parent9" refType="primFontSz" refFor="des" refForName="Parent1" op="equ"/>
+              <dgm:constr type="primFontSz" for="des" forName="Child2" refType="primFontSz" refFor="des" refForName="Child1" op="equ"/>
+              <dgm:constr type="primFontSz" for="des" forName="Child3" refType="primFontSz" refFor="des" refForName="Child1" op="equ"/>
+              <dgm:constr type="primFontSz" for="des" forName="Child4" refType="primFontSz" refFor="des" refForName="Child1" op="equ"/>
+              <dgm:constr type="primFontSz" for="des" forName="Child5" refType="primFontSz" refFor="des" refForName="Child1" op="equ"/>
+              <dgm:constr type="primFontSz" for="des" forName="Child6" refType="primFontSz" refFor="des" refForName="Child1" op="equ"/>
+              <dgm:constr type="primFontSz" for="des" forName="Child7" refType="primFontSz" refFor="des" refForName="Child1" op="equ"/>
+              <dgm:constr type="primFontSz" for="des" forName="Child8" refType="primFontSz" refFor="des" refForName="Child1" op="equ"/>
+              <dgm:constr type="primFontSz" for="des" forName="Child9" refType="primFontSz" refFor="des" refForName="Child1" op="equ"/>
+              <dgm:constr type="r" for="ch" forName="Parent9" refType="w" fact="0.0881"/>
+              <dgm:constr type="t" for="ch" forName="Parent9" refType="h" fact="0.2022"/>
+              <dgm:constr type="w" for="ch" forName="Parent9" refType="w" fact="0.0705"/>
+              <dgm:constr type="h" for="ch" forName="Parent9" refType="h" fact="0.3799"/>
+              <dgm:constr type="r" for="ch" forName="Parent8" refType="w" fact="0.1974"/>
+              <dgm:constr type="t" for="ch" forName="Parent8" refType="h" fact="0.2022"/>
+              <dgm:constr type="w" for="ch" forName="Parent8" refType="w" fact="0.0705"/>
+              <dgm:constr type="h" for="ch" forName="Parent8" refType="h" fact="0.3799"/>
+              <dgm:constr type="r" for="ch" forName="Parent7" refType="w" fact="0.3067"/>
+              <dgm:constr type="t" for="ch" forName="Parent7" refType="h" fact="0.2022"/>
+              <dgm:constr type="w" for="ch" forName="Parent7" refType="w" fact="0.0705"/>
+              <dgm:constr type="h" for="ch" forName="Parent7" refType="h" fact="0.3799"/>
+              <dgm:constr type="r" for="ch" forName="Parent6" refType="w" fact="0.416"/>
+              <dgm:constr type="t" for="ch" forName="Parent6" refType="h" fact="0.2022"/>
+              <dgm:constr type="w" for="ch" forName="Parent6" refType="w" fact="0.0705"/>
+              <dgm:constr type="h" for="ch" forName="Parent6" refType="h" fact="0.3799"/>
+              <dgm:constr type="r" for="ch" forName="Parent5" refType="w" fact="0.5253"/>
+              <dgm:constr type="t" for="ch" forName="Parent5" refType="h" fact="0.2022"/>
+              <dgm:constr type="w" for="ch" forName="Parent5" refType="w" fact="0.0705"/>
+              <dgm:constr type="h" for="ch" forName="Parent5" refType="h" fact="0.3799"/>
+              <dgm:constr type="r" for="ch" forName="Parent4" refType="w" fact="0.6346"/>
+              <dgm:constr type="t" for="ch" forName="Parent4" refType="h" fact="0.2022"/>
+              <dgm:constr type="w" for="ch" forName="Parent4" refType="w" fact="0.0705"/>
+              <dgm:constr type="h" for="ch" forName="Parent4" refType="h" fact="0.3799"/>
+              <dgm:constr type="r" for="ch" forName="Parent3" refType="w" fact="0.7439"/>
+              <dgm:constr type="t" for="ch" forName="Parent3" refType="h" fact="0.2022"/>
+              <dgm:constr type="w" for="ch" forName="Parent3" refType="w" fact="0.0705"/>
+              <dgm:constr type="h" for="ch" forName="Parent3" refType="h" fact="0.3799"/>
+              <dgm:constr type="r" for="ch" forName="Parent2" refType="w" fact="0.8532"/>
+              <dgm:constr type="t" for="ch" forName="Parent2" refType="h" fact="0.2022"/>
+              <dgm:constr type="w" for="ch" forName="Parent2" refType="w" fact="0.0705"/>
+              <dgm:constr type="h" for="ch" forName="Parent2" refType="h" fact="0.3799"/>
+              <dgm:constr type="r" for="ch" forName="Parent1" refType="w" fact="0.9625"/>
+              <dgm:constr type="t" for="ch" forName="Parent1" refType="h" fact="0.2022"/>
+              <dgm:constr type="w" for="ch" forName="Parent1" refType="w" fact="0.0705"/>
+              <dgm:constr type="h" for="ch" forName="Parent1" refType="h" fact="0.3799"/>
+              <dgm:constr type="r" for="ch" forName="Accent9" refType="w" fact="0.1058"/>
+              <dgm:constr type="t" for="ch" forName="Accent9" refType="h" fact="0.1072"/>
+              <dgm:constr type="w" for="ch" forName="Accent9" refType="w" fact="0.1058"/>
+              <dgm:constr type="h" for="ch" forName="Accent9" refType="h" fact="0.5699"/>
+              <dgm:constr type="r" for="ch" forName="ParentBackground9" refType="w" fact="0.1022"/>
+              <dgm:constr type="t" for="ch" forName="ParentBackground9" refType="h" fact="0.1262"/>
+              <dgm:constr type="w" for="ch" forName="ParentBackground9" refType="w" fact="0.0987"/>
+              <dgm:constr type="h" for="ch" forName="ParentBackground9" refType="h" fact="0.5319"/>
+              <dgm:constr type="r" for="ch" forName="Child9" refType="w" fact="0.1022"/>
+              <dgm:constr type="t" for="ch" forName="Child9" refType="h" fact="0.6876"/>
+              <dgm:constr type="w" for="ch" forName="Child9" refType="w" fact="0.0987"/>
+              <dgm:constr type="h" for="ch" forName="Child9" refType="h" fact="0.3124"/>
+              <dgm:constr type="r" for="ch" forName="Accent8" refType="w" fact="0.237"/>
+              <dgm:constr type="t" for="ch" forName="Accent8" refType="h" fact="-0.0109"/>
+              <dgm:constr type="w" for="ch" forName="Accent8" refType="w" fact="0.1496"/>
+              <dgm:constr type="h" for="ch" forName="Accent8" refType="h" fact="0.806"/>
+              <dgm:constr type="r" for="ch" forName="ParentBackground8" refType="w" fact="0.2115"/>
+              <dgm:constr type="t" for="ch" forName="ParentBackground8" refType="h" fact="0.1262"/>
+              <dgm:constr type="w" for="ch" forName="ParentBackground8" refType="w" fact="0.0987"/>
+              <dgm:constr type="h" for="ch" forName="ParentBackground8" refType="h" fact="0.5319"/>
+              <dgm:constr type="r" for="ch" forName="Child8" refType="w" fact="0.2115"/>
+              <dgm:constr type="t" for="ch" forName="Child8" refType="h" fact="0.6876"/>
+              <dgm:constr type="w" for="ch" forName="Child8" refType="w" fact="0.0987"/>
+              <dgm:constr type="h" for="ch" forName="Child8" refType="h" fact="0.3124"/>
+              <dgm:constr type="r" for="ch" forName="Accent7" refType="w" fact="0.3462"/>
+              <dgm:constr type="t" for="ch" forName="Accent7" refType="h" fact="-0.0109"/>
+              <dgm:constr type="w" for="ch" forName="Accent7" refType="w" fact="0.1496"/>
+              <dgm:constr type="h" for="ch" forName="Accent7" refType="h" fact="0.806"/>
+              <dgm:constr type="r" for="ch" forName="ParentBackground7" refType="w" fact="0.3208"/>
+              <dgm:constr type="t" for="ch" forName="ParentBackground7" refType="h" fact="0.1262"/>
+              <dgm:constr type="w" for="ch" forName="ParentBackground7" refType="w" fact="0.0987"/>
+              <dgm:constr type="h" for="ch" forName="ParentBackground7" refType="h" fact="0.5319"/>
+              <dgm:constr type="r" for="ch" forName="Child7" refType="w" fact="0.3208"/>
+              <dgm:constr type="t" for="ch" forName="Child7" refType="h" fact="0.6876"/>
+              <dgm:constr type="w" for="ch" forName="Child7" refType="w" fact="0.0987"/>
+              <dgm:constr type="h" for="ch" forName="Child7" refType="h" fact="0.3124"/>
+              <dgm:constr type="r" for="ch" forName="Accent6" refType="w" fact="0.4555"/>
+              <dgm:constr type="t" for="ch" forName="Accent6" refType="h" fact="-0.0109"/>
+              <dgm:constr type="w" for="ch" forName="Accent6" refType="w" fact="0.1496"/>
+              <dgm:constr type="h" for="ch" forName="Accent6" refType="h" fact="0.806"/>
+              <dgm:constr type="r" for="ch" forName="ParentBackground6" refType="w" fact="0.4301"/>
+              <dgm:constr type="t" for="ch" forName="ParentBackground6" refType="h" fact="0.1262"/>
+              <dgm:constr type="w" for="ch" forName="ParentBackground6" refType="w" fact="0.0987"/>
+              <dgm:constr type="h" for="ch" forName="ParentBackground6" refType="h" fact="0.5319"/>
+              <dgm:constr type="r" for="ch" forName="Child6" refType="w" fact="0.4301"/>
+              <dgm:constr type="t" for="ch" forName="Child6" refType="h" fact="0.6876"/>
+              <dgm:constr type="w" for="ch" forName="Child6" refType="w" fact="0.0987"/>
+              <dgm:constr type="h" for="ch" forName="Child6" refType="h" fact="0.3124"/>
+              <dgm:constr type="r" for="ch" forName="Accent5" refType="w" fact="0.5648"/>
+              <dgm:constr type="t" for="ch" forName="Accent5" refType="h" fact="-0.0109"/>
+              <dgm:constr type="w" for="ch" forName="Accent5" refType="w" fact="0.1496"/>
+              <dgm:constr type="h" for="ch" forName="Accent5" refType="h" fact="0.806"/>
+              <dgm:constr type="r" for="ch" forName="ParentBackground5" refType="w" fact="0.5394"/>
+              <dgm:constr type="t" for="ch" forName="ParentBackground5" refType="h" fact="0.1262"/>
+              <dgm:constr type="w" for="ch" forName="ParentBackground5" refType="w" fact="0.0987"/>
+              <dgm:constr type="h" for="ch" forName="ParentBackground5" refType="h" fact="0.5319"/>
+              <dgm:constr type="r" for="ch" forName="Child5" refType="w" fact="0.5394"/>
+              <dgm:constr type="t" for="ch" forName="Child5" refType="h" fact="0.6876"/>
+              <dgm:constr type="w" for="ch" forName="Child5" refType="w" fact="0.0987"/>
+              <dgm:constr type="h" for="ch" forName="Child5" refType="h" fact="0.3124"/>
+              <dgm:constr type="r" for="ch" forName="Accent4" refType="w" fact="0.6741"/>
+              <dgm:constr type="t" for="ch" forName="Accent4" refType="h" fact="-0.0109"/>
+              <dgm:constr type="w" for="ch" forName="Accent4" refType="w" fact="0.1496"/>
+              <dgm:constr type="h" for="ch" forName="Accent4" refType="h" fact="0.806"/>
+              <dgm:constr type="r" for="ch" forName="ParentBackground4" refType="w" fact="0.6487"/>
+              <dgm:constr type="t" for="ch" forName="ParentBackground4" refType="h" fact="0.1262"/>
+              <dgm:constr type="w" for="ch" forName="ParentBackground4" refType="w" fact="0.0987"/>
+              <dgm:constr type="h" for="ch" forName="ParentBackground4" refType="h" fact="0.5319"/>
+              <dgm:constr type="r" for="ch" forName="Child4" refType="w" fact="0.6487"/>
+              <dgm:constr type="t" for="ch" forName="Child4" refType="h" fact="0.6876"/>
+              <dgm:constr type="w" for="ch" forName="Child4" refType="w" fact="0.0987"/>
+              <dgm:constr type="h" for="ch" forName="Child4" refType="h" fact="0.3124"/>
+              <dgm:constr type="r" for="ch" forName="Accent3" refType="w" fact="0.7834"/>
+              <dgm:constr type="t" for="ch" forName="Accent3" refType="h" fact="-0.0109"/>
+              <dgm:constr type="w" for="ch" forName="Accent3" refType="w" fact="0.1496"/>
+              <dgm:constr type="h" for="ch" forName="Accent3" refType="h" fact="0.806"/>
+              <dgm:constr type="r" for="ch" forName="ParentBackground3" refType="w" fact="0.758"/>
+              <dgm:constr type="t" for="ch" forName="ParentBackground3" refType="h" fact="0.1262"/>
+              <dgm:constr type="w" for="ch" forName="ParentBackground3" refType="w" fact="0.0987"/>
+              <dgm:constr type="h" for="ch" forName="ParentBackground3" refType="h" fact="0.5319"/>
+              <dgm:constr type="r" for="ch" forName="Child3" refType="w" fact="0.758"/>
+              <dgm:constr type="t" for="ch" forName="Child3" refType="h" fact="0.6876"/>
+              <dgm:constr type="w" for="ch" forName="Child3" refType="w" fact="0.0987"/>
+              <dgm:constr type="h" for="ch" forName="Child3" refType="h" fact="0.3124"/>
+              <dgm:constr type="r" for="ch" forName="Accent2" refType="w" fact="0.8927"/>
+              <dgm:constr type="t" for="ch" forName="Accent2" refType="h" fact="-0.0109"/>
+              <dgm:constr type="w" for="ch" forName="Accent2" refType="w" fact="0.1496"/>
+              <dgm:constr type="h" for="ch" forName="Accent2" refType="h" fact="0.806"/>
+              <dgm:constr type="r" for="ch" forName="ParentBackground2" refType="w" fact="0.8673"/>
+              <dgm:constr type="t" for="ch" forName="ParentBackground2" refType="h" fact="0.1262"/>
+              <dgm:constr type="w" for="ch" forName="ParentBackground2" refType="w" fact="0.0987"/>
+              <dgm:constr type="h" for="ch" forName="ParentBackground2" refType="h" fact="0.5319"/>
+              <dgm:constr type="r" for="ch" forName="Child2" refType="w" fact="0.8673"/>
+              <dgm:constr type="t" for="ch" forName="Child2" refType="h" fact="0.6876"/>
+              <dgm:constr type="w" for="ch" forName="Child2" refType="w" fact="0.0987"/>
+              <dgm:constr type="h" for="ch" forName="Child2" refType="h" fact="0.3124"/>
+              <dgm:constr type="r" for="ch" forName="Accent1" refType="w" fact="1.002"/>
+              <dgm:constr type="t" for="ch" forName="Accent1" refType="h" fact="-0.0109"/>
+              <dgm:constr type="w" for="ch" forName="Accent1" refType="w" fact="0.1496"/>
+              <dgm:constr type="h" for="ch" forName="Accent1" refType="h" fact="0.806"/>
+              <dgm:constr type="r" for="ch" forName="ParentBackground1" refType="w" fact="0.9765"/>
+              <dgm:constr type="t" for="ch" forName="ParentBackground1" refType="h" fact="0.1262"/>
+              <dgm:constr type="w" for="ch" forName="ParentBackground1" refType="w" fact="0.0987"/>
+              <dgm:constr type="h" for="ch" forName="ParentBackground1" refType="h" fact="0.5319"/>
+              <dgm:constr type="r" for="ch" forName="Child1" refType="w" fact="0.9765"/>
+              <dgm:constr type="t" for="ch" forName="Child1" refType="h" fact="0.6876"/>
+              <dgm:constr type="w" for="ch" forName="Child1" refType="w" fact="0.0987"/>
+              <dgm:constr type="h" for="ch" forName="Child1" refType="h" fact="0.3124"/>
+            </dgm:constrLst>
+          </dgm:if>
+          <dgm:if name="Name26" axis="ch" ptType="node" func="cnt" op="equ" val="10">
+            <dgm:alg type="composite">
+              <dgm:param type="ar" val="5.9769"/>
+            </dgm:alg>
+            <dgm:constrLst>
+              <dgm:constr type="primFontSz" for="des" forName="Child1" val="65"/>
+              <dgm:constr type="primFontSz" for="des" forName="Parent1" val="65"/>
+              <dgm:constr type="primFontSz" for="des" forName="Child1" refType="primFontSz" refFor="des" refForName="Parent1" op="lte"/>
+              <dgm:constr type="primFontSz" for="des" forName="Child2" refType="primFontSz" refFor="des" refForName="Parent1" op="lte"/>
+              <dgm:constr type="primFontSz" for="des" forName="Child3" refType="primFontSz" refFor="des" refForName="Parent1" op="lte"/>
+              <dgm:constr type="primFontSz" for="des" forName="Child4" refType="primFontSz" refFor="des" refForName="Parent1" op="lte"/>
+              <dgm:constr type="primFontSz" for="des" forName="Child5" refType="primFontSz" refFor="des" refForName="Parent1" op="lte"/>
+              <dgm:constr type="primFontSz" for="des" forName="Child6" refType="primFontSz" refFor="des" refForName="Parent1" op="lte"/>
+              <dgm:constr type="primFontSz" for="des" forName="Child7" refType="primFontSz" refFor="des" refForName="Parent1" op="lte"/>
+              <dgm:constr type="primFontSz" for="des" forName="Child8" refType="primFontSz" refFor="des" refForName="Parent1" op="lte"/>
+              <dgm:constr type="primFontSz" for="des" forName="Child9" refType="primFontSz" refFor="des" refForName="Parent1" op="lte"/>
+              <dgm:constr type="primFontSz" for="des" forName="Child10" refType="primFontSz" refFor="des" refForName="Parent1" op="lte"/>
+              <dgm:constr type="primFontSz" for="des" forName="Child1" refType="primFontSz" refFor="des" refForName="Parent2" op="lte"/>
+              <dgm:constr type="primFontSz" for="des" forName="Child2" refType="primFontSz" refFor="des" refForName="Parent2" op="lte"/>
+              <dgm:constr type="primFontSz" for="des" forName="Child3" refType="primFontSz" refFor="des" refForName="Parent2" op="lte"/>
+              <dgm:constr type="primFontSz" for="des" forName="Child4" refType="primFontSz" refFor="des" refForName="Parent2" op="lte"/>
+              <dgm:constr type="primFontSz" for="des" forName="Child5" refType="primFontSz" refFor="des" refForName="Parent2" op="lte"/>
+              <dgm:constr type="primFontSz" for="des" forName="Child6" refType="primFontSz" refFor="des" refForName="Parent2" op="lte"/>
+              <dgm:constr type="primFontSz" for="des" forName="Child7" refType="primFontSz" refFor="des" refForName="Parent2" op="lte"/>
+              <dgm:constr type="primFontSz" for="des" forName="Child8" refType="primFontSz" refFor="des" refForName="Parent2" op="lte"/>
+              <dgm:constr type="primFontSz" for="des" forName="Child9" refType="primFontSz" refFor="des" refForName="Parent2" op="lte"/>
+              <dgm:constr type="primFontSz" for="des" forName="Child10" refType="primFontSz" refFor="des" refForName="Parent2" op="lte"/>
+              <dgm:constr type="primFontSz" for="des" forName="Child1" refType="primFontSz" refFor="des" refForName="Parent3" op="lte"/>
+              <dgm:constr type="primFontSz" for="des" forName="Child2" refType="primFontSz" refFor="des" refForName="Parent3" op="lte"/>
+              <dgm:constr type="primFontSz" for="des" forName="Child3" refType="primFontSz" refFor="des" refForName="Parent3" op="lte"/>
+              <dgm:constr type="primFontSz" for="des" forName="Child4" refType="primFontSz" refFor="des" refForName="Parent3" op="lte"/>
+              <dgm:constr type="primFontSz" for="des" forName="Child5" refType="primFontSz" refFor="des" refForName="Parent3" op="lte"/>
+              <dgm:constr type="primFontSz" for="des" forName="Child6" refType="primFontSz" refFor="des" refForName="Parent3" op="lte"/>
+              <dgm:constr type="primFontSz" for="des" forName="Child7" refType="primFontSz" refFor="des" refForName="Parent3" op="lte"/>
+              <dgm:constr type="primFontSz" for="des" forName="Child8" refType="primFontSz" refFor="des" refForName="Parent3" op="lte"/>
+              <dgm:constr type="primFontSz" for="des" forName="Child9" refType="primFontSz" refFor="des" refForName="Parent3" op="lte"/>
+              <dgm:constr type="primFontSz" for="des" forName="Child10" refType="primFontSz" refFor="des" refForName="Parent3" op="lte"/>
+              <dgm:constr type="primFontSz" for="des" forName="Child1" refType="primFontSz" refFor="des" refForName="Parent4" op="lte"/>
+              <dgm:constr type="primFontSz" for="des" forName="Child2" refType="primFontSz" refFor="des" refForName="Parent4" op="lte"/>
+              <dgm:constr type="primFontSz" for="des" forName="Child3" refType="primFontSz" refFor="des" refForName="Parent4" op="lte"/>
+              <dgm:constr type="primFontSz" for="des" forName="Child4" refType="primFontSz" refFor="des" refForName="Parent4" op="lte"/>
+              <dgm:constr type="primFontSz" for="des" forName="Child5" refType="primFontSz" refFor="des" refForName="Parent4" op="lte"/>
+              <dgm:constr type="primFontSz" for="des" forName="Child6" refType="primFontSz" refFor="des" refForName="Parent4" op="lte"/>
+              <dgm:constr type="primFontSz" for="des" forName="Child7" refType="primFontSz" refFor="des" refForName="Parent4" op="lte"/>
+              <dgm:constr type="primFontSz" for="des" forName="Child8" refType="primFontSz" refFor="des" refForName="Parent4" op="lte"/>
+              <dgm:constr type="primFontSz" for="des" forName="Child9" refType="primFontSz" refFor="des" refForName="Parent4" op="lte"/>
+              <dgm:constr type="primFontSz" for="des" forName="Child10" refType="primFontSz" refFor="des" refForName="Parent4" op="lte"/>
+              <dgm:constr type="primFontSz" for="des" forName="Child1" refType="primFontSz" refFor="des" refForName="Parent5" op="lte"/>
+              <dgm:constr type="primFontSz" for="des" forName="Child2" refType="primFontSz" refFor="des" refForName="Parent5" op="lte"/>
+              <dgm:constr type="primFontSz" for="des" forName="Child3" refType="primFontSz" refFor="des" refForName="Parent5" op="lte"/>
+              <dgm:constr type="primFontSz" for="des" forName="Child4" refType="primFontSz" refFor="des" refForName="Parent5" op="lte"/>
+              <dgm:constr type="primFontSz" for="des" forName="Child5" refType="primFontSz" refFor="des" refForName="Parent5" op="lte"/>
+              <dgm:constr type="primFontSz" for="des" forName="Child6" refType="primFontSz" refFor="des" refForName="Parent5" op="lte"/>
+              <dgm:constr type="primFontSz" for="des" forName="Child7" refType="primFontSz" refFor="des" refForName="Parent5" op="lte"/>
+              <dgm:constr type="primFontSz" for="des" forName="Child8" refType="primFontSz" refFor="des" refForName="Parent5" op="lte"/>
+              <dgm:constr type="primFontSz" for="des" forName="Child9" refType="primFontSz" refFor="des" refForName="Parent5" op="lte"/>
+              <dgm:constr type="primFontSz" for="des" forName="Child10" refType="primFontSz" refFor="des" refForName="Parent5" op="lte"/>
+              <dgm:constr type="primFontSz" for="des" forName="Child1" refType="primFontSz" refFor="des" refForName="Parent6" op="lte"/>
+              <dgm:constr type="primFontSz" for="des" forName="Child2" refType="primFontSz" refFor="des" refForName="Parent6" op="lte"/>
+              <dgm:constr type="primFontSz" for="des" forName="Child3" refType="primFontSz" refFor="des" refForName="Parent6" op="lte"/>
+              <dgm:constr type="primFontSz" for="des" forName="Child4" refType="primFontSz" refFor="des" refForName="Parent6" op="lte"/>
+              <dgm:constr type="primFontSz" for="des" forName="Child5" refType="primFontSz" refFor="des" refForName="Parent6" op="lte"/>
+              <dgm:constr type="primFontSz" for="des" forName="Child6" refType="primFontSz" refFor="des" refForName="Parent6" op="lte"/>
+              <dgm:constr type="primFontSz" for="des" forName="Child7" refType="primFontSz" refFor="des" refForName="Parent6" op="lte"/>
+              <dgm:constr type="primFontSz" for="des" forName="Child8" refType="primFontSz" refFor="des" refForName="Parent6" op="lte"/>
+              <dgm:constr type="primFontSz" for="des" forName="Child9" refType="primFontSz" refFor="des" refForName="Parent6" op="lte"/>
+              <dgm:constr type="primFontSz" for="des" forName="Child10" refType="primFontSz" refFor="des" refForName="Parent7" op="lte"/>
+              <dgm:constr type="primFontSz" for="des" forName="Child1" refType="primFontSz" refFor="des" refForName="Parent7" op="lte"/>
+              <dgm:constr type="primFontSz" for="des" forName="Child2" refType="primFontSz" refFor="des" refForName="Parent7" op="lte"/>
+              <dgm:constr type="primFontSz" for="des" forName="Child3" refType="primFontSz" refFor="des" refForName="Parent7" op="lte"/>
+              <dgm:constr type="primFontSz" for="des" forName="Child4" refType="primFontSz" refFor="des" refForName="Parent7" op="lte"/>
+              <dgm:constr type="primFontSz" for="des" forName="Child5" refType="primFontSz" refFor="des" refForName="Parent7" op="lte"/>
+              <dgm:constr type="primFontSz" for="des" forName="Child6" refType="primFontSz" refFor="des" refForName="Parent7" op="lte"/>
+              <dgm:constr type="primFontSz" for="des" forName="Child7" refType="primFontSz" refFor="des" refForName="Parent7" op="lte"/>
+              <dgm:constr type="primFontSz" for="des" forName="Child8" refType="primFontSz" refFor="des" refForName="Parent7" op="lte"/>
+              <dgm:constr type="primFontSz" for="des" forName="Child9" refType="primFontSz" refFor="des" refForName="Parent7" op="lte"/>
+              <dgm:constr type="primFontSz" for="des" forName="Child10" refType="primFontSz" refFor="des" refForName="Parent7" op="lte"/>
+              <dgm:constr type="primFontSz" for="des" forName="Child1" refType="primFontSz" refFor="des" refForName="Parent8" op="lte"/>
+              <dgm:constr type="primFontSz" for="des" forName="Child2" refType="primFontSz" refFor="des" refForName="Parent8" op="lte"/>
+              <dgm:constr type="primFontSz" for="des" forName="Child3" refType="primFontSz" refFor="des" refForName="Parent8" op="lte"/>
+              <dgm:constr type="primFontSz" for="des" forName="Child4" refType="primFontSz" refFor="des" refForName="Parent8" op="lte"/>
+              <dgm:constr type="primFontSz" for="des" forName="Child5" refType="primFontSz" refFor="des" refForName="Parent8" op="lte"/>
+              <dgm:constr type="primFontSz" for="des" forName="Child6" refType="primFontSz" refFor="des" refForName="Parent8" op="lte"/>
+              <dgm:constr type="primFontSz" for="des" forName="Child7" refType="primFontSz" refFor="des" refForName="Parent8" op="lte"/>
+              <dgm:constr type="primFontSz" for="des" forName="Child8" refType="primFontSz" refFor="des" refForName="Parent8" op="lte"/>
+              <dgm:constr type="primFontSz" for="des" forName="Child9" refType="primFontSz" refFor="des" refForName="Parent8" op="lte"/>
+              <dgm:constr type="primFontSz" for="des" forName="Child10" refType="primFontSz" refFor="des" refForName="Parent8" op="lte"/>
+              <dgm:constr type="primFontSz" for="des" forName="Child1" refType="primFontSz" refFor="des" refForName="Parent9" op="lte"/>
+              <dgm:constr type="primFontSz" for="des" forName="Child2" refType="primFontSz" refFor="des" refForName="Parent9" op="lte"/>
+              <dgm:constr type="primFontSz" for="des" forName="Child3" refType="primFontSz" refFor="des" refForName="Parent9" op="lte"/>
+              <dgm:constr type="primFontSz" for="des" forName="Child4" refType="primFontSz" refFor="des" refForName="Parent9" op="lte"/>
+              <dgm:constr type="primFontSz" for="des" forName="Child5" refType="primFontSz" refFor="des" refForName="Parent9" op="lte"/>
+              <dgm:constr type="primFontSz" for="des" forName="Child6" refType="primFontSz" refFor="des" refForName="Parent9" op="lte"/>
+              <dgm:constr type="primFontSz" for="des" forName="Child7" refType="primFontSz" refFor="des" refForName="Parent9" op="lte"/>
+              <dgm:constr type="primFontSz" for="des" forName="Child8" refType="primFontSz" refFor="des" refForName="Parent9" op="lte"/>
+              <dgm:constr type="primFontSz" for="des" forName="Child9" refType="primFontSz" refFor="des" refForName="Parent9" op="lte"/>
+              <dgm:constr type="primFontSz" for="des" forName="Child10" refType="primFontSz" refFor="des" refForName="Parent9" op="lte"/>
+              <dgm:constr type="primFontSz" for="des" forName="Child1" refType="primFontSz" refFor="des" refForName="Parent10" op="lte"/>
+              <dgm:constr type="primFontSz" for="des" forName="Child2" refType="primFontSz" refFor="des" refForName="Parent10" op="lte"/>
+              <dgm:constr type="primFontSz" for="des" forName="Child3" refType="primFontSz" refFor="des" refForName="Parent10" op="lte"/>
+              <dgm:constr type="primFontSz" for="des" forName="Child4" refType="primFontSz" refFor="des" refForName="Parent10" op="lte"/>
+              <dgm:constr type="primFontSz" for="des" forName="Child5" refType="primFontSz" refFor="des" refForName="Parent10" op="lte"/>
+              <dgm:constr type="primFontSz" for="des" forName="Child6" refType="primFontSz" refFor="des" refForName="Parent10" op="lte"/>
+              <dgm:constr type="primFontSz" for="des" forName="Child7" refType="primFontSz" refFor="des" refForName="Parent10" op="lte"/>
+              <dgm:constr type="primFontSz" for="des" forName="Child8" refType="primFontSz" refFor="des" refForName="Parent10" op="lte"/>
+              <dgm:constr type="primFontSz" for="des" forName="Child9" refType="primFontSz" refFor="des" refForName="Parent10" op="lte"/>
+              <dgm:constr type="primFontSz" for="des" forName="Child10" refType="primFontSz" refFor="des" refForName="Parent10" op="lte"/>
+              <dgm:constr type="primFontSz" for="des" forName="Parent2" refType="primFontSz" refFor="des" refForName="Parent1" op="equ"/>
+              <dgm:constr type="primFontSz" for="des" forName="Parent3" refType="primFontSz" refFor="des" refForName="Parent1" op="equ"/>
+              <dgm:constr type="primFontSz" for="des" forName="Parent4" refType="primFontSz" refFor="des" refForName="Parent1" op="equ"/>
+              <dgm:constr type="primFontSz" for="des" forName="Parent5" refType="primFontSz" refFor="des" refForName="Parent1" op="equ"/>
+              <dgm:constr type="primFontSz" for="des" forName="Parent6" refType="primFontSz" refFor="des" refForName="Parent1" op="equ"/>
+              <dgm:constr type="primFontSz" for="des" forName="Parent7" refType="primFontSz" refFor="des" refForName="Parent1" op="equ"/>
+              <dgm:constr type="primFontSz" for="des" forName="Parent8" refType="primFontSz" refFor="des" refForName="Parent1" op="equ"/>
+              <dgm:constr type="primFontSz" for="des" forName="Parent9" refType="primFontSz" refFor="des" refForName="Parent1" op="equ"/>
+              <dgm:constr type="primFontSz" for="des" forName="Parent10" refType="primFontSz" refFor="des" refForName="Parent1" op="equ"/>
+              <dgm:constr type="primFontSz" for="des" forName="Child2" refType="primFontSz" refFor="des" refForName="Child1" op="equ"/>
+              <dgm:constr type="primFontSz" for="des" forName="Child3" refType="primFontSz" refFor="des" refForName="Child1" op="equ"/>
+              <dgm:constr type="primFontSz" for="des" forName="Child4" refType="primFontSz" refFor="des" refForName="Child1" op="equ"/>
+              <dgm:constr type="primFontSz" for="des" forName="Child5" refType="primFontSz" refFor="des" refForName="Child1" op="equ"/>
+              <dgm:constr type="primFontSz" for="des" forName="Child6" refType="primFontSz" refFor="des" refForName="Child1" op="equ"/>
+              <dgm:constr type="primFontSz" for="des" forName="Child7" refType="primFontSz" refFor="des" refForName="Child1" op="equ"/>
+              <dgm:constr type="primFontSz" for="des" forName="Child8" refType="primFontSz" refFor="des" refForName="Child1" op="equ"/>
+              <dgm:constr type="primFontSz" for="des" forName="Child9" refType="primFontSz" refFor="des" refForName="Child1" op="equ"/>
+              <dgm:constr type="primFontSz" for="des" forName="Child10" refType="primFontSz" refFor="des" refForName="Child1" op="equ"/>
+              <dgm:constr type="r" for="ch" forName="Parent10" refType="w" fact="0.0795"/>
+              <dgm:constr type="t" for="ch" forName="Parent10" refType="h" fact="0.2022"/>
+              <dgm:constr type="w" for="ch" forName="Parent10" refType="w" fact="0.0636"/>
+              <dgm:constr type="h" for="ch" forName="Parent10" refType="h" fact="0.3799"/>
+              <dgm:constr type="r" for="ch" forName="Parent9" refType="w" fact="0.178"/>
+              <dgm:constr type="t" for="ch" forName="Parent9" refType="h" fact="0.2022"/>
+              <dgm:constr type="w" for="ch" forName="Parent9" refType="w" fact="0.0636"/>
+              <dgm:constr type="h" for="ch" forName="Parent9" refType="h" fact="0.3799"/>
+              <dgm:constr type="r" for="ch" forName="Parent8" refType="w" fact="0.2765"/>
+              <dgm:constr type="t" for="ch" forName="Parent8" refType="h" fact="0.2022"/>
+              <dgm:constr type="w" for="ch" forName="Parent8" refType="w" fact="0.0636"/>
+              <dgm:constr type="h" for="ch" forName="Parent8" refType="h" fact="0.3799"/>
+              <dgm:constr type="r" for="ch" forName="Parent7" refType="w" fact="0.375"/>
+              <dgm:constr type="t" for="ch" forName="Parent7" refType="h" fact="0.2022"/>
+              <dgm:constr type="w" for="ch" forName="Parent7" refType="w" fact="0.0636"/>
+              <dgm:constr type="h" for="ch" forName="Parent7" refType="h" fact="0.3799"/>
+              <dgm:constr type="r" for="ch" forName="Parent6" refType="w" fact="0.4736"/>
+              <dgm:constr type="t" for="ch" forName="Parent6" refType="h" fact="0.2022"/>
+              <dgm:constr type="w" for="ch" forName="Parent6" refType="w" fact="0.0636"/>
+              <dgm:constr type="h" for="ch" forName="Parent6" refType="h" fact="0.3799"/>
+              <dgm:constr type="r" for="ch" forName="Parent5" refType="w" fact="0.5721"/>
+              <dgm:constr type="t" for="ch" forName="Parent5" refType="h" fact="0.2022"/>
+              <dgm:constr type="w" for="ch" forName="Parent5" refType="w" fact="0.0636"/>
+              <dgm:constr type="h" for="ch" forName="Parent5" refType="h" fact="0.3799"/>
+              <dgm:constr type="r" for="ch" forName="Parent4" refType="w" fact="0.6706"/>
+              <dgm:constr type="t" for="ch" forName="Parent4" refType="h" fact="0.2022"/>
+              <dgm:constr type="w" for="ch" forName="Parent4" refType="w" fact="0.0636"/>
+              <dgm:constr type="h" for="ch" forName="Parent4" refType="h" fact="0.3799"/>
+              <dgm:constr type="r" for="ch" forName="Parent3" refType="w" fact="0.7691"/>
+              <dgm:constr type="t" for="ch" forName="Parent3" refType="h" fact="0.2022"/>
+              <dgm:constr type="w" for="ch" forName="Parent3" refType="w" fact="0.0636"/>
+              <dgm:constr type="h" for="ch" forName="Parent3" refType="h" fact="0.3799"/>
+              <dgm:constr type="r" for="ch" forName="Parent2" refType="w" fact="0.8676"/>
+              <dgm:constr type="t" for="ch" forName="Parent2" refType="h" fact="0.2022"/>
+              <dgm:constr type="w" for="ch" forName="Parent2" refType="w" fact="0.0636"/>
+              <dgm:constr type="h" for="ch" forName="Parent2" refType="h" fact="0.3799"/>
+              <dgm:constr type="r" for="ch" forName="Parent1" refType="w" fact="0.9662"/>
+              <dgm:constr type="t" for="ch" forName="Parent1" refType="h" fact="0.2022"/>
+              <dgm:constr type="w" for="ch" forName="Parent1" refType="w" fact="0.0636"/>
+              <dgm:constr type="h" for="ch" forName="Parent1" refType="h" fact="0.3799"/>
+              <dgm:constr type="r" for="ch" forName="Accent10" refType="w" fact="0.0953"/>
+              <dgm:constr type="t" for="ch" forName="Accent10" refType="h" fact="0.1072"/>
+              <dgm:constr type="w" for="ch" forName="Accent10" refType="w" fact="0.0953"/>
+              <dgm:constr type="h" for="ch" forName="Accent10" refType="h" fact="0.5699"/>
+              <dgm:constr type="r" for="ch" forName="ParentBackground10" refType="w" fact="0.0922"/>
+              <dgm:constr type="t" for="ch" forName="ParentBackground10" refType="h" fact="0.1262"/>
+              <dgm:constr type="w" for="ch" forName="ParentBackground10" refType="w" fact="0.089"/>
+              <dgm:constr type="h" for="ch" forName="ParentBackground10" refType="h" fact="0.5319"/>
+              <dgm:constr type="r" for="ch" forName="Child10" refType="w" fact="0.0922"/>
+              <dgm:constr type="t" for="ch" forName="Child10" refType="h" fact="0.6876"/>
+              <dgm:constr type="w" for="ch" forName="Child10" refType="w" fact="0.089"/>
+              <dgm:constr type="h" for="ch" forName="Child10" refType="h" fact="0.3124"/>
+              <dgm:constr type="r" for="ch" forName="Accent9" refType="w" fact="0.2136"/>
+              <dgm:constr type="t" for="ch" forName="Accent9" refType="h" fact="-0.0109"/>
+              <dgm:constr type="w" for="ch" forName="Accent9" refType="w" fact="0.1348"/>
+              <dgm:constr type="h" for="ch" forName="Accent9" refType="h" fact="0.806"/>
+              <dgm:constr type="r" for="ch" forName="ParentBackground9" refType="w" fact="0.1907"/>
+              <dgm:constr type="t" for="ch" forName="ParentBackground9" refType="h" fact="0.1262"/>
+              <dgm:constr type="w" for="ch" forName="ParentBackground9" refType="w" fact="0.089"/>
+              <dgm:constr type="h" for="ch" forName="ParentBackground9" refType="h" fact="0.5319"/>
+              <dgm:constr type="r" for="ch" forName="Child9" refType="w" fact="0.1907"/>
+              <dgm:constr type="t" for="ch" forName="Child9" refType="h" fact="0.6876"/>
+              <dgm:constr type="w" for="ch" forName="Child9" refType="w" fact="0.089"/>
+              <dgm:constr type="h" for="ch" forName="Child9" refType="h" fact="0.3124"/>
+              <dgm:constr type="r" for="ch" forName="Accent8" refType="w" fact="0.3121"/>
+              <dgm:constr type="t" for="ch" forName="Accent8" refType="h" fact="-0.0109"/>
+              <dgm:constr type="w" for="ch" forName="Accent8" refType="w" fact="0.1348"/>
+              <dgm:constr type="h" for="ch" forName="Accent8" refType="h" fact="0.806"/>
+              <dgm:constr type="r" for="ch" forName="ParentBackground8" refType="w" fact="0.2892"/>
+              <dgm:constr type="t" for="ch" forName="ParentBackground8" refType="h" fact="0.1262"/>
+              <dgm:constr type="w" for="ch" forName="ParentBackground8" refType="w" fact="0.089"/>
+              <dgm:constr type="h" for="ch" forName="ParentBackground8" refType="h" fact="0.5319"/>
+              <dgm:constr type="r" for="ch" forName="Child8" refType="w" fact="0.2892"/>
+              <dgm:constr type="t" for="ch" forName="Child8" refType="h" fact="0.6876"/>
+              <dgm:constr type="w" for="ch" forName="Child8" refType="w" fact="0.089"/>
+              <dgm:constr type="h" for="ch" forName="Child8" refType="h" fact="0.3124"/>
+              <dgm:constr type="r" for="ch" forName="Accent7" refType="w" fact="0.4107"/>
+              <dgm:constr type="t" for="ch" forName="Accent7" refType="h" fact="-0.0109"/>
+              <dgm:constr type="w" for="ch" forName="Accent7" refType="w" fact="0.1348"/>
+              <dgm:constr type="h" for="ch" forName="Accent7" refType="h" fact="0.806"/>
+              <dgm:constr type="r" for="ch" forName="ParentBackground7" refType="w" fact="0.3877"/>
+              <dgm:constr type="t" for="ch" forName="ParentBackground7" refType="h" fact="0.1262"/>
+              <dgm:constr type="w" for="ch" forName="ParentBackground7" refType="w" fact="0.089"/>
+              <dgm:constr type="h" for="ch" forName="ParentBackground7" refType="h" fact="0.5319"/>
+              <dgm:constr type="r" for="ch" forName="Child7" refType="w" fact="0.3877"/>
+              <dgm:constr type="t" for="ch" forName="Child7" refType="h" fact="0.6876"/>
+              <dgm:constr type="w" for="ch" forName="Child7" refType="w" fact="0.089"/>
+              <dgm:constr type="h" for="ch" forName="Child7" refType="h" fact="0.3124"/>
+              <dgm:constr type="r" for="ch" forName="Accent6" refType="w" fact="0.5092"/>
+              <dgm:constr type="t" for="ch" forName="Accent6" refType="h" fact="-0.0109"/>
+              <dgm:constr type="w" for="ch" forName="Accent6" refType="w" fact="0.1348"/>
+              <dgm:constr type="h" for="ch" forName="Accent6" refType="h" fact="0.806"/>
+              <dgm:constr type="r" for="ch" forName="ParentBackground6" refType="w" fact="0.4863"/>
+              <dgm:constr type="t" for="ch" forName="ParentBackground6" refType="h" fact="0.1262"/>
+              <dgm:constr type="w" for="ch" forName="ParentBackground6" refType="w" fact="0.089"/>
+              <dgm:constr type="h" for="ch" forName="ParentBackground6" refType="h" fact="0.5319"/>
+              <dgm:constr type="r" for="ch" forName="Child6" refType="w" fact="0.4863"/>
+              <dgm:constr type="t" for="ch" forName="Child6" refType="h" fact="0.6876"/>
+              <dgm:constr type="w" for="ch" forName="Child6" refType="w" fact="0.089"/>
+              <dgm:constr type="h" for="ch" forName="Child6" refType="h" fact="0.3124"/>
+              <dgm:constr type="r" for="ch" forName="Accent5" refType="w" fact="0.6077"/>
+              <dgm:constr type="t" for="ch" forName="Accent5" refType="h" fact="-0.0109"/>
+              <dgm:constr type="w" for="ch" forName="Accent5" refType="w" fact="0.1348"/>
+              <dgm:constr type="h" for="ch" forName="Accent5" refType="h" fact="0.806"/>
+              <dgm:constr type="r" for="ch" forName="ParentBackground5" refType="w" fact="0.5848"/>
+              <dgm:constr type="t" for="ch" forName="ParentBackground5" refType="h" fact="0.1262"/>
+              <dgm:constr type="w" for="ch" forName="ParentBackground5" refType="w" fact="0.089"/>
+              <dgm:constr type="h" for="ch" forName="ParentBackground5" refType="h" fact="0.5319"/>
+              <dgm:constr type="r" for="ch" forName="Child5" refType="w" fact="0.5848"/>
+              <dgm:constr type="t" for="ch" forName="Child5" refType="h" fact="0.6876"/>
+              <dgm:constr type="w" for="ch" forName="Child5" refType="w" fact="0.089"/>
+              <dgm:constr type="h" for="ch" forName="Child5" refType="h" fact="0.3124"/>
+              <dgm:constr type="r" for="ch" forName="Accent4" refType="w" fact="0.7062"/>
+              <dgm:constr type="t" for="ch" forName="Accent4" refType="h" fact="-0.0109"/>
+              <dgm:constr type="w" for="ch" forName="Accent4" refType="w" fact="0.1348"/>
+              <dgm:constr type="h" for="ch" forName="Accent4" refType="h" fact="0.806"/>
+              <dgm:constr type="r" for="ch" forName="ParentBackground4" refType="w" fact="0.6833"/>
+              <dgm:constr type="t" for="ch" forName="ParentBackground4" refType="h" fact="0.1262"/>
+              <dgm:constr type="w" for="ch" forName="ParentBackground4" refType="w" fact="0.089"/>
+              <dgm:constr type="h" for="ch" forName="ParentBackground4" refType="h" fact="0.5319"/>
+              <dgm:constr type="r" for="ch" forName="Child4" refType="w" fact="0.6833"/>
+              <dgm:constr type="t" for="ch" forName="Child4" refType="h" fact="0.6876"/>
+              <dgm:constr type="w" for="ch" forName="Child4" refType="w" fact="0.089"/>
+              <dgm:constr type="h" for="ch" forName="Child4" refType="h" fact="0.3124"/>
+              <dgm:constr type="r" for="ch" forName="Accent3" refType="w" fact="0.8048"/>
+              <dgm:constr type="t" for="ch" forName="Accent3" refType="h" fact="-0.0109"/>
+              <dgm:constr type="w" for="ch" forName="Accent3" refType="w" fact="0.1348"/>
+              <dgm:constr type="h" for="ch" forName="Accent3" refType="h" fact="0.806"/>
+              <dgm:constr type="r" for="ch" forName="ParentBackground3" refType="w" fact="0.7818"/>
+              <dgm:constr type="t" for="ch" forName="ParentBackground3" refType="h" fact="0.1262"/>
+              <dgm:constr type="w" for="ch" forName="ParentBackground3" refType="w" fact="0.089"/>
+              <dgm:constr type="h" for="ch" forName="ParentBackground3" refType="h" fact="0.5319"/>
+              <dgm:constr type="r" for="ch" forName="Child3" refType="w" fact="0.7818"/>
+              <dgm:constr type="t" for="ch" forName="Child3" refType="h" fact="0.6876"/>
+              <dgm:constr type="w" for="ch" forName="Child3" refType="w" fact="0.089"/>
+              <dgm:constr type="h" for="ch" forName="Child3" refType="h" fact="0.3124"/>
+              <dgm:constr type="r" for="ch" forName="Accent2" refType="w" fact="0.9033"/>
+              <dgm:constr type="t" for="ch" forName="Accent2" refType="h" fact="-0.0109"/>
+              <dgm:constr type="w" for="ch" forName="Accent2" refType="w" fact="0.1348"/>
+              <dgm:constr type="h" for="ch" forName="Accent2" refType="h" fact="0.806"/>
+              <dgm:constr type="r" for="ch" forName="ParentBackground2" refType="w" fact="0.8804"/>
+              <dgm:constr type="t" for="ch" forName="ParentBackground2" refType="h" fact="0.1262"/>
+              <dgm:constr type="w" for="ch" forName="ParentBackground2" refType="w" fact="0.089"/>
+              <dgm:constr type="h" for="ch" forName="ParentBackground2" refType="h" fact="0.5319"/>
+              <dgm:constr type="r" for="ch" forName="Child2" refType="w" fact="0.8804"/>
+              <dgm:constr type="t" for="ch" forName="Child2" refType="h" fact="0.6876"/>
+              <dgm:constr type="w" for="ch" forName="Child2" refType="w" fact="0.089"/>
+              <dgm:constr type="h" for="ch" forName="Child2" refType="h" fact="0.3124"/>
+              <dgm:constr type="r" for="ch" forName="Accent1" refType="w" fact="1.0018"/>
+              <dgm:constr type="t" for="ch" forName="Accent1" refType="h" fact="-0.0109"/>
+              <dgm:constr type="w" for="ch" forName="Accent1" refType="w" fact="0.1348"/>
+              <dgm:constr type="h" for="ch" forName="Accent1" refType="h" fact="0.806"/>
+              <dgm:constr type="r" for="ch" forName="ParentBackground1" refType="w" fact="0.9789"/>
+              <dgm:constr type="t" for="ch" forName="ParentBackground1" refType="h" fact="0.1262"/>
+              <dgm:constr type="w" for="ch" forName="ParentBackground1" refType="w" fact="0.089"/>
+              <dgm:constr type="h" for="ch" forName="ParentBackground1" refType="h" fact="0.5319"/>
+              <dgm:constr type="r" for="ch" forName="Child1" refType="w" fact="0.9789"/>
+              <dgm:constr type="t" for="ch" forName="Child1" refType="h" fact="0.6876"/>
+              <dgm:constr type="w" for="ch" forName="Child1" refType="w" fact="0.089"/>
+              <dgm:constr type="h" for="ch" forName="Child1" refType="h" fact="0.3124"/>
+            </dgm:constrLst>
+          </dgm:if>
+          <dgm:else name="Name27">
+            <dgm:alg type="composite">
+              <dgm:param type="ar" val="6.5658"/>
+            </dgm:alg>
+            <dgm:constrLst>
+              <dgm:constr type="primFontSz" for="des" forName="Child1" val="65"/>
+              <dgm:constr type="primFontSz" for="des" forName="Parent1" val="65"/>
+              <dgm:constr type="primFontSz" for="des" forName="Child1" refType="primFontSz" refFor="des" refForName="Parent1" op="lte"/>
+              <dgm:constr type="primFontSz" for="des" forName="Child2" refType="primFontSz" refFor="des" refForName="Parent1" op="lte"/>
+              <dgm:constr type="primFontSz" for="des" forName="Child3" refType="primFontSz" refFor="des" refForName="Parent1" op="lte"/>
+              <dgm:constr type="primFontSz" for="des" forName="Child4" refType="primFontSz" refFor="des" refForName="Parent1" op="lte"/>
+              <dgm:constr type="primFontSz" for="des" forName="Child5" refType="primFontSz" refFor="des" refForName="Parent1" op="lte"/>
+              <dgm:constr type="primFontSz" for="des" forName="Child6" refType="primFontSz" refFor="des" refForName="Parent1" op="lte"/>
+              <dgm:constr type="primFontSz" for="des" forName="Child7" refType="primFontSz" refFor="des" refForName="Parent1" op="lte"/>
+              <dgm:constr type="primFontSz" for="des" forName="Child8" refType="primFontSz" refFor="des" refForName="Parent1" op="lte"/>
+              <dgm:constr type="primFontSz" for="des" forName="Child9" refType="primFontSz" refFor="des" refForName="Parent1" op="lte"/>
+              <dgm:constr type="primFontSz" for="des" forName="Child10" refType="primFontSz" refFor="des" refForName="Parent1" op="lte"/>
+              <dgm:constr type="primFontSz" for="des" forName="Child11" refType="primFontSz" refFor="des" refForName="Parent1" op="lte"/>
+              <dgm:constr type="primFontSz" for="des" forName="Child1" refType="primFontSz" refFor="des" refForName="Parent2" op="lte"/>
+              <dgm:constr type="primFontSz" for="des" forName="Child2" refType="primFontSz" refFor="des" refForName="Parent2" op="lte"/>
+              <dgm:constr type="primFontSz" for="des" forName="Child3" refType="primFontSz" refFor="des" refForName="Parent2" op="lte"/>
+              <dgm:constr type="primFontSz" for="des" forName="Child4" refType="primFontSz" refFor="des" refForName="Parent2" op="lte"/>
+              <dgm:constr type="primFontSz" for="des" forName="Child5" refType="primFontSz" refFor="des" refForName="Parent2" op="lte"/>
+              <dgm:constr type="primFontSz" for="des" forName="Child6" refType="primFontSz" refFor="des" refForName="Parent2" op="lte"/>
+              <dgm:constr type="primFontSz" for="des" forName="Child7" refType="primFontSz" refFor="des" refForName="Parent2" op="lte"/>
+              <dgm:constr type="primFontSz" for="des" forName="Child8" refType="primFontSz" refFor="des" refForName="Parent2" op="lte"/>
+              <dgm:constr type="primFontSz" for="des" forName="Child9" refType="primFontSz" refFor="des" refForName="Parent2" op="lte"/>
+              <dgm:constr type="primFontSz" for="des" forName="Child10" refType="primFontSz" refFor="des" refForName="Parent2" op="lte"/>
+              <dgm:constr type="primFontSz" for="des" forName="Child11" refType="primFontSz" refFor="des" refForName="Parent2" op="lte"/>
+              <dgm:constr type="primFontSz" for="des" forName="Child1" refType="primFontSz" refFor="des" refForName="Parent3" op="lte"/>
+              <dgm:constr type="primFontSz" for="des" forName="Child2" refType="primFontSz" refFor="des" refForName="Parent3" op="lte"/>
+              <dgm:constr type="primFontSz" for="des" forName="Child3" refType="primFontSz" refFor="des" refForName="Parent3" op="lte"/>
+              <dgm:constr type="primFontSz" for="des" forName="Child4" refType="primFontSz" refFor="des" refForName="Parent3" op="lte"/>
+              <dgm:constr type="primFontSz" for="des" forName="Child5" refType="primFontSz" refFor="des" refForName="Parent3" op="lte"/>
+              <dgm:constr type="primFontSz" for="des" forName="Child6" refType="primFontSz" refFor="des" refForName="Parent3" op="lte"/>
+              <dgm:constr type="primFontSz" for="des" forName="Child7" refType="primFontSz" refFor="des" refForName="Parent3" op="lte"/>
+              <dgm:constr type="primFontSz" for="des" forName="Child8" refType="primFontSz" refFor="des" refForName="Parent3" op="lte"/>
+              <dgm:constr type="primFontSz" for="des" forName="Child9" refType="primFontSz" refFor="des" refForName="Parent3" op="lte"/>
+              <dgm:constr type="primFontSz" for="des" forName="Child10" refType="primFontSz" refFor="des" refForName="Parent3" op="lte"/>
+              <dgm:constr type="primFontSz" for="des" forName="Child11" refType="primFontSz" refFor="des" refForName="Parent3" op="lte"/>
+              <dgm:constr type="primFontSz" for="des" forName="Child1" refType="primFontSz" refFor="des" refForName="Parent4" op="lte"/>
+              <dgm:constr type="primFontSz" for="des" forName="Child2" refType="primFontSz" refFor="des" refForName="Parent4" op="lte"/>
+              <dgm:constr type="primFontSz" for="des" forName="Child3" refType="primFontSz" refFor="des" refForName="Parent4" op="lte"/>
+              <dgm:constr type="primFontSz" for="des" forName="Child4" refType="primFontSz" refFor="des" refForName="Parent4" op="lte"/>
+              <dgm:constr type="primFontSz" for="des" forName="Child5" refType="primFontSz" refFor="des" refForName="Parent4" op="lte"/>
+              <dgm:constr type="primFontSz" for="des" forName="Child6" refType="primFontSz" refFor="des" refForName="Parent4" op="lte"/>
+              <dgm:constr type="primFontSz" for="des" forName="Child7" refType="primFontSz" refFor="des" refForName="Parent4" op="lte"/>
+              <dgm:constr type="primFontSz" for="des" forName="Child8" refType="primFontSz" refFor="des" refForName="Parent4" op="lte"/>
+              <dgm:constr type="primFontSz" for="des" forName="Child9" refType="primFontSz" refFor="des" refForName="Parent4" op="lte"/>
+              <dgm:constr type="primFontSz" for="des" forName="Child10" refType="primFontSz" refFor="des" refForName="Parent4" op="lte"/>
+              <dgm:constr type="primFontSz" for="des" forName="Child11" refType="primFontSz" refFor="des" refForName="Parent4" op="lte"/>
+              <dgm:constr type="primFontSz" for="des" forName="Child1" refType="primFontSz" refFor="des" refForName="Parent5" op="lte"/>
+              <dgm:constr type="primFontSz" for="des" forName="Child2" refType="primFontSz" refFor="des" refForName="Parent5" op="lte"/>
+              <dgm:constr type="primFontSz" for="des" forName="Child3" refType="primFontSz" refFor="des" refForName="Parent5" op="lte"/>
+              <dgm:constr type="primFontSz" for="des" forName="Child4" refType="primFontSz" refFor="des" refForName="Parent5" op="lte"/>
+              <dgm:constr type="primFontSz" for="des" forName="Child5" refType="primFontSz" refFor="des" refForName="Parent5" op="lte"/>
+              <dgm:constr type="primFontSz" for="des" forName="Child6" refType="primFontSz" refFor="des" refForName="Parent5" op="lte"/>
+              <dgm:constr type="primFontSz" for="des" forName="Child7" refType="primFontSz" refFor="des" refForName="Parent5" op="lte"/>
+              <dgm:constr type="primFontSz" for="des" forName="Child8" refType="primFontSz" refFor="des" refForName="Parent5" op="lte"/>
+              <dgm:constr type="primFontSz" for="des" forName="Child9" refType="primFontSz" refFor="des" refForName="Parent5" op="lte"/>
+              <dgm:constr type="primFontSz" for="des" forName="Child10" refType="primFontSz" refFor="des" refForName="Parent5" op="lte"/>
+              <dgm:constr type="primFontSz" for="des" forName="Child11" refType="primFontSz" refFor="des" refForName="Parent5" op="lte"/>
+              <dgm:constr type="primFontSz" for="des" forName="Child1" refType="primFontSz" refFor="des" refForName="Parent6" op="lte"/>
+              <dgm:constr type="primFontSz" for="des" forName="Child2" refType="primFontSz" refFor="des" refForName="Parent6" op="lte"/>
+              <dgm:constr type="primFontSz" for="des" forName="Child3" refType="primFontSz" refFor="des" refForName="Parent6" op="lte"/>
+              <dgm:constr type="primFontSz" for="des" forName="Child4" refType="primFontSz" refFor="des" refForName="Parent6" op="lte"/>
+              <dgm:constr type="primFontSz" for="des" forName="Child5" refType="primFontSz" refFor="des" refForName="Parent6" op="lte"/>
+              <dgm:constr type="primFontSz" for="des" forName="Child6" refType="primFontSz" refFor="des" refForName="Parent6" op="lte"/>
+              <dgm:constr type="primFontSz" for="des" forName="Child7" refType="primFontSz" refFor="des" refForName="Parent6" op="lte"/>
+              <dgm:constr type="primFontSz" for="des" forName="Child8" refType="primFontSz" refFor="des" refForName="Parent6" op="lte"/>
+              <dgm:constr type="primFontSz" for="des" forName="Child9" refType="primFontSz" refFor="des" refForName="Parent6" op="lte"/>
+              <dgm:constr type="primFontSz" for="des" forName="Child10" refType="primFontSz" refFor="des" refForName="Parent6" op="lte"/>
+              <dgm:constr type="primFontSz" for="des" forName="Child11" refType="primFontSz" refFor="des" refForName="Parent6" op="lte"/>
+              <dgm:constr type="primFontSz" for="des" forName="Child1" refType="primFontSz" refFor="des" refForName="Parent7" op="lte"/>
+              <dgm:constr type="primFontSz" for="des" forName="Child2" refType="primFontSz" refFor="des" refForName="Parent7" op="lte"/>
+              <dgm:constr type="primFontSz" for="des" forName="Child3" refType="primFontSz" refFor="des" refForName="Parent7" op="lte"/>
+              <dgm:constr type="primFontSz" for="des" forName="Child4" refType="primFontSz" refFor="des" refForName="Parent7" op="lte"/>
+              <dgm:constr type="primFontSz" for="des" forName="Child5" refType="primFontSz" refFor="des" refForName="Parent7" op="lte"/>
+              <dgm:constr type="primFontSz" for="des" forName="Child6" refType="primFontSz" refFor="des" refForName="Parent7" op="lte"/>
+              <dgm:constr type="primFontSz" for="des" forName="Child7" refType="primFontSz" refFor="des" refForName="Parent7" op="lte"/>
+              <dgm:constr type="primFontSz" for="des" forName="Child8" refType="primFontSz" refFor="des" refForName="Parent7" op="lte"/>
+              <dgm:constr type="primFontSz" for="des" forName="Child9" refType="primFontSz" refFor="des" refForName="Parent7" op="lte"/>
+              <dgm:constr type="primFontSz" for="des" forName="Child10" refType="primFontSz" refFor="des" refForName="Parent7" op="lte"/>
+              <dgm:constr type="primFontSz" for="des" forName="Child11" refType="primFontSz" refFor="des" refForName="Parent7" op="lte"/>
+              <dgm:constr type="primFontSz" for="des" forName="Child1" refType="primFontSz" refFor="des" refForName="Parent8" op="lte"/>
+              <dgm:constr type="primFontSz" for="des" forName="Child2" refType="primFontSz" refFor="des" refForName="Parent8" op="lte"/>
+              <dgm:constr type="primFontSz" for="des" forName="Child3" refType="primFontSz" refFor="des" refForName="Parent8" op="lte"/>
+              <dgm:constr type="primFontSz" for="des" forName="Child4" refType="primFontSz" refFor="des" refForName="Parent8" op="lte"/>
+              <dgm:constr type="primFontSz" for="des" forName="Child5" refType="primFontSz" refFor="des" refForName="Parent8" op="lte"/>
+              <dgm:constr type="primFontSz" for="des" forName="Child6" refType="primFontSz" refFor="des" refForName="Parent8" op="lte"/>
+              <dgm:constr type="primFontSz" for="des" forName="Child7" refType="primFontSz" refFor="des" refForName="Parent8" op="lte"/>
+              <dgm:constr type="primFontSz" for="des" forName="Child8" refType="primFontSz" refFor="des" refForName="Parent8" op="lte"/>
+              <dgm:constr type="primFontSz" for="des" forName="Child9" refType="primFontSz" refFor="des" refForName="Parent8" op="lte"/>
+              <dgm:constr type="primFontSz" for="des" forName="Child10" refType="primFontSz" refFor="des" refForName="Parent8" op="lte"/>
+              <dgm:constr type="primFontSz" for="des" forName="Child11" refType="primFontSz" refFor="des" refForName="Parent8" op="lte"/>
+              <dgm:constr type="primFontSz" for="des" forName="Child1" refType="primFontSz" refFor="des" refForName="Parent9" op="lte"/>
+              <dgm:constr type="primFontSz" for="des" forName="Child2" refType="primFontSz" refFor="des" refForName="Parent9" op="lte"/>
+              <dgm:constr type="primFontSz" for="des" forName="Child3" refType="primFontSz" refFor="des" refForName="Parent9" op="lte"/>
+              <dgm:constr type="primFontSz" for="des" forName="Child4" refType="primFontSz" refFor="des" refForName="Parent9" op="lte"/>
+              <dgm:constr type="primFontSz" for="des" forName="Child5" refType="primFontSz" refFor="des" refForName="Parent9" op="lte"/>
+              <dgm:constr type="primFontSz" for="des" forName="Child6" refType="primFontSz" refFor="des" refForName="Parent9" op="lte"/>
+              <dgm:constr type="primFontSz" for="des" forName="Child7" refType="primFontSz" refFor="des" refForName="Parent9" op="lte"/>
+              <dgm:constr type="primFontSz" for="des" forName="Child8" refType="primFontSz" refFor="des" refForName="Parent9" op="lte"/>
+              <dgm:constr type="primFontSz" for="des" forName="Child9" refType="primFontSz" refFor="des" refForName="Parent9" op="lte"/>
+              <dgm:constr type="primFontSz" for="des" forName="Child10" refType="primFontSz" refFor="des" refForName="Parent9" op="lte"/>
+              <dgm:constr type="primFontSz" for="des" forName="Child11" refType="primFontSz" refFor="des" refForName="Parent9" op="lte"/>
+              <dgm:constr type="primFontSz" for="des" forName="Child1" refType="primFontSz" refFor="des" refForName="Parent10" op="lte"/>
+              <dgm:constr type="primFontSz" for="des" forName="Child2" refType="primFontSz" refFor="des" refForName="Parent10" op="lte"/>
+              <dgm:constr type="primFontSz" for="des" forName="Child3" refType="primFontSz" refFor="des" refForName="Parent10" op="lte"/>
+              <dgm:constr type="primFontSz" for="des" forName="Child4" refType="primFontSz" refFor="des" refForName="Parent10" op="lte"/>
+              <dgm:constr type="primFontSz" for="des" forName="Child5" refType="primFontSz" refFor="des" refForName="Parent10" op="lte"/>
+              <dgm:constr type="primFontSz" for="des" forName="Child6" refType="primFontSz" refFor="des" refForName="Parent10" op="lte"/>
+              <dgm:constr type="primFontSz" for="des" forName="Child7" refType="primFontSz" refFor="des" refForName="Parent10" op="lte"/>
+              <dgm:constr type="primFontSz" for="des" forName="Child8" refType="primFontSz" refFor="des" refForName="Parent10" op="lte"/>
+              <dgm:constr type="primFontSz" for="des" forName="Child9" refType="primFontSz" refFor="des" refForName="Parent10" op="lte"/>
+              <dgm:constr type="primFontSz" for="des" forName="Child10" refType="primFontSz" refFor="des" refForName="Parent10" op="lte"/>
+              <dgm:constr type="primFontSz" for="des" forName="Child11" refType="primFontSz" refFor="des" refForName="Parent10" op="lte"/>
+              <dgm:constr type="primFontSz" for="des" forName="Child1" refType="primFontSz" refFor="des" refForName="Parent11" op="lte"/>
+              <dgm:constr type="primFontSz" for="des" forName="Child2" refType="primFontSz" refFor="des" refForName="Parent11" op="lte"/>
+              <dgm:constr type="primFontSz" for="des" forName="Child3" refType="primFontSz" refFor="des" refForName="Parent11" op="lte"/>
+              <dgm:constr type="primFontSz" for="des" forName="Child4" refType="primFontSz" refFor="des" refForName="Parent11" op="lte"/>
+              <dgm:constr type="primFontSz" for="des" forName="Child5" refType="primFontSz" refFor="des" refForName="Parent11" op="lte"/>
+              <dgm:constr type="primFontSz" for="des" forName="Child6" refType="primFontSz" refFor="des" refForName="Parent11" op="lte"/>
+              <dgm:constr type="primFontSz" for="des" forName="Child7" refType="primFontSz" refFor="des" refForName="Parent11" op="lte"/>
+              <dgm:constr type="primFontSz" for="des" forName="Child8" refType="primFontSz" refFor="des" refForName="Parent11" op="lte"/>
+              <dgm:constr type="primFontSz" for="des" forName="Child9" refType="primFontSz" refFor="des" refForName="Parent11" op="lte"/>
+              <dgm:constr type="primFontSz" for="des" forName="Child10" refType="primFontSz" refFor="des" refForName="Parent11" op="lte"/>
+              <dgm:constr type="primFontSz" for="des" forName="Child11" refType="primFontSz" refFor="des" refForName="Parent11" op="lte"/>
+              <dgm:constr type="primFontSz" for="des" forName="Parent2" refType="primFontSz" refFor="des" refForName="Parent1" op="equ"/>
+              <dgm:constr type="primFontSz" for="des" forName="Parent3" refType="primFontSz" refFor="des" refForName="Parent1" op="equ"/>
+              <dgm:constr type="primFontSz" for="des" forName="Parent4" refType="primFontSz" refFor="des" refForName="Parent1" op="equ"/>
+              <dgm:constr type="primFontSz" for="des" forName="Parent5" refType="primFontSz" refFor="des" refForName="Parent1" op="equ"/>
+              <dgm:constr type="primFontSz" for="des" forName="Parent6" refType="primFontSz" refFor="des" refForName="Parent1" op="equ"/>
+              <dgm:constr type="primFontSz" for="des" forName="Parent7" refType="primFontSz" refFor="des" refForName="Parent1" op="equ"/>
+              <dgm:constr type="primFontSz" for="des" forName="Parent8" refType="primFontSz" refFor="des" refForName="Parent1" op="equ"/>
+              <dgm:constr type="primFontSz" for="des" forName="Parent9" refType="primFontSz" refFor="des" refForName="Parent1" op="equ"/>
+              <dgm:constr type="primFontSz" for="des" forName="Parent10" refType="primFontSz" refFor="des" refForName="Parent1" op="equ"/>
+              <dgm:constr type="primFontSz" for="des" forName="Parent11" refType="primFontSz" refFor="des" refForName="Parent1" op="equ"/>
+              <dgm:constr type="primFontSz" for="des" forName="Child2" refType="primFontSz" refFor="des" refForName="Child1" op="equ"/>
+              <dgm:constr type="primFontSz" for="des" forName="Child3" refType="primFontSz" refFor="des" refForName="Child1" op="equ"/>
+              <dgm:constr type="primFontSz" for="des" forName="Child4" refType="primFontSz" refFor="des" refForName="Child1" op="equ"/>
+              <dgm:constr type="primFontSz" for="des" forName="Child5" refType="primFontSz" refFor="des" refForName="Child1" op="equ"/>
+              <dgm:constr type="primFontSz" for="des" forName="Child6" refType="primFontSz" refFor="des" refForName="Child1" op="equ"/>
+              <dgm:constr type="primFontSz" for="des" forName="Child7" refType="primFontSz" refFor="des" refForName="Child1" op="equ"/>
+              <dgm:constr type="primFontSz" for="des" forName="Child8" refType="primFontSz" refFor="des" refForName="Child1" op="equ"/>
+              <dgm:constr type="primFontSz" for="des" forName="Child9" refType="primFontSz" refFor="des" refForName="Child1" op="equ"/>
+              <dgm:constr type="primFontSz" for="des" forName="Child10" refType="primFontSz" refFor="des" refForName="Child1" op="equ"/>
+              <dgm:constr type="primFontSz" for="des" forName="Child11" refType="primFontSz" refFor="des" refForName="Child1" op="equ"/>
+              <dgm:constr type="r" for="ch" forName="Parent11" refType="w" fact="0.0723"/>
+              <dgm:constr type="t" for="ch" forName="Parent11" refType="h" fact="0.2022"/>
+              <dgm:constr type="w" for="ch" forName="Parent11" refType="w" fact="0.0579"/>
+              <dgm:constr type="h" for="ch" forName="Parent11" refType="h" fact="0.3799"/>
+              <dgm:constr type="r" for="ch" forName="Parent10" refType="w" fact="0.162"/>
+              <dgm:constr type="t" for="ch" forName="Parent10" refType="h" fact="0.2022"/>
+              <dgm:constr type="w" for="ch" forName="Parent10" refType="w" fact="0.0579"/>
+              <dgm:constr type="h" for="ch" forName="Parent10" refType="h" fact="0.3799"/>
+              <dgm:constr type="r" for="ch" forName="Parent9" refType="w" fact="0.2517"/>
+              <dgm:constr type="t" for="ch" forName="Parent9" refType="h" fact="0.2022"/>
+              <dgm:constr type="w" for="ch" forName="Parent9" refType="w" fact="0.0579"/>
+              <dgm:constr type="h" for="ch" forName="Parent9" refType="h" fact="0.3799"/>
+              <dgm:constr type="r" for="ch" forName="Parent8" refType="w" fact="0.3414"/>
+              <dgm:constr type="t" for="ch" forName="Parent8" refType="h" fact="0.2022"/>
+              <dgm:constr type="w" for="ch" forName="Parent8" refType="w" fact="0.0579"/>
+              <dgm:constr type="h" for="ch" forName="Parent8" refType="h" fact="0.3799"/>
+              <dgm:constr type="r" for="ch" forName="Parent7" refType="w" fact="0.4311"/>
+              <dgm:constr type="t" for="ch" forName="Parent7" refType="h" fact="0.2022"/>
+              <dgm:constr type="w" for="ch" forName="Parent7" refType="w" fact="0.0579"/>
+              <dgm:constr type="h" for="ch" forName="Parent7" refType="h" fact="0.3799"/>
+              <dgm:constr type="r" for="ch" forName="Parent6" refType="w" fact="0.5208"/>
+              <dgm:constr type="t" for="ch" forName="Parent6" refType="h" fact="0.2022"/>
+              <dgm:constr type="w" for="ch" forName="Parent6" refType="w" fact="0.0579"/>
+              <dgm:constr type="h" for="ch" forName="Parent6" refType="h" fact="0.3799"/>
+              <dgm:constr type="r" for="ch" forName="Parent5" refType="w" fact="0.6105"/>
+              <dgm:constr type="t" for="ch" forName="Parent5" refType="h" fact="0.2022"/>
+              <dgm:constr type="w" for="ch" forName="Parent5" refType="w" fact="0.0579"/>
+              <dgm:constr type="h" for="ch" forName="Parent5" refType="h" fact="0.3799"/>
+              <dgm:constr type="r" for="ch" forName="Parent4" refType="w" fact="0.7001"/>
+              <dgm:constr type="t" for="ch" forName="Parent4" refType="h" fact="0.2022"/>
+              <dgm:constr type="w" for="ch" forName="Parent4" refType="w" fact="0.0579"/>
+              <dgm:constr type="h" for="ch" forName="Parent4" refType="h" fact="0.3799"/>
+              <dgm:constr type="r" for="ch" forName="Parent3" refType="w" fact="0.7898"/>
+              <dgm:constr type="t" for="ch" forName="Parent3" refType="h" fact="0.2022"/>
+              <dgm:constr type="w" for="ch" forName="Parent3" refType="w" fact="0.0579"/>
+              <dgm:constr type="h" for="ch" forName="Parent3" refType="h" fact="0.3799"/>
+              <dgm:constr type="r" for="ch" forName="Parent2" refType="w" fact="0.8795"/>
+              <dgm:constr type="t" for="ch" forName="Parent2" refType="h" fact="0.2022"/>
+              <dgm:constr type="w" for="ch" forName="Parent2" refType="w" fact="0.0579"/>
+              <dgm:constr type="h" for="ch" forName="Parent2" refType="h" fact="0.3799"/>
+              <dgm:constr type="r" for="ch" forName="Parent1" refType="w" fact="0.9692"/>
+              <dgm:constr type="t" for="ch" forName="Parent1" refType="h" fact="0.2022"/>
+              <dgm:constr type="w" for="ch" forName="Parent1" refType="w" fact="0.0579"/>
+              <dgm:constr type="h" for="ch" forName="Parent1" refType="h" fact="0.3799"/>
+              <dgm:constr type="r" for="ch" forName="Accent11" refType="w" fact="0.0868"/>
+              <dgm:constr type="t" for="ch" forName="Accent11" refType="h" fact="0.1072"/>
+              <dgm:constr type="w" for="ch" forName="Accent11" refType="w" fact="0.0868"/>
+              <dgm:constr type="h" for="ch" forName="Accent11" refType="h" fact="0.5699"/>
+              <dgm:constr type="r" for="ch" forName="ParentBackground11" refType="w" fact="0.0839"/>
+              <dgm:constr type="t" for="ch" forName="ParentBackground11" refType="h" fact="0.1262"/>
+              <dgm:constr type="w" for="ch" forName="ParentBackground11" refType="w" fact="0.081"/>
+              <dgm:constr type="h" for="ch" forName="ParentBackground11" refType="h" fact="0.5319"/>
+              <dgm:constr type="r" for="ch" forName="Child11" refType="w" fact="0.0839"/>
+              <dgm:constr type="t" for="ch" forName="Child11" refType="h" fact="0.6876"/>
+              <dgm:constr type="w" for="ch" forName="Child11" refType="w" fact="0.081"/>
+              <dgm:constr type="h" for="ch" forName="Child11" refType="h" fact="0.3124"/>
+              <dgm:constr type="r" for="ch" forName="Accent10" refType="w" fact="0.1945"/>
+              <dgm:constr type="t" for="ch" forName="Accent10" refType="h" fact="-0.0109"/>
+              <dgm:constr type="w" for="ch" forName="Accent10" refType="w" fact="0.1228"/>
+              <dgm:constr type="h" for="ch" forName="Accent10" refType="h" fact="0.806"/>
+              <dgm:constr type="r" for="ch" forName="ParentBackground10" refType="w" fact="0.1736"/>
+              <dgm:constr type="t" for="ch" forName="ParentBackground10" refType="h" fact="0.1262"/>
+              <dgm:constr type="w" for="ch" forName="ParentBackground10" refType="w" fact="0.081"/>
+              <dgm:constr type="h" for="ch" forName="ParentBackground10" refType="h" fact="0.5319"/>
+              <dgm:constr type="r" for="ch" forName="Child10" refType="w" fact="0.1736"/>
+              <dgm:constr type="t" for="ch" forName="Child10" refType="h" fact="0.6876"/>
+              <dgm:constr type="w" for="ch" forName="Child10" refType="w" fact="0.081"/>
+              <dgm:constr type="h" for="ch" forName="Child10" refType="h" fact="0.3124"/>
+              <dgm:constr type="r" for="ch" forName="Accent9" refType="w" fact="0.2842"/>
+              <dgm:constr type="t" for="ch" forName="Accent9" refType="h" fact="-0.0109"/>
+              <dgm:constr type="w" for="ch" forName="Accent9" refType="w" fact="0.1228"/>
+              <dgm:constr type="h" for="ch" forName="Accent9" refType="h" fact="0.806"/>
+              <dgm:constr type="r" for="ch" forName="ParentBackground9" refType="w" fact="0.2633"/>
+              <dgm:constr type="t" for="ch" forName="ParentBackground9" refType="h" fact="0.1262"/>
+              <dgm:constr type="w" for="ch" forName="ParentBackground9" refType="w" fact="0.081"/>
+              <dgm:constr type="h" for="ch" forName="ParentBackground9" refType="h" fact="0.5319"/>
+              <dgm:constr type="r" for="ch" forName="Child9" refType="w" fact="0.2633"/>
+              <dgm:constr type="t" for="ch" forName="Child9" refType="h" fact="0.6876"/>
+              <dgm:constr type="w" for="ch" forName="Child9" refType="w" fact="0.081"/>
+              <dgm:constr type="h" for="ch" forName="Child9" refType="h" fact="0.3124"/>
+              <dgm:constr type="r" for="ch" forName="Accent8" refType="w" fact="0.3739"/>
+              <dgm:constr type="t" for="ch" forName="Accent8" refType="h" fact="-0.0109"/>
+              <dgm:constr type="w" for="ch" forName="Accent8" refType="w" fact="0.1228"/>
+              <dgm:constr type="h" for="ch" forName="Accent8" refType="h" fact="0.806"/>
+              <dgm:constr type="r" for="ch" forName="ParentBackground8" refType="w" fact="0.353"/>
+              <dgm:constr type="t" for="ch" forName="ParentBackground8" refType="h" fact="0.1262"/>
+              <dgm:constr type="w" for="ch" forName="ParentBackground8" refType="w" fact="0.081"/>
+              <dgm:constr type="h" for="ch" forName="ParentBackground8" refType="h" fact="0.5319"/>
+              <dgm:constr type="r" for="ch" forName="Child8" refType="w" fact="0.353"/>
+              <dgm:constr type="t" for="ch" forName="Child8" refType="h" fact="0.6876"/>
+              <dgm:constr type="w" for="ch" forName="Child8" refType="w" fact="0.081"/>
+              <dgm:constr type="h" for="ch" forName="Child8" refType="h" fact="0.3124"/>
+              <dgm:constr type="r" for="ch" forName="Accent7" refType="w" fact="0.4636"/>
+              <dgm:constr type="t" for="ch" forName="Accent7" refType="h" fact="-0.0109"/>
+              <dgm:constr type="w" for="ch" forName="Accent7" refType="w" fact="0.1228"/>
+              <dgm:constr type="h" for="ch" forName="Accent7" refType="h" fact="0.806"/>
+              <dgm:constr type="r" for="ch" forName="ParentBackground7" refType="w" fact="0.4427"/>
+              <dgm:constr type="t" for="ch" forName="ParentBackground7" refType="h" fact="0.1262"/>
+              <dgm:constr type="w" for="ch" forName="ParentBackground7" refType="w" fact="0.081"/>
+              <dgm:constr type="h" for="ch" forName="ParentBackground7" refType="h" fact="0.5319"/>
+              <dgm:constr type="r" for="ch" forName="Child7" refType="w" fact="0.4427"/>
+              <dgm:constr type="t" for="ch" forName="Child7" refType="h" fact="0.6876"/>
+              <dgm:constr type="w" for="ch" forName="Child7" refType="w" fact="0.081"/>
+              <dgm:constr type="h" for="ch" forName="Child7" refType="h" fact="0.3124"/>
+              <dgm:constr type="r" for="ch" forName="Accent6" refType="w" fact="0.5533"/>
+              <dgm:constr type="t" for="ch" forName="Accent6" refType="h" fact="-0.0109"/>
+              <dgm:constr type="w" for="ch" forName="Accent6" refType="w" fact="0.1228"/>
+              <dgm:constr type="h" for="ch" forName="Accent6" refType="h" fact="0.806"/>
+              <dgm:constr type="r" for="ch" forName="ParentBackground6" refType="w" fact="0.5323"/>
+              <dgm:constr type="t" for="ch" forName="ParentBackground6" refType="h" fact="0.1262"/>
+              <dgm:constr type="w" for="ch" forName="ParentBackground6" refType="w" fact="0.081"/>
+              <dgm:constr type="h" for="ch" forName="ParentBackground6" refType="h" fact="0.5319"/>
+              <dgm:constr type="r" for="ch" forName="Child6" refType="w" fact="0.5323"/>
+              <dgm:constr type="t" for="ch" forName="Child6" refType="h" fact="0.6876"/>
+              <dgm:constr type="w" for="ch" forName="Child6" refType="w" fact="0.081"/>
+              <dgm:constr type="h" for="ch" forName="Child6" refType="h" fact="0.3124"/>
+              <dgm:constr type="r" for="ch" forName="Accent5" refType="w" fact="0.6429"/>
+              <dgm:constr type="t" for="ch" forName="Accent5" refType="h" fact="-0.0109"/>
+              <dgm:constr type="w" for="ch" forName="Accent5" refType="w" fact="0.1228"/>
+              <dgm:constr type="h" for="ch" forName="Accent5" refType="h" fact="0.806"/>
+              <dgm:constr type="r" for="ch" forName="ParentBackground5" refType="w" fact="0.622"/>
+              <dgm:constr type="t" for="ch" forName="ParentBackground5" refType="h" fact="0.1262"/>
+              <dgm:constr type="w" for="ch" forName="ParentBackground5" refType="w" fact="0.081"/>
+              <dgm:constr type="h" for="ch" forName="ParentBackground5" refType="h" fact="0.5319"/>
+              <dgm:constr type="r" for="ch" forName="Child5" refType="w" fact="0.622"/>
+              <dgm:constr type="t" for="ch" forName="Child5" refType="h" fact="0.6876"/>
+              <dgm:constr type="w" for="ch" forName="Child5" refType="w" fact="0.081"/>
+              <dgm:constr type="h" for="ch" forName="Child5" refType="h" fact="0.3124"/>
+              <dgm:constr type="r" for="ch" forName="Accent4" refType="w" fact="0.7326"/>
+              <dgm:constr type="t" for="ch" forName="Accent4" refType="h" fact="-0.0109"/>
+              <dgm:constr type="w" for="ch" forName="Accent4" refType="w" fact="0.1228"/>
+              <dgm:constr type="h" for="ch" forName="Accent4" refType="h" fact="0.806"/>
+              <dgm:constr type="r" for="ch" forName="ParentBackground4" refType="w" fact="0.7117"/>
+              <dgm:constr type="t" for="ch" forName="ParentBackground4" refType="h" fact="0.1262"/>
+              <dgm:constr type="w" for="ch" forName="ParentBackground4" refType="w" fact="0.081"/>
+              <dgm:constr type="h" for="ch" forName="ParentBackground4" refType="h" fact="0.5319"/>
+              <dgm:constr type="r" for="ch" forName="Child4" refType="w" fact="0.7117"/>
+              <dgm:constr type="t" for="ch" forName="Child4" refType="h" fact="0.6876"/>
+              <dgm:constr type="w" for="ch" forName="Child4" refType="w" fact="0.081"/>
+              <dgm:constr type="h" for="ch" forName="Child4" refType="h" fact="0.3124"/>
+              <dgm:constr type="r" for="ch" forName="Accent3" refType="w" fact="0.8223"/>
+              <dgm:constr type="t" for="ch" forName="Accent3" refType="h" fact="-0.0109"/>
+              <dgm:constr type="w" for="ch" forName="Accent3" refType="w" fact="0.1228"/>
+              <dgm:constr type="h" for="ch" forName="Accent3" refType="h" fact="0.806"/>
+              <dgm:constr type="r" for="ch" forName="ParentBackground3" refType="w" fact="0.8014"/>
+              <dgm:constr type="t" for="ch" forName="ParentBackground3" refType="h" fact="0.1262"/>
+              <dgm:constr type="w" for="ch" forName="ParentBackground3" refType="w" fact="0.081"/>
+              <dgm:constr type="h" for="ch" forName="ParentBackground3" refType="h" fact="0.5319"/>
+              <dgm:constr type="r" for="ch" forName="Child3" refType="w" fact="0.8014"/>
+              <dgm:constr type="t" for="ch" forName="Child3" refType="h" fact="0.6876"/>
+              <dgm:constr type="w" for="ch" forName="Child3" refType="w" fact="0.081"/>
+              <dgm:constr type="h" for="ch" forName="Child3" refType="h" fact="0.3124"/>
+              <dgm:constr type="r" for="ch" forName="Accent2" refType="w" fact="0.912"/>
+              <dgm:constr type="t" for="ch" forName="Accent2" refType="h" fact="-0.0109"/>
+              <dgm:constr type="w" for="ch" forName="Accent2" refType="w" fact="0.1228"/>
+              <dgm:constr type="h" for="ch" forName="Accent2" refType="h" fact="0.806"/>
+              <dgm:constr type="r" for="ch" forName="ParentBackground2" refType="w" fact="0.8911"/>
+              <dgm:constr type="t" for="ch" forName="ParentBackground2" refType="h" fact="0.1262"/>
+              <dgm:constr type="w" for="ch" forName="ParentBackground2" refType="w" fact="0.081"/>
+              <dgm:constr type="h" for="ch" forName="ParentBackground2" refType="h" fact="0.5319"/>
+              <dgm:constr type="r" for="ch" forName="Child2" refType="w" fact="0.8911"/>
+              <dgm:constr type="t" for="ch" forName="Child2" refType="h" fact="0.6876"/>
+              <dgm:constr type="w" for="ch" forName="Child2" refType="w" fact="0.081"/>
+              <dgm:constr type="h" for="ch" forName="Child2" refType="h" fact="0.3124"/>
+              <dgm:constr type="r" for="ch" forName="Accent1" refType="w" fact="1.0017"/>
+              <dgm:constr type="t" for="ch" forName="Accent1" refType="h" fact="-0.0109"/>
+              <dgm:constr type="w" for="ch" forName="Accent1" refType="w" fact="0.1228"/>
+              <dgm:constr type="h" for="ch" forName="Accent1" refType="h" fact="0.806"/>
+              <dgm:constr type="r" for="ch" forName="ParentBackground1" refType="w" fact="0.9808"/>
+              <dgm:constr type="t" for="ch" forName="ParentBackground1" refType="h" fact="0.1262"/>
+              <dgm:constr type="w" for="ch" forName="ParentBackground1" refType="w" fact="0.081"/>
+              <dgm:constr type="h" for="ch" forName="ParentBackground1" refType="h" fact="0.5319"/>
+              <dgm:constr type="r" for="ch" forName="Child1" refType="w" fact="0.9808"/>
+              <dgm:constr type="t" for="ch" forName="Child1" refType="h" fact="0.6876"/>
+              <dgm:constr type="w" for="ch" forName="Child1" refType="w" fact="0.081"/>
+              <dgm:constr type="h" for="ch" forName="Child1" refType="h" fact="0.3124"/>
+            </dgm:constrLst>
+          </dgm:else>
+        </dgm:choose>
+      </dgm:else>
+    </dgm:choose>
+    <dgm:forEach name="wrapper" axis="self" ptType="parTrans">
+      <dgm:forEach name="accentRepeat" axis="self">
+        <dgm:layoutNode name="Accent" styleLbl="node1">
+          <dgm:alg type="sp"/>
+          <dgm:choose name="Name28">
+            <dgm:if name="Name29" axis="followSib" ptType="node" func="cnt" op="equ" val="0">
+              <dgm:shape xmlns:r="http://schemas.openxmlformats.org/officeDocument/2006/relationships" type="ellipse" r:blip="">
+                <dgm:adjLst/>
+              </dgm:shape>
+            </dgm:if>
+            <dgm:else name="Name30">
+              <dgm:choose name="Name31">
+                <dgm:if name="Name32" axis="precedSib" ptType="node" func="cnt" op="equ" val="10">
+                  <dgm:shape xmlns:r="http://schemas.openxmlformats.org/officeDocument/2006/relationships" type="ellipse" r:blip="">
+                    <dgm:adjLst/>
+                  </dgm:shape>
+                </dgm:if>
+                <dgm:else name="Name33">
+                  <dgm:choose name="Name34">
+                    <dgm:if name="Name35" func="var" arg="dir" op="equ" val="norm">
+                      <dgm:shape xmlns:r="http://schemas.openxmlformats.org/officeDocument/2006/relationships" rot="45" type="teardrop" r:blip="">
+                        <dgm:adjLst>
+                          <dgm:adj idx="1" val="1"/>
+                        </dgm:adjLst>
+                      </dgm:shape>
+                    </dgm:if>
+                    <dgm:else name="Name36">
+                      <dgm:shape xmlns:r="http://schemas.openxmlformats.org/officeDocument/2006/relationships" rot="225" type="teardrop" r:blip="">
+                        <dgm:adjLst>
+                          <dgm:adj idx="1" val="1"/>
+                        </dgm:adjLst>
+                      </dgm:shape>
+                    </dgm:else>
+                  </dgm:choose>
+                </dgm:else>
+              </dgm:choose>
+            </dgm:else>
+          </dgm:choose>
+          <dgm:presOf/>
+        </dgm:layoutNode>
+      </dgm:forEach>
+      <dgm:forEach name="parentBackgroundRepeat" axis="self">
+        <dgm:layoutNode name="ParentBackground" styleLbl="fgAcc1">
+          <dgm:alg type="sp"/>
+          <dgm:shape xmlns:r="http://schemas.openxmlformats.org/officeDocument/2006/relationships" type="ellipse" r:blip="">
+            <dgm:adjLst/>
+          </dgm:shape>
+          <dgm:presOf axis="self" ptType="node"/>
+        </dgm:layoutNode>
+      </dgm:forEach>
+    </dgm:forEach>
+    <dgm:forEach name="Name37" axis="ch" ptType="node" st="11" cnt="1">
+      <dgm:layoutNode name="Accent11">
+        <dgm:alg type="sp"/>
+        <dgm:shape xmlns:r="http://schemas.openxmlformats.org/officeDocument/2006/relationships" r:blip="">
+          <dgm:adjLst/>
+        </dgm:shape>
+        <dgm:presOf/>
+        <dgm:constrLst/>
+        <dgm:forEach name="Name38" ref="accentRepeat"/>
+      </dgm:layoutNode>
+      <dgm:layoutNode name="ParentBackground11">
+        <dgm:alg type="sp"/>
+        <dgm:shape xmlns:r="http://schemas.openxmlformats.org/officeDocument/2006/relationships" r:blip="">
+          <dgm:adjLst/>
+        </dgm:shape>
+        <dgm:presOf/>
+        <dgm:forEach name="Name39" ref="parentBackgroundRepeat"/>
+      </dgm:layoutNode>
+      <dgm:choose name="Name40">
+        <dgm:if name="Name41" axis="ch" ptType="node" func="cnt" op="gte" val="1">
+          <dgm:layoutNode name="Child11" styleLbl="revTx">
+            <dgm:varLst>
+              <dgm:chMax val="0"/>
+              <dgm:chPref val="0"/>
+              <dgm:bulletEnabled val="1"/>
+            </dgm:varLst>
+            <dgm:alg type="tx">
+              <dgm:param type="stBulletLvl" val="1"/>
+              <dgm:param type="parTxLTRAlign" val="l"/>
+              <dgm:param type="txAnchorVert" val="t"/>
+            </dgm:alg>
+            <dgm:shape xmlns:r="http://schemas.openxmlformats.org/officeDocument/2006/relationships" type="rect" r:blip="">
+              <dgm:adjLst/>
+            </dgm:shape>
+            <dgm:presOf axis="des" ptType="node"/>
+            <dgm:constrLst>
+              <dgm:constr type="lMarg" refType="primFontSz" fact="0.3"/>
+              <dgm:constr type="rMarg" refType="primFontSz" fact="0.3"/>
+              <dgm:constr type="tMarg" refType="primFontSz" fact="0.3"/>
+              <dgm:constr type="bMarg" refType="primFontSz" fact="0.3"/>
+            </dgm:constrLst>
+            <dgm:ruleLst>
+              <dgm:rule type="primFontSz" val="5" fact="NaN" max="NaN"/>
+            </dgm:ruleLst>
+          </dgm:layoutNode>
+        </dgm:if>
+        <dgm:else name="Name42"/>
+      </dgm:choose>
+      <dgm:layoutNode name="Parent11" styleLbl="revTx">
+        <dgm:varLst>
+          <dgm:chMax val="1"/>
+          <dgm:chPref val="1"/>
+          <dgm:bulletEnabled val="1"/>
+        </dgm:varLst>
+        <dgm:alg type="tx">
+          <dgm:param type="shpTxLTRAlignCh" val="ctr"/>
+          <dgm:param type="txAnchorVertCh" val="mid"/>
+        </dgm:alg>
+        <dgm:shape xmlns:r="http://schemas.openxmlformats.org/officeDocument/2006/relationships" type="rect" r:blip="" hideGeom="1">
+          <dgm:adjLst/>
+        </dgm:shape>
+        <dgm:presOf axis="self" ptType="node"/>
+        <dgm:constrLst>
+          <dgm:constr type="lMarg" refType="primFontSz" fact="0.1"/>
+          <dgm:constr type="rMarg" refType="primFontSz" fact="0.1"/>
+          <dgm:constr type="tMarg" refType="primFontSz" fact="0.1"/>
+          <dgm:constr type="bMarg" refType="primFontSz" fact="0.1"/>
+        </dgm:constrLst>
+        <dgm:ruleLst>
+          <dgm:rule type="primFontSz" val="5" fact="NaN" max="NaN"/>
+        </dgm:ruleLst>
+      </dgm:layoutNode>
+    </dgm:forEach>
+    <dgm:forEach name="Name43" axis="ch" ptType="node" st="10" cnt="1">
+      <dgm:layoutNode name="Accent10">
+        <dgm:alg type="sp"/>
+        <dgm:shape xmlns:r="http://schemas.openxmlformats.org/officeDocument/2006/relationships" r:blip="">
+          <dgm:adjLst/>
+        </dgm:shape>
+        <dgm:presOf/>
+        <dgm:constrLst/>
+        <dgm:forEach name="Name44" ref="accentRepeat"/>
+      </dgm:layoutNode>
+      <dgm:layoutNode name="ParentBackground10">
+        <dgm:alg type="sp"/>
+        <dgm:shape xmlns:r="http://schemas.openxmlformats.org/officeDocument/2006/relationships" r:blip="">
+          <dgm:adjLst/>
+        </dgm:shape>
+        <dgm:presOf/>
+        <dgm:forEach name="Name45" ref="parentBackgroundRepeat"/>
+      </dgm:layoutNode>
+      <dgm:choose name="Name46">
+        <dgm:if name="Name47" axis="ch" ptType="node" func="cnt" op="gte" val="1">
+          <dgm:layoutNode name="Child10" styleLbl="revTx">
+            <dgm:varLst>
+              <dgm:chMax val="0"/>
+              <dgm:chPref val="0"/>
+              <dgm:bulletEnabled val="1"/>
+            </dgm:varLst>
+            <dgm:alg type="tx">
+              <dgm:param type="stBulletLvl" val="1"/>
+              <dgm:param type="parTxLTRAlign" val="l"/>
+              <dgm:param type="txAnchorVert" val="t"/>
+            </dgm:alg>
+            <dgm:shape xmlns:r="http://schemas.openxmlformats.org/officeDocument/2006/relationships" type="rect" r:blip="">
+              <dgm:adjLst/>
+            </dgm:shape>
+            <dgm:presOf axis="des" ptType="node"/>
+            <dgm:constrLst>
+              <dgm:constr type="lMarg" refType="primFontSz" fact="0.3"/>
+              <dgm:constr type="rMarg" refType="primFontSz" fact="0.3"/>
+              <dgm:constr type="tMarg" refType="primFontSz" fact="0.3"/>
+              <dgm:constr type="bMarg" refType="primFontSz" fact="0.3"/>
+            </dgm:constrLst>
+            <dgm:ruleLst>
+              <dgm:rule type="primFontSz" val="5" fact="NaN" max="NaN"/>
+            </dgm:ruleLst>
+          </dgm:layoutNode>
+        </dgm:if>
+        <dgm:else name="Name48"/>
+      </dgm:choose>
+      <dgm:layoutNode name="Parent10" styleLbl="revTx">
+        <dgm:varLst>
+          <dgm:chMax val="1"/>
+          <dgm:chPref val="1"/>
+          <dgm:bulletEnabled val="1"/>
+        </dgm:varLst>
+        <dgm:alg type="tx">
+          <dgm:param type="shpTxLTRAlignCh" val="ctr"/>
+          <dgm:param type="txAnchorVertCh" val="mid"/>
+        </dgm:alg>
+        <dgm:shape xmlns:r="http://schemas.openxmlformats.org/officeDocument/2006/relationships" type="rect" r:blip="" hideGeom="1">
+          <dgm:adjLst/>
+        </dgm:shape>
+        <dgm:presOf axis="self" ptType="node"/>
+        <dgm:constrLst>
+          <dgm:constr type="lMarg" refType="primFontSz" fact="0.1"/>
+          <dgm:constr type="rMarg" refType="primFontSz" fact="0.1"/>
+          <dgm:constr type="tMarg" refType="primFontSz" fact="0.1"/>
+          <dgm:constr type="bMarg" refType="primFontSz" fact="0.1"/>
+        </dgm:constrLst>
+        <dgm:ruleLst>
+          <dgm:rule type="primFontSz" val="5" fact="NaN" max="NaN"/>
+        </dgm:ruleLst>
+      </dgm:layoutNode>
+    </dgm:forEach>
+    <dgm:forEach name="Name49" axis="ch" ptType="node" st="9" cnt="1">
+      <dgm:layoutNode name="Accent9">
+        <dgm:alg type="sp"/>
+        <dgm:shape xmlns:r="http://schemas.openxmlformats.org/officeDocument/2006/relationships" r:blip="">
+          <dgm:adjLst/>
+        </dgm:shape>
+        <dgm:presOf/>
+        <dgm:constrLst/>
+        <dgm:forEach name="Name50" ref="accentRepeat"/>
+      </dgm:layoutNode>
+      <dgm:layoutNode name="ParentBackground9">
+        <dgm:alg type="sp"/>
+        <dgm:shape xmlns:r="http://schemas.openxmlformats.org/officeDocument/2006/relationships" r:blip="">
+          <dgm:adjLst/>
+        </dgm:shape>
+        <dgm:presOf/>
+        <dgm:forEach name="Name51" ref="parentBackgroundRepeat"/>
+      </dgm:layoutNode>
+      <dgm:choose name="Name52">
+        <dgm:if name="Name53" axis="ch" ptType="node" func="cnt" op="gte" val="1">
+          <dgm:layoutNode name="Child9" styleLbl="revTx">
+            <dgm:varLst>
+              <dgm:chMax val="0"/>
+              <dgm:chPref val="0"/>
+              <dgm:bulletEnabled val="1"/>
+            </dgm:varLst>
+            <dgm:alg type="tx">
+              <dgm:param type="stBulletLvl" val="1"/>
+              <dgm:param type="parTxLTRAlign" val="l"/>
+              <dgm:param type="txAnchorVert" val="t"/>
+            </dgm:alg>
+            <dgm:shape xmlns:r="http://schemas.openxmlformats.org/officeDocument/2006/relationships" type="rect" r:blip="">
+              <dgm:adjLst/>
+            </dgm:shape>
+            <dgm:presOf axis="des" ptType="node"/>
+            <dgm:constrLst>
+              <dgm:constr type="lMarg" refType="primFontSz" fact="0.3"/>
+              <dgm:constr type="rMarg" refType="primFontSz" fact="0.3"/>
+              <dgm:constr type="tMarg" refType="primFontSz" fact="0.3"/>
+              <dgm:constr type="bMarg" refType="primFontSz" fact="0.3"/>
+            </dgm:constrLst>
+            <dgm:ruleLst>
+              <dgm:rule type="primFontSz" val="5" fact="NaN" max="NaN"/>
+            </dgm:ruleLst>
+          </dgm:layoutNode>
+        </dgm:if>
+        <dgm:else name="Name54"/>
+      </dgm:choose>
+      <dgm:layoutNode name="Parent9" styleLbl="revTx">
+        <dgm:varLst>
+          <dgm:chMax val="1"/>
+          <dgm:chPref val="1"/>
+          <dgm:bulletEnabled val="1"/>
+        </dgm:varLst>
+        <dgm:alg type="tx">
+          <dgm:param type="shpTxLTRAlignCh" val="ctr"/>
+          <dgm:param type="txAnchorVertCh" val="mid"/>
+        </dgm:alg>
+        <dgm:shape xmlns:r="http://schemas.openxmlformats.org/officeDocument/2006/relationships" type="rect" r:blip="" hideGeom="1">
+          <dgm:adjLst/>
+        </dgm:shape>
+        <dgm:presOf axis="self" ptType="node"/>
+        <dgm:constrLst>
+          <dgm:constr type="lMarg" refType="primFontSz" fact="0.1"/>
+          <dgm:constr type="rMarg" refType="primFontSz" fact="0.1"/>
+          <dgm:constr type="tMarg" refType="primFontSz" fact="0.1"/>
+          <dgm:constr type="bMarg" refType="primFontSz" fact="0.1"/>
+        </dgm:constrLst>
+        <dgm:ruleLst>
+          <dgm:rule type="primFontSz" val="5" fact="NaN" max="NaN"/>
+        </dgm:ruleLst>
+      </dgm:layoutNode>
+    </dgm:forEach>
+    <dgm:forEach name="Name55" axis="ch" ptType="node" st="8" cnt="1">
+      <dgm:layoutNode name="Accent8">
+        <dgm:alg type="sp"/>
+        <dgm:shape xmlns:r="http://schemas.openxmlformats.org/officeDocument/2006/relationships" r:blip="">
+          <dgm:adjLst/>
+        </dgm:shape>
+        <dgm:presOf/>
+        <dgm:constrLst/>
+        <dgm:forEach name="Name56" ref="accentRepeat"/>
+      </dgm:layoutNode>
+      <dgm:layoutNode name="ParentBackground8">
+        <dgm:alg type="sp"/>
+        <dgm:shape xmlns:r="http://schemas.openxmlformats.org/officeDocument/2006/relationships" r:blip="">
+          <dgm:adjLst/>
+        </dgm:shape>
+        <dgm:presOf/>
+        <dgm:forEach name="Name57" ref="parentBackgroundRepeat"/>
+      </dgm:layoutNode>
+      <dgm:choose name="Name58">
+        <dgm:if name="Name59" axis="ch" ptType="node" func="cnt" op="gte" val="1">
+          <dgm:layoutNode name="Child8" styleLbl="revTx">
+            <dgm:varLst>
+              <dgm:chMax val="0"/>
+              <dgm:chPref val="0"/>
+              <dgm:bulletEnabled val="1"/>
+            </dgm:varLst>
+            <dgm:alg type="tx">
+              <dgm:param type="stBulletLvl" val="1"/>
+              <dgm:param type="parTxLTRAlign" val="l"/>
+              <dgm:param type="txAnchorVert" val="t"/>
+            </dgm:alg>
+            <dgm:shape xmlns:r="http://schemas.openxmlformats.org/officeDocument/2006/relationships" type="rect" r:blip="">
+              <dgm:adjLst/>
+            </dgm:shape>
+            <dgm:presOf axis="des" ptType="node"/>
+            <dgm:constrLst>
+              <dgm:constr type="lMarg" refType="primFontSz" fact="0.3"/>
+              <dgm:constr type="rMarg" refType="primFontSz" fact="0.3"/>
+              <dgm:constr type="tMarg" refType="primFontSz" fact="0.3"/>
+              <dgm:constr type="bMarg" refType="primFontSz" fact="0.3"/>
+            </dgm:constrLst>
+            <dgm:ruleLst>
+              <dgm:rule type="primFontSz" val="5" fact="NaN" max="NaN"/>
+            </dgm:ruleLst>
+          </dgm:layoutNode>
+        </dgm:if>
+        <dgm:else name="Name60"/>
+      </dgm:choose>
+      <dgm:layoutNode name="Parent8" styleLbl="revTx">
+        <dgm:varLst>
+          <dgm:chMax val="1"/>
+          <dgm:chPref val="1"/>
+          <dgm:bulletEnabled val="1"/>
+        </dgm:varLst>
+        <dgm:alg type="tx">
+          <dgm:param type="shpTxLTRAlignCh" val="ctr"/>
+          <dgm:param type="txAnchorVertCh" val="mid"/>
+        </dgm:alg>
+        <dgm:shape xmlns:r="http://schemas.openxmlformats.org/officeDocument/2006/relationships" type="rect" r:blip="" hideGeom="1">
+          <dgm:adjLst/>
+        </dgm:shape>
+        <dgm:presOf axis="self" ptType="node"/>
+        <dgm:constrLst>
+          <dgm:constr type="lMarg" refType="primFontSz" fact="0.1"/>
+          <dgm:constr type="rMarg" refType="primFontSz" fact="0.1"/>
+          <dgm:constr type="tMarg" refType="primFontSz" fact="0.1"/>
+          <dgm:constr type="bMarg" refType="primFontSz" fact="0.1"/>
+        </dgm:constrLst>
+        <dgm:ruleLst>
+          <dgm:rule type="primFontSz" val="5" fact="NaN" max="NaN"/>
+        </dgm:ruleLst>
+      </dgm:layoutNode>
+    </dgm:forEach>
+    <dgm:forEach name="Name61" axis="ch" ptType="node" st="7" cnt="1">
+      <dgm:layoutNode name="Accent7">
+        <dgm:alg type="sp"/>
+        <dgm:shape xmlns:r="http://schemas.openxmlformats.org/officeDocument/2006/relationships" r:blip="">
+          <dgm:adjLst/>
+        </dgm:shape>
+        <dgm:presOf/>
+        <dgm:constrLst/>
+        <dgm:forEach name="Name62" ref="accentRepeat"/>
+      </dgm:layoutNode>
+      <dgm:layoutNode name="ParentBackground7">
+        <dgm:alg type="sp"/>
+        <dgm:shape xmlns:r="http://schemas.openxmlformats.org/officeDocument/2006/relationships" r:blip="">
+          <dgm:adjLst/>
+        </dgm:shape>
+        <dgm:presOf/>
+        <dgm:forEach name="Name63" ref="parentBackgroundRepeat"/>
+      </dgm:layoutNode>
+      <dgm:choose name="Name64">
+        <dgm:if name="Name65" axis="ch" ptType="node" func="cnt" op="gte" val="1">
+          <dgm:layoutNode name="Child7" styleLbl="revTx">
+            <dgm:varLst>
+              <dgm:chMax val="0"/>
+              <dgm:chPref val="0"/>
+              <dgm:bulletEnabled val="1"/>
+            </dgm:varLst>
+            <dgm:alg type="tx">
+              <dgm:param type="stBulletLvl" val="1"/>
+              <dgm:param type="parTxLTRAlign" val="l"/>
+              <dgm:param type="txAnchorVert" val="t"/>
+            </dgm:alg>
+            <dgm:shape xmlns:r="http://schemas.openxmlformats.org/officeDocument/2006/relationships" type="rect" r:blip="">
+              <dgm:adjLst/>
+            </dgm:shape>
+            <dgm:presOf axis="des" ptType="node"/>
+            <dgm:constrLst>
+              <dgm:constr type="lMarg" refType="primFontSz" fact="0.3"/>
+              <dgm:constr type="rMarg" refType="primFontSz" fact="0.3"/>
+              <dgm:constr type="tMarg" refType="primFontSz" fact="0.3"/>
+              <dgm:constr type="bMarg" refType="primFontSz" fact="0.3"/>
+            </dgm:constrLst>
+            <dgm:ruleLst>
+              <dgm:rule type="primFontSz" val="5" fact="NaN" max="NaN"/>
+            </dgm:ruleLst>
+          </dgm:layoutNode>
+        </dgm:if>
+        <dgm:else name="Name66"/>
+      </dgm:choose>
+      <dgm:layoutNode name="Parent7" styleLbl="revTx">
+        <dgm:varLst>
+          <dgm:chMax val="1"/>
+          <dgm:chPref val="1"/>
+          <dgm:bulletEnabled val="1"/>
+        </dgm:varLst>
+        <dgm:alg type="tx">
+          <dgm:param type="shpTxLTRAlignCh" val="ctr"/>
+          <dgm:param type="txAnchorVertCh" val="mid"/>
+        </dgm:alg>
+        <dgm:shape xmlns:r="http://schemas.openxmlformats.org/officeDocument/2006/relationships" type="rect" r:blip="" hideGeom="1">
+          <dgm:adjLst/>
+        </dgm:shape>
+        <dgm:presOf axis="self" ptType="node"/>
+        <dgm:constrLst>
+          <dgm:constr type="lMarg" refType="primFontSz" fact="0.1"/>
+          <dgm:constr type="rMarg" refType="primFontSz" fact="0.1"/>
+          <dgm:constr type="tMarg" refType="primFontSz" fact="0.1"/>
+          <dgm:constr type="bMarg" refType="primFontSz" fact="0.1"/>
+        </dgm:constrLst>
+        <dgm:ruleLst>
+          <dgm:rule type="primFontSz" val="5" fact="NaN" max="NaN"/>
+        </dgm:ruleLst>
+      </dgm:layoutNode>
+    </dgm:forEach>
+    <dgm:forEach name="Name67" axis="ch" ptType="node" st="6" cnt="1">
+      <dgm:layoutNode name="Accent6">
+        <dgm:alg type="sp"/>
+        <dgm:shape xmlns:r="http://schemas.openxmlformats.org/officeDocument/2006/relationships" r:blip="">
+          <dgm:adjLst/>
+        </dgm:shape>
+        <dgm:presOf/>
+        <dgm:constrLst/>
+        <dgm:forEach name="Name68" ref="accentRepeat"/>
+      </dgm:layoutNode>
+      <dgm:layoutNode name="ParentBackground6">
+        <dgm:alg type="sp"/>
+        <dgm:shape xmlns:r="http://schemas.openxmlformats.org/officeDocument/2006/relationships" r:blip="">
+          <dgm:adjLst/>
+        </dgm:shape>
+        <dgm:presOf/>
+        <dgm:forEach name="Name69" ref="parentBackgroundRepeat"/>
+      </dgm:layoutNode>
+      <dgm:choose name="Name70">
+        <dgm:if name="Name71" axis="ch" ptType="node" func="cnt" op="gte" val="1">
+          <dgm:layoutNode name="Child6" styleLbl="revTx">
+            <dgm:varLst>
+              <dgm:chMax val="0"/>
+              <dgm:chPref val="0"/>
+              <dgm:bulletEnabled val="1"/>
+            </dgm:varLst>
+            <dgm:alg type="tx">
+              <dgm:param type="stBulletLvl" val="1"/>
+              <dgm:param type="parTxLTRAlign" val="l"/>
+              <dgm:param type="txAnchorVert" val="t"/>
+            </dgm:alg>
+            <dgm:shape xmlns:r="http://schemas.openxmlformats.org/officeDocument/2006/relationships" type="rect" r:blip="">
+              <dgm:adjLst/>
+            </dgm:shape>
+            <dgm:presOf axis="des" ptType="node"/>
+            <dgm:constrLst>
+              <dgm:constr type="lMarg" refType="primFontSz" fact="0.3"/>
+              <dgm:constr type="rMarg" refType="primFontSz" fact="0.3"/>
+              <dgm:constr type="tMarg" refType="primFontSz" fact="0.3"/>
+              <dgm:constr type="bMarg" refType="primFontSz" fact="0.3"/>
+            </dgm:constrLst>
+            <dgm:ruleLst>
+              <dgm:rule type="primFontSz" val="5" fact="NaN" max="NaN"/>
+            </dgm:ruleLst>
+          </dgm:layoutNode>
+        </dgm:if>
+        <dgm:else name="Name72"/>
+      </dgm:choose>
+      <dgm:layoutNode name="Parent6" styleLbl="revTx">
+        <dgm:varLst>
+          <dgm:chMax val="1"/>
+          <dgm:chPref val="1"/>
+          <dgm:bulletEnabled val="1"/>
+        </dgm:varLst>
+        <dgm:alg type="tx">
+          <dgm:param type="shpTxLTRAlignCh" val="ctr"/>
+          <dgm:param type="txAnchorVertCh" val="mid"/>
+        </dgm:alg>
+        <dgm:shape xmlns:r="http://schemas.openxmlformats.org/officeDocument/2006/relationships" type="rect" r:blip="" hideGeom="1">
+          <dgm:adjLst/>
+        </dgm:shape>
+        <dgm:presOf axis="self" ptType="node"/>
+        <dgm:constrLst>
+          <dgm:constr type="lMarg" refType="primFontSz" fact="0.1"/>
+          <dgm:constr type="rMarg" refType="primFontSz" fact="0.1"/>
+          <dgm:constr type="tMarg" refType="primFontSz" fact="0.1"/>
+          <dgm:constr type="bMarg" refType="primFontSz" fact="0.1"/>
+        </dgm:constrLst>
+        <dgm:ruleLst>
+          <dgm:rule type="primFontSz" val="5" fact="NaN" max="NaN"/>
+        </dgm:ruleLst>
+      </dgm:layoutNode>
+    </dgm:forEach>
+    <dgm:forEach name="Name73" axis="ch" ptType="node" st="5" cnt="1">
+      <dgm:layoutNode name="Accent5">
+        <dgm:alg type="sp"/>
+        <dgm:shape xmlns:r="http://schemas.openxmlformats.org/officeDocument/2006/relationships" r:blip="">
+          <dgm:adjLst/>
+        </dgm:shape>
+        <dgm:presOf/>
+        <dgm:constrLst/>
+        <dgm:forEach name="Name74" ref="accentRepeat"/>
+      </dgm:layoutNode>
+      <dgm:layoutNode name="ParentBackground5">
+        <dgm:alg type="sp"/>
+        <dgm:shape xmlns:r="http://schemas.openxmlformats.org/officeDocument/2006/relationships" r:blip="">
+          <dgm:adjLst/>
+        </dgm:shape>
+        <dgm:presOf/>
+        <dgm:forEach name="Name75" ref="parentBackgroundRepeat"/>
+      </dgm:layoutNode>
+      <dgm:choose name="Name76">
+        <dgm:if name="Name77" axis="ch" ptType="node" func="cnt" op="gte" val="1">
+          <dgm:layoutNode name="Child5" styleLbl="revTx">
+            <dgm:varLst>
+              <dgm:chMax val="0"/>
+              <dgm:chPref val="0"/>
+              <dgm:bulletEnabled val="1"/>
+            </dgm:varLst>
+            <dgm:alg type="tx">
+              <dgm:param type="stBulletLvl" val="1"/>
+              <dgm:param type="parTxLTRAlign" val="l"/>
+              <dgm:param type="txAnchorVert" val="t"/>
+            </dgm:alg>
+            <dgm:shape xmlns:r="http://schemas.openxmlformats.org/officeDocument/2006/relationships" type="rect" r:blip="">
+              <dgm:adjLst/>
+            </dgm:shape>
+            <dgm:presOf axis="des" ptType="node"/>
+            <dgm:constrLst>
+              <dgm:constr type="lMarg" refType="primFontSz" fact="0.3"/>
+              <dgm:constr type="rMarg" refType="primFontSz" fact="0.3"/>
+              <dgm:constr type="tMarg" refType="primFontSz" fact="0.3"/>
+              <dgm:constr type="bMarg" refType="primFontSz" fact="0.3"/>
+            </dgm:constrLst>
+            <dgm:ruleLst>
+              <dgm:rule type="primFontSz" val="5" fact="NaN" max="NaN"/>
+            </dgm:ruleLst>
+          </dgm:layoutNode>
+        </dgm:if>
+        <dgm:else name="Name78"/>
+      </dgm:choose>
+      <dgm:layoutNode name="Parent5" styleLbl="revTx">
+        <dgm:varLst>
+          <dgm:chMax val="1"/>
+          <dgm:chPref val="1"/>
+          <dgm:bulletEnabled val="1"/>
+        </dgm:varLst>
+        <dgm:alg type="tx">
+          <dgm:param type="shpTxLTRAlignCh" val="ctr"/>
+          <dgm:param type="txAnchorVertCh" val="mid"/>
+        </dgm:alg>
+        <dgm:shape xmlns:r="http://schemas.openxmlformats.org/officeDocument/2006/relationships" type="rect" r:blip="" hideGeom="1">
+          <dgm:adjLst/>
+        </dgm:shape>
+        <dgm:presOf axis="self" ptType="node"/>
+        <dgm:constrLst>
+          <dgm:constr type="lMarg" refType="primFontSz" fact="0.1"/>
+          <dgm:constr type="rMarg" refType="primFontSz" fact="0.1"/>
+          <dgm:constr type="tMarg" refType="primFontSz" fact="0.1"/>
+          <dgm:constr type="bMarg" refType="primFontSz" fact="0.1"/>
+        </dgm:constrLst>
+        <dgm:ruleLst>
+          <dgm:rule type="primFontSz" val="5" fact="NaN" max="NaN"/>
+        </dgm:ruleLst>
+      </dgm:layoutNode>
+    </dgm:forEach>
+    <dgm:forEach name="Name79" axis="ch" ptType="node" st="4" cnt="1">
+      <dgm:layoutNode name="Accent4">
+        <dgm:alg type="sp"/>
+        <dgm:shape xmlns:r="http://schemas.openxmlformats.org/officeDocument/2006/relationships" r:blip="">
+          <dgm:adjLst/>
+        </dgm:shape>
+        <dgm:presOf/>
+        <dgm:constrLst/>
+        <dgm:forEach name="Name80" ref="accentRepeat"/>
+      </dgm:layoutNode>
+      <dgm:layoutNode name="ParentBackground4">
+        <dgm:alg type="sp"/>
+        <dgm:shape xmlns:r="http://schemas.openxmlformats.org/officeDocument/2006/relationships" r:blip="">
+          <dgm:adjLst/>
+        </dgm:shape>
+        <dgm:presOf/>
+        <dgm:forEach name="Name81" ref="parentBackgroundRepeat"/>
+      </dgm:layoutNode>
+      <dgm:choose name="Name82">
+        <dgm:if name="Name83" axis="ch" ptType="node" func="cnt" op="gte" val="1">
+          <dgm:layoutNode name="Child4" styleLbl="revTx">
+            <dgm:varLst>
+              <dgm:chMax val="0"/>
+              <dgm:chPref val="0"/>
+              <dgm:bulletEnabled val="1"/>
+            </dgm:varLst>
+            <dgm:alg type="tx">
+              <dgm:param type="stBulletLvl" val="1"/>
+              <dgm:param type="parTxLTRAlign" val="l"/>
+              <dgm:param type="txAnchorVert" val="t"/>
+            </dgm:alg>
+            <dgm:shape xmlns:r="http://schemas.openxmlformats.org/officeDocument/2006/relationships" type="rect" r:blip="">
+              <dgm:adjLst/>
+            </dgm:shape>
+            <dgm:presOf axis="des" ptType="node"/>
+            <dgm:constrLst>
+              <dgm:constr type="lMarg" refType="primFontSz" fact="0.3"/>
+              <dgm:constr type="rMarg" refType="primFontSz" fact="0.3"/>
+              <dgm:constr type="tMarg" refType="primFontSz" fact="0.3"/>
+              <dgm:constr type="bMarg" refType="primFontSz" fact="0.3"/>
+            </dgm:constrLst>
+            <dgm:ruleLst>
+              <dgm:rule type="primFontSz" val="5" fact="NaN" max="NaN"/>
+            </dgm:ruleLst>
+          </dgm:layoutNode>
+        </dgm:if>
+        <dgm:else name="Name84"/>
+      </dgm:choose>
+      <dgm:layoutNode name="Parent4" styleLbl="revTx">
+        <dgm:varLst>
+          <dgm:chMax val="1"/>
+          <dgm:chPref val="1"/>
+          <dgm:bulletEnabled val="1"/>
+        </dgm:varLst>
+        <dgm:alg type="tx">
+          <dgm:param type="shpTxLTRAlignCh" val="ctr"/>
+          <dgm:param type="txAnchorVertCh" val="mid"/>
+        </dgm:alg>
+        <dgm:shape xmlns:r="http://schemas.openxmlformats.org/officeDocument/2006/relationships" type="rect" r:blip="" hideGeom="1">
+          <dgm:adjLst/>
+        </dgm:shape>
+        <dgm:presOf axis="self" ptType="node"/>
+        <dgm:constrLst>
+          <dgm:constr type="lMarg" refType="primFontSz" fact="0.1"/>
+          <dgm:constr type="rMarg" refType="primFontSz" fact="0.1"/>
+          <dgm:constr type="tMarg" refType="primFontSz" fact="0.1"/>
+          <dgm:constr type="bMarg" refType="primFontSz" fact="0.1"/>
+        </dgm:constrLst>
+        <dgm:ruleLst>
+          <dgm:rule type="primFontSz" val="5" fact="NaN" max="NaN"/>
+        </dgm:ruleLst>
+      </dgm:layoutNode>
+    </dgm:forEach>
+    <dgm:forEach name="Name85" axis="ch" ptType="node" st="3" cnt="1">
+      <dgm:layoutNode name="Accent3">
+        <dgm:alg type="sp"/>
+        <dgm:shape xmlns:r="http://schemas.openxmlformats.org/officeDocument/2006/relationships" r:blip="">
+          <dgm:adjLst/>
+        </dgm:shape>
+        <dgm:presOf/>
+        <dgm:constrLst/>
+        <dgm:forEach name="Name86" ref="accentRepeat"/>
+      </dgm:layoutNode>
+      <dgm:layoutNode name="ParentBackground3">
+        <dgm:alg type="sp"/>
+        <dgm:shape xmlns:r="http://schemas.openxmlformats.org/officeDocument/2006/relationships" r:blip="">
+          <dgm:adjLst/>
+        </dgm:shape>
+        <dgm:presOf/>
+        <dgm:forEach name="Name87" ref="parentBackgroundRepeat"/>
+      </dgm:layoutNode>
+      <dgm:choose name="Name88">
+        <dgm:if name="Name89" axis="ch" ptType="node" func="cnt" op="gte" val="1">
+          <dgm:layoutNode name="Child3" styleLbl="revTx">
+            <dgm:varLst>
+              <dgm:chMax val="0"/>
+              <dgm:chPref val="0"/>
+              <dgm:bulletEnabled val="1"/>
+            </dgm:varLst>
+            <dgm:alg type="tx">
+              <dgm:param type="stBulletLvl" val="1"/>
+              <dgm:param type="parTxLTRAlign" val="l"/>
+              <dgm:param type="txAnchorVert" val="t"/>
+            </dgm:alg>
+            <dgm:shape xmlns:r="http://schemas.openxmlformats.org/officeDocument/2006/relationships" type="rect" r:blip="">
+              <dgm:adjLst/>
+            </dgm:shape>
+            <dgm:presOf axis="des" ptType="node"/>
+            <dgm:constrLst>
+              <dgm:constr type="lMarg" refType="primFontSz" fact="0.3"/>
+              <dgm:constr type="rMarg" refType="primFontSz" fact="0.3"/>
+              <dgm:constr type="tMarg" refType="primFontSz" fact="0.3"/>
+              <dgm:constr type="bMarg" refType="primFontSz" fact="0.3"/>
+            </dgm:constrLst>
+            <dgm:ruleLst>
+              <dgm:rule type="primFontSz" val="5" fact="NaN" max="NaN"/>
+            </dgm:ruleLst>
+          </dgm:layoutNode>
+        </dgm:if>
+        <dgm:else name="Name90"/>
+      </dgm:choose>
+      <dgm:layoutNode name="Parent3" styleLbl="revTx">
+        <dgm:varLst>
+          <dgm:chMax val="1"/>
+          <dgm:chPref val="1"/>
+          <dgm:bulletEnabled val="1"/>
+        </dgm:varLst>
+        <dgm:alg type="tx">
+          <dgm:param type="shpTxLTRAlignCh" val="ctr"/>
+          <dgm:param type="txAnchorVertCh" val="mid"/>
+        </dgm:alg>
+        <dgm:shape xmlns:r="http://schemas.openxmlformats.org/officeDocument/2006/relationships" type="rect" r:blip="" hideGeom="1">
+          <dgm:adjLst/>
+        </dgm:shape>
+        <dgm:presOf axis="self" ptType="node"/>
+        <dgm:constrLst>
+          <dgm:constr type="lMarg" refType="primFontSz" fact="0.1"/>
+          <dgm:constr type="rMarg" refType="primFontSz" fact="0.1"/>
+          <dgm:constr type="tMarg" refType="primFontSz" fact="0.1"/>
+          <dgm:constr type="bMarg" refType="primFontSz" fact="0.1"/>
+        </dgm:constrLst>
+        <dgm:ruleLst>
+          <dgm:rule type="primFontSz" val="5" fact="NaN" max="NaN"/>
+        </dgm:ruleLst>
+      </dgm:layoutNode>
+    </dgm:forEach>
+    <dgm:forEach name="Name91" axis="ch" ptType="node" st="2" cnt="1">
+      <dgm:layoutNode name="Accent2">
+        <dgm:alg type="sp"/>
+        <dgm:shape xmlns:r="http://schemas.openxmlformats.org/officeDocument/2006/relationships" r:blip="">
+          <dgm:adjLst/>
+        </dgm:shape>
+        <dgm:presOf/>
+        <dgm:constrLst/>
+        <dgm:forEach name="Name92" ref="accentRepeat"/>
+      </dgm:layoutNode>
+      <dgm:layoutNode name="ParentBackground2" styleLbl="fgAcc1">
+        <dgm:alg type="sp"/>
+        <dgm:shape xmlns:r="http://schemas.openxmlformats.org/officeDocument/2006/relationships" r:blip="">
+          <dgm:adjLst/>
+        </dgm:shape>
+        <dgm:presOf/>
+        <dgm:forEach name="Name93" ref="parentBackgroundRepeat"/>
+      </dgm:layoutNode>
+      <dgm:choose name="Name94">
+        <dgm:if name="Name95" axis="ch" ptType="node" func="cnt" op="gte" val="1">
+          <dgm:layoutNode name="Child2" styleLbl="revTx">
+            <dgm:varLst>
+              <dgm:chMax val="0"/>
+              <dgm:chPref val="0"/>
+              <dgm:bulletEnabled val="1"/>
+            </dgm:varLst>
+            <dgm:alg type="tx">
+              <dgm:param type="stBulletLvl" val="1"/>
+              <dgm:param type="parTxLTRAlign" val="l"/>
+              <dgm:param type="txAnchorVert" val="t"/>
+            </dgm:alg>
+            <dgm:shape xmlns:r="http://schemas.openxmlformats.org/officeDocument/2006/relationships" type="rect" r:blip="">
+              <dgm:adjLst/>
+            </dgm:shape>
+            <dgm:presOf axis="des" ptType="node"/>
+            <dgm:constrLst>
+              <dgm:constr type="lMarg" refType="primFontSz" fact="0.3"/>
+              <dgm:constr type="rMarg" refType="primFontSz" fact="0.3"/>
+              <dgm:constr type="tMarg" refType="primFontSz" fact="0.3"/>
+              <dgm:constr type="bMarg" refType="primFontSz" fact="0.3"/>
+            </dgm:constrLst>
+            <dgm:ruleLst>
+              <dgm:rule type="primFontSz" val="5" fact="NaN" max="NaN"/>
+            </dgm:ruleLst>
+          </dgm:layoutNode>
+        </dgm:if>
+        <dgm:else name="Name96"/>
+      </dgm:choose>
+      <dgm:layoutNode name="Parent2" styleLbl="revTx">
+        <dgm:varLst>
+          <dgm:chMax val="1"/>
+          <dgm:chPref val="1"/>
+          <dgm:bulletEnabled val="1"/>
+        </dgm:varLst>
+        <dgm:alg type="tx">
+          <dgm:param type="shpTxLTRAlignCh" val="ctr"/>
+          <dgm:param type="txAnchorVertCh" val="mid"/>
+        </dgm:alg>
+        <dgm:shape xmlns:r="http://schemas.openxmlformats.org/officeDocument/2006/relationships" type="rect" r:blip="" hideGeom="1">
+          <dgm:adjLst/>
+        </dgm:shape>
+        <dgm:presOf axis="self" ptType="node"/>
+        <dgm:constrLst>
+          <dgm:constr type="lMarg" refType="primFontSz" fact="0.1"/>
+          <dgm:constr type="rMarg" refType="primFontSz" fact="0.1"/>
+          <dgm:constr type="tMarg" refType="primFontSz" fact="0.1"/>
+          <dgm:constr type="bMarg" refType="primFontSz" fact="0.1"/>
+        </dgm:constrLst>
+        <dgm:ruleLst>
+          <dgm:rule type="primFontSz" val="5" fact="NaN" max="NaN"/>
+        </dgm:ruleLst>
+      </dgm:layoutNode>
+    </dgm:forEach>
+    <dgm:forEach name="Name97" axis="ch" ptType="node" cnt="1">
+      <dgm:layoutNode name="Accent1">
+        <dgm:alg type="sp"/>
+        <dgm:shape xmlns:r="http://schemas.openxmlformats.org/officeDocument/2006/relationships" r:blip="">
+          <dgm:adjLst/>
+        </dgm:shape>
+        <dgm:presOf/>
+        <dgm:constrLst/>
+        <dgm:forEach name="Name98" ref="accentRepeat"/>
+      </dgm:layoutNode>
+      <dgm:layoutNode name="ParentBackground1">
+        <dgm:alg type="sp"/>
+        <dgm:shape xmlns:r="http://schemas.openxmlformats.org/officeDocument/2006/relationships" r:blip="">
+          <dgm:adjLst/>
+        </dgm:shape>
+        <dgm:presOf/>
+        <dgm:forEach name="Name99" ref="parentBackgroundRepeat"/>
+      </dgm:layoutNode>
+      <dgm:choose name="Name100">
+        <dgm:if name="Name101" axis="ch" ptType="node" func="cnt" op="gte" val="1">
+          <dgm:layoutNode name="Child1" styleLbl="revTx">
+            <dgm:varLst>
+              <dgm:chMax val="0"/>
+              <dgm:chPref val="0"/>
+              <dgm:bulletEnabled val="1"/>
+            </dgm:varLst>
+            <dgm:alg type="tx">
+              <dgm:param type="stBulletLvl" val="1"/>
+              <dgm:param type="parTxLTRAlign" val="l"/>
+              <dgm:param type="txAnchorVert" val="t"/>
+            </dgm:alg>
+            <dgm:shape xmlns:r="http://schemas.openxmlformats.org/officeDocument/2006/relationships" type="rect" r:blip="">
+              <dgm:adjLst/>
+            </dgm:shape>
+            <dgm:presOf axis="des" ptType="node"/>
+            <dgm:constrLst>
+              <dgm:constr type="lMarg" refType="primFontSz" fact="0.3"/>
+              <dgm:constr type="rMarg" refType="primFontSz" fact="0.3"/>
+              <dgm:constr type="tMarg" refType="primFontSz" fact="0.3"/>
+              <dgm:constr type="bMarg" refType="primFontSz" fact="0.3"/>
+            </dgm:constrLst>
+            <dgm:ruleLst>
+              <dgm:rule type="primFontSz" val="5" fact="NaN" max="NaN"/>
+            </dgm:ruleLst>
+          </dgm:layoutNode>
+        </dgm:if>
+        <dgm:else name="Name102"/>
+      </dgm:choose>
+      <dgm:layoutNode name="Parent1" styleLbl="revTx">
+        <dgm:varLst>
+          <dgm:chMax val="1"/>
+          <dgm:chPref val="1"/>
+          <dgm:bulletEnabled val="1"/>
+        </dgm:varLst>
+        <dgm:alg type="tx">
+          <dgm:param type="shpTxLTRAlignCh" val="ctr"/>
+          <dgm:param type="txAnchorVertCh" val="mid"/>
+        </dgm:alg>
+        <dgm:shape xmlns:r="http://schemas.openxmlformats.org/officeDocument/2006/relationships" type="rect" r:blip="" hideGeom="1">
+          <dgm:adjLst/>
+        </dgm:shape>
+        <dgm:presOf axis="self" ptType="node"/>
+        <dgm:constrLst>
+          <dgm:constr type="lMarg" refType="primFontSz" fact="0.1"/>
+          <dgm:constr type="rMarg" refType="primFontSz" fact="0.1"/>
+          <dgm:constr type="tMarg" refType="primFontSz" fact="0.1"/>
+          <dgm:constr type="bMarg" refType="primFontSz" fact="0.1"/>
+        </dgm:constrLst>
+        <dgm:ruleLst>
+          <dgm:rule type="primFontSz" val="5" fact="NaN" max="NaN"/>
+        </dgm:ruleLst>
+      </dgm:layoutNode>
+    </dgm:forEach>
+  </dgm:layoutNode>
+</dgm:layoutDef>
+</file>
+
+<file path=ppt/diagrams/quickStyle1.xml><?xml version="1.0" encoding="utf-8"?>
+<dgm:styleDef xmlns:dgm="http://schemas.openxmlformats.org/drawingml/2006/diagram" xmlns:a="http://schemas.openxmlformats.org/drawingml/2006/main" uniqueId="urn:microsoft.com/office/officeart/2005/8/quickstyle/simple1">
+  <dgm:title val=""/>
+  <dgm:desc val=""/>
+  <dgm:catLst>
+    <dgm:cat type="simple" pri="10100"/>
+  </dgm:catLst>
+  <dgm:scene3d>
+    <a:camera prst="orthographicFront"/>
+    <a:lightRig rig="threePt" dir="t"/>
+  </dgm:scene3d>
+  <dgm:styleLbl name="node0">
+    <dgm:scene3d>
+      <a:camera prst="orthographicFront"/>
+      <a:lightRig rig="threePt" dir="t"/>
+    </dgm:scene3d>
+    <dgm:sp3d/>
+    <dgm:txPr/>
+    <dgm:style>
+      <a:lnRef idx="2">
+        <a:scrgbClr r="0" g="0" b="0"/>
+      </a:lnRef>
+      <a:fillRef idx="1">
+        <a:scrgbClr r="0" g="0" b="0"/>
+      </a:fillRef>
+      <a:effectRef idx="0">
+        <a:scrgbClr r="0" g="0" b="0"/>
+      </a:effectRef>
+      <a:fontRef idx="minor">
+        <a:schemeClr val="lt1"/>
+      </a:fontRef>
+    </dgm:style>
+  </dgm:styleLbl>
+  <dgm:styleLbl name="lnNode1">
+    <dgm:scene3d>
+      <a:camera prst="orthographicFront"/>
+      <a:lightRig rig="threePt" dir="t"/>
+    </dgm:scene3d>
+    <dgm:sp3d/>
+    <dgm:txPr/>
+    <dgm:style>
+      <a:lnRef idx="2">
+        <a:scrgbClr r="0" g="0" b="0"/>
+      </a:lnRef>
+      <a:fillRef idx="1">
+        <a:scrgbClr r="0" g="0" b="0"/>
+      </a:fillRef>
+      <a:effectRef idx="0">
+        <a:scrgbClr r="0" g="0" b="0"/>
+      </a:effectRef>
+      <a:fontRef idx="minor">
+        <a:schemeClr val="lt1"/>
+      </a:fontRef>
+    </dgm:style>
+  </dgm:styleLbl>
+  <dgm:styleLbl name="vennNode1">
+    <dgm:scene3d>
+      <a:camera prst="orthographicFront"/>
+      <a:lightRig rig="threePt" dir="t"/>
+    </dgm:scene3d>
+    <dgm:sp3d/>
+    <dgm:txPr/>
+    <dgm:style>
+      <a:lnRef idx="2">
+        <a:scrgbClr r="0" g="0" b="0"/>
+      </a:lnRef>
+      <a:fillRef idx="1">
+        <a:scrgbClr r="0" g="0" b="0"/>
+      </a:fillRef>
+      <a:effectRef idx="0">
+        <a:scrgbClr r="0" g="0" b="0"/>
+      </a:effectRef>
+      <a:fontRef idx="minor">
+        <a:schemeClr val="tx1"/>
+      </a:fontRef>
+    </dgm:style>
+  </dgm:styleLbl>
+  <dgm:styleLbl name="alignNode1">
+    <dgm:scene3d>
+      <a:camera prst="orthographicFront"/>
+      <a:lightRig rig="threePt" dir="t"/>
+    </dgm:scene3d>
+    <dgm:sp3d/>
+    <dgm:txPr/>
+    <dgm:style>
+      <a:lnRef idx="2">
+        <a:scrgbClr r="0" g="0" b="0"/>
+      </a:lnRef>
+      <a:fillRef idx="1">
+        <a:scrgbClr r="0" g="0" b="0"/>
+      </a:fillRef>
+      <a:effectRef idx="0">
+        <a:scrgbClr r="0" g="0" b="0"/>
+      </a:effectRef>
+      <a:fontRef idx="minor">
+        <a:schemeClr val="lt1"/>
+      </a:fontRef>
+    </dgm:style>
+  </dgm:styleLbl>
+  <dgm:styleLbl name="node1">
+    <dgm:scene3d>
+      <a:camera prst="orthographicFront"/>
+      <a:lightRig rig="threePt" dir="t"/>
+    </dgm:scene3d>
+    <dgm:sp3d/>
+    <dgm:txPr/>
+    <dgm:style>
+      <a:lnRef idx="2">
+        <a:scrgbClr r="0" g="0" b="0"/>
+      </a:lnRef>
+      <a:fillRef idx="1">
+        <a:scrgbClr r="0" g="0" b="0"/>
+      </a:fillRef>
+      <a:effectRef idx="0">
+        <a:scrgbClr r="0" g="0" b="0"/>
+      </a:effectRef>
+      <a:fontRef idx="minor">
+        <a:schemeClr val="lt1"/>
+      </a:fontRef>
+    </dgm:style>
+  </dgm:styleLbl>
+  <dgm:styleLbl name="node2">
+    <dgm:scene3d>
+      <a:camera prst="orthographicFront"/>
+      <a:lightRig rig="threePt" dir="t"/>
+    </dgm:scene3d>
+    <dgm:sp3d/>
+    <dgm:txPr/>
+    <dgm:style>
+      <a:lnRef idx="2">
+        <a:scrgbClr r="0" g="0" b="0"/>
+      </a:lnRef>
+      <a:fillRef idx="1">
+        <a:scrgbClr r="0" g="0" b="0"/>
+      </a:fillRef>
+      <a:effectRef idx="0">
+        <a:scrgbClr r="0" g="0" b="0"/>
+      </a:effectRef>
+      <a:fontRef idx="minor">
+        <a:schemeClr val="lt1"/>
+      </a:fontRef>
+    </dgm:style>
+  </dgm:styleLbl>
+  <dgm:styleLbl name="node3">
+    <dgm:scene3d>
+      <a:camera prst="orthographicFront"/>
+      <a:lightRig rig="threePt" dir="t"/>
+    </dgm:scene3d>
+    <dgm:sp3d/>
+    <dgm:txPr/>
+    <dgm:style>
+      <a:lnRef idx="2">
+        <a:scrgbClr r="0" g="0" b="0"/>
+      </a:lnRef>
+      <a:fillRef idx="1">
+        <a:scrgbClr r="0" g="0" b="0"/>
+      </a:fillRef>
+      <a:effectRef idx="0">
+        <a:scrgbClr r="0" g="0" b="0"/>
+      </a:effectRef>
+      <a:fontRef idx="minor">
+        <a:schemeClr val="lt1"/>
+      </a:fontRef>
+    </dgm:style>
+  </dgm:styleLbl>
+  <dgm:styleLbl name="node4">
+    <dgm:scene3d>
+      <a:camera prst="orthographicFront"/>
+      <a:lightRig rig="threePt" dir="t"/>
+    </dgm:scene3d>
+    <dgm:sp3d/>
+    <dgm:txPr/>
+    <dgm:style>
+      <a:lnRef idx="2">
+        <a:scrgbClr r="0" g="0" b="0"/>
+      </a:lnRef>
+      <a:fillRef idx="1">
+        <a:scrgbClr r="0" g="0" b="0"/>
+      </a:fillRef>
+      <a:effectRef idx="0">
+        <a:scrgbClr r="0" g="0" b="0"/>
+      </a:effectRef>
+      <a:fontRef idx="minor">
+        <a:schemeClr val="lt1"/>
+      </a:fontRef>
+    </dgm:style>
+  </dgm:styleLbl>
+  <dgm:styleLbl name="fgImgPlace1">
+    <dgm:scene3d>
+      <a:camera prst="orthographicFront"/>
+      <a:lightRig rig="threePt" dir="t"/>
+    </dgm:scene3d>
+    <dgm:sp3d/>
+    <dgm:txPr/>
+    <dgm:style>
+      <a:lnRef idx="2">
+        <a:scrgbClr r="0" g="0" b="0"/>
+      </a:lnRef>
+      <a:fillRef idx="1">
+        <a:scrgbClr r="0" g="0" b="0"/>
+      </a:fillRef>
+      <a:effectRef idx="0">
+        <a:scrgbClr r="0" g="0" b="0"/>
+      </a:effectRef>
+      <a:fontRef idx="minor"/>
+    </dgm:style>
+  </dgm:styleLbl>
+  <dgm:styleLbl name="alignImgPlace1">
+    <dgm:scene3d>
+      <a:camera prst="orthographicFront"/>
+      <a:lightRig rig="threePt" dir="t"/>
+    </dgm:scene3d>
+    <dgm:sp3d/>
+    <dgm:txPr/>
+    <dgm:style>
+      <a:lnRef idx="2">
+        <a:scrgbClr r="0" g="0" b="0"/>
+      </a:lnRef>
+      <a:fillRef idx="1">
+        <a:scrgbClr r="0" g="0" b="0"/>
+      </a:fillRef>
+      <a:effectRef idx="0">
+        <a:scrgbClr r="0" g="0" b="0"/>
+      </a:effectRef>
+      <a:fontRef idx="minor"/>
+    </dgm:style>
+  </dgm:styleLbl>
+  <dgm:styleLbl name="bgImgPlace1">
+    <dgm:scene3d>
+      <a:camera prst="orthographicFront"/>
+      <a:lightRig rig="threePt" dir="t"/>
+    </dgm:scene3d>
+    <dgm:sp3d/>
+    <dgm:txPr/>
+    <dgm:style>
+      <a:lnRef idx="2">
+        <a:scrgbClr r="0" g="0" b="0"/>
+      </a:lnRef>
+      <a:fillRef idx="1">
+        <a:scrgbClr r="0" g="0" b="0"/>
+      </a:fillRef>
+      <a:effectRef idx="0">
+        <a:scrgbClr r="0" g="0" b="0"/>
+      </a:effectRef>
+      <a:fontRef idx="minor"/>
+    </dgm:style>
+  </dgm:styleLbl>
+  <dgm:styleLbl name="sibTrans2D1">
+    <dgm:scene3d>
+      <a:camera prst="orthographicFront"/>
+      <a:lightRig rig="threePt" dir="t"/>
+    </dgm:scene3d>
+    <dgm:sp3d/>
+    <dgm:txPr/>
+    <dgm:style>
+      <a:lnRef idx="0">
+        <a:scrgbClr r="0" g="0" b="0"/>
+      </a:lnRef>
+      <a:fillRef idx="1">
+        <a:scrgbClr r="0" g="0" b="0"/>
+      </a:fillRef>
+      <a:effectRef idx="0">
+        <a:scrgbClr r="0" g="0" b="0"/>
+      </a:effectRef>
+      <a:fontRef idx="minor">
+        <a:schemeClr val="lt1"/>
+      </a:fontRef>
+    </dgm:style>
+  </dgm:styleLbl>
+  <dgm:styleLbl name="fgSibTrans2D1">
+    <dgm:scene3d>
+      <a:camera prst="orthographicFront"/>
+      <a:lightRig rig="threePt" dir="t"/>
+    </dgm:scene3d>
+    <dgm:sp3d/>
+    <dgm:txPr/>
+    <dgm:style>
+      <a:lnRef idx="0">
+        <a:scrgbClr r="0" g="0" b="0"/>
+      </a:lnRef>
+      <a:fillRef idx="1">
+        <a:scrgbClr r="0" g="0" b="0"/>
+      </a:fillRef>
+      <a:effectRef idx="0">
+        <a:scrgbClr r="0" g="0" b="0"/>
+      </a:effectRef>
+      <a:fontRef idx="minor">
+        <a:schemeClr val="lt1"/>
+      </a:fontRef>
+    </dgm:style>
+  </dgm:styleLbl>
+  <dgm:styleLbl name="bgSibTrans2D1">
+    <dgm:scene3d>
+      <a:camera prst="orthographicFront"/>
+      <a:lightRig rig="threePt" dir="t"/>
+    </dgm:scene3d>
+    <dgm:sp3d/>
+    <dgm:txPr/>
+    <dgm:style>
+      <a:lnRef idx="0">
+        <a:scrgbClr r="0" g="0" b="0"/>
+      </a:lnRef>
+      <a:fillRef idx="1">
+        <a:scrgbClr r="0" g="0" b="0"/>
+      </a:fillRef>
+      <a:effectRef idx="0">
+        <a:scrgbClr r="0" g="0" b="0"/>
+      </a:effectRef>
+      <a:fontRef idx="minor">
+        <a:schemeClr val="lt1"/>
+      </a:fontRef>
+    </dgm:style>
+  </dgm:styleLbl>
+  <dgm:styleLbl name="sibTrans1D1">
+    <dgm:scene3d>
+      <a:camera prst="orthographicFront"/>
+      <a:lightRig rig="threePt" dir="t"/>
+    </dgm:scene3d>
+    <dgm:sp3d/>
+    <dgm:txPr/>
+    <dgm:style>
+      <a:lnRef idx="1">
+        <a:scrgbClr r="0" g="0" b="0"/>
+      </a:lnRef>
+      <a:fillRef idx="0">
+        <a:scrgbClr r="0" g="0" b="0"/>
+      </a:fillRef>
+      <a:effectRef idx="0">
+        <a:scrgbClr r="0" g="0" b="0"/>
+      </a:effectRef>
+      <a:fontRef idx="minor"/>
+    </dgm:style>
+  </dgm:styleLbl>
+  <dgm:styleLbl name="callout">
+    <dgm:scene3d>
+      <a:camera prst="orthographicFront"/>
+      <a:lightRig rig="threePt" dir="t"/>
+    </dgm:scene3d>
+    <dgm:sp3d/>
+    <dgm:txPr/>
+    <dgm:style>
+      <a:lnRef idx="2">
+        <a:scrgbClr r="0" g="0" b="0"/>
+      </a:lnRef>
+      <a:fillRef idx="1">
+        <a:scrgbClr r="0" g="0" b="0"/>
+      </a:fillRef>
+      <a:effectRef idx="0">
+        <a:scrgbClr r="0" g="0" b="0"/>
+      </a:effectRef>
+      <a:fontRef idx="minor"/>
+    </dgm:style>
+  </dgm:styleLbl>
+  <dgm:styleLbl name="asst0">
+    <dgm:scene3d>
+      <a:camera prst="orthographicFront"/>
+      <a:lightRig rig="threePt" dir="t"/>
+    </dgm:scene3d>
+    <dgm:sp3d/>
+    <dgm:txPr/>
+    <dgm:style>
+      <a:lnRef idx="2">
+        <a:scrgbClr r="0" g="0" b="0"/>
+      </a:lnRef>
+      <a:fillRef idx="1">
+        <a:scrgbClr r="0" g="0" b="0"/>
+      </a:fillRef>
+      <a:effectRef idx="0">
+        <a:scrgbClr r="0" g="0" b="0"/>
+      </a:effectRef>
+      <a:fontRef idx="minor">
+        <a:schemeClr val="lt1"/>
+      </a:fontRef>
+    </dgm:style>
+  </dgm:styleLbl>
+  <dgm:styleLbl name="asst1">
+    <dgm:scene3d>
+      <a:camera prst="orthographicFront"/>
+      <a:lightRig rig="threePt" dir="t"/>
+    </dgm:scene3d>
+    <dgm:sp3d/>
+    <dgm:txPr/>
+    <dgm:style>
+      <a:lnRef idx="2">
+        <a:scrgbClr r="0" g="0" b="0"/>
+      </a:lnRef>
+      <a:fillRef idx="1">
+        <a:scrgbClr r="0" g="0" b="0"/>
+      </a:fillRef>
+      <a:effectRef idx="0">
+        <a:scrgbClr r="0" g="0" b="0"/>
+      </a:effectRef>
+      <a:fontRef idx="minor">
+        <a:schemeClr val="lt1"/>
+      </a:fontRef>
+    </dgm:style>
+  </dgm:styleLbl>
+  <dgm:styleLbl name="asst2">
+    <dgm:scene3d>
+      <a:camera prst="orthographicFront"/>
+      <a:lightRig rig="threePt" dir="t"/>
+    </dgm:scene3d>
+    <dgm:sp3d/>
+    <dgm:txPr/>
+    <dgm:style>
+      <a:lnRef idx="2">
+        <a:scrgbClr r="0" g="0" b="0"/>
+      </a:lnRef>
+      <a:fillRef idx="1">
+        <a:scrgbClr r="0" g="0" b="0"/>
+      </a:fillRef>
+      <a:effectRef idx="0">
+        <a:scrgbClr r="0" g="0" b="0"/>
+      </a:effectRef>
+      <a:fontRef idx="minor">
+        <a:schemeClr val="lt1"/>
+      </a:fontRef>
+    </dgm:style>
+  </dgm:styleLbl>
+  <dgm:styleLbl name="asst3">
+    <dgm:scene3d>
+      <a:camera prst="orthographicFront"/>
+      <a:lightRig rig="threePt" dir="t"/>
+    </dgm:scene3d>
+    <dgm:sp3d/>
+    <dgm:txPr/>
+    <dgm:style>
+      <a:lnRef idx="2">
+        <a:scrgbClr r="0" g="0" b="0"/>
+      </a:lnRef>
+      <a:fillRef idx="1">
+        <a:scrgbClr r="0" g="0" b="0"/>
+      </a:fillRef>
+      <a:effectRef idx="0">
+        <a:scrgbClr r="0" g="0" b="0"/>
+      </a:effectRef>
+      <a:fontRef idx="minor">
+        <a:schemeClr val="lt1"/>
+      </a:fontRef>
+    </dgm:style>
+  </dgm:styleLbl>
+  <dgm:styleLbl name="asst4">
+    <dgm:scene3d>
+      <a:camera prst="orthographicFront"/>
+      <a:lightRig rig="threePt" dir="t"/>
+    </dgm:scene3d>
+    <dgm:sp3d/>
+    <dgm:txPr/>
+    <dgm:style>
+      <a:lnRef idx="2">
+        <a:scrgbClr r="0" g="0" b="0"/>
+      </a:lnRef>
+      <a:fillRef idx="1">
+        <a:scrgbClr r="0" g="0" b="0"/>
+      </a:fillRef>
+      <a:effectRef idx="0">
+        <a:scrgbClr r="0" g="0" b="0"/>
+      </a:effectRef>
+      <a:fontRef idx="minor">
+        <a:schemeClr val="lt1"/>
+      </a:fontRef>
+    </dgm:style>
+  </dgm:styleLbl>
+  <dgm:styleLbl name="parChTrans2D1">
+    <dgm:scene3d>
+      <a:camera prst="orthographicFront"/>
+      <a:lightRig rig="threePt" dir="t"/>
+    </dgm:scene3d>
+    <dgm:sp3d/>
+    <dgm:txPr/>
+    <dgm:style>
+      <a:lnRef idx="2">
+        <a:scrgbClr r="0" g="0" b="0"/>
+      </a:lnRef>
+      <a:fillRef idx="1">
+        <a:scrgbClr r="0" g="0" b="0"/>
+      </a:fillRef>
+      <a:effectRef idx="0">
+        <a:scrgbClr r="0" g="0" b="0"/>
+      </a:effectRef>
+      <a:fontRef idx="minor">
+        <a:schemeClr val="lt1"/>
+      </a:fontRef>
+    </dgm:style>
+  </dgm:styleLbl>
+  <dgm:styleLbl name="parChTrans2D2">
+    <dgm:scene3d>
+      <a:camera prst="orthographicFront"/>
+      <a:lightRig rig="threePt" dir="t"/>
+    </dgm:scene3d>
+    <dgm:sp3d/>
+    <dgm:txPr/>
+    <dgm:style>
+      <a:lnRef idx="2">
+        <a:scrgbClr r="0" g="0" b="0"/>
+      </a:lnRef>
+      <a:fillRef idx="1">
+        <a:scrgbClr r="0" g="0" b="0"/>
+      </a:fillRef>
+      <a:effectRef idx="0">
+        <a:scrgbClr r="0" g="0" b="0"/>
+      </a:effectRef>
+      <a:fontRef idx="minor">
+        <a:schemeClr val="lt1"/>
+      </a:fontRef>
+    </dgm:style>
+  </dgm:styleLbl>
+  <dgm:styleLbl name="parChTrans2D3">
+    <dgm:scene3d>
+      <a:camera prst="orthographicFront"/>
+      <a:lightRig rig="threePt" dir="t"/>
+    </dgm:scene3d>
+    <dgm:sp3d/>
+    <dgm:txPr/>
+    <dgm:style>
+      <a:lnRef idx="2">
+        <a:scrgbClr r="0" g="0" b="0"/>
+      </a:lnRef>
+      <a:fillRef idx="1">
+        <a:scrgbClr r="0" g="0" b="0"/>
+      </a:fillRef>
+      <a:effectRef idx="0">
+        <a:scrgbClr r="0" g="0" b="0"/>
+      </a:effectRef>
+      <a:fontRef idx="minor">
+        <a:schemeClr val="lt1"/>
+      </a:fontRef>
+    </dgm:style>
+  </dgm:styleLbl>
+  <dgm:styleLbl name="parChTrans2D4">
+    <dgm:scene3d>
+      <a:camera prst="orthographicFront"/>
+      <a:lightRig rig="threePt" dir="t"/>
+    </dgm:scene3d>
+    <dgm:sp3d/>
+    <dgm:txPr/>
+    <dgm:style>
+      <a:lnRef idx="2">
+        <a:scrgbClr r="0" g="0" b="0"/>
+      </a:lnRef>
+      <a:fillRef idx="1">
+        <a:scrgbClr r="0" g="0" b="0"/>
+      </a:fillRef>
+      <a:effectRef idx="0">
+        <a:scrgbClr r="0" g="0" b="0"/>
+      </a:effectRef>
+      <a:fontRef idx="minor">
+        <a:schemeClr val="lt1"/>
+      </a:fontRef>
+    </dgm:style>
+  </dgm:styleLbl>
+  <dgm:styleLbl name="parChTrans1D1">
+    <dgm:scene3d>
+      <a:camera prst="orthographicFront"/>
+      <a:lightRig rig="threePt" dir="t"/>
+    </dgm:scene3d>
+    <dgm:sp3d/>
+    <dgm:txPr/>
+    <dgm:style>
+      <a:lnRef idx="2">
+        <a:scrgbClr r="0" g="0" b="0"/>
+      </a:lnRef>
+      <a:fillRef idx="0">
+        <a:scrgbClr r="0" g="0" b="0"/>
+      </a:fillRef>
+      <a:effectRef idx="0">
+        <a:scrgbClr r="0" g="0" b="0"/>
+      </a:effectRef>
+      <a:fontRef idx="minor"/>
+    </dgm:style>
+  </dgm:styleLbl>
+  <dgm:styleLbl name="parChTrans1D2">
+    <dgm:scene3d>
+      <a:camera prst="orthographicFront"/>
+      <a:lightRig rig="threePt" dir="t"/>
+    </dgm:scene3d>
+    <dgm:sp3d/>
+    <dgm:txPr/>
+    <dgm:style>
+      <a:lnRef idx="2">
+        <a:scrgbClr r="0" g="0" b="0"/>
+      </a:lnRef>
+      <a:fillRef idx="0">
+        <a:scrgbClr r="0" g="0" b="0"/>
+      </a:fillRef>
+      <a:effectRef idx="0">
+        <a:scrgbClr r="0" g="0" b="0"/>
+      </a:effectRef>
+      <a:fontRef idx="minor"/>
+    </dgm:style>
+  </dgm:styleLbl>
+  <dgm:styleLbl name="parChTrans1D3">
+    <dgm:scene3d>
+      <a:camera prst="orthographicFront"/>
+      <a:lightRig rig="threePt" dir="t"/>
+    </dgm:scene3d>
+    <dgm:sp3d/>
+    <dgm:txPr/>
+    <dgm:style>
+      <a:lnRef idx="2">
+        <a:scrgbClr r="0" g="0" b="0"/>
+      </a:lnRef>
+      <a:fillRef idx="0">
+        <a:scrgbClr r="0" g="0" b="0"/>
+      </a:fillRef>
+      <a:effectRef idx="0">
+        <a:scrgbClr r="0" g="0" b="0"/>
+      </a:effectRef>
+      <a:fontRef idx="minor"/>
+    </dgm:style>
+  </dgm:styleLbl>
+  <dgm:styleLbl name="parChTrans1D4">
+    <dgm:scene3d>
+      <a:camera prst="orthographicFront"/>
+      <a:lightRig rig="threePt" dir="t"/>
+    </dgm:scene3d>
+    <dgm:sp3d/>
+    <dgm:txPr/>
+    <dgm:style>
+      <a:lnRef idx="2">
+        <a:scrgbClr r="0" g="0" b="0"/>
+      </a:lnRef>
+      <a:fillRef idx="0">
+        <a:scrgbClr r="0" g="0" b="0"/>
+      </a:fillRef>
+      <a:effectRef idx="0">
+        <a:scrgbClr r="0" g="0" b="0"/>
+      </a:effectRef>
+      <a:fontRef idx="minor"/>
+    </dgm:style>
+  </dgm:styleLbl>
+  <dgm:styleLbl name="fgAcc1">
+    <dgm:scene3d>
+      <a:camera prst="orthographicFront"/>
+      <a:lightRig rig="threePt" dir="t"/>
+    </dgm:scene3d>
+    <dgm:sp3d/>
+    <dgm:txPr/>
+    <dgm:style>
+      <a:lnRef idx="2">
+        <a:scrgbClr r="0" g="0" b="0"/>
+      </a:lnRef>
+      <a:fillRef idx="1">
+        <a:scrgbClr r="0" g="0" b="0"/>
+      </a:fillRef>
+      <a:effectRef idx="0">
+        <a:scrgbClr r="0" g="0" b="0"/>
+      </a:effectRef>
+      <a:fontRef idx="minor"/>
+    </dgm:style>
+  </dgm:styleLbl>
+  <dgm:styleLbl name="conFgAcc1">
+    <dgm:scene3d>
+      <a:camera prst="orthographicFront"/>
+      <a:lightRig rig="threePt" dir="t"/>
+    </dgm:scene3d>
+    <dgm:sp3d/>
+    <dgm:txPr/>
+    <dgm:style>
+      <a:lnRef idx="2">
+        <a:scrgbClr r="0" g="0" b="0"/>
+      </a:lnRef>
+      <a:fillRef idx="1">
+        <a:scrgbClr r="0" g="0" b="0"/>
+      </a:fillRef>
+      <a:effectRef idx="0">
+        <a:scrgbClr r="0" g="0" b="0"/>
+      </a:effectRef>
+      <a:fontRef idx="minor"/>
+    </dgm:style>
+  </dgm:styleLbl>
+  <dgm:styleLbl name="alignAcc1">
+    <dgm:scene3d>
+      <a:camera prst="orthographicFront"/>
+      <a:lightRig rig="threePt" dir="t"/>
+    </dgm:scene3d>
+    <dgm:sp3d/>
+    <dgm:txPr/>
+    <dgm:style>
+      <a:lnRef idx="2">
+        <a:scrgbClr r="0" g="0" b="0"/>
+      </a:lnRef>
+      <a:fillRef idx="1">
+        <a:scrgbClr r="0" g="0" b="0"/>
+      </a:fillRef>
+      <a:effectRef idx="0">
+        <a:scrgbClr r="0" g="0" b="0"/>
+      </a:effectRef>
+      <a:fontRef idx="minor"/>
+    </dgm:style>
+  </dgm:styleLbl>
+  <dgm:styleLbl name="trAlignAcc1">
+    <dgm:scene3d>
+      <a:camera prst="orthographicFront"/>
+      <a:lightRig rig="threePt" dir="t"/>
+    </dgm:scene3d>
+    <dgm:sp3d/>
+    <dgm:txPr/>
+    <dgm:style>
+      <a:lnRef idx="1">
+        <a:scrgbClr r="0" g="0" b="0"/>
+      </a:lnRef>
+      <a:fillRef idx="1">
+        <a:scrgbClr r="0" g="0" b="0"/>
+      </a:fillRef>
+      <a:effectRef idx="0">
+        <a:scrgbClr r="0" g="0" b="0"/>
+      </a:effectRef>
+      <a:fontRef idx="minor"/>
+    </dgm:style>
+  </dgm:styleLbl>
+  <dgm:styleLbl name="bgAcc1">
+    <dgm:scene3d>
+      <a:camera prst="orthographicFront"/>
+      <a:lightRig rig="threePt" dir="t"/>
+    </dgm:scene3d>
+    <dgm:sp3d/>
+    <dgm:txPr/>
+    <dgm:style>
+      <a:lnRef idx="2">
+        <a:scrgbClr r="0" g="0" b="0"/>
+      </a:lnRef>
+      <a:fillRef idx="1">
+        <a:scrgbClr r="0" g="0" b="0"/>
+      </a:fillRef>
+      <a:effectRef idx="0">
+        <a:scrgbClr r="0" g="0" b="0"/>
+      </a:effectRef>
+      <a:fontRef idx="minor"/>
+    </dgm:style>
+  </dgm:styleLbl>
+  <dgm:styleLbl name="solidFgAcc1">
+    <dgm:scene3d>
+      <a:camera prst="orthographicFront"/>
+      <a:lightRig rig="threePt" dir="t"/>
+    </dgm:scene3d>
+    <dgm:sp3d/>
+    <dgm:txPr/>
+    <dgm:style>
+      <a:lnRef idx="2">
+        <a:scrgbClr r="0" g="0" b="0"/>
+      </a:lnRef>
+      <a:fillRef idx="1">
+        <a:scrgbClr r="0" g="0" b="0"/>
+      </a:fillRef>
+      <a:effectRef idx="0">
+        <a:scrgbClr r="0" g="0" b="0"/>
+      </a:effectRef>
+      <a:fontRef idx="minor"/>
+    </dgm:style>
+  </dgm:styleLbl>
+  <dgm:styleLbl name="solidAlignAcc1">
+    <dgm:scene3d>
+      <a:camera prst="orthographicFront"/>
+      <a:lightRig rig="threePt" dir="t"/>
+    </dgm:scene3d>
+    <dgm:sp3d/>
+    <dgm:txPr/>
+    <dgm:style>
+      <a:lnRef idx="2">
+        <a:scrgbClr r="0" g="0" b="0"/>
+      </a:lnRef>
+      <a:fillRef idx="1">
+        <a:scrgbClr r="0" g="0" b="0"/>
+      </a:fillRef>
+      <a:effectRef idx="0">
+        <a:scrgbClr r="0" g="0" b="0"/>
+      </a:effectRef>
+      <a:fontRef idx="minor"/>
+    </dgm:style>
+  </dgm:styleLbl>
+  <dgm:styleLbl name="solidBgAcc1">
+    <dgm:scene3d>
+      <a:camera prst="orthographicFront"/>
+      <a:lightRig rig="threePt" dir="t"/>
+    </dgm:scene3d>
+    <dgm:sp3d/>
+    <dgm:txPr/>
+    <dgm:style>
+      <a:lnRef idx="2">
+        <a:scrgbClr r="0" g="0" b="0"/>
+      </a:lnRef>
+      <a:fillRef idx="1">
+        <a:scrgbClr r="0" g="0" b="0"/>
+      </a:fillRef>
+      <a:effectRef idx="0">
+        <a:scrgbClr r="0" g="0" b="0"/>
+      </a:effectRef>
+      <a:fontRef idx="minor"/>
+    </dgm:style>
+  </dgm:styleLbl>
+  <dgm:styleLbl name="fgAccFollowNode1">
+    <dgm:scene3d>
+      <a:camera prst="orthographicFront"/>
+      <a:lightRig rig="threePt" dir="t"/>
+    </dgm:scene3d>
+    <dgm:sp3d/>
+    <dgm:txPr/>
+    <dgm:style>
+      <a:lnRef idx="2">
+        <a:scrgbClr r="0" g="0" b="0"/>
+      </a:lnRef>
+      <a:fillRef idx="1">
+        <a:scrgbClr r="0" g="0" b="0"/>
+      </a:fillRef>
+      <a:effectRef idx="0">
+        <a:scrgbClr r="0" g="0" b="0"/>
+      </a:effectRef>
+      <a:fontRef idx="minor"/>
+    </dgm:style>
+  </dgm:styleLbl>
+  <dgm:styleLbl name="alignAccFollowNode1">
+    <dgm:scene3d>
+      <a:camera prst="orthographicFront"/>
+      <a:lightRig rig="threePt" dir="t"/>
+    </dgm:scene3d>
+    <dgm:sp3d/>
+    <dgm:txPr/>
+    <dgm:style>
+      <a:lnRef idx="2">
+        <a:scrgbClr r="0" g="0" b="0"/>
+      </a:lnRef>
+      <a:fillRef idx="1">
+        <a:scrgbClr r="0" g="0" b="0"/>
+      </a:fillRef>
+      <a:effectRef idx="0">
+        <a:scrgbClr r="0" g="0" b="0"/>
+      </a:effectRef>
+      <a:fontRef idx="minor"/>
+    </dgm:style>
+  </dgm:styleLbl>
+  <dgm:styleLbl name="bgAccFollowNode1">
+    <dgm:scene3d>
+      <a:camera prst="orthographicFront"/>
+      <a:lightRig rig="threePt" dir="t"/>
+    </dgm:scene3d>
+    <dgm:sp3d/>
+    <dgm:txPr/>
+    <dgm:style>
+      <a:lnRef idx="2">
+        <a:scrgbClr r="0" g="0" b="0"/>
+      </a:lnRef>
+      <a:fillRef idx="1">
+        <a:scrgbClr r="0" g="0" b="0"/>
+      </a:fillRef>
+      <a:effectRef idx="0">
+        <a:scrgbClr r="0" g="0" b="0"/>
+      </a:effectRef>
+      <a:fontRef idx="minor"/>
+    </dgm:style>
+  </dgm:styleLbl>
+  <dgm:styleLbl name="fgAcc0">
+    <dgm:scene3d>
+      <a:camera prst="orthographicFront"/>
+      <a:lightRig rig="threePt" dir="t"/>
+    </dgm:scene3d>
+    <dgm:sp3d/>
+    <dgm:txPr/>
+    <dgm:style>
+      <a:lnRef idx="2">
+        <a:scrgbClr r="0" g="0" b="0"/>
+      </a:lnRef>
+      <a:fillRef idx="1">
+        <a:scrgbClr r="0" g="0" b="0"/>
+      </a:fillRef>
+      <a:effectRef idx="0">
+        <a:scrgbClr r="0" g="0" b="0"/>
+      </a:effectRef>
+      <a:fontRef idx="minor"/>
+    </dgm:style>
+  </dgm:styleLbl>
+  <dgm:styleLbl name="fgAcc2">
+    <dgm:scene3d>
+      <a:camera prst="orthographicFront"/>
+      <a:lightRig rig="threePt" dir="t"/>
+    </dgm:scene3d>
+    <dgm:sp3d/>
+    <dgm:txPr/>
+    <dgm:style>
+      <a:lnRef idx="2">
+        <a:scrgbClr r="0" g="0" b="0"/>
+      </a:lnRef>
+      <a:fillRef idx="1">
+        <a:scrgbClr r="0" g="0" b="0"/>
+      </a:fillRef>
+      <a:effectRef idx="0">
+        <a:scrgbClr r="0" g="0" b="0"/>
+      </a:effectRef>
+      <a:fontRef idx="minor"/>
+    </dgm:style>
+  </dgm:styleLbl>
+  <dgm:styleLbl name="fgAcc3">
+    <dgm:scene3d>
+      <a:camera prst="orthographicFront"/>
+      <a:lightRig rig="threePt" dir="t"/>
+    </dgm:scene3d>
+    <dgm:sp3d/>
+    <dgm:txPr/>
+    <dgm:style>
+      <a:lnRef idx="2">
+        <a:scrgbClr r="0" g="0" b="0"/>
+      </a:lnRef>
+      <a:fillRef idx="1">
+        <a:scrgbClr r="0" g="0" b="0"/>
+      </a:fillRef>
+      <a:effectRef idx="0">
+        <a:scrgbClr r="0" g="0" b="0"/>
+      </a:effectRef>
+      <a:fontRef idx="minor"/>
+    </dgm:style>
+  </dgm:styleLbl>
+  <dgm:styleLbl name="fgAcc4">
+    <dgm:scene3d>
+      <a:camera prst="orthographicFront"/>
+      <a:lightRig rig="threePt" dir="t"/>
+    </dgm:scene3d>
+    <dgm:sp3d/>
+    <dgm:txPr/>
+    <dgm:style>
+      <a:lnRef idx="2">
+        <a:scrgbClr r="0" g="0" b="0"/>
+      </a:lnRef>
+      <a:fillRef idx="1">
+        <a:scrgbClr r="0" g="0" b="0"/>
+      </a:fillRef>
+      <a:effectRef idx="0">
+        <a:scrgbClr r="0" g="0" b="0"/>
+      </a:effectRef>
+      <a:fontRef idx="minor"/>
+    </dgm:style>
+  </dgm:styleLbl>
+  <dgm:styleLbl name="bgShp">
+    <dgm:scene3d>
+      <a:camera prst="orthographicFront"/>
+      <a:lightRig rig="threePt" dir="t"/>
+    </dgm:scene3d>
+    <dgm:sp3d/>
+    <dgm:txPr/>
+    <dgm:style>
+      <a:lnRef idx="0">
+        <a:scrgbClr r="0" g="0" b="0"/>
+      </a:lnRef>
+      <a:fillRef idx="1">
+        <a:scrgbClr r="0" g="0" b="0"/>
+      </a:fillRef>
+      <a:effectRef idx="0">
+        <a:scrgbClr r="0" g="0" b="0"/>
+      </a:effectRef>
+      <a:fontRef idx="minor"/>
+    </dgm:style>
+  </dgm:styleLbl>
+  <dgm:styleLbl name="dkBgShp">
+    <dgm:scene3d>
+      <a:camera prst="orthographicFront"/>
+      <a:lightRig rig="threePt" dir="t"/>
+    </dgm:scene3d>
+    <dgm:sp3d/>
+    <dgm:txPr/>
+    <dgm:style>
+      <a:lnRef idx="0">
+        <a:scrgbClr r="0" g="0" b="0"/>
+      </a:lnRef>
+      <a:fillRef idx="1">
+        <a:scrgbClr r="0" g="0" b="0"/>
+      </a:fillRef>
+      <a:effectRef idx="0">
+        <a:scrgbClr r="0" g="0" b="0"/>
+      </a:effectRef>
+      <a:fontRef idx="minor"/>
+    </dgm:style>
+  </dgm:styleLbl>
+  <dgm:styleLbl name="trBgShp">
+    <dgm:scene3d>
+      <a:camera prst="orthographicFront"/>
+      <a:lightRig rig="threePt" dir="t"/>
+    </dgm:scene3d>
+    <dgm:sp3d/>
+    <dgm:txPr/>
+    <dgm:style>
+      <a:lnRef idx="0">
+        <a:scrgbClr r="0" g="0" b="0"/>
+      </a:lnRef>
+      <a:fillRef idx="1">
+        <a:scrgbClr r="0" g="0" b="0"/>
+      </a:fillRef>
+      <a:effectRef idx="0">
+        <a:scrgbClr r="0" g="0" b="0"/>
+      </a:effectRef>
+      <a:fontRef idx="minor"/>
+    </dgm:style>
+  </dgm:styleLbl>
+  <dgm:styleLbl name="fgShp">
+    <dgm:scene3d>
+      <a:camera prst="orthographicFront"/>
+      <a:lightRig rig="threePt" dir="t"/>
+    </dgm:scene3d>
+    <dgm:sp3d/>
+    <dgm:txPr/>
+    <dgm:style>
+      <a:lnRef idx="2">
+        <a:scrgbClr r="0" g="0" b="0"/>
+      </a:lnRef>
+      <a:fillRef idx="1">
+        <a:scrgbClr r="0" g="0" b="0"/>
+      </a:fillRef>
+      <a:effectRef idx="0">
+        <a:scrgbClr r="0" g="0" b="0"/>
+      </a:effectRef>
+      <a:fontRef idx="minor"/>
+    </dgm:style>
+  </dgm:styleLbl>
+  <dgm:styleLbl name="revTx">
+    <dgm:scene3d>
+      <a:camera prst="orthographicFront"/>
+      <a:lightRig rig="threePt" dir="t"/>
+    </dgm:scene3d>
+    <dgm:sp3d/>
+    <dgm:txPr/>
+    <dgm:style>
+      <a:lnRef idx="0">
+        <a:scrgbClr r="0" g="0" b="0"/>
+      </a:lnRef>
+      <a:fillRef idx="0">
+        <a:scrgbClr r="0" g="0" b="0"/>
+      </a:fillRef>
+      <a:effectRef idx="0">
+        <a:scrgbClr r="0" g="0" b="0"/>
+      </a:effectRef>
+      <a:fontRef idx="minor"/>
+    </dgm:style>
+  </dgm:styleLbl>
+</dgm:styleDef>
 </file>
 
 <file path=ppt/slideLayouts/slideLayout1.xml><?xml version="1.0" encoding="utf-8"?>
@@ -2462,7 +9392,7 @@
           <a:p>
             <a:fld id="{3C04E684-10F4-4CC3-A0B9-F03AA7BE37CF}" type="datetimeFigureOut">
               <a:rPr lang="en-US" smtClean="0"/>
-              <a:t>12/18/2024</a:t>
+              <a:t>12/19/2024</a:t>
             </a:fld>
             <a:endParaRPr lang="en-US"/>
           </a:p>
@@ -4952,7 +11882,7 @@
           <a:p>
             <a:fld id="{3C04E684-10F4-4CC3-A0B9-F03AA7BE37CF}" type="datetimeFigureOut">
               <a:rPr lang="en-US" smtClean="0"/>
-              <a:t>12/18/2024</a:t>
+              <a:t>12/19/2024</a:t>
             </a:fld>
             <a:endParaRPr lang="en-US"/>
           </a:p>
@@ -5150,7 +12080,7 @@
           <a:p>
             <a:fld id="{3C04E684-10F4-4CC3-A0B9-F03AA7BE37CF}" type="datetimeFigureOut">
               <a:rPr lang="en-US" smtClean="0"/>
-              <a:t>12/18/2024</a:t>
+              <a:t>12/19/2024</a:t>
             </a:fld>
             <a:endParaRPr lang="en-US"/>
           </a:p>
@@ -5358,7 +12288,7 @@
           <a:p>
             <a:fld id="{3C04E684-10F4-4CC3-A0B9-F03AA7BE37CF}" type="datetimeFigureOut">
               <a:rPr lang="en-US" smtClean="0"/>
-              <a:t>12/18/2024</a:t>
+              <a:t>12/19/2024</a:t>
             </a:fld>
             <a:endParaRPr lang="en-US"/>
           </a:p>
@@ -6095,7 +13025,7 @@
           <a:p>
             <a:fld id="{3C04E684-10F4-4CC3-A0B9-F03AA7BE37CF}" type="datetimeFigureOut">
               <a:rPr lang="en-US" smtClean="0"/>
-              <a:t>12/18/2024</a:t>
+              <a:t>12/19/2024</a:t>
             </a:fld>
             <a:endParaRPr lang="en-US"/>
           </a:p>
@@ -6737,7 +13667,7 @@
           <a:p>
             <a:fld id="{3C04E684-10F4-4CC3-A0B9-F03AA7BE37CF}" type="datetimeFigureOut">
               <a:rPr lang="en-US" smtClean="0"/>
-              <a:t>12/18/2024</a:t>
+              <a:t>12/19/2024</a:t>
             </a:fld>
             <a:endParaRPr lang="en-US"/>
           </a:p>
@@ -7537,7 +14467,7 @@
           <a:p>
             <a:fld id="{3C04E684-10F4-4CC3-A0B9-F03AA7BE37CF}" type="datetimeFigureOut">
               <a:rPr lang="en-US" smtClean="0"/>
-              <a:t>12/18/2024</a:t>
+              <a:t>12/19/2024</a:t>
             </a:fld>
             <a:endParaRPr lang="en-US"/>
           </a:p>
@@ -8488,7 +15418,7 @@
           <a:p>
             <a:fld id="{3C04E684-10F4-4CC3-A0B9-F03AA7BE37CF}" type="datetimeFigureOut">
               <a:rPr lang="en-US" smtClean="0"/>
-              <a:t>12/18/2024</a:t>
+              <a:t>12/19/2024</a:t>
             </a:fld>
             <a:endParaRPr lang="en-US"/>
           </a:p>
@@ -10837,7 +17767,7 @@
           <a:p>
             <a:fld id="{3C04E684-10F4-4CC3-A0B9-F03AA7BE37CF}" type="datetimeFigureOut">
               <a:rPr lang="en-US" smtClean="0"/>
-              <a:t>12/18/2024</a:t>
+              <a:t>12/19/2024</a:t>
             </a:fld>
             <a:endParaRPr lang="en-US"/>
           </a:p>
@@ -10950,7 +17880,7 @@
           <a:p>
             <a:fld id="{3C04E684-10F4-4CC3-A0B9-F03AA7BE37CF}" type="datetimeFigureOut">
               <a:rPr lang="en-US" smtClean="0"/>
-              <a:t>12/18/2024</a:t>
+              <a:t>12/19/2024</a:t>
             </a:fld>
             <a:endParaRPr lang="en-US"/>
           </a:p>
@@ -11457,7 +18387,7 @@
           <a:p>
             <a:fld id="{3C04E684-10F4-4CC3-A0B9-F03AA7BE37CF}" type="datetimeFigureOut">
               <a:rPr lang="en-US" smtClean="0"/>
-              <a:t>12/18/2024</a:t>
+              <a:t>12/19/2024</a:t>
             </a:fld>
             <a:endParaRPr lang="en-US"/>
           </a:p>
@@ -12760,7 +19690,7 @@
           <a:p>
             <a:fld id="{3C04E684-10F4-4CC3-A0B9-F03AA7BE37CF}" type="datetimeFigureOut">
               <a:rPr lang="en-US" smtClean="0"/>
-              <a:t>12/18/2024</a:t>
+              <a:t>12/19/2024</a:t>
             </a:fld>
             <a:endParaRPr lang="en-US"/>
           </a:p>
@@ -13007,7 +19937,7 @@
           <a:p>
             <a:fld id="{3C04E684-10F4-4CC3-A0B9-F03AA7BE37CF}" type="datetimeFigureOut">
               <a:rPr lang="en-US" smtClean="0"/>
-              <a:t>12/18/2024</a:t>
+              <a:t>12/19/2024</a:t>
             </a:fld>
             <a:endParaRPr lang="en-US"/>
           </a:p>
@@ -15173,6 +22103,998 @@
       </p:grpSpPr>
       <p:sp>
         <p:nvSpPr>
+          <p:cNvPr id="4" name="Title 1">
+            <a:extLst>
+              <a:ext uri="{FF2B5EF4-FFF2-40B4-BE49-F238E27FC236}">
+                <a16:creationId xmlns:a16="http://schemas.microsoft.com/office/drawing/2014/main" id="{D3195405-DDDB-7EB0-0C96-609EBD69C558}"/>
+              </a:ext>
+            </a:extLst>
+          </p:cNvPr>
+          <p:cNvSpPr>
+            <a:spLocks noGrp="1"/>
+          </p:cNvSpPr>
+          <p:nvPr>
+            <p:ph type="title"/>
+          </p:nvPr>
+        </p:nvSpPr>
+        <p:spPr>
+          <a:xfrm>
+            <a:off x="592203" y="81820"/>
+            <a:ext cx="5251316" cy="771620"/>
+          </a:xfrm>
+        </p:spPr>
+        <p:txBody>
+          <a:bodyPr>
+            <a:normAutofit/>
+          </a:bodyPr>
+          <a:lstStyle/>
+          <a:p>
+            <a:r>
+              <a:rPr lang="en-IN" b="1" dirty="0">
+                <a:latin typeface="Aptos" panose="020B0004020202020204" pitchFamily="34" charset="0"/>
+              </a:rPr>
+              <a:t>The Dark Forces</a:t>
+            </a:r>
+          </a:p>
+        </p:txBody>
+      </p:sp>
+      <p:pic>
+        <p:nvPicPr>
+          <p:cNvPr id="1026" name="Picture 2">
+            <a:extLst>
+              <a:ext uri="{FF2B5EF4-FFF2-40B4-BE49-F238E27FC236}">
+                <a16:creationId xmlns:a16="http://schemas.microsoft.com/office/drawing/2014/main" id="{2A558A80-04EF-9B01-1D94-6631ABE3575E}"/>
+              </a:ext>
+            </a:extLst>
+          </p:cNvPr>
+          <p:cNvPicPr>
+            <a:picLocks noChangeAspect="1" noChangeArrowheads="1"/>
+          </p:cNvPicPr>
+          <p:nvPr/>
+        </p:nvPicPr>
+        <p:blipFill>
+          <a:blip r:embed="rId2">
+            <a:extLst>
+              <a:ext uri="{28A0092B-C50C-407E-A947-70E740481C1C}">
+                <a14:useLocalDpi xmlns:a14="http://schemas.microsoft.com/office/drawing/2010/main" val="0"/>
+              </a:ext>
+            </a:extLst>
+          </a:blip>
+          <a:srcRect/>
+          <a:stretch>
+            <a:fillRect/>
+          </a:stretch>
+        </p:blipFill>
+        <p:spPr bwMode="auto">
+          <a:xfrm>
+            <a:off x="592203" y="853440"/>
+            <a:ext cx="2857500" cy="1838325"/>
+          </a:xfrm>
+          <a:prstGeom prst="rect">
+            <a:avLst/>
+          </a:prstGeom>
+          <a:noFill/>
+          <a:extLst>
+            <a:ext uri="{909E8E84-426E-40DD-AFC4-6F175D3DCCD1}">
+              <a14:hiddenFill xmlns:a14="http://schemas.microsoft.com/office/drawing/2010/main">
+                <a:solidFill>
+                  <a:srgbClr val="FFFFFF"/>
+                </a:solidFill>
+              </a14:hiddenFill>
+            </a:ext>
+          </a:extLst>
+        </p:spPr>
+      </p:pic>
+      <p:sp>
+        <p:nvSpPr>
+          <p:cNvPr id="6" name="TextBox 5">
+            <a:extLst>
+              <a:ext uri="{FF2B5EF4-FFF2-40B4-BE49-F238E27FC236}">
+                <a16:creationId xmlns:a16="http://schemas.microsoft.com/office/drawing/2014/main" id="{D24368F9-461A-EB49-F800-A1DAFB8F72FF}"/>
+              </a:ext>
+            </a:extLst>
+          </p:cNvPr>
+          <p:cNvSpPr txBox="1"/>
+          <p:nvPr/>
+        </p:nvSpPr>
+        <p:spPr>
+          <a:xfrm>
+            <a:off x="6348483" y="783550"/>
+            <a:ext cx="3873964" cy="1908215"/>
+          </a:xfrm>
+          <a:prstGeom prst="rect">
+            <a:avLst/>
+          </a:prstGeom>
+          <a:noFill/>
+        </p:spPr>
+        <p:txBody>
+          <a:bodyPr wrap="square" rtlCol="0">
+            <a:spAutoFit/>
+          </a:bodyPr>
+          <a:lstStyle/>
+          <a:p>
+            <a:r>
+              <a:rPr lang="en-IN" sz="2500" b="1" dirty="0">
+                <a:latin typeface="Aptos" panose="020B0004020202020204" pitchFamily="34" charset="0"/>
+              </a:rPr>
+              <a:t>The cave you fear to enter,</a:t>
+            </a:r>
+          </a:p>
+          <a:p>
+            <a:r>
+              <a:rPr lang="en-IN" sz="2500" b="1" dirty="0">
+                <a:latin typeface="Aptos" panose="020B0004020202020204" pitchFamily="34" charset="0"/>
+              </a:rPr>
+              <a:t>Holds the treasure you seek.</a:t>
+            </a:r>
+          </a:p>
+          <a:p>
+            <a:pPr algn="r"/>
+            <a:r>
+              <a:rPr lang="en-IN" sz="1600" b="1" dirty="0">
+                <a:latin typeface="Aptos" panose="020B0004020202020204" pitchFamily="34" charset="0"/>
+              </a:rPr>
+              <a:t>- Joseph Campbell</a:t>
+            </a:r>
+          </a:p>
+        </p:txBody>
+      </p:sp>
+      <p:sp>
+        <p:nvSpPr>
+          <p:cNvPr id="7" name="Title 1">
+            <a:extLst>
+              <a:ext uri="{FF2B5EF4-FFF2-40B4-BE49-F238E27FC236}">
+                <a16:creationId xmlns:a16="http://schemas.microsoft.com/office/drawing/2014/main" id="{1560CAD5-AA51-EA6F-C0F5-D425CFF83E6A}"/>
+              </a:ext>
+            </a:extLst>
+          </p:cNvPr>
+          <p:cNvSpPr txBox="1">
+            <a:spLocks/>
+          </p:cNvSpPr>
+          <p:nvPr/>
+        </p:nvSpPr>
+        <p:spPr>
+          <a:xfrm>
+            <a:off x="380536" y="3463385"/>
+            <a:ext cx="5251316" cy="771620"/>
+          </a:xfrm>
+          <a:prstGeom prst="rect">
+            <a:avLst/>
+          </a:prstGeom>
+        </p:spPr>
+        <p:txBody>
+          <a:bodyPr vert="horz" lIns="91440" tIns="45720" rIns="91440" bIns="45720" rtlCol="0" anchor="ctr">
+            <a:normAutofit/>
+          </a:bodyPr>
+          <a:lstStyle>
+            <a:lvl1pPr algn="l" defTabSz="914400" rtl="0" eaLnBrk="1" latinLnBrk="0" hangingPunct="1">
+              <a:lnSpc>
+                <a:spcPct val="90000"/>
+              </a:lnSpc>
+              <a:spcBef>
+                <a:spcPct val="0"/>
+              </a:spcBef>
+              <a:buNone/>
+              <a:defRPr sz="4000" i="0" kern="1200">
+                <a:solidFill>
+                  <a:schemeClr val="tx1"/>
+                </a:solidFill>
+                <a:latin typeface="+mj-lt"/>
+                <a:ea typeface="+mj-ea"/>
+                <a:cs typeface="+mj-cs"/>
+              </a:defRPr>
+            </a:lvl1pPr>
+          </a:lstStyle>
+          <a:p>
+            <a:r>
+              <a:rPr lang="en-IN" b="1" dirty="0">
+                <a:latin typeface="Aptos" panose="020B0004020202020204" pitchFamily="34" charset="0"/>
+              </a:rPr>
+              <a:t>The Pattern</a:t>
+            </a:r>
+          </a:p>
+        </p:txBody>
+      </p:sp>
+      <p:graphicFrame>
+        <p:nvGraphicFramePr>
+          <p:cNvPr id="8" name="Diagram 7">
+            <a:extLst>
+              <a:ext uri="{FF2B5EF4-FFF2-40B4-BE49-F238E27FC236}">
+                <a16:creationId xmlns:a16="http://schemas.microsoft.com/office/drawing/2014/main" id="{F60F06AA-87D9-E691-95E2-5CDA0C2FEA18}"/>
+              </a:ext>
+            </a:extLst>
+          </p:cNvPr>
+          <p:cNvGraphicFramePr/>
+          <p:nvPr>
+            <p:extLst>
+              <p:ext uri="{D42A27DB-BD31-4B8C-83A1-F6EECF244321}">
+                <p14:modId xmlns:p14="http://schemas.microsoft.com/office/powerpoint/2010/main" val="1256830471"/>
+              </p:ext>
+            </p:extLst>
+          </p:nvPr>
+        </p:nvGraphicFramePr>
+        <p:xfrm>
+          <a:off x="-372533" y="4136541"/>
+          <a:ext cx="4411133" cy="1778000"/>
+        </p:xfrm>
+        <a:graphic>
+          <a:graphicData uri="http://schemas.openxmlformats.org/drawingml/2006/diagram">
+            <dgm:relIds xmlns:dgm="http://schemas.openxmlformats.org/drawingml/2006/diagram" xmlns:r="http://schemas.openxmlformats.org/officeDocument/2006/relationships" r:dm="rId3" r:lo="rId4" r:qs="rId5" r:cs="rId6"/>
+          </a:graphicData>
+        </a:graphic>
+      </p:graphicFrame>
+      <p:sp>
+        <p:nvSpPr>
+          <p:cNvPr id="9" name="TextBox 8">
+            <a:extLst>
+              <a:ext uri="{FF2B5EF4-FFF2-40B4-BE49-F238E27FC236}">
+                <a16:creationId xmlns:a16="http://schemas.microsoft.com/office/drawing/2014/main" id="{184CD36F-0959-C9A3-A0FB-03F275B98762}"/>
+              </a:ext>
+            </a:extLst>
+          </p:cNvPr>
+          <p:cNvSpPr txBox="1"/>
+          <p:nvPr/>
+        </p:nvSpPr>
+        <p:spPr>
+          <a:xfrm>
+            <a:off x="6560150" y="3849195"/>
+            <a:ext cx="3873964" cy="2015936"/>
+          </a:xfrm>
+          <a:prstGeom prst="rect">
+            <a:avLst/>
+          </a:prstGeom>
+          <a:noFill/>
+        </p:spPr>
+        <p:txBody>
+          <a:bodyPr wrap="square" rtlCol="0">
+            <a:spAutoFit/>
+          </a:bodyPr>
+          <a:lstStyle/>
+          <a:p>
+            <a:r>
+              <a:rPr lang="en-IN" sz="2500" b="1" dirty="0">
+                <a:latin typeface="Aptos" panose="020B0004020202020204" pitchFamily="34" charset="0"/>
+              </a:rPr>
+              <a:t>… but it’s actually </a:t>
+            </a:r>
+          </a:p>
+          <a:p>
+            <a:r>
+              <a:rPr lang="en-IN" sz="2500" b="1" dirty="0">
+                <a:latin typeface="Aptos" panose="020B0004020202020204" pitchFamily="34" charset="0"/>
+              </a:rPr>
+              <a:t>just stand still.</a:t>
+            </a:r>
+          </a:p>
+          <a:p>
+            <a:r>
+              <a:rPr lang="en-IN" sz="2500" b="1" dirty="0">
+                <a:latin typeface="Aptos" panose="020B0004020202020204" pitchFamily="34" charset="0"/>
+              </a:rPr>
+              <a:t>In the exact same place.</a:t>
+            </a:r>
+          </a:p>
+          <a:p>
+            <a:r>
+              <a:rPr lang="en-IN" sz="2500" b="1" dirty="0">
+                <a:latin typeface="Aptos" panose="020B0004020202020204" pitchFamily="34" charset="0"/>
+              </a:rPr>
+              <a:t>In fear.</a:t>
+            </a:r>
+          </a:p>
+          <a:p>
+            <a:r>
+              <a:rPr lang="en-IN" sz="2500" b="1" dirty="0">
+                <a:latin typeface="Aptos" panose="020B0004020202020204" pitchFamily="34" charset="0"/>
+              </a:rPr>
+              <a:t>Assembling the </a:t>
+            </a:r>
+            <a:r>
+              <a:rPr lang="en-IN" sz="2500" b="1" dirty="0" err="1">
+                <a:latin typeface="Aptos" panose="020B0004020202020204" pitchFamily="34" charset="0"/>
+              </a:rPr>
+              <a:t>armor</a:t>
+            </a:r>
+            <a:endParaRPr lang="en-IN" sz="1600" b="1" dirty="0">
+              <a:latin typeface="Aptos" panose="020B0004020202020204" pitchFamily="34" charset="0"/>
+            </a:endParaRPr>
+          </a:p>
+        </p:txBody>
+      </p:sp>
+      <p:cxnSp>
+        <p:nvCxnSpPr>
+          <p:cNvPr id="11" name="Straight Connector 10">
+            <a:extLst>
+              <a:ext uri="{FF2B5EF4-FFF2-40B4-BE49-F238E27FC236}">
+                <a16:creationId xmlns:a16="http://schemas.microsoft.com/office/drawing/2014/main" id="{ABE70685-6779-D6D6-0968-F0466B0B31BA}"/>
+              </a:ext>
+            </a:extLst>
+          </p:cNvPr>
+          <p:cNvCxnSpPr/>
+          <p:nvPr/>
+        </p:nvCxnSpPr>
+        <p:spPr>
+          <a:xfrm>
+            <a:off x="0" y="3132667"/>
+            <a:ext cx="12192000" cy="0"/>
+          </a:xfrm>
+          <a:prstGeom prst="line">
+            <a:avLst/>
+          </a:prstGeom>
+          <a:ln>
+            <a:solidFill>
+              <a:schemeClr val="tx1"/>
+            </a:solidFill>
+          </a:ln>
+        </p:spPr>
+        <p:style>
+          <a:lnRef idx="1">
+            <a:schemeClr val="accent1"/>
+          </a:lnRef>
+          <a:fillRef idx="0">
+            <a:schemeClr val="accent1"/>
+          </a:fillRef>
+          <a:effectRef idx="0">
+            <a:schemeClr val="accent1"/>
+          </a:effectRef>
+          <a:fontRef idx="minor">
+            <a:schemeClr val="tx1"/>
+          </a:fontRef>
+        </p:style>
+      </p:cxnSp>
+    </p:spTree>
+    <p:extLst>
+      <p:ext uri="{BB962C8B-B14F-4D97-AF65-F5344CB8AC3E}">
+        <p14:creationId xmlns:p14="http://schemas.microsoft.com/office/powerpoint/2010/main" val="1856757694"/>
+      </p:ext>
+    </p:extLst>
+  </p:cSld>
+  <p:clrMapOvr>
+    <a:masterClrMapping/>
+  </p:clrMapOvr>
+</p:sld>
+</file>
+
+<file path=ppt/slides/slide5.xml><?xml version="1.0" encoding="utf-8"?>
+<p:sld xmlns:a="http://schemas.openxmlformats.org/drawingml/2006/main" xmlns:r="http://schemas.openxmlformats.org/officeDocument/2006/relationships" xmlns:p="http://schemas.openxmlformats.org/presentationml/2006/main">
+  <p:cSld>
+    <p:spTree>
+      <p:nvGrpSpPr>
+        <p:cNvPr id="1" name=""/>
+        <p:cNvGrpSpPr/>
+        <p:nvPr/>
+      </p:nvGrpSpPr>
+      <p:grpSpPr>
+        <a:xfrm>
+          <a:off x="0" y="0"/>
+          <a:ext cx="0" cy="0"/>
+          <a:chOff x="0" y="0"/>
+          <a:chExt cx="0" cy="0"/>
+        </a:xfrm>
+      </p:grpSpPr>
+      <p:sp>
+        <p:nvSpPr>
+          <p:cNvPr id="2" name="Title 1">
+            <a:extLst>
+              <a:ext uri="{FF2B5EF4-FFF2-40B4-BE49-F238E27FC236}">
+                <a16:creationId xmlns:a16="http://schemas.microsoft.com/office/drawing/2014/main" id="{25AAF847-1F68-1775-9635-E0E55609BB27}"/>
+              </a:ext>
+            </a:extLst>
+          </p:cNvPr>
+          <p:cNvSpPr>
+            <a:spLocks noGrp="1"/>
+          </p:cNvSpPr>
+          <p:nvPr>
+            <p:ph type="title"/>
+          </p:nvPr>
+        </p:nvSpPr>
+        <p:spPr>
+          <a:xfrm>
+            <a:off x="838200" y="150018"/>
+            <a:ext cx="10515600" cy="535782"/>
+          </a:xfrm>
+        </p:spPr>
+        <p:txBody>
+          <a:bodyPr>
+            <a:normAutofit fontScale="90000"/>
+          </a:bodyPr>
+          <a:lstStyle/>
+          <a:p>
+            <a:r>
+              <a:rPr lang="en-IN" b="1" dirty="0">
+                <a:latin typeface="Aptos" panose="020B0004020202020204" pitchFamily="34" charset="0"/>
+              </a:rPr>
+              <a:t>Stockdale Paradox</a:t>
+            </a:r>
+          </a:p>
+        </p:txBody>
+      </p:sp>
+      <p:pic>
+        <p:nvPicPr>
+          <p:cNvPr id="5" name="Picture 4">
+            <a:extLst>
+              <a:ext uri="{FF2B5EF4-FFF2-40B4-BE49-F238E27FC236}">
+                <a16:creationId xmlns:a16="http://schemas.microsoft.com/office/drawing/2014/main" id="{C776EA18-A16D-66D7-AF93-D671AE3A8A36}"/>
+              </a:ext>
+            </a:extLst>
+          </p:cNvPr>
+          <p:cNvPicPr>
+            <a:picLocks noChangeAspect="1"/>
+          </p:cNvPicPr>
+          <p:nvPr/>
+        </p:nvPicPr>
+        <p:blipFill>
+          <a:blip r:embed="rId2"/>
+          <a:stretch>
+            <a:fillRect/>
+          </a:stretch>
+        </p:blipFill>
+        <p:spPr>
+          <a:xfrm>
+            <a:off x="8475132" y="2054055"/>
+            <a:ext cx="2241667" cy="2238819"/>
+          </a:xfrm>
+          <a:prstGeom prst="ellipse">
+            <a:avLst/>
+          </a:prstGeom>
+          <a:ln>
+            <a:noFill/>
+          </a:ln>
+          <a:effectLst>
+            <a:softEdge rad="112500"/>
+          </a:effectLst>
+        </p:spPr>
+      </p:pic>
+      <p:sp>
+        <p:nvSpPr>
+          <p:cNvPr id="10" name="TextBox 9">
+            <a:extLst>
+              <a:ext uri="{FF2B5EF4-FFF2-40B4-BE49-F238E27FC236}">
+                <a16:creationId xmlns:a16="http://schemas.microsoft.com/office/drawing/2014/main" id="{67618BEB-BBBF-8748-6AC4-B233BFA12E92}"/>
+              </a:ext>
+            </a:extLst>
+          </p:cNvPr>
+          <p:cNvSpPr txBox="1"/>
+          <p:nvPr/>
+        </p:nvSpPr>
+        <p:spPr>
+          <a:xfrm>
+            <a:off x="7823200" y="822707"/>
+            <a:ext cx="3564466" cy="369332"/>
+          </a:xfrm>
+          <a:prstGeom prst="rect">
+            <a:avLst/>
+          </a:prstGeom>
+          <a:noFill/>
+          <a:ln w="19050">
+            <a:solidFill>
+              <a:schemeClr val="tx1"/>
+            </a:solidFill>
+          </a:ln>
+        </p:spPr>
+        <p:txBody>
+          <a:bodyPr wrap="square" rtlCol="0">
+            <a:spAutoFit/>
+          </a:bodyPr>
+          <a:lstStyle/>
+          <a:p>
+            <a:pPr algn="ctr"/>
+            <a:r>
+              <a:rPr lang="en-GB" b="0" i="0" dirty="0">
+                <a:solidFill>
+                  <a:srgbClr val="000000"/>
+                </a:solidFill>
+                <a:effectLst/>
+                <a:latin typeface="TradeGothicNextW01-Ligh_693250"/>
+              </a:rPr>
+              <a:t>unwavering </a:t>
+            </a:r>
+            <a:r>
+              <a:rPr lang="en-GB" b="1" i="0" dirty="0">
+                <a:solidFill>
+                  <a:srgbClr val="000000"/>
+                </a:solidFill>
+                <a:effectLst/>
+                <a:latin typeface="TradeGothicNextW01-Ligh_693250"/>
+              </a:rPr>
+              <a:t>faith</a:t>
+            </a:r>
+            <a:r>
+              <a:rPr lang="en-GB" b="0" i="0" dirty="0">
+                <a:solidFill>
+                  <a:srgbClr val="000000"/>
+                </a:solidFill>
+                <a:effectLst/>
+                <a:latin typeface="TradeGothicNextW01-Ligh_693250"/>
+              </a:rPr>
+              <a:t> in the endgame</a:t>
+            </a:r>
+            <a:endParaRPr lang="en-IN" dirty="0">
+              <a:latin typeface="Aptos" panose="020B0004020202020204" pitchFamily="34" charset="0"/>
+            </a:endParaRPr>
+          </a:p>
+        </p:txBody>
+      </p:sp>
+      <p:sp>
+        <p:nvSpPr>
+          <p:cNvPr id="11" name="TextBox 10">
+            <a:extLst>
+              <a:ext uri="{FF2B5EF4-FFF2-40B4-BE49-F238E27FC236}">
+                <a16:creationId xmlns:a16="http://schemas.microsoft.com/office/drawing/2014/main" id="{7E24ADA4-793A-5313-A5E9-F0B19763584D}"/>
+              </a:ext>
+            </a:extLst>
+          </p:cNvPr>
+          <p:cNvSpPr txBox="1"/>
+          <p:nvPr/>
+        </p:nvSpPr>
+        <p:spPr>
+          <a:xfrm>
+            <a:off x="7484533" y="5305353"/>
+            <a:ext cx="4241801" cy="369332"/>
+          </a:xfrm>
+          <a:prstGeom prst="rect">
+            <a:avLst/>
+          </a:prstGeom>
+          <a:noFill/>
+          <a:ln w="19050">
+            <a:solidFill>
+              <a:schemeClr val="tx1"/>
+            </a:solidFill>
+          </a:ln>
+        </p:spPr>
+        <p:txBody>
+          <a:bodyPr wrap="square" rtlCol="0">
+            <a:spAutoFit/>
+          </a:bodyPr>
+          <a:lstStyle/>
+          <a:p>
+            <a:pPr algn="ctr"/>
+            <a:r>
+              <a:rPr lang="en-GB" b="0" i="0" dirty="0">
+                <a:solidFill>
+                  <a:srgbClr val="000000"/>
+                </a:solidFill>
+                <a:effectLst/>
+                <a:latin typeface="Aptos" panose="020B0004020202020204" pitchFamily="34" charset="0"/>
+              </a:rPr>
+              <a:t> stoically accept the brutal facts of reality</a:t>
+            </a:r>
+            <a:endParaRPr lang="en-IN" dirty="0">
+              <a:latin typeface="Aptos" panose="020B0004020202020204" pitchFamily="34" charset="0"/>
+            </a:endParaRPr>
+          </a:p>
+        </p:txBody>
+      </p:sp>
+      <p:pic>
+        <p:nvPicPr>
+          <p:cNvPr id="2050" name="Picture 2">
+            <a:extLst>
+              <a:ext uri="{FF2B5EF4-FFF2-40B4-BE49-F238E27FC236}">
+                <a16:creationId xmlns:a16="http://schemas.microsoft.com/office/drawing/2014/main" id="{1378A202-5E4A-19CE-5BF6-1FAE9D6C9017}"/>
+              </a:ext>
+            </a:extLst>
+          </p:cNvPr>
+          <p:cNvPicPr>
+            <a:picLocks noChangeAspect="1" noChangeArrowheads="1"/>
+          </p:cNvPicPr>
+          <p:nvPr/>
+        </p:nvPicPr>
+        <p:blipFill>
+          <a:blip r:embed="rId3">
+            <a:extLst>
+              <a:ext uri="{28A0092B-C50C-407E-A947-70E740481C1C}">
+                <a14:useLocalDpi xmlns:a14="http://schemas.microsoft.com/office/drawing/2010/main" val="0"/>
+              </a:ext>
+            </a:extLst>
+          </a:blip>
+          <a:srcRect/>
+          <a:stretch>
+            <a:fillRect/>
+          </a:stretch>
+        </p:blipFill>
+        <p:spPr bwMode="auto">
+          <a:xfrm>
+            <a:off x="1843615" y="742467"/>
+            <a:ext cx="2095500" cy="3200400"/>
+          </a:xfrm>
+          <a:prstGeom prst="rect">
+            <a:avLst/>
+          </a:prstGeom>
+          <a:noFill/>
+          <a:extLst>
+            <a:ext uri="{909E8E84-426E-40DD-AFC4-6F175D3DCCD1}">
+              <a14:hiddenFill xmlns:a14="http://schemas.microsoft.com/office/drawing/2010/main">
+                <a:solidFill>
+                  <a:srgbClr val="FFFFFF"/>
+                </a:solidFill>
+              </a14:hiddenFill>
+            </a:ext>
+          </a:extLst>
+        </p:spPr>
+      </p:pic>
+      <p:sp>
+        <p:nvSpPr>
+          <p:cNvPr id="15" name="TextBox 14">
+            <a:extLst>
+              <a:ext uri="{FF2B5EF4-FFF2-40B4-BE49-F238E27FC236}">
+                <a16:creationId xmlns:a16="http://schemas.microsoft.com/office/drawing/2014/main" id="{BA92450D-91F0-90E7-F17C-E0B0FC65ED8C}"/>
+              </a:ext>
+            </a:extLst>
+          </p:cNvPr>
+          <p:cNvSpPr txBox="1"/>
+          <p:nvPr/>
+        </p:nvSpPr>
+        <p:spPr>
+          <a:xfrm>
+            <a:off x="222247" y="5950289"/>
+            <a:ext cx="3716868" cy="231687"/>
+          </a:xfrm>
+          <a:prstGeom prst="rect">
+            <a:avLst/>
+          </a:prstGeom>
+          <a:noFill/>
+        </p:spPr>
+        <p:txBody>
+          <a:bodyPr wrap="square">
+            <a:spAutoFit/>
+          </a:bodyPr>
+          <a:lstStyle/>
+          <a:p>
+            <a:r>
+              <a:rPr lang="en-IN" sz="900" dirty="0">
+                <a:hlinkClick r:id="rId4"/>
+              </a:rPr>
+              <a:t>https://www.jimcollins.com/concepts/Stockdale-Concept.html</a:t>
+            </a:r>
+            <a:r>
+              <a:rPr lang="en-IN" sz="900" dirty="0"/>
+              <a:t> </a:t>
+            </a:r>
+          </a:p>
+        </p:txBody>
+      </p:sp>
+      <p:sp>
+        <p:nvSpPr>
+          <p:cNvPr id="17" name="TextBox 16">
+            <a:extLst>
+              <a:ext uri="{FF2B5EF4-FFF2-40B4-BE49-F238E27FC236}">
+                <a16:creationId xmlns:a16="http://schemas.microsoft.com/office/drawing/2014/main" id="{AC88347D-DA07-40CE-B9C9-7DC3145515FE}"/>
+              </a:ext>
+            </a:extLst>
+          </p:cNvPr>
+          <p:cNvSpPr txBox="1"/>
+          <p:nvPr/>
+        </p:nvSpPr>
+        <p:spPr>
+          <a:xfrm>
+            <a:off x="220133" y="4195963"/>
+            <a:ext cx="6096000" cy="1754326"/>
+          </a:xfrm>
+          <a:prstGeom prst="rect">
+            <a:avLst/>
+          </a:prstGeom>
+          <a:noFill/>
+        </p:spPr>
+        <p:txBody>
+          <a:bodyPr wrap="square">
+            <a:spAutoFit/>
+          </a:bodyPr>
+          <a:lstStyle/>
+          <a:p>
+            <a:r>
+              <a:rPr lang="en-GB" b="0" i="0" dirty="0">
+                <a:solidFill>
+                  <a:srgbClr val="000000"/>
+                </a:solidFill>
+                <a:effectLst/>
+                <a:latin typeface="Aptos" panose="020B0004020202020204" pitchFamily="34" charset="0"/>
+              </a:rPr>
+              <a:t>… Another long pause, and more walking. Then he turned to me and said, “This is a very important lesson. </a:t>
+            </a:r>
+          </a:p>
+          <a:p>
+            <a:r>
+              <a:rPr lang="en-GB" b="0" i="0" dirty="0">
+                <a:solidFill>
+                  <a:srgbClr val="000000"/>
+                </a:solidFill>
+                <a:effectLst/>
+                <a:latin typeface="Aptos" panose="020B0004020202020204" pitchFamily="34" charset="0"/>
+              </a:rPr>
+              <a:t>You must never confuse </a:t>
+            </a:r>
+            <a:r>
+              <a:rPr lang="en-GB" b="1" i="0" dirty="0">
+                <a:solidFill>
+                  <a:srgbClr val="000000"/>
+                </a:solidFill>
+                <a:effectLst/>
+                <a:latin typeface="Aptos" panose="020B0004020202020204" pitchFamily="34" charset="0"/>
+              </a:rPr>
+              <a:t>faith</a:t>
+            </a:r>
+            <a:r>
+              <a:rPr lang="en-GB" b="0" i="0" dirty="0">
+                <a:solidFill>
+                  <a:srgbClr val="000000"/>
+                </a:solidFill>
+                <a:effectLst/>
+                <a:latin typeface="Aptos" panose="020B0004020202020204" pitchFamily="34" charset="0"/>
+              </a:rPr>
+              <a:t> that </a:t>
+            </a:r>
+            <a:r>
+              <a:rPr lang="en-GB" b="1" i="0" dirty="0">
+                <a:solidFill>
+                  <a:srgbClr val="000000"/>
+                </a:solidFill>
+                <a:effectLst/>
+                <a:latin typeface="Aptos" panose="020B0004020202020204" pitchFamily="34" charset="0"/>
+              </a:rPr>
+              <a:t>you will prevail </a:t>
+            </a:r>
+            <a:r>
+              <a:rPr lang="en-GB" b="0" i="0" dirty="0">
+                <a:solidFill>
+                  <a:srgbClr val="000000"/>
+                </a:solidFill>
+                <a:effectLst/>
+                <a:latin typeface="Aptos" panose="020B0004020202020204" pitchFamily="34" charset="0"/>
+              </a:rPr>
+              <a:t>in the end—which you can never </a:t>
+            </a:r>
+            <a:r>
+              <a:rPr lang="en-GB" b="1" i="0" dirty="0">
+                <a:solidFill>
+                  <a:srgbClr val="000000"/>
+                </a:solidFill>
+                <a:effectLst/>
+                <a:latin typeface="Aptos" panose="020B0004020202020204" pitchFamily="34" charset="0"/>
+              </a:rPr>
+              <a:t>afford to lose</a:t>
+            </a:r>
+            <a:r>
+              <a:rPr lang="en-GB" b="0" i="0" dirty="0">
+                <a:solidFill>
+                  <a:srgbClr val="000000"/>
+                </a:solidFill>
+                <a:effectLst/>
+                <a:latin typeface="Aptos" panose="020B0004020202020204" pitchFamily="34" charset="0"/>
+              </a:rPr>
+              <a:t>—with the </a:t>
+            </a:r>
+            <a:r>
+              <a:rPr lang="en-GB" b="1" i="0" dirty="0">
+                <a:solidFill>
+                  <a:srgbClr val="000000"/>
+                </a:solidFill>
+                <a:effectLst/>
+                <a:latin typeface="Aptos" panose="020B0004020202020204" pitchFamily="34" charset="0"/>
+              </a:rPr>
+              <a:t>discipline</a:t>
+            </a:r>
+            <a:r>
+              <a:rPr lang="en-GB" b="0" i="0" dirty="0">
+                <a:solidFill>
+                  <a:srgbClr val="000000"/>
+                </a:solidFill>
+                <a:effectLst/>
+                <a:latin typeface="Aptos" panose="020B0004020202020204" pitchFamily="34" charset="0"/>
+              </a:rPr>
+              <a:t> to </a:t>
+            </a:r>
+            <a:r>
+              <a:rPr lang="en-GB" b="1" i="0" dirty="0">
+                <a:solidFill>
+                  <a:srgbClr val="000000"/>
+                </a:solidFill>
+                <a:effectLst/>
+                <a:latin typeface="Aptos" panose="020B0004020202020204" pitchFamily="34" charset="0"/>
+              </a:rPr>
+              <a:t>confront</a:t>
+            </a:r>
+            <a:r>
+              <a:rPr lang="en-GB" b="0" i="0" dirty="0">
+                <a:solidFill>
+                  <a:srgbClr val="000000"/>
+                </a:solidFill>
+                <a:effectLst/>
+                <a:latin typeface="Aptos" panose="020B0004020202020204" pitchFamily="34" charset="0"/>
+              </a:rPr>
+              <a:t> the most </a:t>
+            </a:r>
+            <a:r>
+              <a:rPr lang="en-GB" b="1" i="0" dirty="0">
+                <a:solidFill>
+                  <a:srgbClr val="000000"/>
+                </a:solidFill>
+                <a:effectLst/>
+                <a:latin typeface="Aptos" panose="020B0004020202020204" pitchFamily="34" charset="0"/>
+              </a:rPr>
+              <a:t>brutal facts </a:t>
+            </a:r>
+            <a:r>
+              <a:rPr lang="en-GB" b="0" i="0" dirty="0">
+                <a:solidFill>
+                  <a:srgbClr val="000000"/>
+                </a:solidFill>
+                <a:effectLst/>
+                <a:latin typeface="Aptos" panose="020B0004020202020204" pitchFamily="34" charset="0"/>
+              </a:rPr>
+              <a:t>of your current </a:t>
+            </a:r>
+            <a:r>
+              <a:rPr lang="en-GB" b="1" i="0" dirty="0">
+                <a:solidFill>
+                  <a:srgbClr val="000000"/>
+                </a:solidFill>
+                <a:effectLst/>
+                <a:latin typeface="Aptos" panose="020B0004020202020204" pitchFamily="34" charset="0"/>
+              </a:rPr>
+              <a:t>reality</a:t>
+            </a:r>
+            <a:r>
+              <a:rPr lang="en-GB" b="0" i="0" dirty="0">
+                <a:solidFill>
+                  <a:srgbClr val="000000"/>
+                </a:solidFill>
+                <a:effectLst/>
+                <a:latin typeface="Aptos" panose="020B0004020202020204" pitchFamily="34" charset="0"/>
+              </a:rPr>
+              <a:t>, whatever they might be.”</a:t>
+            </a:r>
+            <a:endParaRPr lang="en-IN" dirty="0">
+              <a:latin typeface="Aptos" panose="020B0004020202020204" pitchFamily="34" charset="0"/>
+            </a:endParaRPr>
+          </a:p>
+        </p:txBody>
+      </p:sp>
+      <p:cxnSp>
+        <p:nvCxnSpPr>
+          <p:cNvPr id="19" name="Straight Arrow Connector 18">
+            <a:extLst>
+              <a:ext uri="{FF2B5EF4-FFF2-40B4-BE49-F238E27FC236}">
+                <a16:creationId xmlns:a16="http://schemas.microsoft.com/office/drawing/2014/main" id="{6F58124E-287B-689A-5AD4-14CB2BD2CDF1}"/>
+              </a:ext>
+            </a:extLst>
+          </p:cNvPr>
+          <p:cNvCxnSpPr>
+            <a:stCxn id="11" idx="0"/>
+            <a:endCxn id="5" idx="4"/>
+          </p:cNvCxnSpPr>
+          <p:nvPr/>
+        </p:nvCxnSpPr>
+        <p:spPr>
+          <a:xfrm flipH="1" flipV="1">
+            <a:off x="9595966" y="4292874"/>
+            <a:ext cx="9468" cy="1012479"/>
+          </a:xfrm>
+          <a:prstGeom prst="straightConnector1">
+            <a:avLst/>
+          </a:prstGeom>
+          <a:ln>
+            <a:tailEnd type="triangle"/>
+          </a:ln>
+        </p:spPr>
+        <p:style>
+          <a:lnRef idx="1">
+            <a:schemeClr val="dk1"/>
+          </a:lnRef>
+          <a:fillRef idx="0">
+            <a:schemeClr val="dk1"/>
+          </a:fillRef>
+          <a:effectRef idx="0">
+            <a:schemeClr val="dk1"/>
+          </a:effectRef>
+          <a:fontRef idx="minor">
+            <a:schemeClr val="tx1"/>
+          </a:fontRef>
+        </p:style>
+      </p:cxnSp>
+      <p:cxnSp>
+        <p:nvCxnSpPr>
+          <p:cNvPr id="24" name="Straight Arrow Connector 23">
+            <a:extLst>
+              <a:ext uri="{FF2B5EF4-FFF2-40B4-BE49-F238E27FC236}">
+                <a16:creationId xmlns:a16="http://schemas.microsoft.com/office/drawing/2014/main" id="{5DE6F189-E726-6FE9-77A3-D00BC0AB0851}"/>
+              </a:ext>
+            </a:extLst>
+          </p:cNvPr>
+          <p:cNvCxnSpPr>
+            <a:stCxn id="5" idx="0"/>
+            <a:endCxn id="10" idx="2"/>
+          </p:cNvCxnSpPr>
+          <p:nvPr/>
+        </p:nvCxnSpPr>
+        <p:spPr>
+          <a:xfrm flipV="1">
+            <a:off x="9595966" y="1192039"/>
+            <a:ext cx="9467" cy="862016"/>
+          </a:xfrm>
+          <a:prstGeom prst="straightConnector1">
+            <a:avLst/>
+          </a:prstGeom>
+          <a:ln>
+            <a:tailEnd type="triangle"/>
+          </a:ln>
+        </p:spPr>
+        <p:style>
+          <a:lnRef idx="1">
+            <a:schemeClr val="dk1"/>
+          </a:lnRef>
+          <a:fillRef idx="0">
+            <a:schemeClr val="dk1"/>
+          </a:fillRef>
+          <a:effectRef idx="0">
+            <a:schemeClr val="dk1"/>
+          </a:effectRef>
+          <a:fontRef idx="minor">
+            <a:schemeClr val="tx1"/>
+          </a:fontRef>
+        </p:style>
+      </p:cxnSp>
+    </p:spTree>
+    <p:extLst>
+      <p:ext uri="{BB962C8B-B14F-4D97-AF65-F5344CB8AC3E}">
+        <p14:creationId xmlns:p14="http://schemas.microsoft.com/office/powerpoint/2010/main" val="4174859459"/>
+      </p:ext>
+    </p:extLst>
+  </p:cSld>
+  <p:clrMapOvr>
+    <a:masterClrMapping/>
+  </p:clrMapOvr>
+</p:sld>
+</file>
+
+<file path=ppt/slides/slide6.xml><?xml version="1.0" encoding="utf-8"?>
+<p:sld xmlns:a="http://schemas.openxmlformats.org/drawingml/2006/main" xmlns:r="http://schemas.openxmlformats.org/officeDocument/2006/relationships" xmlns:p="http://schemas.openxmlformats.org/presentationml/2006/main">
+  <p:cSld>
+    <p:spTree>
+      <p:nvGrpSpPr>
+        <p:cNvPr id="1" name=""/>
+        <p:cNvGrpSpPr/>
+        <p:nvPr/>
+      </p:nvGrpSpPr>
+      <p:grpSpPr>
+        <a:xfrm>
+          <a:off x="0" y="0"/>
+          <a:ext cx="0" cy="0"/>
+          <a:chOff x="0" y="0"/>
+          <a:chExt cx="0" cy="0"/>
+        </a:xfrm>
+      </p:grpSpPr>
+      <p:pic>
+        <p:nvPicPr>
+          <p:cNvPr id="7" name="Picture 6">
+            <a:extLst>
+              <a:ext uri="{FF2B5EF4-FFF2-40B4-BE49-F238E27FC236}">
+                <a16:creationId xmlns:a16="http://schemas.microsoft.com/office/drawing/2014/main" id="{208C7302-F1F9-5D44-C536-128BEF6A87B6}"/>
+              </a:ext>
+            </a:extLst>
+          </p:cNvPr>
+          <p:cNvPicPr>
+            <a:picLocks noChangeAspect="1"/>
+          </p:cNvPicPr>
+          <p:nvPr/>
+        </p:nvPicPr>
+        <p:blipFill>
+          <a:blip r:embed="rId2"/>
+          <a:stretch>
+            <a:fillRect/>
+          </a:stretch>
+        </p:blipFill>
+        <p:spPr>
+          <a:xfrm>
+            <a:off x="615619" y="0"/>
+            <a:ext cx="10351161" cy="6858000"/>
+          </a:xfrm>
+          <a:prstGeom prst="rect">
+            <a:avLst/>
+          </a:prstGeom>
+        </p:spPr>
+      </p:pic>
+      <p:sp>
+        <p:nvSpPr>
           <p:cNvPr id="2" name="Title 1">
             <a:extLst>
               <a:ext uri="{FF2B5EF4-FFF2-40B4-BE49-F238E27FC236}">
@@ -15189,7 +23111,7 @@
         </p:nvSpPr>
         <p:spPr>
           <a:xfrm>
-            <a:off x="4546599" y="119592"/>
+            <a:off x="3479799" y="43392"/>
             <a:ext cx="3488267" cy="701675"/>
           </a:xfrm>
         </p:spPr>
@@ -15209,36 +23131,108 @@
           </a:p>
         </p:txBody>
       </p:sp>
-      <p:pic>
-        <p:nvPicPr>
-          <p:cNvPr id="5" name="Picture 4">
+      <p:sp>
+        <p:nvSpPr>
+          <p:cNvPr id="3" name="Oval 2">
             <a:extLst>
               <a:ext uri="{FF2B5EF4-FFF2-40B4-BE49-F238E27FC236}">
-                <a16:creationId xmlns:a16="http://schemas.microsoft.com/office/drawing/2014/main" id="{2334BD63-B655-C23C-784E-AB797D9808EF}"/>
+                <a16:creationId xmlns:a16="http://schemas.microsoft.com/office/drawing/2014/main" id="{65AD8869-8B6C-CC26-A424-3584832A4D64}"/>
               </a:ext>
             </a:extLst>
           </p:cNvPr>
-          <p:cNvPicPr>
-            <a:picLocks noChangeAspect="1"/>
-          </p:cNvPicPr>
+          <p:cNvSpPr/>
           <p:nvPr/>
-        </p:nvPicPr>
-        <p:blipFill>
-          <a:blip r:embed="rId2"/>
-          <a:stretch>
-            <a:fillRect/>
-          </a:stretch>
-        </p:blipFill>
+        </p:nvSpPr>
         <p:spPr>
           <a:xfrm>
-            <a:off x="508000" y="694874"/>
-            <a:ext cx="11404600" cy="5510009"/>
+            <a:off x="0" y="872066"/>
+            <a:ext cx="5283200" cy="5113867"/>
           </a:xfrm>
-          <a:prstGeom prst="rect">
+          <a:prstGeom prst="ellipse">
             <a:avLst/>
           </a:prstGeom>
+          <a:noFill/>
         </p:spPr>
-      </p:pic>
+        <p:style>
+          <a:lnRef idx="2">
+            <a:schemeClr val="accent1">
+              <a:shade val="15000"/>
+            </a:schemeClr>
+          </a:lnRef>
+          <a:fillRef idx="1">
+            <a:schemeClr val="accent1"/>
+          </a:fillRef>
+          <a:effectRef idx="0">
+            <a:schemeClr val="accent1"/>
+          </a:effectRef>
+          <a:fontRef idx="minor">
+            <a:schemeClr val="lt1"/>
+          </a:fontRef>
+        </p:style>
+        <p:txBody>
+          <a:bodyPr rtlCol="0" anchor="ctr"/>
+          <a:lstStyle/>
+          <a:p>
+            <a:pPr algn="ctr"/>
+            <a:endParaRPr lang="en-IN"/>
+          </a:p>
+        </p:txBody>
+      </p:sp>
+      <p:sp>
+        <p:nvSpPr>
+          <p:cNvPr id="4" name="Oval 3">
+            <a:extLst>
+              <a:ext uri="{FF2B5EF4-FFF2-40B4-BE49-F238E27FC236}">
+                <a16:creationId xmlns:a16="http://schemas.microsoft.com/office/drawing/2014/main" id="{5CE84613-37FA-89DF-70E8-0FDD5E2BDC0C}"/>
+              </a:ext>
+            </a:extLst>
+          </p:cNvPr>
+          <p:cNvSpPr/>
+          <p:nvPr/>
+        </p:nvSpPr>
+        <p:spPr>
+          <a:xfrm>
+            <a:off x="5342467" y="-372533"/>
+            <a:ext cx="5624313" cy="7636933"/>
+          </a:xfrm>
+          <a:prstGeom prst="ellipse">
+            <a:avLst/>
+          </a:prstGeom>
+          <a:solidFill>
+            <a:schemeClr val="bg1">
+              <a:lumMod val="95000"/>
+              <a:alpha val="71000"/>
+            </a:schemeClr>
+          </a:solidFill>
+          <a:ln>
+            <a:noFill/>
+          </a:ln>
+        </p:spPr>
+        <p:style>
+          <a:lnRef idx="2">
+            <a:schemeClr val="accent1">
+              <a:shade val="15000"/>
+            </a:schemeClr>
+          </a:lnRef>
+          <a:fillRef idx="1">
+            <a:schemeClr val="accent1"/>
+          </a:fillRef>
+          <a:effectRef idx="0">
+            <a:schemeClr val="accent1"/>
+          </a:effectRef>
+          <a:fontRef idx="minor">
+            <a:schemeClr val="lt1"/>
+          </a:fontRef>
+        </p:style>
+        <p:txBody>
+          <a:bodyPr rtlCol="0" anchor="ctr"/>
+          <a:lstStyle/>
+          <a:p>
+            <a:pPr algn="ctr"/>
+            <a:endParaRPr lang="en-IN"/>
+          </a:p>
+        </p:txBody>
+      </p:sp>
     </p:spTree>
     <p:extLst>
       <p:ext uri="{BB962C8B-B14F-4D97-AF65-F5344CB8AC3E}">
@@ -15249,6 +23243,84 @@
   <p:clrMapOvr>
     <a:masterClrMapping/>
   </p:clrMapOvr>
+  <p:timing>
+    <p:tnLst>
+      <p:par>
+        <p:cTn id="1" dur="indefinite" restart="never" nodeType="tmRoot">
+          <p:childTnLst>
+            <p:seq concurrent="1" nextAc="seek">
+              <p:cTn id="2" dur="indefinite" nodeType="mainSeq">
+                <p:childTnLst>
+                  <p:par>
+                    <p:cTn id="3" fill="hold">
+                      <p:stCondLst>
+                        <p:cond delay="indefinite"/>
+                      </p:stCondLst>
+                      <p:childTnLst>
+                        <p:par>
+                          <p:cTn id="4" fill="hold">
+                            <p:stCondLst>
+                              <p:cond delay="0"/>
+                            </p:stCondLst>
+                            <p:childTnLst>
+                              <p:par>
+                                <p:cTn id="5" presetID="1" presetClass="entr" presetSubtype="0" fill="hold" grpId="0" nodeType="clickEffect">
+                                  <p:stCondLst>
+                                    <p:cond delay="0"/>
+                                  </p:stCondLst>
+                                  <p:childTnLst>
+                                    <p:set>
+                                      <p:cBhvr>
+                                        <p:cTn id="6" dur="1" fill="hold">
+                                          <p:stCondLst>
+                                            <p:cond delay="0"/>
+                                          </p:stCondLst>
+                                        </p:cTn>
+                                        <p:tgtEl>
+                                          <p:spTgt spid="4"/>
+                                        </p:tgtEl>
+                                        <p:attrNameLst>
+                                          <p:attrName>style.visibility</p:attrName>
+                                        </p:attrNameLst>
+                                      </p:cBhvr>
+                                      <p:to>
+                                        <p:strVal val="visible"/>
+                                      </p:to>
+                                    </p:set>
+                                  </p:childTnLst>
+                                </p:cTn>
+                              </p:par>
+                            </p:childTnLst>
+                          </p:cTn>
+                        </p:par>
+                      </p:childTnLst>
+                    </p:cTn>
+                  </p:par>
+                </p:childTnLst>
+              </p:cTn>
+              <p:prevCondLst>
+                <p:cond evt="onPrev" delay="0">
+                  <p:tgtEl>
+                    <p:sldTgt/>
+                  </p:tgtEl>
+                </p:cond>
+              </p:prevCondLst>
+              <p:nextCondLst>
+                <p:cond evt="onNext" delay="0">
+                  <p:tgtEl>
+                    <p:sldTgt/>
+                  </p:tgtEl>
+                </p:cond>
+              </p:nextCondLst>
+            </p:seq>
+          </p:childTnLst>
+        </p:cTn>
+      </p:par>
+    </p:tnLst>
+    <p:bldLst>
+      <p:bldP spid="4" grpId="0" animBg="1"/>
+    </p:bldLst>
+  </p:timing>
 </p:sld>
 </file>
 

--- a/_posts/talks/courage-over-comfort.pptx
+++ b/_posts/talks/courage-over-comfort.pptx
@@ -9392,7 +9392,7 @@
           <a:p>
             <a:fld id="{3C04E684-10F4-4CC3-A0B9-F03AA7BE37CF}" type="datetimeFigureOut">
               <a:rPr lang="en-US" smtClean="0"/>
-              <a:t>12/19/2024</a:t>
+              <a:t>12/25/2024</a:t>
             </a:fld>
             <a:endParaRPr lang="en-US"/>
           </a:p>
@@ -11882,7 +11882,7 @@
           <a:p>
             <a:fld id="{3C04E684-10F4-4CC3-A0B9-F03AA7BE37CF}" type="datetimeFigureOut">
               <a:rPr lang="en-US" smtClean="0"/>
-              <a:t>12/19/2024</a:t>
+              <a:t>12/25/2024</a:t>
             </a:fld>
             <a:endParaRPr lang="en-US"/>
           </a:p>
@@ -12080,7 +12080,7 @@
           <a:p>
             <a:fld id="{3C04E684-10F4-4CC3-A0B9-F03AA7BE37CF}" type="datetimeFigureOut">
               <a:rPr lang="en-US" smtClean="0"/>
-              <a:t>12/19/2024</a:t>
+              <a:t>12/25/2024</a:t>
             </a:fld>
             <a:endParaRPr lang="en-US"/>
           </a:p>
@@ -12288,7 +12288,7 @@
           <a:p>
             <a:fld id="{3C04E684-10F4-4CC3-A0B9-F03AA7BE37CF}" type="datetimeFigureOut">
               <a:rPr lang="en-US" smtClean="0"/>
-              <a:t>12/19/2024</a:t>
+              <a:t>12/25/2024</a:t>
             </a:fld>
             <a:endParaRPr lang="en-US"/>
           </a:p>
@@ -13025,7 +13025,7 @@
           <a:p>
             <a:fld id="{3C04E684-10F4-4CC3-A0B9-F03AA7BE37CF}" type="datetimeFigureOut">
               <a:rPr lang="en-US" smtClean="0"/>
-              <a:t>12/19/2024</a:t>
+              <a:t>12/25/2024</a:t>
             </a:fld>
             <a:endParaRPr lang="en-US"/>
           </a:p>
@@ -13667,7 +13667,7 @@
           <a:p>
             <a:fld id="{3C04E684-10F4-4CC3-A0B9-F03AA7BE37CF}" type="datetimeFigureOut">
               <a:rPr lang="en-US" smtClean="0"/>
-              <a:t>12/19/2024</a:t>
+              <a:t>12/25/2024</a:t>
             </a:fld>
             <a:endParaRPr lang="en-US"/>
           </a:p>
@@ -14467,7 +14467,7 @@
           <a:p>
             <a:fld id="{3C04E684-10F4-4CC3-A0B9-F03AA7BE37CF}" type="datetimeFigureOut">
               <a:rPr lang="en-US" smtClean="0"/>
-              <a:t>12/19/2024</a:t>
+              <a:t>12/25/2024</a:t>
             </a:fld>
             <a:endParaRPr lang="en-US"/>
           </a:p>
@@ -15418,7 +15418,7 @@
           <a:p>
             <a:fld id="{3C04E684-10F4-4CC3-A0B9-F03AA7BE37CF}" type="datetimeFigureOut">
               <a:rPr lang="en-US" smtClean="0"/>
-              <a:t>12/19/2024</a:t>
+              <a:t>12/25/2024</a:t>
             </a:fld>
             <a:endParaRPr lang="en-US"/>
           </a:p>
@@ -17767,7 +17767,7 @@
           <a:p>
             <a:fld id="{3C04E684-10F4-4CC3-A0B9-F03AA7BE37CF}" type="datetimeFigureOut">
               <a:rPr lang="en-US" smtClean="0"/>
-              <a:t>12/19/2024</a:t>
+              <a:t>12/25/2024</a:t>
             </a:fld>
             <a:endParaRPr lang="en-US"/>
           </a:p>
@@ -17880,7 +17880,7 @@
           <a:p>
             <a:fld id="{3C04E684-10F4-4CC3-A0B9-F03AA7BE37CF}" type="datetimeFigureOut">
               <a:rPr lang="en-US" smtClean="0"/>
-              <a:t>12/19/2024</a:t>
+              <a:t>12/25/2024</a:t>
             </a:fld>
             <a:endParaRPr lang="en-US"/>
           </a:p>
@@ -18387,7 +18387,7 @@
           <a:p>
             <a:fld id="{3C04E684-10F4-4CC3-A0B9-F03AA7BE37CF}" type="datetimeFigureOut">
               <a:rPr lang="en-US" smtClean="0"/>
-              <a:t>12/19/2024</a:t>
+              <a:t>12/25/2024</a:t>
             </a:fld>
             <a:endParaRPr lang="en-US"/>
           </a:p>
@@ -19690,7 +19690,7 @@
           <a:p>
             <a:fld id="{3C04E684-10F4-4CC3-A0B9-F03AA7BE37CF}" type="datetimeFigureOut">
               <a:rPr lang="en-US" smtClean="0"/>
-              <a:t>12/19/2024</a:t>
+              <a:t>12/25/2024</a:t>
             </a:fld>
             <a:endParaRPr lang="en-US"/>
           </a:p>
@@ -19937,7 +19937,7 @@
           <a:p>
             <a:fld id="{3C04E684-10F4-4CC3-A0B9-F03AA7BE37CF}" type="datetimeFigureOut">
               <a:rPr lang="en-US" smtClean="0"/>
-              <a:t>12/19/2024</a:t>
+              <a:t>12/25/2024</a:t>
             </a:fld>
             <a:endParaRPr lang="en-US"/>
           </a:p>
@@ -21524,6 +21524,17 @@
               </a:lnSpc>
             </a:pPr>
             <a:r>
+              <a:rPr lang="en-IN" sz="2400">
+                <a:solidFill>
+                  <a:schemeClr val="bg1">
+                    <a:lumMod val="65000"/>
+                  </a:schemeClr>
+                </a:solidFill>
+                <a:latin typeface="Aptos" panose="020B0004020202020204" pitchFamily="34" charset="0"/>
+              </a:rPr>
+              <a:t>As Luke </a:t>
+            </a:r>
+            <a:r>
               <a:rPr lang="en-IN" sz="2400" dirty="0">
                 <a:solidFill>
                   <a:schemeClr val="bg1">
@@ -21532,7 +21543,7 @@
                 </a:solidFill>
                 <a:latin typeface="Aptos" panose="020B0004020202020204" pitchFamily="34" charset="0"/>
               </a:rPr>
-              <a:t>As Lukas straps on his weapons, Yoda hauntingly advises, </a:t>
+              <a:t>straps on his weapons, Yoda hauntingly advises, </a:t>
             </a:r>
             <a:r>
               <a:rPr lang="en-IN" sz="2400" b="1" dirty="0">
